--- a/Russo_Gaddis_EEP547_project.pptx
+++ b/Russo_Gaddis_EEP547_project.pptx
@@ -2,7 +2,7 @@
 <file path=ppt/presentation.xml><?xml version="1.0" encoding="utf-8"?>
 <p:presentation xmlns:a="http://schemas.openxmlformats.org/drawingml/2006/main" xmlns:r="http://schemas.openxmlformats.org/officeDocument/2006/relationships" xmlns:p="http://schemas.openxmlformats.org/presentationml/2006/main" saveSubsetFonts="1">
   <p:sldMasterIdLst>
-    <p:sldMasterId id="2147483648" r:id="rId1"/>
+    <p:sldMasterId id="2147483660" r:id="rId1"/>
   </p:sldMasterIdLst>
   <p:sldIdLst>
     <p:sldId id="256" r:id="rId2"/>
@@ -11,9 +11,10 @@
     <p:sldId id="259" r:id="rId5"/>
     <p:sldId id="260" r:id="rId6"/>
     <p:sldId id="261" r:id="rId7"/>
-    <p:sldId id="262" r:id="rId8"/>
-    <p:sldId id="264" r:id="rId9"/>
-    <p:sldId id="263" r:id="rId10"/>
+    <p:sldId id="265" r:id="rId8"/>
+    <p:sldId id="262" r:id="rId9"/>
+    <p:sldId id="266" r:id="rId10"/>
+    <p:sldId id="263" r:id="rId11"/>
   </p:sldIdLst>
   <p:sldSz cx="12192000" cy="6858000"/>
   <p:notesSz cx="6858000" cy="9144000"/>
@@ -21,7 +22,7 @@
     <a:defPPr>
       <a:defRPr lang="en-US"/>
     </a:defPPr>
-    <a:lvl1pPr marL="0" algn="l" defTabSz="914400" rtl="0" eaLnBrk="1" latinLnBrk="0" hangingPunct="1">
+    <a:lvl1pPr marL="0" algn="l" defTabSz="457200" rtl="0" eaLnBrk="1" latinLnBrk="0" hangingPunct="1">
       <a:defRPr sz="1800" kern="1200">
         <a:solidFill>
           <a:schemeClr val="tx1"/>
@@ -31,7 +32,7 @@
         <a:cs typeface="+mn-cs"/>
       </a:defRPr>
     </a:lvl1pPr>
-    <a:lvl2pPr marL="457200" algn="l" defTabSz="914400" rtl="0" eaLnBrk="1" latinLnBrk="0" hangingPunct="1">
+    <a:lvl2pPr marL="457200" algn="l" defTabSz="457200" rtl="0" eaLnBrk="1" latinLnBrk="0" hangingPunct="1">
       <a:defRPr sz="1800" kern="1200">
         <a:solidFill>
           <a:schemeClr val="tx1"/>
@@ -41,7 +42,7 @@
         <a:cs typeface="+mn-cs"/>
       </a:defRPr>
     </a:lvl2pPr>
-    <a:lvl3pPr marL="914400" algn="l" defTabSz="914400" rtl="0" eaLnBrk="1" latinLnBrk="0" hangingPunct="1">
+    <a:lvl3pPr marL="914400" algn="l" defTabSz="457200" rtl="0" eaLnBrk="1" latinLnBrk="0" hangingPunct="1">
       <a:defRPr sz="1800" kern="1200">
         <a:solidFill>
           <a:schemeClr val="tx1"/>
@@ -51,7 +52,7 @@
         <a:cs typeface="+mn-cs"/>
       </a:defRPr>
     </a:lvl3pPr>
-    <a:lvl4pPr marL="1371600" algn="l" defTabSz="914400" rtl="0" eaLnBrk="1" latinLnBrk="0" hangingPunct="1">
+    <a:lvl4pPr marL="1371600" algn="l" defTabSz="457200" rtl="0" eaLnBrk="1" latinLnBrk="0" hangingPunct="1">
       <a:defRPr sz="1800" kern="1200">
         <a:solidFill>
           <a:schemeClr val="tx1"/>
@@ -61,7 +62,7 @@
         <a:cs typeface="+mn-cs"/>
       </a:defRPr>
     </a:lvl4pPr>
-    <a:lvl5pPr marL="1828800" algn="l" defTabSz="914400" rtl="0" eaLnBrk="1" latinLnBrk="0" hangingPunct="1">
+    <a:lvl5pPr marL="1828800" algn="l" defTabSz="457200" rtl="0" eaLnBrk="1" latinLnBrk="0" hangingPunct="1">
       <a:defRPr sz="1800" kern="1200">
         <a:solidFill>
           <a:schemeClr val="tx1"/>
@@ -71,7 +72,7 @@
         <a:cs typeface="+mn-cs"/>
       </a:defRPr>
     </a:lvl5pPr>
-    <a:lvl6pPr marL="2286000" algn="l" defTabSz="914400" rtl="0" eaLnBrk="1" latinLnBrk="0" hangingPunct="1">
+    <a:lvl6pPr marL="2286000" algn="l" defTabSz="457200" rtl="0" eaLnBrk="1" latinLnBrk="0" hangingPunct="1">
       <a:defRPr sz="1800" kern="1200">
         <a:solidFill>
           <a:schemeClr val="tx1"/>
@@ -81,7 +82,7 @@
         <a:cs typeface="+mn-cs"/>
       </a:defRPr>
     </a:lvl6pPr>
-    <a:lvl7pPr marL="2743200" algn="l" defTabSz="914400" rtl="0" eaLnBrk="1" latinLnBrk="0" hangingPunct="1">
+    <a:lvl7pPr marL="2743200" algn="l" defTabSz="457200" rtl="0" eaLnBrk="1" latinLnBrk="0" hangingPunct="1">
       <a:defRPr sz="1800" kern="1200">
         <a:solidFill>
           <a:schemeClr val="tx1"/>
@@ -91,7 +92,7 @@
         <a:cs typeface="+mn-cs"/>
       </a:defRPr>
     </a:lvl7pPr>
-    <a:lvl8pPr marL="3200400" algn="l" defTabSz="914400" rtl="0" eaLnBrk="1" latinLnBrk="0" hangingPunct="1">
+    <a:lvl8pPr marL="3200400" algn="l" defTabSz="457200" rtl="0" eaLnBrk="1" latinLnBrk="0" hangingPunct="1">
       <a:defRPr sz="1800" kern="1200">
         <a:solidFill>
           <a:schemeClr val="tx1"/>
@@ -101,7 +102,7 @@
         <a:cs typeface="+mn-cs"/>
       </a:defRPr>
     </a:lvl8pPr>
-    <a:lvl9pPr marL="3657600" algn="l" defTabSz="914400" rtl="0" eaLnBrk="1" latinLnBrk="0" hangingPunct="1">
+    <a:lvl9pPr marL="3657600" algn="l" defTabSz="457200" rtl="0" eaLnBrk="1" latinLnBrk="0" hangingPunct="1">
       <a:defRPr sz="1800" kern="1200">
         <a:solidFill>
           <a:schemeClr val="tx1"/>
@@ -121,7 +122,7 @@
 </file>
 
 <file path=ppt/slideLayouts/slideLayout1.xml><?xml version="1.0" encoding="utf-8"?>
-<p:sldLayout xmlns:a="http://schemas.openxmlformats.org/drawingml/2006/main" xmlns:r="http://schemas.openxmlformats.org/officeDocument/2006/relationships" xmlns:p="http://schemas.openxmlformats.org/presentationml/2006/main" type="title" preserve="1">
+<p:sldLayout xmlns:a="http://schemas.openxmlformats.org/drawingml/2006/main" xmlns:r="http://schemas.openxmlformats.org/officeDocument/2006/relationships" xmlns:p="http://schemas.openxmlformats.org/presentationml/2006/main" showMasterSp="0" type="title" preserve="1">
   <p:cSld name="Title Slide">
     <p:spTree>
       <p:nvGrpSpPr>
@@ -137,15 +138,539 @@
           <a:chExt cx="0" cy="0"/>
         </a:xfrm>
       </p:grpSpPr>
-      <p:sp>
-        <p:nvSpPr>
-          <p:cNvPr id="2" name="Title 1">
-            <a:extLst>
-              <a:ext uri="{FF2B5EF4-FFF2-40B4-BE49-F238E27FC236}">
-                <a16:creationId xmlns:a16="http://schemas.microsoft.com/office/drawing/2014/main" id="{1F001BAE-7561-41E5-D6B3-C6008C526523}"/>
-              </a:ext>
-            </a:extLst>
-          </p:cNvPr>
+      <p:grpSp>
+        <p:nvGrpSpPr>
+          <p:cNvPr id="7" name="Group 6"/>
+          <p:cNvGrpSpPr/>
+          <p:nvPr/>
+        </p:nvGrpSpPr>
+        <p:grpSpPr>
+          <a:xfrm>
+            <a:off x="0" y="-8467"/>
+            <a:ext cx="12192000" cy="6866467"/>
+            <a:chOff x="0" y="-8467"/>
+            <a:chExt cx="12192000" cy="6866467"/>
+          </a:xfrm>
+        </p:grpSpPr>
+        <p:cxnSp>
+          <p:nvCxnSpPr>
+            <p:cNvPr id="32" name="Straight Connector 31"/>
+            <p:cNvCxnSpPr/>
+            <p:nvPr/>
+          </p:nvCxnSpPr>
+          <p:spPr>
+            <a:xfrm>
+              <a:off x="9371012" y="0"/>
+              <a:ext cx="1219200" cy="6858000"/>
+            </a:xfrm>
+            <a:prstGeom prst="line">
+              <a:avLst/>
+            </a:prstGeom>
+            <a:ln w="9525">
+              <a:solidFill>
+                <a:schemeClr val="bg1">
+                  <a:lumMod val="75000"/>
+                </a:schemeClr>
+              </a:solidFill>
+            </a:ln>
+          </p:spPr>
+          <p:style>
+            <a:lnRef idx="2">
+              <a:schemeClr val="accent1"/>
+            </a:lnRef>
+            <a:fillRef idx="0">
+              <a:schemeClr val="accent1"/>
+            </a:fillRef>
+            <a:effectRef idx="1">
+              <a:schemeClr val="accent1"/>
+            </a:effectRef>
+            <a:fontRef idx="minor">
+              <a:schemeClr val="tx1"/>
+            </a:fontRef>
+          </p:style>
+        </p:cxnSp>
+        <p:cxnSp>
+          <p:nvCxnSpPr>
+            <p:cNvPr id="21" name="Straight Connector 20"/>
+            <p:cNvCxnSpPr/>
+            <p:nvPr/>
+          </p:nvCxnSpPr>
+          <p:spPr>
+            <a:xfrm flipH="1">
+              <a:off x="7425267" y="3681413"/>
+              <a:ext cx="4763558" cy="3176587"/>
+            </a:xfrm>
+            <a:prstGeom prst="line">
+              <a:avLst/>
+            </a:prstGeom>
+            <a:ln w="9525">
+              <a:solidFill>
+                <a:schemeClr val="bg1">
+                  <a:lumMod val="85000"/>
+                </a:schemeClr>
+              </a:solidFill>
+            </a:ln>
+          </p:spPr>
+          <p:style>
+            <a:lnRef idx="2">
+              <a:schemeClr val="accent1"/>
+            </a:lnRef>
+            <a:fillRef idx="0">
+              <a:schemeClr val="accent1"/>
+            </a:fillRef>
+            <a:effectRef idx="1">
+              <a:schemeClr val="accent1"/>
+            </a:effectRef>
+            <a:fontRef idx="minor">
+              <a:schemeClr val="tx1"/>
+            </a:fontRef>
+          </p:style>
+        </p:cxnSp>
+        <p:sp>
+          <p:nvSpPr>
+            <p:cNvPr id="24" name="Rectangle 23"/>
+            <p:cNvSpPr/>
+            <p:nvPr/>
+          </p:nvSpPr>
+          <p:spPr>
+            <a:xfrm>
+              <a:off x="9181476" y="-8467"/>
+              <a:ext cx="3007349" cy="6866467"/>
+            </a:xfrm>
+            <a:custGeom>
+              <a:avLst/>
+              <a:gdLst/>
+              <a:ahLst/>
+              <a:cxnLst/>
+              <a:rect l="l" t="t" r="r" b="b"/>
+              <a:pathLst>
+                <a:path w="3007349" h="6866467">
+                  <a:moveTo>
+                    <a:pt x="2045532" y="0"/>
+                  </a:moveTo>
+                  <a:lnTo>
+                    <a:pt x="3007349" y="0"/>
+                  </a:lnTo>
+                  <a:lnTo>
+                    <a:pt x="3007349" y="6866467"/>
+                  </a:lnTo>
+                  <a:lnTo>
+                    <a:pt x="0" y="6866467"/>
+                  </a:lnTo>
+                  <a:lnTo>
+                    <a:pt x="2045532" y="0"/>
+                  </a:lnTo>
+                  <a:close/>
+                </a:path>
+              </a:pathLst>
+            </a:custGeom>
+            <a:solidFill>
+              <a:schemeClr val="accent1">
+                <a:alpha val="30000"/>
+              </a:schemeClr>
+            </a:solidFill>
+            <a:ln>
+              <a:noFill/>
+            </a:ln>
+            <a:effectLst/>
+          </p:spPr>
+          <p:style>
+            <a:lnRef idx="1">
+              <a:schemeClr val="accent1"/>
+            </a:lnRef>
+            <a:fillRef idx="3">
+              <a:schemeClr val="accent1"/>
+            </a:fillRef>
+            <a:effectRef idx="2">
+              <a:schemeClr val="accent1"/>
+            </a:effectRef>
+            <a:fontRef idx="minor">
+              <a:schemeClr val="lt1"/>
+            </a:fontRef>
+          </p:style>
+        </p:sp>
+        <p:sp>
+          <p:nvSpPr>
+            <p:cNvPr id="26" name="Rectangle 25"/>
+            <p:cNvSpPr/>
+            <p:nvPr/>
+          </p:nvSpPr>
+          <p:spPr>
+            <a:xfrm>
+              <a:off x="9603442" y="-8467"/>
+              <a:ext cx="2588558" cy="6866467"/>
+            </a:xfrm>
+            <a:custGeom>
+              <a:avLst/>
+              <a:gdLst/>
+              <a:ahLst/>
+              <a:cxnLst/>
+              <a:rect l="l" t="t" r="r" b="b"/>
+              <a:pathLst>
+                <a:path w="2573311" h="6866467">
+                  <a:moveTo>
+                    <a:pt x="0" y="0"/>
+                  </a:moveTo>
+                  <a:lnTo>
+                    <a:pt x="2573311" y="0"/>
+                  </a:lnTo>
+                  <a:lnTo>
+                    <a:pt x="2573311" y="6866467"/>
+                  </a:lnTo>
+                  <a:lnTo>
+                    <a:pt x="1202336" y="6866467"/>
+                  </a:lnTo>
+                  <a:lnTo>
+                    <a:pt x="0" y="0"/>
+                  </a:lnTo>
+                  <a:close/>
+                </a:path>
+              </a:pathLst>
+            </a:custGeom>
+            <a:solidFill>
+              <a:schemeClr val="accent1">
+                <a:alpha val="20000"/>
+              </a:schemeClr>
+            </a:solidFill>
+            <a:ln>
+              <a:noFill/>
+            </a:ln>
+            <a:effectLst/>
+          </p:spPr>
+          <p:style>
+            <a:lnRef idx="1">
+              <a:schemeClr val="accent1"/>
+            </a:lnRef>
+            <a:fillRef idx="3">
+              <a:schemeClr val="accent1"/>
+            </a:fillRef>
+            <a:effectRef idx="2">
+              <a:schemeClr val="accent1"/>
+            </a:effectRef>
+            <a:fontRef idx="minor">
+              <a:schemeClr val="lt1"/>
+            </a:fontRef>
+          </p:style>
+        </p:sp>
+        <p:sp>
+          <p:nvSpPr>
+            <p:cNvPr id="27" name="Isosceles Triangle 26"/>
+            <p:cNvSpPr/>
+            <p:nvPr/>
+          </p:nvSpPr>
+          <p:spPr>
+            <a:xfrm>
+              <a:off x="8932333" y="3048000"/>
+              <a:ext cx="3259667" cy="3810000"/>
+            </a:xfrm>
+            <a:prstGeom prst="triangle">
+              <a:avLst>
+                <a:gd name="adj" fmla="val 100000"/>
+              </a:avLst>
+            </a:prstGeom>
+            <a:solidFill>
+              <a:schemeClr val="accent2">
+                <a:alpha val="72000"/>
+              </a:schemeClr>
+            </a:solidFill>
+            <a:ln>
+              <a:noFill/>
+            </a:ln>
+            <a:effectLst/>
+          </p:spPr>
+          <p:style>
+            <a:lnRef idx="1">
+              <a:schemeClr val="accent1"/>
+            </a:lnRef>
+            <a:fillRef idx="3">
+              <a:schemeClr val="accent1"/>
+            </a:fillRef>
+            <a:effectRef idx="2">
+              <a:schemeClr val="accent1"/>
+            </a:effectRef>
+            <a:fontRef idx="minor">
+              <a:schemeClr val="lt1"/>
+            </a:fontRef>
+          </p:style>
+        </p:sp>
+        <p:sp>
+          <p:nvSpPr>
+            <p:cNvPr id="28" name="Rectangle 27"/>
+            <p:cNvSpPr/>
+            <p:nvPr/>
+          </p:nvSpPr>
+          <p:spPr>
+            <a:xfrm>
+              <a:off x="9334500" y="-8467"/>
+              <a:ext cx="2854326" cy="6866467"/>
+            </a:xfrm>
+            <a:custGeom>
+              <a:avLst/>
+              <a:gdLst/>
+              <a:ahLst/>
+              <a:cxnLst/>
+              <a:rect l="l" t="t" r="r" b="b"/>
+              <a:pathLst>
+                <a:path w="2858013" h="6866467">
+                  <a:moveTo>
+                    <a:pt x="0" y="0"/>
+                  </a:moveTo>
+                  <a:lnTo>
+                    <a:pt x="2858013" y="0"/>
+                  </a:lnTo>
+                  <a:lnTo>
+                    <a:pt x="2858013" y="6866467"/>
+                  </a:lnTo>
+                  <a:lnTo>
+                    <a:pt x="2473942" y="6866467"/>
+                  </a:lnTo>
+                  <a:lnTo>
+                    <a:pt x="0" y="0"/>
+                  </a:lnTo>
+                  <a:close/>
+                </a:path>
+              </a:pathLst>
+            </a:custGeom>
+            <a:solidFill>
+              <a:schemeClr val="accent2">
+                <a:lumMod val="75000"/>
+                <a:alpha val="70000"/>
+              </a:schemeClr>
+            </a:solidFill>
+            <a:ln>
+              <a:noFill/>
+            </a:ln>
+            <a:effectLst/>
+          </p:spPr>
+          <p:style>
+            <a:lnRef idx="1">
+              <a:schemeClr val="accent1"/>
+            </a:lnRef>
+            <a:fillRef idx="3">
+              <a:schemeClr val="accent1"/>
+            </a:fillRef>
+            <a:effectRef idx="2">
+              <a:schemeClr val="accent1"/>
+            </a:effectRef>
+            <a:fontRef idx="minor">
+              <a:schemeClr val="lt1"/>
+            </a:fontRef>
+          </p:style>
+        </p:sp>
+        <p:sp>
+          <p:nvSpPr>
+            <p:cNvPr id="29" name="Rectangle 28"/>
+            <p:cNvSpPr/>
+            <p:nvPr/>
+          </p:nvSpPr>
+          <p:spPr>
+            <a:xfrm>
+              <a:off x="10898730" y="-8467"/>
+              <a:ext cx="1290094" cy="6866467"/>
+            </a:xfrm>
+            <a:custGeom>
+              <a:avLst/>
+              <a:gdLst/>
+              <a:ahLst/>
+              <a:cxnLst/>
+              <a:rect l="l" t="t" r="r" b="b"/>
+              <a:pathLst>
+                <a:path w="1290094" h="6858000">
+                  <a:moveTo>
+                    <a:pt x="1019735" y="0"/>
+                  </a:moveTo>
+                  <a:lnTo>
+                    <a:pt x="1290094" y="0"/>
+                  </a:lnTo>
+                  <a:lnTo>
+                    <a:pt x="1290094" y="6858000"/>
+                  </a:lnTo>
+                  <a:lnTo>
+                    <a:pt x="0" y="6858000"/>
+                  </a:lnTo>
+                  <a:lnTo>
+                    <a:pt x="1019735" y="0"/>
+                  </a:lnTo>
+                  <a:close/>
+                </a:path>
+              </a:pathLst>
+            </a:custGeom>
+            <a:solidFill>
+              <a:schemeClr val="accent1">
+                <a:lumMod val="60000"/>
+                <a:lumOff val="40000"/>
+                <a:alpha val="70000"/>
+              </a:schemeClr>
+            </a:solidFill>
+            <a:ln>
+              <a:noFill/>
+            </a:ln>
+            <a:effectLst/>
+          </p:spPr>
+          <p:style>
+            <a:lnRef idx="1">
+              <a:schemeClr val="accent1"/>
+            </a:lnRef>
+            <a:fillRef idx="3">
+              <a:schemeClr val="accent1"/>
+            </a:fillRef>
+            <a:effectRef idx="2">
+              <a:schemeClr val="accent1"/>
+            </a:effectRef>
+            <a:fontRef idx="minor">
+              <a:schemeClr val="lt1"/>
+            </a:fontRef>
+          </p:style>
+        </p:sp>
+        <p:sp>
+          <p:nvSpPr>
+            <p:cNvPr id="30" name="Rectangle 29"/>
+            <p:cNvSpPr/>
+            <p:nvPr/>
+          </p:nvSpPr>
+          <p:spPr>
+            <a:xfrm>
+              <a:off x="10938999" y="-8467"/>
+              <a:ext cx="1249825" cy="6866467"/>
+            </a:xfrm>
+            <a:custGeom>
+              <a:avLst/>
+              <a:gdLst/>
+              <a:ahLst/>
+              <a:cxnLst/>
+              <a:rect l="l" t="t" r="r" b="b"/>
+              <a:pathLst>
+                <a:path w="1249825" h="6858000">
+                  <a:moveTo>
+                    <a:pt x="0" y="0"/>
+                  </a:moveTo>
+                  <a:lnTo>
+                    <a:pt x="1249825" y="0"/>
+                  </a:lnTo>
+                  <a:lnTo>
+                    <a:pt x="1249825" y="6858000"/>
+                  </a:lnTo>
+                  <a:lnTo>
+                    <a:pt x="1109382" y="6858000"/>
+                  </a:lnTo>
+                  <a:lnTo>
+                    <a:pt x="0" y="0"/>
+                  </a:lnTo>
+                  <a:close/>
+                </a:path>
+              </a:pathLst>
+            </a:custGeom>
+            <a:solidFill>
+              <a:schemeClr val="accent1">
+                <a:alpha val="65000"/>
+              </a:schemeClr>
+            </a:solidFill>
+            <a:ln>
+              <a:noFill/>
+            </a:ln>
+            <a:effectLst/>
+          </p:spPr>
+          <p:style>
+            <a:lnRef idx="1">
+              <a:schemeClr val="accent1"/>
+            </a:lnRef>
+            <a:fillRef idx="3">
+              <a:schemeClr val="accent1"/>
+            </a:fillRef>
+            <a:effectRef idx="2">
+              <a:schemeClr val="accent1"/>
+            </a:effectRef>
+            <a:fontRef idx="minor">
+              <a:schemeClr val="lt1"/>
+            </a:fontRef>
+          </p:style>
+        </p:sp>
+        <p:sp>
+          <p:nvSpPr>
+            <p:cNvPr id="31" name="Isosceles Triangle 30"/>
+            <p:cNvSpPr/>
+            <p:nvPr/>
+          </p:nvSpPr>
+          <p:spPr>
+            <a:xfrm>
+              <a:off x="10371666" y="3589867"/>
+              <a:ext cx="1817159" cy="3268133"/>
+            </a:xfrm>
+            <a:prstGeom prst="triangle">
+              <a:avLst>
+                <a:gd name="adj" fmla="val 100000"/>
+              </a:avLst>
+            </a:prstGeom>
+            <a:solidFill>
+              <a:schemeClr val="accent1">
+                <a:alpha val="80000"/>
+              </a:schemeClr>
+            </a:solidFill>
+            <a:ln>
+              <a:noFill/>
+            </a:ln>
+            <a:effectLst/>
+          </p:spPr>
+          <p:style>
+            <a:lnRef idx="1">
+              <a:schemeClr val="accent1"/>
+            </a:lnRef>
+            <a:fillRef idx="3">
+              <a:schemeClr val="accent1"/>
+            </a:fillRef>
+            <a:effectRef idx="2">
+              <a:schemeClr val="accent1"/>
+            </a:effectRef>
+            <a:fontRef idx="minor">
+              <a:schemeClr val="lt1"/>
+            </a:fontRef>
+          </p:style>
+        </p:sp>
+        <p:sp>
+          <p:nvSpPr>
+            <p:cNvPr id="19" name="Isosceles Triangle 18"/>
+            <p:cNvSpPr/>
+            <p:nvPr/>
+          </p:nvSpPr>
+          <p:spPr>
+            <a:xfrm rot="10800000">
+              <a:off x="0" y="0"/>
+              <a:ext cx="842596" cy="5666154"/>
+            </a:xfrm>
+            <a:prstGeom prst="triangle">
+              <a:avLst>
+                <a:gd name="adj" fmla="val 100000"/>
+              </a:avLst>
+            </a:prstGeom>
+            <a:solidFill>
+              <a:schemeClr val="accent1">
+                <a:alpha val="85000"/>
+              </a:schemeClr>
+            </a:solidFill>
+            <a:ln>
+              <a:noFill/>
+            </a:ln>
+            <a:effectLst/>
+          </p:spPr>
+          <p:style>
+            <a:lnRef idx="1">
+              <a:schemeClr val="accent1"/>
+            </a:lnRef>
+            <a:fillRef idx="3">
+              <a:schemeClr val="accent1"/>
+            </a:fillRef>
+            <a:effectRef idx="2">
+              <a:schemeClr val="accent1"/>
+            </a:effectRef>
+            <a:fontRef idx="minor">
+              <a:schemeClr val="lt1"/>
+            </a:fontRef>
+          </p:style>
+        </p:sp>
+      </p:grpSp>
+      <p:sp>
+        <p:nvSpPr>
+          <p:cNvPr id="2" name="Title 1"/>
           <p:cNvSpPr>
             <a:spLocks noGrp="1"/>
           </p:cNvSpPr>
@@ -155,15 +680,21 @@
         </p:nvSpPr>
         <p:spPr>
           <a:xfrm>
-            <a:off x="1524000" y="1122363"/>
-            <a:ext cx="9144000" cy="2387600"/>
+            <a:off x="1507067" y="2404534"/>
+            <a:ext cx="7766936" cy="1646302"/>
           </a:xfrm>
         </p:spPr>
         <p:txBody>
-          <a:bodyPr anchor="b"/>
+          <a:bodyPr anchor="b">
+            <a:noAutofit/>
+          </a:bodyPr>
           <a:lstStyle>
-            <a:lvl1pPr algn="ctr">
-              <a:defRPr sz="6000"/>
+            <a:lvl1pPr algn="r">
+              <a:defRPr sz="5400">
+                <a:solidFill>
+                  <a:schemeClr val="accent1"/>
+                </a:solidFill>
+              </a:defRPr>
             </a:lvl1pPr>
           </a:lstStyle>
           <a:p>
@@ -171,18 +702,13 @@
               <a:rPr lang="en-US"/>
               <a:t>Click to edit Master title style</a:t>
             </a:r>
-          </a:p>
-        </p:txBody>
-      </p:sp>
-      <p:sp>
-        <p:nvSpPr>
-          <p:cNvPr id="3" name="Subtitle 2">
-            <a:extLst>
-              <a:ext uri="{FF2B5EF4-FFF2-40B4-BE49-F238E27FC236}">
-                <a16:creationId xmlns:a16="http://schemas.microsoft.com/office/drawing/2014/main" id="{340498C5-28E3-3B49-2BDA-ED42B7F03562}"/>
-              </a:ext>
-            </a:extLst>
-          </p:cNvPr>
+            <a:endParaRPr lang="en-US" dirty="0"/>
+          </a:p>
+        </p:txBody>
+      </p:sp>
+      <p:sp>
+        <p:nvSpPr>
+          <p:cNvPr id="3" name="Subtitle 2"/>
           <p:cNvSpPr>
             <a:spLocks noGrp="1"/>
           </p:cNvSpPr>
@@ -192,48 +718,103 @@
         </p:nvSpPr>
         <p:spPr>
           <a:xfrm>
-            <a:off x="1524000" y="3602038"/>
-            <a:ext cx="9144000" cy="1655762"/>
+            <a:off x="1507067" y="4050833"/>
+            <a:ext cx="7766936" cy="1096899"/>
           </a:xfrm>
         </p:spPr>
         <p:txBody>
-          <a:bodyPr/>
+          <a:bodyPr anchor="t"/>
           <a:lstStyle>
-            <a:lvl1pPr marL="0" indent="0" algn="ctr">
-              <a:buNone/>
-              <a:defRPr sz="2400"/>
+            <a:lvl1pPr marL="0" indent="0" algn="r">
+              <a:buNone/>
+              <a:defRPr>
+                <a:solidFill>
+                  <a:schemeClr val="tx1">
+                    <a:lumMod val="50000"/>
+                    <a:lumOff val="50000"/>
+                  </a:schemeClr>
+                </a:solidFill>
+              </a:defRPr>
             </a:lvl1pPr>
             <a:lvl2pPr marL="457200" indent="0" algn="ctr">
               <a:buNone/>
-              <a:defRPr sz="2000"/>
+              <a:defRPr>
+                <a:solidFill>
+                  <a:schemeClr val="tx1">
+                    <a:tint val="75000"/>
+                  </a:schemeClr>
+                </a:solidFill>
+              </a:defRPr>
             </a:lvl2pPr>
             <a:lvl3pPr marL="914400" indent="0" algn="ctr">
               <a:buNone/>
-              <a:defRPr sz="1800"/>
+              <a:defRPr>
+                <a:solidFill>
+                  <a:schemeClr val="tx1">
+                    <a:tint val="75000"/>
+                  </a:schemeClr>
+                </a:solidFill>
+              </a:defRPr>
             </a:lvl3pPr>
             <a:lvl4pPr marL="1371600" indent="0" algn="ctr">
               <a:buNone/>
-              <a:defRPr sz="1600"/>
+              <a:defRPr>
+                <a:solidFill>
+                  <a:schemeClr val="tx1">
+                    <a:tint val="75000"/>
+                  </a:schemeClr>
+                </a:solidFill>
+              </a:defRPr>
             </a:lvl4pPr>
             <a:lvl5pPr marL="1828800" indent="0" algn="ctr">
               <a:buNone/>
-              <a:defRPr sz="1600"/>
+              <a:defRPr>
+                <a:solidFill>
+                  <a:schemeClr val="tx1">
+                    <a:tint val="75000"/>
+                  </a:schemeClr>
+                </a:solidFill>
+              </a:defRPr>
             </a:lvl5pPr>
             <a:lvl6pPr marL="2286000" indent="0" algn="ctr">
               <a:buNone/>
-              <a:defRPr sz="1600"/>
+              <a:defRPr>
+                <a:solidFill>
+                  <a:schemeClr val="tx1">
+                    <a:tint val="75000"/>
+                  </a:schemeClr>
+                </a:solidFill>
+              </a:defRPr>
             </a:lvl6pPr>
             <a:lvl7pPr marL="2743200" indent="0" algn="ctr">
               <a:buNone/>
-              <a:defRPr sz="1600"/>
+              <a:defRPr>
+                <a:solidFill>
+                  <a:schemeClr val="tx1">
+                    <a:tint val="75000"/>
+                  </a:schemeClr>
+                </a:solidFill>
+              </a:defRPr>
             </a:lvl7pPr>
             <a:lvl8pPr marL="3200400" indent="0" algn="ctr">
               <a:buNone/>
-              <a:defRPr sz="1600"/>
+              <a:defRPr>
+                <a:solidFill>
+                  <a:schemeClr val="tx1">
+                    <a:tint val="75000"/>
+                  </a:schemeClr>
+                </a:solidFill>
+              </a:defRPr>
             </a:lvl8pPr>
             <a:lvl9pPr marL="3657600" indent="0" algn="ctr">
               <a:buNone/>
-              <a:defRPr sz="1600"/>
+              <a:defRPr>
+                <a:solidFill>
+                  <a:schemeClr val="tx1">
+                    <a:tint val="75000"/>
+                  </a:schemeClr>
+                </a:solidFill>
+              </a:defRPr>
             </a:lvl9pPr>
           </a:lstStyle>
           <a:p>
@@ -241,18 +822,13 @@
               <a:rPr lang="en-US"/>
               <a:t>Click to edit Master subtitle style</a:t>
             </a:r>
-          </a:p>
-        </p:txBody>
-      </p:sp>
-      <p:sp>
-        <p:nvSpPr>
-          <p:cNvPr id="4" name="Date Placeholder 3">
-            <a:extLst>
-              <a:ext uri="{FF2B5EF4-FFF2-40B4-BE49-F238E27FC236}">
-                <a16:creationId xmlns:a16="http://schemas.microsoft.com/office/drawing/2014/main" id="{7A26FD15-C108-E694-1328-27AA24687AD0}"/>
-              </a:ext>
-            </a:extLst>
-          </p:cNvPr>
+            <a:endParaRPr lang="en-US" dirty="0"/>
+          </a:p>
+        </p:txBody>
+      </p:sp>
+      <p:sp>
+        <p:nvSpPr>
+          <p:cNvPr id="4" name="Date Placeholder 3"/>
           <p:cNvSpPr>
             <a:spLocks noGrp="1"/>
           </p:cNvSpPr>
@@ -275,13 +851,7 @@
       </p:sp>
       <p:sp>
         <p:nvSpPr>
-          <p:cNvPr id="5" name="Footer Placeholder 4">
-            <a:extLst>
-              <a:ext uri="{FF2B5EF4-FFF2-40B4-BE49-F238E27FC236}">
-                <a16:creationId xmlns:a16="http://schemas.microsoft.com/office/drawing/2014/main" id="{787D2E69-3974-5517-6B18-A03893EB95A5}"/>
-              </a:ext>
-            </a:extLst>
-          </p:cNvPr>
+          <p:cNvPr id="5" name="Footer Placeholder 4"/>
           <p:cNvSpPr>
             <a:spLocks noGrp="1"/>
           </p:cNvSpPr>
@@ -300,13 +870,7 @@
       </p:sp>
       <p:sp>
         <p:nvSpPr>
-          <p:cNvPr id="6" name="Slide Number Placeholder 5">
-            <a:extLst>
-              <a:ext uri="{FF2B5EF4-FFF2-40B4-BE49-F238E27FC236}">
-                <a16:creationId xmlns:a16="http://schemas.microsoft.com/office/drawing/2014/main" id="{88631E1E-2DA2-72BC-503B-A491AFEB1264}"/>
-              </a:ext>
-            </a:extLst>
-          </p:cNvPr>
+          <p:cNvPr id="6" name="Slide Number Placeholder 5"/>
           <p:cNvSpPr>
             <a:spLocks noGrp="1"/>
           </p:cNvSpPr>
@@ -330,7 +894,7 @@
     </p:spTree>
     <p:extLst>
       <p:ext uri="{BB962C8B-B14F-4D97-AF65-F5344CB8AC3E}">
-        <p14:creationId xmlns:p14="http://schemas.microsoft.com/office/powerpoint/2010/main" val="3220040018"/>
+        <p14:creationId xmlns:p14="http://schemas.microsoft.com/office/powerpoint/2010/main" val="1656907717"/>
       </p:ext>
     </p:extLst>
   </p:cSld>
@@ -341,6 +905,1619 @@
 </file>
 
 <file path=ppt/slideLayouts/slideLayout10.xml><?xml version="1.0" encoding="utf-8"?>
+<p:sldLayout xmlns:a="http://schemas.openxmlformats.org/drawingml/2006/main" xmlns:r="http://schemas.openxmlformats.org/officeDocument/2006/relationships" xmlns:p="http://schemas.openxmlformats.org/presentationml/2006/main" preserve="1">
+  <p:cSld name="Title and Caption">
+    <p:spTree>
+      <p:nvGrpSpPr>
+        <p:cNvPr id="1" name=""/>
+        <p:cNvGrpSpPr/>
+        <p:nvPr/>
+      </p:nvGrpSpPr>
+      <p:grpSpPr>
+        <a:xfrm>
+          <a:off x="0" y="0"/>
+          <a:ext cx="0" cy="0"/>
+          <a:chOff x="0" y="0"/>
+          <a:chExt cx="0" cy="0"/>
+        </a:xfrm>
+      </p:grpSpPr>
+      <p:sp>
+        <p:nvSpPr>
+          <p:cNvPr id="2" name="Title 1"/>
+          <p:cNvSpPr>
+            <a:spLocks noGrp="1"/>
+          </p:cNvSpPr>
+          <p:nvPr>
+            <p:ph type="title"/>
+          </p:nvPr>
+        </p:nvSpPr>
+        <p:spPr>
+          <a:xfrm>
+            <a:off x="677335" y="609600"/>
+            <a:ext cx="8596668" cy="3403600"/>
+          </a:xfrm>
+        </p:spPr>
+        <p:txBody>
+          <a:bodyPr anchor="ctr">
+            <a:normAutofit/>
+          </a:bodyPr>
+          <a:lstStyle>
+            <a:lvl1pPr algn="l">
+              <a:defRPr sz="4400" b="0" cap="none"/>
+            </a:lvl1pPr>
+          </a:lstStyle>
+          <a:p>
+            <a:r>
+              <a:rPr lang="en-US"/>
+              <a:t>Click to edit Master title style</a:t>
+            </a:r>
+            <a:endParaRPr lang="en-US" dirty="0"/>
+          </a:p>
+        </p:txBody>
+      </p:sp>
+      <p:sp>
+        <p:nvSpPr>
+          <p:cNvPr id="3" name="Text Placeholder 2"/>
+          <p:cNvSpPr>
+            <a:spLocks noGrp="1"/>
+          </p:cNvSpPr>
+          <p:nvPr>
+            <p:ph type="body" idx="1"/>
+          </p:nvPr>
+        </p:nvSpPr>
+        <p:spPr>
+          <a:xfrm>
+            <a:off x="677335" y="4470400"/>
+            <a:ext cx="8596668" cy="1570962"/>
+          </a:xfrm>
+        </p:spPr>
+        <p:txBody>
+          <a:bodyPr anchor="ctr">
+            <a:normAutofit/>
+          </a:bodyPr>
+          <a:lstStyle>
+            <a:lvl1pPr marL="0" indent="0" algn="l">
+              <a:buNone/>
+              <a:defRPr sz="1800">
+                <a:solidFill>
+                  <a:schemeClr val="tx1">
+                    <a:lumMod val="75000"/>
+                    <a:lumOff val="25000"/>
+                  </a:schemeClr>
+                </a:solidFill>
+              </a:defRPr>
+            </a:lvl1pPr>
+            <a:lvl2pPr marL="457200" indent="0">
+              <a:buNone/>
+              <a:defRPr sz="1800">
+                <a:solidFill>
+                  <a:schemeClr val="tx1">
+                    <a:tint val="75000"/>
+                  </a:schemeClr>
+                </a:solidFill>
+              </a:defRPr>
+            </a:lvl2pPr>
+            <a:lvl3pPr marL="914400" indent="0">
+              <a:buNone/>
+              <a:defRPr sz="1600">
+                <a:solidFill>
+                  <a:schemeClr val="tx1">
+                    <a:tint val="75000"/>
+                  </a:schemeClr>
+                </a:solidFill>
+              </a:defRPr>
+            </a:lvl3pPr>
+            <a:lvl4pPr marL="1371600" indent="0">
+              <a:buNone/>
+              <a:defRPr sz="1400">
+                <a:solidFill>
+                  <a:schemeClr val="tx1">
+                    <a:tint val="75000"/>
+                  </a:schemeClr>
+                </a:solidFill>
+              </a:defRPr>
+            </a:lvl4pPr>
+            <a:lvl5pPr marL="1828800" indent="0">
+              <a:buNone/>
+              <a:defRPr sz="1400">
+                <a:solidFill>
+                  <a:schemeClr val="tx1">
+                    <a:tint val="75000"/>
+                  </a:schemeClr>
+                </a:solidFill>
+              </a:defRPr>
+            </a:lvl5pPr>
+            <a:lvl6pPr marL="2286000" indent="0">
+              <a:buNone/>
+              <a:defRPr sz="1400">
+                <a:solidFill>
+                  <a:schemeClr val="tx1">
+                    <a:tint val="75000"/>
+                  </a:schemeClr>
+                </a:solidFill>
+              </a:defRPr>
+            </a:lvl6pPr>
+            <a:lvl7pPr marL="2743200" indent="0">
+              <a:buNone/>
+              <a:defRPr sz="1400">
+                <a:solidFill>
+                  <a:schemeClr val="tx1">
+                    <a:tint val="75000"/>
+                  </a:schemeClr>
+                </a:solidFill>
+              </a:defRPr>
+            </a:lvl7pPr>
+            <a:lvl8pPr marL="3200400" indent="0">
+              <a:buNone/>
+              <a:defRPr sz="1400">
+                <a:solidFill>
+                  <a:schemeClr val="tx1">
+                    <a:tint val="75000"/>
+                  </a:schemeClr>
+                </a:solidFill>
+              </a:defRPr>
+            </a:lvl8pPr>
+            <a:lvl9pPr marL="3657600" indent="0">
+              <a:buNone/>
+              <a:defRPr sz="1400">
+                <a:solidFill>
+                  <a:schemeClr val="tx1">
+                    <a:tint val="75000"/>
+                  </a:schemeClr>
+                </a:solidFill>
+              </a:defRPr>
+            </a:lvl9pPr>
+          </a:lstStyle>
+          <a:p>
+            <a:pPr lvl="0"/>
+            <a:r>
+              <a:rPr lang="en-US"/>
+              <a:t>Click to edit Master text styles</a:t>
+            </a:r>
+          </a:p>
+        </p:txBody>
+      </p:sp>
+      <p:sp>
+        <p:nvSpPr>
+          <p:cNvPr id="4" name="Date Placeholder 3"/>
+          <p:cNvSpPr>
+            <a:spLocks noGrp="1"/>
+          </p:cNvSpPr>
+          <p:nvPr>
+            <p:ph type="dt" sz="half" idx="10"/>
+          </p:nvPr>
+        </p:nvSpPr>
+        <p:spPr/>
+        <p:txBody>
+          <a:bodyPr/>
+          <a:lstStyle/>
+          <a:p>
+            <a:fld id="{E5439DC8-76EB-4A8A-AFCB-02BC78CA92B0}" type="datetimeFigureOut">
+              <a:rPr lang="en-US" smtClean="0"/>
+              <a:t>12/1/2025</a:t>
+            </a:fld>
+            <a:endParaRPr lang="en-US"/>
+          </a:p>
+        </p:txBody>
+      </p:sp>
+      <p:sp>
+        <p:nvSpPr>
+          <p:cNvPr id="5" name="Footer Placeholder 4"/>
+          <p:cNvSpPr>
+            <a:spLocks noGrp="1"/>
+          </p:cNvSpPr>
+          <p:nvPr>
+            <p:ph type="ftr" sz="quarter" idx="11"/>
+          </p:nvPr>
+        </p:nvSpPr>
+        <p:spPr/>
+        <p:txBody>
+          <a:bodyPr/>
+          <a:lstStyle/>
+          <a:p>
+            <a:endParaRPr lang="en-US"/>
+          </a:p>
+        </p:txBody>
+      </p:sp>
+      <p:sp>
+        <p:nvSpPr>
+          <p:cNvPr id="6" name="Slide Number Placeholder 5"/>
+          <p:cNvSpPr>
+            <a:spLocks noGrp="1"/>
+          </p:cNvSpPr>
+          <p:nvPr>
+            <p:ph type="sldNum" sz="quarter" idx="12"/>
+          </p:nvPr>
+        </p:nvSpPr>
+        <p:spPr/>
+        <p:txBody>
+          <a:bodyPr/>
+          <a:lstStyle/>
+          <a:p>
+            <a:fld id="{BD5AA2A8-BEC5-4688-9943-33D123AC3929}" type="slidenum">
+              <a:rPr lang="en-US" smtClean="0"/>
+              <a:t>‹#›</a:t>
+            </a:fld>
+            <a:endParaRPr lang="en-US"/>
+          </a:p>
+        </p:txBody>
+      </p:sp>
+    </p:spTree>
+    <p:extLst>
+      <p:ext uri="{BB962C8B-B14F-4D97-AF65-F5344CB8AC3E}">
+        <p14:creationId xmlns:p14="http://schemas.microsoft.com/office/powerpoint/2010/main" val="2271635416"/>
+      </p:ext>
+    </p:extLst>
+  </p:cSld>
+  <p:clrMapOvr>
+    <a:masterClrMapping/>
+  </p:clrMapOvr>
+</p:sldLayout>
+</file>
+
+<file path=ppt/slideLayouts/slideLayout11.xml><?xml version="1.0" encoding="utf-8"?>
+<p:sldLayout xmlns:a="http://schemas.openxmlformats.org/drawingml/2006/main" xmlns:r="http://schemas.openxmlformats.org/officeDocument/2006/relationships" xmlns:p="http://schemas.openxmlformats.org/presentationml/2006/main" preserve="1">
+  <p:cSld name="Quote with Caption">
+    <p:spTree>
+      <p:nvGrpSpPr>
+        <p:cNvPr id="1" name=""/>
+        <p:cNvGrpSpPr/>
+        <p:nvPr/>
+      </p:nvGrpSpPr>
+      <p:grpSpPr>
+        <a:xfrm>
+          <a:off x="0" y="0"/>
+          <a:ext cx="0" cy="0"/>
+          <a:chOff x="0" y="0"/>
+          <a:chExt cx="0" cy="0"/>
+        </a:xfrm>
+      </p:grpSpPr>
+      <p:sp>
+        <p:nvSpPr>
+          <p:cNvPr id="2" name="Title 1"/>
+          <p:cNvSpPr>
+            <a:spLocks noGrp="1"/>
+          </p:cNvSpPr>
+          <p:nvPr>
+            <p:ph type="title"/>
+          </p:nvPr>
+        </p:nvSpPr>
+        <p:spPr>
+          <a:xfrm>
+            <a:off x="931334" y="609600"/>
+            <a:ext cx="8094134" cy="3022600"/>
+          </a:xfrm>
+        </p:spPr>
+        <p:txBody>
+          <a:bodyPr anchor="ctr">
+            <a:normAutofit/>
+          </a:bodyPr>
+          <a:lstStyle>
+            <a:lvl1pPr algn="l">
+              <a:defRPr sz="4400" b="0" cap="none"/>
+            </a:lvl1pPr>
+          </a:lstStyle>
+          <a:p>
+            <a:r>
+              <a:rPr lang="en-US"/>
+              <a:t>Click to edit Master title style</a:t>
+            </a:r>
+            <a:endParaRPr lang="en-US" dirty="0"/>
+          </a:p>
+        </p:txBody>
+      </p:sp>
+      <p:sp>
+        <p:nvSpPr>
+          <p:cNvPr id="23" name="Text Placeholder 9"/>
+          <p:cNvSpPr>
+            <a:spLocks noGrp="1"/>
+          </p:cNvSpPr>
+          <p:nvPr>
+            <p:ph type="body" sz="quarter" idx="13"/>
+          </p:nvPr>
+        </p:nvSpPr>
+        <p:spPr>
+          <a:xfrm>
+            <a:off x="1366139" y="3632200"/>
+            <a:ext cx="7224524" cy="381000"/>
+          </a:xfrm>
+        </p:spPr>
+        <p:txBody>
+          <a:bodyPr anchor="ctr">
+            <a:noAutofit/>
+          </a:bodyPr>
+          <a:lstStyle>
+            <a:lvl1pPr marL="0" indent="0">
+              <a:buFontTx/>
+              <a:buNone/>
+              <a:defRPr sz="1600">
+                <a:solidFill>
+                  <a:schemeClr val="tx1">
+                    <a:lumMod val="50000"/>
+                    <a:lumOff val="50000"/>
+                  </a:schemeClr>
+                </a:solidFill>
+              </a:defRPr>
+            </a:lvl1pPr>
+            <a:lvl2pPr marL="457200" indent="0">
+              <a:buFontTx/>
+              <a:buNone/>
+              <a:defRPr/>
+            </a:lvl2pPr>
+            <a:lvl3pPr marL="914400" indent="0">
+              <a:buFontTx/>
+              <a:buNone/>
+              <a:defRPr/>
+            </a:lvl3pPr>
+            <a:lvl4pPr marL="1371600" indent="0">
+              <a:buFontTx/>
+              <a:buNone/>
+              <a:defRPr/>
+            </a:lvl4pPr>
+            <a:lvl5pPr marL="1828800" indent="0">
+              <a:buFontTx/>
+              <a:buNone/>
+              <a:defRPr/>
+            </a:lvl5pPr>
+          </a:lstStyle>
+          <a:p>
+            <a:pPr lvl="0"/>
+            <a:r>
+              <a:rPr lang="en-US"/>
+              <a:t>Click to edit Master text styles</a:t>
+            </a:r>
+          </a:p>
+        </p:txBody>
+      </p:sp>
+      <p:sp>
+        <p:nvSpPr>
+          <p:cNvPr id="3" name="Text Placeholder 2"/>
+          <p:cNvSpPr>
+            <a:spLocks noGrp="1"/>
+          </p:cNvSpPr>
+          <p:nvPr>
+            <p:ph type="body" idx="1"/>
+          </p:nvPr>
+        </p:nvSpPr>
+        <p:spPr>
+          <a:xfrm>
+            <a:off x="677335" y="4470400"/>
+            <a:ext cx="8596668" cy="1570962"/>
+          </a:xfrm>
+        </p:spPr>
+        <p:txBody>
+          <a:bodyPr anchor="ctr">
+            <a:normAutofit/>
+          </a:bodyPr>
+          <a:lstStyle>
+            <a:lvl1pPr marL="0" indent="0" algn="l">
+              <a:buNone/>
+              <a:defRPr sz="1800">
+                <a:solidFill>
+                  <a:schemeClr val="tx1">
+                    <a:lumMod val="75000"/>
+                    <a:lumOff val="25000"/>
+                  </a:schemeClr>
+                </a:solidFill>
+              </a:defRPr>
+            </a:lvl1pPr>
+            <a:lvl2pPr marL="457200" indent="0">
+              <a:buNone/>
+              <a:defRPr sz="1800">
+                <a:solidFill>
+                  <a:schemeClr val="tx1">
+                    <a:tint val="75000"/>
+                  </a:schemeClr>
+                </a:solidFill>
+              </a:defRPr>
+            </a:lvl2pPr>
+            <a:lvl3pPr marL="914400" indent="0">
+              <a:buNone/>
+              <a:defRPr sz="1600">
+                <a:solidFill>
+                  <a:schemeClr val="tx1">
+                    <a:tint val="75000"/>
+                  </a:schemeClr>
+                </a:solidFill>
+              </a:defRPr>
+            </a:lvl3pPr>
+            <a:lvl4pPr marL="1371600" indent="0">
+              <a:buNone/>
+              <a:defRPr sz="1400">
+                <a:solidFill>
+                  <a:schemeClr val="tx1">
+                    <a:tint val="75000"/>
+                  </a:schemeClr>
+                </a:solidFill>
+              </a:defRPr>
+            </a:lvl4pPr>
+            <a:lvl5pPr marL="1828800" indent="0">
+              <a:buNone/>
+              <a:defRPr sz="1400">
+                <a:solidFill>
+                  <a:schemeClr val="tx1">
+                    <a:tint val="75000"/>
+                  </a:schemeClr>
+                </a:solidFill>
+              </a:defRPr>
+            </a:lvl5pPr>
+            <a:lvl6pPr marL="2286000" indent="0">
+              <a:buNone/>
+              <a:defRPr sz="1400">
+                <a:solidFill>
+                  <a:schemeClr val="tx1">
+                    <a:tint val="75000"/>
+                  </a:schemeClr>
+                </a:solidFill>
+              </a:defRPr>
+            </a:lvl6pPr>
+            <a:lvl7pPr marL="2743200" indent="0">
+              <a:buNone/>
+              <a:defRPr sz="1400">
+                <a:solidFill>
+                  <a:schemeClr val="tx1">
+                    <a:tint val="75000"/>
+                  </a:schemeClr>
+                </a:solidFill>
+              </a:defRPr>
+            </a:lvl7pPr>
+            <a:lvl8pPr marL="3200400" indent="0">
+              <a:buNone/>
+              <a:defRPr sz="1400">
+                <a:solidFill>
+                  <a:schemeClr val="tx1">
+                    <a:tint val="75000"/>
+                  </a:schemeClr>
+                </a:solidFill>
+              </a:defRPr>
+            </a:lvl8pPr>
+            <a:lvl9pPr marL="3657600" indent="0">
+              <a:buNone/>
+              <a:defRPr sz="1400">
+                <a:solidFill>
+                  <a:schemeClr val="tx1">
+                    <a:tint val="75000"/>
+                  </a:schemeClr>
+                </a:solidFill>
+              </a:defRPr>
+            </a:lvl9pPr>
+          </a:lstStyle>
+          <a:p>
+            <a:pPr lvl="0"/>
+            <a:r>
+              <a:rPr lang="en-US"/>
+              <a:t>Click to edit Master text styles</a:t>
+            </a:r>
+          </a:p>
+        </p:txBody>
+      </p:sp>
+      <p:sp>
+        <p:nvSpPr>
+          <p:cNvPr id="4" name="Date Placeholder 3"/>
+          <p:cNvSpPr>
+            <a:spLocks noGrp="1"/>
+          </p:cNvSpPr>
+          <p:nvPr>
+            <p:ph type="dt" sz="half" idx="10"/>
+          </p:nvPr>
+        </p:nvSpPr>
+        <p:spPr/>
+        <p:txBody>
+          <a:bodyPr/>
+          <a:lstStyle/>
+          <a:p>
+            <a:fld id="{E5439DC8-76EB-4A8A-AFCB-02BC78CA92B0}" type="datetimeFigureOut">
+              <a:rPr lang="en-US" smtClean="0"/>
+              <a:t>12/1/2025</a:t>
+            </a:fld>
+            <a:endParaRPr lang="en-US"/>
+          </a:p>
+        </p:txBody>
+      </p:sp>
+      <p:sp>
+        <p:nvSpPr>
+          <p:cNvPr id="5" name="Footer Placeholder 4"/>
+          <p:cNvSpPr>
+            <a:spLocks noGrp="1"/>
+          </p:cNvSpPr>
+          <p:nvPr>
+            <p:ph type="ftr" sz="quarter" idx="11"/>
+          </p:nvPr>
+        </p:nvSpPr>
+        <p:spPr/>
+        <p:txBody>
+          <a:bodyPr/>
+          <a:lstStyle/>
+          <a:p>
+            <a:endParaRPr lang="en-US"/>
+          </a:p>
+        </p:txBody>
+      </p:sp>
+      <p:sp>
+        <p:nvSpPr>
+          <p:cNvPr id="6" name="Slide Number Placeholder 5"/>
+          <p:cNvSpPr>
+            <a:spLocks noGrp="1"/>
+          </p:cNvSpPr>
+          <p:nvPr>
+            <p:ph type="sldNum" sz="quarter" idx="12"/>
+          </p:nvPr>
+        </p:nvSpPr>
+        <p:spPr/>
+        <p:txBody>
+          <a:bodyPr/>
+          <a:lstStyle/>
+          <a:p>
+            <a:fld id="{BD5AA2A8-BEC5-4688-9943-33D123AC3929}" type="slidenum">
+              <a:rPr lang="en-US" smtClean="0"/>
+              <a:t>‹#›</a:t>
+            </a:fld>
+            <a:endParaRPr lang="en-US"/>
+          </a:p>
+        </p:txBody>
+      </p:sp>
+      <p:sp>
+        <p:nvSpPr>
+          <p:cNvPr id="20" name="TextBox 19"/>
+          <p:cNvSpPr txBox="1"/>
+          <p:nvPr/>
+        </p:nvSpPr>
+        <p:spPr>
+          <a:xfrm>
+            <a:off x="541870" y="790378"/>
+            <a:ext cx="609600" cy="584776"/>
+          </a:xfrm>
+          <a:prstGeom prst="rect">
+            <a:avLst/>
+          </a:prstGeom>
+        </p:spPr>
+        <p:txBody>
+          <a:bodyPr vert="horz" lIns="91440" tIns="45720" rIns="91440" bIns="45720" rtlCol="0" anchor="ctr">
+            <a:noAutofit/>
+          </a:bodyPr>
+          <a:lstStyle/>
+          <a:p>
+            <a:pPr lvl="0"/>
+            <a:r>
+              <a:rPr lang="en-US" sz="8000" baseline="0" dirty="0">
+                <a:ln w="3175" cmpd="sng">
+                  <a:noFill/>
+                </a:ln>
+                <a:solidFill>
+                  <a:schemeClr val="accent1">
+                    <a:lumMod val="60000"/>
+                    <a:lumOff val="40000"/>
+                  </a:schemeClr>
+                </a:solidFill>
+                <a:effectLst/>
+                <a:latin typeface="Arial"/>
+              </a:rPr>
+              <a:t>“</a:t>
+            </a:r>
+          </a:p>
+        </p:txBody>
+      </p:sp>
+      <p:sp>
+        <p:nvSpPr>
+          <p:cNvPr id="22" name="TextBox 21"/>
+          <p:cNvSpPr txBox="1"/>
+          <p:nvPr/>
+        </p:nvSpPr>
+        <p:spPr>
+          <a:xfrm>
+            <a:off x="8893011" y="2886556"/>
+            <a:ext cx="609600" cy="584776"/>
+          </a:xfrm>
+          <a:prstGeom prst="rect">
+            <a:avLst/>
+          </a:prstGeom>
+        </p:spPr>
+        <p:txBody>
+          <a:bodyPr vert="horz" lIns="91440" tIns="45720" rIns="91440" bIns="45720" rtlCol="0" anchor="ctr">
+            <a:noAutofit/>
+          </a:bodyPr>
+          <a:lstStyle/>
+          <a:p>
+            <a:pPr lvl="0"/>
+            <a:r>
+              <a:rPr lang="en-US" sz="8000" baseline="0" dirty="0">
+                <a:ln w="3175" cmpd="sng">
+                  <a:noFill/>
+                </a:ln>
+                <a:solidFill>
+                  <a:schemeClr val="accent1">
+                    <a:lumMod val="60000"/>
+                    <a:lumOff val="40000"/>
+                  </a:schemeClr>
+                </a:solidFill>
+                <a:latin typeface="Arial"/>
+              </a:rPr>
+              <a:t>”</a:t>
+            </a:r>
+            <a:endParaRPr lang="en-US" dirty="0">
+              <a:solidFill>
+                <a:schemeClr val="accent1">
+                  <a:lumMod val="60000"/>
+                  <a:lumOff val="40000"/>
+                </a:schemeClr>
+              </a:solidFill>
+              <a:latin typeface="Arial"/>
+            </a:endParaRPr>
+          </a:p>
+        </p:txBody>
+      </p:sp>
+    </p:spTree>
+    <p:extLst>
+      <p:ext uri="{BB962C8B-B14F-4D97-AF65-F5344CB8AC3E}">
+        <p14:creationId xmlns:p14="http://schemas.microsoft.com/office/powerpoint/2010/main" val="2308096433"/>
+      </p:ext>
+    </p:extLst>
+  </p:cSld>
+  <p:clrMapOvr>
+    <a:masterClrMapping/>
+  </p:clrMapOvr>
+</p:sldLayout>
+</file>
+
+<file path=ppt/slideLayouts/slideLayout12.xml><?xml version="1.0" encoding="utf-8"?>
+<p:sldLayout xmlns:a="http://schemas.openxmlformats.org/drawingml/2006/main" xmlns:r="http://schemas.openxmlformats.org/officeDocument/2006/relationships" xmlns:p="http://schemas.openxmlformats.org/presentationml/2006/main" preserve="1">
+  <p:cSld name="Name Card">
+    <p:spTree>
+      <p:nvGrpSpPr>
+        <p:cNvPr id="1" name=""/>
+        <p:cNvGrpSpPr/>
+        <p:nvPr/>
+      </p:nvGrpSpPr>
+      <p:grpSpPr>
+        <a:xfrm>
+          <a:off x="0" y="0"/>
+          <a:ext cx="0" cy="0"/>
+          <a:chOff x="0" y="0"/>
+          <a:chExt cx="0" cy="0"/>
+        </a:xfrm>
+      </p:grpSpPr>
+      <p:sp>
+        <p:nvSpPr>
+          <p:cNvPr id="2" name="Title 1"/>
+          <p:cNvSpPr>
+            <a:spLocks noGrp="1"/>
+          </p:cNvSpPr>
+          <p:nvPr>
+            <p:ph type="title"/>
+          </p:nvPr>
+        </p:nvSpPr>
+        <p:spPr>
+          <a:xfrm>
+            <a:off x="677335" y="1931988"/>
+            <a:ext cx="8596668" cy="2595460"/>
+          </a:xfrm>
+        </p:spPr>
+        <p:txBody>
+          <a:bodyPr anchor="b">
+            <a:normAutofit/>
+          </a:bodyPr>
+          <a:lstStyle>
+            <a:lvl1pPr algn="l">
+              <a:defRPr sz="4400" b="0" cap="none"/>
+            </a:lvl1pPr>
+          </a:lstStyle>
+          <a:p>
+            <a:r>
+              <a:rPr lang="en-US"/>
+              <a:t>Click to edit Master title style</a:t>
+            </a:r>
+            <a:endParaRPr lang="en-US" dirty="0"/>
+          </a:p>
+        </p:txBody>
+      </p:sp>
+      <p:sp>
+        <p:nvSpPr>
+          <p:cNvPr id="3" name="Text Placeholder 2"/>
+          <p:cNvSpPr>
+            <a:spLocks noGrp="1"/>
+          </p:cNvSpPr>
+          <p:nvPr>
+            <p:ph type="body" idx="1"/>
+          </p:nvPr>
+        </p:nvSpPr>
+        <p:spPr>
+          <a:xfrm>
+            <a:off x="677335" y="4527448"/>
+            <a:ext cx="8596668" cy="1513914"/>
+          </a:xfrm>
+        </p:spPr>
+        <p:txBody>
+          <a:bodyPr anchor="t">
+            <a:normAutofit/>
+          </a:bodyPr>
+          <a:lstStyle>
+            <a:lvl1pPr marL="0" indent="0" algn="l">
+              <a:buNone/>
+              <a:defRPr sz="1800">
+                <a:solidFill>
+                  <a:schemeClr val="tx1">
+                    <a:lumMod val="75000"/>
+                    <a:lumOff val="25000"/>
+                  </a:schemeClr>
+                </a:solidFill>
+              </a:defRPr>
+            </a:lvl1pPr>
+            <a:lvl2pPr marL="457200" indent="0">
+              <a:buNone/>
+              <a:defRPr sz="1800">
+                <a:solidFill>
+                  <a:schemeClr val="tx1">
+                    <a:tint val="75000"/>
+                  </a:schemeClr>
+                </a:solidFill>
+              </a:defRPr>
+            </a:lvl2pPr>
+            <a:lvl3pPr marL="914400" indent="0">
+              <a:buNone/>
+              <a:defRPr sz="1600">
+                <a:solidFill>
+                  <a:schemeClr val="tx1">
+                    <a:tint val="75000"/>
+                  </a:schemeClr>
+                </a:solidFill>
+              </a:defRPr>
+            </a:lvl3pPr>
+            <a:lvl4pPr marL="1371600" indent="0">
+              <a:buNone/>
+              <a:defRPr sz="1400">
+                <a:solidFill>
+                  <a:schemeClr val="tx1">
+                    <a:tint val="75000"/>
+                  </a:schemeClr>
+                </a:solidFill>
+              </a:defRPr>
+            </a:lvl4pPr>
+            <a:lvl5pPr marL="1828800" indent="0">
+              <a:buNone/>
+              <a:defRPr sz="1400">
+                <a:solidFill>
+                  <a:schemeClr val="tx1">
+                    <a:tint val="75000"/>
+                  </a:schemeClr>
+                </a:solidFill>
+              </a:defRPr>
+            </a:lvl5pPr>
+            <a:lvl6pPr marL="2286000" indent="0">
+              <a:buNone/>
+              <a:defRPr sz="1400">
+                <a:solidFill>
+                  <a:schemeClr val="tx1">
+                    <a:tint val="75000"/>
+                  </a:schemeClr>
+                </a:solidFill>
+              </a:defRPr>
+            </a:lvl6pPr>
+            <a:lvl7pPr marL="2743200" indent="0">
+              <a:buNone/>
+              <a:defRPr sz="1400">
+                <a:solidFill>
+                  <a:schemeClr val="tx1">
+                    <a:tint val="75000"/>
+                  </a:schemeClr>
+                </a:solidFill>
+              </a:defRPr>
+            </a:lvl7pPr>
+            <a:lvl8pPr marL="3200400" indent="0">
+              <a:buNone/>
+              <a:defRPr sz="1400">
+                <a:solidFill>
+                  <a:schemeClr val="tx1">
+                    <a:tint val="75000"/>
+                  </a:schemeClr>
+                </a:solidFill>
+              </a:defRPr>
+            </a:lvl8pPr>
+            <a:lvl9pPr marL="3657600" indent="0">
+              <a:buNone/>
+              <a:defRPr sz="1400">
+                <a:solidFill>
+                  <a:schemeClr val="tx1">
+                    <a:tint val="75000"/>
+                  </a:schemeClr>
+                </a:solidFill>
+              </a:defRPr>
+            </a:lvl9pPr>
+          </a:lstStyle>
+          <a:p>
+            <a:pPr lvl="0"/>
+            <a:r>
+              <a:rPr lang="en-US"/>
+              <a:t>Click to edit Master text styles</a:t>
+            </a:r>
+          </a:p>
+        </p:txBody>
+      </p:sp>
+      <p:sp>
+        <p:nvSpPr>
+          <p:cNvPr id="4" name="Date Placeholder 3"/>
+          <p:cNvSpPr>
+            <a:spLocks noGrp="1"/>
+          </p:cNvSpPr>
+          <p:nvPr>
+            <p:ph type="dt" sz="half" idx="10"/>
+          </p:nvPr>
+        </p:nvSpPr>
+        <p:spPr/>
+        <p:txBody>
+          <a:bodyPr/>
+          <a:lstStyle/>
+          <a:p>
+            <a:fld id="{E5439DC8-76EB-4A8A-AFCB-02BC78CA92B0}" type="datetimeFigureOut">
+              <a:rPr lang="en-US" smtClean="0"/>
+              <a:t>12/1/2025</a:t>
+            </a:fld>
+            <a:endParaRPr lang="en-US"/>
+          </a:p>
+        </p:txBody>
+      </p:sp>
+      <p:sp>
+        <p:nvSpPr>
+          <p:cNvPr id="5" name="Footer Placeholder 4"/>
+          <p:cNvSpPr>
+            <a:spLocks noGrp="1"/>
+          </p:cNvSpPr>
+          <p:nvPr>
+            <p:ph type="ftr" sz="quarter" idx="11"/>
+          </p:nvPr>
+        </p:nvSpPr>
+        <p:spPr/>
+        <p:txBody>
+          <a:bodyPr/>
+          <a:lstStyle/>
+          <a:p>
+            <a:endParaRPr lang="en-US"/>
+          </a:p>
+        </p:txBody>
+      </p:sp>
+      <p:sp>
+        <p:nvSpPr>
+          <p:cNvPr id="6" name="Slide Number Placeholder 5"/>
+          <p:cNvSpPr>
+            <a:spLocks noGrp="1"/>
+          </p:cNvSpPr>
+          <p:nvPr>
+            <p:ph type="sldNum" sz="quarter" idx="12"/>
+          </p:nvPr>
+        </p:nvSpPr>
+        <p:spPr/>
+        <p:txBody>
+          <a:bodyPr/>
+          <a:lstStyle/>
+          <a:p>
+            <a:fld id="{BD5AA2A8-BEC5-4688-9943-33D123AC3929}" type="slidenum">
+              <a:rPr lang="en-US" smtClean="0"/>
+              <a:t>‹#›</a:t>
+            </a:fld>
+            <a:endParaRPr lang="en-US"/>
+          </a:p>
+        </p:txBody>
+      </p:sp>
+    </p:spTree>
+    <p:extLst>
+      <p:ext uri="{BB962C8B-B14F-4D97-AF65-F5344CB8AC3E}">
+        <p14:creationId xmlns:p14="http://schemas.microsoft.com/office/powerpoint/2010/main" val="1735021604"/>
+      </p:ext>
+    </p:extLst>
+  </p:cSld>
+  <p:clrMapOvr>
+    <a:masterClrMapping/>
+  </p:clrMapOvr>
+</p:sldLayout>
+</file>
+
+<file path=ppt/slideLayouts/slideLayout13.xml><?xml version="1.0" encoding="utf-8"?>
+<p:sldLayout xmlns:a="http://schemas.openxmlformats.org/drawingml/2006/main" xmlns:r="http://schemas.openxmlformats.org/officeDocument/2006/relationships" xmlns:p="http://schemas.openxmlformats.org/presentationml/2006/main" preserve="1">
+  <p:cSld name="Quote Name Card">
+    <p:spTree>
+      <p:nvGrpSpPr>
+        <p:cNvPr id="1" name=""/>
+        <p:cNvGrpSpPr/>
+        <p:nvPr/>
+      </p:nvGrpSpPr>
+      <p:grpSpPr>
+        <a:xfrm>
+          <a:off x="0" y="0"/>
+          <a:ext cx="0" cy="0"/>
+          <a:chOff x="0" y="0"/>
+          <a:chExt cx="0" cy="0"/>
+        </a:xfrm>
+      </p:grpSpPr>
+      <p:sp>
+        <p:nvSpPr>
+          <p:cNvPr id="2" name="Title 1"/>
+          <p:cNvSpPr>
+            <a:spLocks noGrp="1"/>
+          </p:cNvSpPr>
+          <p:nvPr>
+            <p:ph type="title"/>
+          </p:nvPr>
+        </p:nvSpPr>
+        <p:spPr>
+          <a:xfrm>
+            <a:off x="931334" y="609600"/>
+            <a:ext cx="8094134" cy="3022600"/>
+          </a:xfrm>
+        </p:spPr>
+        <p:txBody>
+          <a:bodyPr anchor="ctr">
+            <a:normAutofit/>
+          </a:bodyPr>
+          <a:lstStyle>
+            <a:lvl1pPr algn="l">
+              <a:defRPr sz="4400" b="0" cap="none"/>
+            </a:lvl1pPr>
+          </a:lstStyle>
+          <a:p>
+            <a:r>
+              <a:rPr lang="en-US"/>
+              <a:t>Click to edit Master title style</a:t>
+            </a:r>
+            <a:endParaRPr lang="en-US" dirty="0"/>
+          </a:p>
+        </p:txBody>
+      </p:sp>
+      <p:sp>
+        <p:nvSpPr>
+          <p:cNvPr id="23" name="Text Placeholder 9"/>
+          <p:cNvSpPr>
+            <a:spLocks noGrp="1"/>
+          </p:cNvSpPr>
+          <p:nvPr>
+            <p:ph type="body" sz="quarter" idx="13"/>
+          </p:nvPr>
+        </p:nvSpPr>
+        <p:spPr>
+          <a:xfrm>
+            <a:off x="677332" y="4013200"/>
+            <a:ext cx="8596669" cy="514248"/>
+          </a:xfrm>
+        </p:spPr>
+        <p:txBody>
+          <a:bodyPr anchor="b">
+            <a:noAutofit/>
+          </a:bodyPr>
+          <a:lstStyle>
+            <a:lvl1pPr marL="0" indent="0">
+              <a:buFontTx/>
+              <a:buNone/>
+              <a:defRPr sz="2400">
+                <a:solidFill>
+                  <a:schemeClr val="tx1">
+                    <a:lumMod val="75000"/>
+                    <a:lumOff val="25000"/>
+                  </a:schemeClr>
+                </a:solidFill>
+              </a:defRPr>
+            </a:lvl1pPr>
+            <a:lvl2pPr marL="457200" indent="0">
+              <a:buFontTx/>
+              <a:buNone/>
+              <a:defRPr/>
+            </a:lvl2pPr>
+            <a:lvl3pPr marL="914400" indent="0">
+              <a:buFontTx/>
+              <a:buNone/>
+              <a:defRPr/>
+            </a:lvl3pPr>
+            <a:lvl4pPr marL="1371600" indent="0">
+              <a:buFontTx/>
+              <a:buNone/>
+              <a:defRPr/>
+            </a:lvl4pPr>
+            <a:lvl5pPr marL="1828800" indent="0">
+              <a:buFontTx/>
+              <a:buNone/>
+              <a:defRPr/>
+            </a:lvl5pPr>
+          </a:lstStyle>
+          <a:p>
+            <a:pPr lvl="0"/>
+            <a:r>
+              <a:rPr lang="en-US"/>
+              <a:t>Click to edit Master text styles</a:t>
+            </a:r>
+          </a:p>
+        </p:txBody>
+      </p:sp>
+      <p:sp>
+        <p:nvSpPr>
+          <p:cNvPr id="3" name="Text Placeholder 2"/>
+          <p:cNvSpPr>
+            <a:spLocks noGrp="1"/>
+          </p:cNvSpPr>
+          <p:nvPr>
+            <p:ph type="body" idx="1"/>
+          </p:nvPr>
+        </p:nvSpPr>
+        <p:spPr>
+          <a:xfrm>
+            <a:off x="677335" y="4527448"/>
+            <a:ext cx="8596668" cy="1513914"/>
+          </a:xfrm>
+        </p:spPr>
+        <p:txBody>
+          <a:bodyPr anchor="t">
+            <a:normAutofit/>
+          </a:bodyPr>
+          <a:lstStyle>
+            <a:lvl1pPr marL="0" indent="0" algn="l">
+              <a:buNone/>
+              <a:defRPr sz="1800">
+                <a:solidFill>
+                  <a:schemeClr val="tx1">
+                    <a:lumMod val="50000"/>
+                    <a:lumOff val="50000"/>
+                  </a:schemeClr>
+                </a:solidFill>
+              </a:defRPr>
+            </a:lvl1pPr>
+            <a:lvl2pPr marL="457200" indent="0">
+              <a:buNone/>
+              <a:defRPr sz="1800">
+                <a:solidFill>
+                  <a:schemeClr val="tx1">
+                    <a:tint val="75000"/>
+                  </a:schemeClr>
+                </a:solidFill>
+              </a:defRPr>
+            </a:lvl2pPr>
+            <a:lvl3pPr marL="914400" indent="0">
+              <a:buNone/>
+              <a:defRPr sz="1600">
+                <a:solidFill>
+                  <a:schemeClr val="tx1">
+                    <a:tint val="75000"/>
+                  </a:schemeClr>
+                </a:solidFill>
+              </a:defRPr>
+            </a:lvl3pPr>
+            <a:lvl4pPr marL="1371600" indent="0">
+              <a:buNone/>
+              <a:defRPr sz="1400">
+                <a:solidFill>
+                  <a:schemeClr val="tx1">
+                    <a:tint val="75000"/>
+                  </a:schemeClr>
+                </a:solidFill>
+              </a:defRPr>
+            </a:lvl4pPr>
+            <a:lvl5pPr marL="1828800" indent="0">
+              <a:buNone/>
+              <a:defRPr sz="1400">
+                <a:solidFill>
+                  <a:schemeClr val="tx1">
+                    <a:tint val="75000"/>
+                  </a:schemeClr>
+                </a:solidFill>
+              </a:defRPr>
+            </a:lvl5pPr>
+            <a:lvl6pPr marL="2286000" indent="0">
+              <a:buNone/>
+              <a:defRPr sz="1400">
+                <a:solidFill>
+                  <a:schemeClr val="tx1">
+                    <a:tint val="75000"/>
+                  </a:schemeClr>
+                </a:solidFill>
+              </a:defRPr>
+            </a:lvl6pPr>
+            <a:lvl7pPr marL="2743200" indent="0">
+              <a:buNone/>
+              <a:defRPr sz="1400">
+                <a:solidFill>
+                  <a:schemeClr val="tx1">
+                    <a:tint val="75000"/>
+                  </a:schemeClr>
+                </a:solidFill>
+              </a:defRPr>
+            </a:lvl7pPr>
+            <a:lvl8pPr marL="3200400" indent="0">
+              <a:buNone/>
+              <a:defRPr sz="1400">
+                <a:solidFill>
+                  <a:schemeClr val="tx1">
+                    <a:tint val="75000"/>
+                  </a:schemeClr>
+                </a:solidFill>
+              </a:defRPr>
+            </a:lvl8pPr>
+            <a:lvl9pPr marL="3657600" indent="0">
+              <a:buNone/>
+              <a:defRPr sz="1400">
+                <a:solidFill>
+                  <a:schemeClr val="tx1">
+                    <a:tint val="75000"/>
+                  </a:schemeClr>
+                </a:solidFill>
+              </a:defRPr>
+            </a:lvl9pPr>
+          </a:lstStyle>
+          <a:p>
+            <a:pPr lvl="0"/>
+            <a:r>
+              <a:rPr lang="en-US"/>
+              <a:t>Click to edit Master text styles</a:t>
+            </a:r>
+          </a:p>
+        </p:txBody>
+      </p:sp>
+      <p:sp>
+        <p:nvSpPr>
+          <p:cNvPr id="4" name="Date Placeholder 3"/>
+          <p:cNvSpPr>
+            <a:spLocks noGrp="1"/>
+          </p:cNvSpPr>
+          <p:nvPr>
+            <p:ph type="dt" sz="half" idx="10"/>
+          </p:nvPr>
+        </p:nvSpPr>
+        <p:spPr/>
+        <p:txBody>
+          <a:bodyPr/>
+          <a:lstStyle/>
+          <a:p>
+            <a:fld id="{E5439DC8-76EB-4A8A-AFCB-02BC78CA92B0}" type="datetimeFigureOut">
+              <a:rPr lang="en-US" smtClean="0"/>
+              <a:t>12/1/2025</a:t>
+            </a:fld>
+            <a:endParaRPr lang="en-US"/>
+          </a:p>
+        </p:txBody>
+      </p:sp>
+      <p:sp>
+        <p:nvSpPr>
+          <p:cNvPr id="5" name="Footer Placeholder 4"/>
+          <p:cNvSpPr>
+            <a:spLocks noGrp="1"/>
+          </p:cNvSpPr>
+          <p:nvPr>
+            <p:ph type="ftr" sz="quarter" idx="11"/>
+          </p:nvPr>
+        </p:nvSpPr>
+        <p:spPr/>
+        <p:txBody>
+          <a:bodyPr/>
+          <a:lstStyle/>
+          <a:p>
+            <a:endParaRPr lang="en-US"/>
+          </a:p>
+        </p:txBody>
+      </p:sp>
+      <p:sp>
+        <p:nvSpPr>
+          <p:cNvPr id="6" name="Slide Number Placeholder 5"/>
+          <p:cNvSpPr>
+            <a:spLocks noGrp="1"/>
+          </p:cNvSpPr>
+          <p:nvPr>
+            <p:ph type="sldNum" sz="quarter" idx="12"/>
+          </p:nvPr>
+        </p:nvSpPr>
+        <p:spPr/>
+        <p:txBody>
+          <a:bodyPr/>
+          <a:lstStyle/>
+          <a:p>
+            <a:fld id="{BD5AA2A8-BEC5-4688-9943-33D123AC3929}" type="slidenum">
+              <a:rPr lang="en-US" smtClean="0"/>
+              <a:t>‹#›</a:t>
+            </a:fld>
+            <a:endParaRPr lang="en-US"/>
+          </a:p>
+        </p:txBody>
+      </p:sp>
+      <p:sp>
+        <p:nvSpPr>
+          <p:cNvPr id="24" name="TextBox 23"/>
+          <p:cNvSpPr txBox="1"/>
+          <p:nvPr/>
+        </p:nvSpPr>
+        <p:spPr>
+          <a:xfrm>
+            <a:off x="541870" y="790378"/>
+            <a:ext cx="609600" cy="584776"/>
+          </a:xfrm>
+          <a:prstGeom prst="rect">
+            <a:avLst/>
+          </a:prstGeom>
+        </p:spPr>
+        <p:txBody>
+          <a:bodyPr vert="horz" lIns="91440" tIns="45720" rIns="91440" bIns="45720" rtlCol="0" anchor="ctr">
+            <a:noAutofit/>
+          </a:bodyPr>
+          <a:lstStyle/>
+          <a:p>
+            <a:pPr lvl="0"/>
+            <a:r>
+              <a:rPr lang="en-US" sz="8000" baseline="0" dirty="0">
+                <a:ln w="3175" cmpd="sng">
+                  <a:noFill/>
+                </a:ln>
+                <a:solidFill>
+                  <a:schemeClr val="accent1">
+                    <a:lumMod val="60000"/>
+                    <a:lumOff val="40000"/>
+                  </a:schemeClr>
+                </a:solidFill>
+                <a:effectLst/>
+                <a:latin typeface="Arial"/>
+              </a:rPr>
+              <a:t>“</a:t>
+            </a:r>
+          </a:p>
+        </p:txBody>
+      </p:sp>
+      <p:sp>
+        <p:nvSpPr>
+          <p:cNvPr id="25" name="TextBox 24"/>
+          <p:cNvSpPr txBox="1"/>
+          <p:nvPr/>
+        </p:nvSpPr>
+        <p:spPr>
+          <a:xfrm>
+            <a:off x="8893011" y="2886556"/>
+            <a:ext cx="609600" cy="584776"/>
+          </a:xfrm>
+          <a:prstGeom prst="rect">
+            <a:avLst/>
+          </a:prstGeom>
+        </p:spPr>
+        <p:txBody>
+          <a:bodyPr vert="horz" lIns="91440" tIns="45720" rIns="91440" bIns="45720" rtlCol="0" anchor="ctr">
+            <a:noAutofit/>
+          </a:bodyPr>
+          <a:lstStyle/>
+          <a:p>
+            <a:pPr lvl="0"/>
+            <a:r>
+              <a:rPr lang="en-US" sz="8000" baseline="0" dirty="0">
+                <a:ln w="3175" cmpd="sng">
+                  <a:noFill/>
+                </a:ln>
+                <a:solidFill>
+                  <a:schemeClr val="accent1">
+                    <a:lumMod val="60000"/>
+                    <a:lumOff val="40000"/>
+                  </a:schemeClr>
+                </a:solidFill>
+                <a:effectLst/>
+                <a:latin typeface="Arial"/>
+              </a:rPr>
+              <a:t>”</a:t>
+            </a:r>
+          </a:p>
+        </p:txBody>
+      </p:sp>
+    </p:spTree>
+    <p:extLst>
+      <p:ext uri="{BB962C8B-B14F-4D97-AF65-F5344CB8AC3E}">
+        <p14:creationId xmlns:p14="http://schemas.microsoft.com/office/powerpoint/2010/main" val="95181515"/>
+      </p:ext>
+    </p:extLst>
+  </p:cSld>
+  <p:clrMapOvr>
+    <a:masterClrMapping/>
+  </p:clrMapOvr>
+</p:sldLayout>
+</file>
+
+<file path=ppt/slideLayouts/slideLayout14.xml><?xml version="1.0" encoding="utf-8"?>
+<p:sldLayout xmlns:a="http://schemas.openxmlformats.org/drawingml/2006/main" xmlns:r="http://schemas.openxmlformats.org/officeDocument/2006/relationships" xmlns:p="http://schemas.openxmlformats.org/presentationml/2006/main" preserve="1">
+  <p:cSld name="True or False">
+    <p:spTree>
+      <p:nvGrpSpPr>
+        <p:cNvPr id="1" name=""/>
+        <p:cNvGrpSpPr/>
+        <p:nvPr/>
+      </p:nvGrpSpPr>
+      <p:grpSpPr>
+        <a:xfrm>
+          <a:off x="0" y="0"/>
+          <a:ext cx="0" cy="0"/>
+          <a:chOff x="0" y="0"/>
+          <a:chExt cx="0" cy="0"/>
+        </a:xfrm>
+      </p:grpSpPr>
+      <p:sp>
+        <p:nvSpPr>
+          <p:cNvPr id="2" name="Title 1"/>
+          <p:cNvSpPr>
+            <a:spLocks noGrp="1"/>
+          </p:cNvSpPr>
+          <p:nvPr>
+            <p:ph type="title"/>
+          </p:nvPr>
+        </p:nvSpPr>
+        <p:spPr>
+          <a:xfrm>
+            <a:off x="685799" y="609600"/>
+            <a:ext cx="8588203" cy="3022600"/>
+          </a:xfrm>
+        </p:spPr>
+        <p:txBody>
+          <a:bodyPr anchor="ctr">
+            <a:normAutofit/>
+          </a:bodyPr>
+          <a:lstStyle>
+            <a:lvl1pPr algn="l">
+              <a:defRPr sz="4400" b="0" cap="none"/>
+            </a:lvl1pPr>
+          </a:lstStyle>
+          <a:p>
+            <a:r>
+              <a:rPr lang="en-US"/>
+              <a:t>Click to edit Master title style</a:t>
+            </a:r>
+            <a:endParaRPr lang="en-US" dirty="0"/>
+          </a:p>
+        </p:txBody>
+      </p:sp>
+      <p:sp>
+        <p:nvSpPr>
+          <p:cNvPr id="23" name="Text Placeholder 9"/>
+          <p:cNvSpPr>
+            <a:spLocks noGrp="1"/>
+          </p:cNvSpPr>
+          <p:nvPr>
+            <p:ph type="body" sz="quarter" idx="13"/>
+          </p:nvPr>
+        </p:nvSpPr>
+        <p:spPr>
+          <a:xfrm>
+            <a:off x="677332" y="4013200"/>
+            <a:ext cx="8596669" cy="514248"/>
+          </a:xfrm>
+        </p:spPr>
+        <p:txBody>
+          <a:bodyPr anchor="b">
+            <a:noAutofit/>
+          </a:bodyPr>
+          <a:lstStyle>
+            <a:lvl1pPr marL="0" indent="0">
+              <a:buFontTx/>
+              <a:buNone/>
+              <a:defRPr sz="2400">
+                <a:solidFill>
+                  <a:schemeClr val="accent1"/>
+                </a:solidFill>
+              </a:defRPr>
+            </a:lvl1pPr>
+            <a:lvl2pPr marL="457200" indent="0">
+              <a:buFontTx/>
+              <a:buNone/>
+              <a:defRPr/>
+            </a:lvl2pPr>
+            <a:lvl3pPr marL="914400" indent="0">
+              <a:buFontTx/>
+              <a:buNone/>
+              <a:defRPr/>
+            </a:lvl3pPr>
+            <a:lvl4pPr marL="1371600" indent="0">
+              <a:buFontTx/>
+              <a:buNone/>
+              <a:defRPr/>
+            </a:lvl4pPr>
+            <a:lvl5pPr marL="1828800" indent="0">
+              <a:buFontTx/>
+              <a:buNone/>
+              <a:defRPr/>
+            </a:lvl5pPr>
+          </a:lstStyle>
+          <a:p>
+            <a:pPr lvl="0"/>
+            <a:r>
+              <a:rPr lang="en-US"/>
+              <a:t>Click to edit Master text styles</a:t>
+            </a:r>
+          </a:p>
+        </p:txBody>
+      </p:sp>
+      <p:sp>
+        <p:nvSpPr>
+          <p:cNvPr id="3" name="Text Placeholder 2"/>
+          <p:cNvSpPr>
+            <a:spLocks noGrp="1"/>
+          </p:cNvSpPr>
+          <p:nvPr>
+            <p:ph type="body" idx="1"/>
+          </p:nvPr>
+        </p:nvSpPr>
+        <p:spPr>
+          <a:xfrm>
+            <a:off x="677335" y="4527448"/>
+            <a:ext cx="8596668" cy="1513914"/>
+          </a:xfrm>
+        </p:spPr>
+        <p:txBody>
+          <a:bodyPr anchor="t">
+            <a:normAutofit/>
+          </a:bodyPr>
+          <a:lstStyle>
+            <a:lvl1pPr marL="0" indent="0" algn="l">
+              <a:buNone/>
+              <a:defRPr sz="1800">
+                <a:solidFill>
+                  <a:schemeClr val="tx1">
+                    <a:lumMod val="50000"/>
+                    <a:lumOff val="50000"/>
+                  </a:schemeClr>
+                </a:solidFill>
+              </a:defRPr>
+            </a:lvl1pPr>
+            <a:lvl2pPr marL="457200" indent="0">
+              <a:buNone/>
+              <a:defRPr sz="1800">
+                <a:solidFill>
+                  <a:schemeClr val="tx1">
+                    <a:tint val="75000"/>
+                  </a:schemeClr>
+                </a:solidFill>
+              </a:defRPr>
+            </a:lvl2pPr>
+            <a:lvl3pPr marL="914400" indent="0">
+              <a:buNone/>
+              <a:defRPr sz="1600">
+                <a:solidFill>
+                  <a:schemeClr val="tx1">
+                    <a:tint val="75000"/>
+                  </a:schemeClr>
+                </a:solidFill>
+              </a:defRPr>
+            </a:lvl3pPr>
+            <a:lvl4pPr marL="1371600" indent="0">
+              <a:buNone/>
+              <a:defRPr sz="1400">
+                <a:solidFill>
+                  <a:schemeClr val="tx1">
+                    <a:tint val="75000"/>
+                  </a:schemeClr>
+                </a:solidFill>
+              </a:defRPr>
+            </a:lvl4pPr>
+            <a:lvl5pPr marL="1828800" indent="0">
+              <a:buNone/>
+              <a:defRPr sz="1400">
+                <a:solidFill>
+                  <a:schemeClr val="tx1">
+                    <a:tint val="75000"/>
+                  </a:schemeClr>
+                </a:solidFill>
+              </a:defRPr>
+            </a:lvl5pPr>
+            <a:lvl6pPr marL="2286000" indent="0">
+              <a:buNone/>
+              <a:defRPr sz="1400">
+                <a:solidFill>
+                  <a:schemeClr val="tx1">
+                    <a:tint val="75000"/>
+                  </a:schemeClr>
+                </a:solidFill>
+              </a:defRPr>
+            </a:lvl6pPr>
+            <a:lvl7pPr marL="2743200" indent="0">
+              <a:buNone/>
+              <a:defRPr sz="1400">
+                <a:solidFill>
+                  <a:schemeClr val="tx1">
+                    <a:tint val="75000"/>
+                  </a:schemeClr>
+                </a:solidFill>
+              </a:defRPr>
+            </a:lvl7pPr>
+            <a:lvl8pPr marL="3200400" indent="0">
+              <a:buNone/>
+              <a:defRPr sz="1400">
+                <a:solidFill>
+                  <a:schemeClr val="tx1">
+                    <a:tint val="75000"/>
+                  </a:schemeClr>
+                </a:solidFill>
+              </a:defRPr>
+            </a:lvl8pPr>
+            <a:lvl9pPr marL="3657600" indent="0">
+              <a:buNone/>
+              <a:defRPr sz="1400">
+                <a:solidFill>
+                  <a:schemeClr val="tx1">
+                    <a:tint val="75000"/>
+                  </a:schemeClr>
+                </a:solidFill>
+              </a:defRPr>
+            </a:lvl9pPr>
+          </a:lstStyle>
+          <a:p>
+            <a:pPr lvl="0"/>
+            <a:r>
+              <a:rPr lang="en-US"/>
+              <a:t>Click to edit Master text styles</a:t>
+            </a:r>
+          </a:p>
+        </p:txBody>
+      </p:sp>
+      <p:sp>
+        <p:nvSpPr>
+          <p:cNvPr id="4" name="Date Placeholder 3"/>
+          <p:cNvSpPr>
+            <a:spLocks noGrp="1"/>
+          </p:cNvSpPr>
+          <p:nvPr>
+            <p:ph type="dt" sz="half" idx="10"/>
+          </p:nvPr>
+        </p:nvSpPr>
+        <p:spPr/>
+        <p:txBody>
+          <a:bodyPr/>
+          <a:lstStyle/>
+          <a:p>
+            <a:fld id="{E5439DC8-76EB-4A8A-AFCB-02BC78CA92B0}" type="datetimeFigureOut">
+              <a:rPr lang="en-US" smtClean="0"/>
+              <a:t>12/1/2025</a:t>
+            </a:fld>
+            <a:endParaRPr lang="en-US"/>
+          </a:p>
+        </p:txBody>
+      </p:sp>
+      <p:sp>
+        <p:nvSpPr>
+          <p:cNvPr id="5" name="Footer Placeholder 4"/>
+          <p:cNvSpPr>
+            <a:spLocks noGrp="1"/>
+          </p:cNvSpPr>
+          <p:nvPr>
+            <p:ph type="ftr" sz="quarter" idx="11"/>
+          </p:nvPr>
+        </p:nvSpPr>
+        <p:spPr/>
+        <p:txBody>
+          <a:bodyPr/>
+          <a:lstStyle/>
+          <a:p>
+            <a:endParaRPr lang="en-US"/>
+          </a:p>
+        </p:txBody>
+      </p:sp>
+      <p:sp>
+        <p:nvSpPr>
+          <p:cNvPr id="6" name="Slide Number Placeholder 5"/>
+          <p:cNvSpPr>
+            <a:spLocks noGrp="1"/>
+          </p:cNvSpPr>
+          <p:nvPr>
+            <p:ph type="sldNum" sz="quarter" idx="12"/>
+          </p:nvPr>
+        </p:nvSpPr>
+        <p:spPr/>
+        <p:txBody>
+          <a:bodyPr/>
+          <a:lstStyle/>
+          <a:p>
+            <a:fld id="{BD5AA2A8-BEC5-4688-9943-33D123AC3929}" type="slidenum">
+              <a:rPr lang="en-US" smtClean="0"/>
+              <a:t>‹#›</a:t>
+            </a:fld>
+            <a:endParaRPr lang="en-US"/>
+          </a:p>
+        </p:txBody>
+      </p:sp>
+    </p:spTree>
+    <p:extLst>
+      <p:ext uri="{BB962C8B-B14F-4D97-AF65-F5344CB8AC3E}">
+        <p14:creationId xmlns:p14="http://schemas.microsoft.com/office/powerpoint/2010/main" val="1217914244"/>
+      </p:ext>
+    </p:extLst>
+  </p:cSld>
+  <p:clrMapOvr>
+    <a:masterClrMapping/>
+  </p:clrMapOvr>
+</p:sldLayout>
+</file>
+
+<file path=ppt/slideLayouts/slideLayout15.xml><?xml version="1.0" encoding="utf-8"?>
 <p:sldLayout xmlns:a="http://schemas.openxmlformats.org/drawingml/2006/main" xmlns:r="http://schemas.openxmlformats.org/officeDocument/2006/relationships" xmlns:p="http://schemas.openxmlformats.org/presentationml/2006/main" type="vertTx" preserve="1">
   <p:cSld name="Title and Vertical Text">
     <p:spTree>
@@ -359,13 +2536,7 @@
       </p:grpSpPr>
       <p:sp>
         <p:nvSpPr>
-          <p:cNvPr id="2" name="Title 1">
-            <a:extLst>
-              <a:ext uri="{FF2B5EF4-FFF2-40B4-BE49-F238E27FC236}">
-                <a16:creationId xmlns:a16="http://schemas.microsoft.com/office/drawing/2014/main" id="{8985F15A-7290-42FD-1473-6F3E20575DA9}"/>
-              </a:ext>
-            </a:extLst>
-          </p:cNvPr>
+          <p:cNvPr id="2" name="Title 1"/>
           <p:cNvSpPr>
             <a:spLocks noGrp="1"/>
           </p:cNvSpPr>
@@ -382,18 +2553,13 @@
               <a:rPr lang="en-US"/>
               <a:t>Click to edit Master title style</a:t>
             </a:r>
-          </a:p>
-        </p:txBody>
-      </p:sp>
-      <p:sp>
-        <p:nvSpPr>
-          <p:cNvPr id="3" name="Vertical Text Placeholder 2">
-            <a:extLst>
-              <a:ext uri="{FF2B5EF4-FFF2-40B4-BE49-F238E27FC236}">
-                <a16:creationId xmlns:a16="http://schemas.microsoft.com/office/drawing/2014/main" id="{FBF5AC25-B92B-8AC7-6579-0FF068BE8878}"/>
-              </a:ext>
-            </a:extLst>
-          </p:cNvPr>
+            <a:endParaRPr lang="en-US" dirty="0"/>
+          </a:p>
+        </p:txBody>
+      </p:sp>
+      <p:sp>
+        <p:nvSpPr>
+          <p:cNvPr id="3" name="Vertical Text Placeholder 2"/>
           <p:cNvSpPr>
             <a:spLocks noGrp="1"/>
           </p:cNvSpPr>
@@ -439,18 +2605,13 @@
               <a:rPr lang="en-US"/>
               <a:t>Fifth level</a:t>
             </a:r>
-          </a:p>
-        </p:txBody>
-      </p:sp>
-      <p:sp>
-        <p:nvSpPr>
-          <p:cNvPr id="4" name="Date Placeholder 3">
-            <a:extLst>
-              <a:ext uri="{FF2B5EF4-FFF2-40B4-BE49-F238E27FC236}">
-                <a16:creationId xmlns:a16="http://schemas.microsoft.com/office/drawing/2014/main" id="{8789BE48-EB97-D4E5-A144-6BAE02EFD9D1}"/>
-              </a:ext>
-            </a:extLst>
-          </p:cNvPr>
+            <a:endParaRPr lang="en-US" dirty="0"/>
+          </a:p>
+        </p:txBody>
+      </p:sp>
+      <p:sp>
+        <p:nvSpPr>
+          <p:cNvPr id="4" name="Date Placeholder 3"/>
           <p:cNvSpPr>
             <a:spLocks noGrp="1"/>
           </p:cNvSpPr>
@@ -473,13 +2634,7 @@
       </p:sp>
       <p:sp>
         <p:nvSpPr>
-          <p:cNvPr id="5" name="Footer Placeholder 4">
-            <a:extLst>
-              <a:ext uri="{FF2B5EF4-FFF2-40B4-BE49-F238E27FC236}">
-                <a16:creationId xmlns:a16="http://schemas.microsoft.com/office/drawing/2014/main" id="{B65B7FB2-B677-6952-E408-ED50534A14D8}"/>
-              </a:ext>
-            </a:extLst>
-          </p:cNvPr>
+          <p:cNvPr id="5" name="Footer Placeholder 4"/>
           <p:cNvSpPr>
             <a:spLocks noGrp="1"/>
           </p:cNvSpPr>
@@ -498,13 +2653,7 @@
       </p:sp>
       <p:sp>
         <p:nvSpPr>
-          <p:cNvPr id="6" name="Slide Number Placeholder 5">
-            <a:extLst>
-              <a:ext uri="{FF2B5EF4-FFF2-40B4-BE49-F238E27FC236}">
-                <a16:creationId xmlns:a16="http://schemas.microsoft.com/office/drawing/2014/main" id="{02E794AC-D1AE-561C-A9CC-A183C2B0FC5B}"/>
-              </a:ext>
-            </a:extLst>
-          </p:cNvPr>
+          <p:cNvPr id="6" name="Slide Number Placeholder 5"/>
           <p:cNvSpPr>
             <a:spLocks noGrp="1"/>
           </p:cNvSpPr>
@@ -528,7 +2677,7 @@
     </p:spTree>
     <p:extLst>
       <p:ext uri="{BB962C8B-B14F-4D97-AF65-F5344CB8AC3E}">
-        <p14:creationId xmlns:p14="http://schemas.microsoft.com/office/powerpoint/2010/main" val="1526446837"/>
+        <p14:creationId xmlns:p14="http://schemas.microsoft.com/office/powerpoint/2010/main" val="2163754722"/>
       </p:ext>
     </p:extLst>
   </p:cSld>
@@ -538,7 +2687,7 @@
 </p:sldLayout>
 </file>
 
-<file path=ppt/slideLayouts/slideLayout11.xml><?xml version="1.0" encoding="utf-8"?>
+<file path=ppt/slideLayouts/slideLayout16.xml><?xml version="1.0" encoding="utf-8"?>
 <p:sldLayout xmlns:a="http://schemas.openxmlformats.org/drawingml/2006/main" xmlns:r="http://schemas.openxmlformats.org/officeDocument/2006/relationships" xmlns:p="http://schemas.openxmlformats.org/presentationml/2006/main" type="vertTitleAndTx" preserve="1">
   <p:cSld name="Vertical Title and Text">
     <p:spTree>
@@ -557,13 +2706,7 @@
       </p:grpSpPr>
       <p:sp>
         <p:nvSpPr>
-          <p:cNvPr id="2" name="Vertical Title 1">
-            <a:extLst>
-              <a:ext uri="{FF2B5EF4-FFF2-40B4-BE49-F238E27FC236}">
-                <a16:creationId xmlns:a16="http://schemas.microsoft.com/office/drawing/2014/main" id="{FEE23CE8-6C9F-7FED-CE33-2DAC0D8961A3}"/>
-              </a:ext>
-            </a:extLst>
-          </p:cNvPr>
+          <p:cNvPr id="2" name="Vertical Title 1"/>
           <p:cNvSpPr>
             <a:spLocks noGrp="1"/>
           </p:cNvSpPr>
@@ -573,47 +2716,42 @@
         </p:nvSpPr>
         <p:spPr>
           <a:xfrm>
-            <a:off x="8724900" y="365125"/>
-            <a:ext cx="2628900" cy="5811838"/>
+            <a:off x="7967673" y="609599"/>
+            <a:ext cx="1304743" cy="5251451"/>
           </a:xfrm>
         </p:spPr>
         <p:txBody>
+          <a:bodyPr vert="eaVert" anchor="ctr"/>
+          <a:lstStyle/>
+          <a:p>
+            <a:r>
+              <a:rPr lang="en-US"/>
+              <a:t>Click to edit Master title style</a:t>
+            </a:r>
+            <a:endParaRPr lang="en-US" dirty="0"/>
+          </a:p>
+        </p:txBody>
+      </p:sp>
+      <p:sp>
+        <p:nvSpPr>
+          <p:cNvPr id="3" name="Vertical Text Placeholder 2"/>
+          <p:cNvSpPr>
+            <a:spLocks noGrp="1"/>
+          </p:cNvSpPr>
+          <p:nvPr>
+            <p:ph type="body" orient="vert" idx="1"/>
+          </p:nvPr>
+        </p:nvSpPr>
+        <p:spPr>
+          <a:xfrm>
+            <a:off x="677335" y="609600"/>
+            <a:ext cx="7060150" cy="5251450"/>
+          </a:xfrm>
+        </p:spPr>
+        <p:txBody>
           <a:bodyPr vert="eaVert"/>
           <a:lstStyle/>
           <a:p>
-            <a:r>
-              <a:rPr lang="en-US"/>
-              <a:t>Click to edit Master title style</a:t>
-            </a:r>
-          </a:p>
-        </p:txBody>
-      </p:sp>
-      <p:sp>
-        <p:nvSpPr>
-          <p:cNvPr id="3" name="Vertical Text Placeholder 2">
-            <a:extLst>
-              <a:ext uri="{FF2B5EF4-FFF2-40B4-BE49-F238E27FC236}">
-                <a16:creationId xmlns:a16="http://schemas.microsoft.com/office/drawing/2014/main" id="{D7C0B4CD-C94A-033F-50D1-EE96EB4A5239}"/>
-              </a:ext>
-            </a:extLst>
-          </p:cNvPr>
-          <p:cNvSpPr>
-            <a:spLocks noGrp="1"/>
-          </p:cNvSpPr>
-          <p:nvPr>
-            <p:ph type="body" orient="vert" idx="1"/>
-          </p:nvPr>
-        </p:nvSpPr>
-        <p:spPr>
-          <a:xfrm>
-            <a:off x="838200" y="365125"/>
-            <a:ext cx="7734300" cy="5811838"/>
-          </a:xfrm>
-        </p:spPr>
-        <p:txBody>
-          <a:bodyPr vert="eaVert"/>
-          <a:lstStyle/>
-          <a:p>
             <a:pPr lvl="0"/>
             <a:r>
               <a:rPr lang="en-US"/>
@@ -647,18 +2785,13 @@
               <a:rPr lang="en-US"/>
               <a:t>Fifth level</a:t>
             </a:r>
-          </a:p>
-        </p:txBody>
-      </p:sp>
-      <p:sp>
-        <p:nvSpPr>
-          <p:cNvPr id="4" name="Date Placeholder 3">
-            <a:extLst>
-              <a:ext uri="{FF2B5EF4-FFF2-40B4-BE49-F238E27FC236}">
-                <a16:creationId xmlns:a16="http://schemas.microsoft.com/office/drawing/2014/main" id="{775C5689-1F73-487F-8FA7-7BFA645C66CD}"/>
-              </a:ext>
-            </a:extLst>
-          </p:cNvPr>
+            <a:endParaRPr lang="en-US" dirty="0"/>
+          </a:p>
+        </p:txBody>
+      </p:sp>
+      <p:sp>
+        <p:nvSpPr>
+          <p:cNvPr id="4" name="Date Placeholder 3"/>
           <p:cNvSpPr>
             <a:spLocks noGrp="1"/>
           </p:cNvSpPr>
@@ -681,13 +2814,7 @@
       </p:sp>
       <p:sp>
         <p:nvSpPr>
-          <p:cNvPr id="5" name="Footer Placeholder 4">
-            <a:extLst>
-              <a:ext uri="{FF2B5EF4-FFF2-40B4-BE49-F238E27FC236}">
-                <a16:creationId xmlns:a16="http://schemas.microsoft.com/office/drawing/2014/main" id="{BB0BB13B-37CA-0982-C654-3C8A64D9E196}"/>
-              </a:ext>
-            </a:extLst>
-          </p:cNvPr>
+          <p:cNvPr id="5" name="Footer Placeholder 4"/>
           <p:cNvSpPr>
             <a:spLocks noGrp="1"/>
           </p:cNvSpPr>
@@ -706,13 +2833,7 @@
       </p:sp>
       <p:sp>
         <p:nvSpPr>
-          <p:cNvPr id="6" name="Slide Number Placeholder 5">
-            <a:extLst>
-              <a:ext uri="{FF2B5EF4-FFF2-40B4-BE49-F238E27FC236}">
-                <a16:creationId xmlns:a16="http://schemas.microsoft.com/office/drawing/2014/main" id="{4B8AC7ED-A39B-FEE2-B073-AB4BC3D75B91}"/>
-              </a:ext>
-            </a:extLst>
-          </p:cNvPr>
+          <p:cNvPr id="6" name="Slide Number Placeholder 5"/>
           <p:cNvSpPr>
             <a:spLocks noGrp="1"/>
           </p:cNvSpPr>
@@ -736,7 +2857,7 @@
     </p:spTree>
     <p:extLst>
       <p:ext uri="{BB962C8B-B14F-4D97-AF65-F5344CB8AC3E}">
-        <p14:creationId xmlns:p14="http://schemas.microsoft.com/office/powerpoint/2010/main" val="3660867215"/>
+        <p14:creationId xmlns:p14="http://schemas.microsoft.com/office/powerpoint/2010/main" val="3634202192"/>
       </p:ext>
     </p:extLst>
   </p:cSld>
@@ -765,18 +2886,41 @@
       </p:grpSpPr>
       <p:sp>
         <p:nvSpPr>
-          <p:cNvPr id="2" name="Title 1">
-            <a:extLst>
-              <a:ext uri="{FF2B5EF4-FFF2-40B4-BE49-F238E27FC236}">
-                <a16:creationId xmlns:a16="http://schemas.microsoft.com/office/drawing/2014/main" id="{3A9361B8-4EAD-71BC-BF0A-9EB436A4C158}"/>
-              </a:ext>
-            </a:extLst>
-          </p:cNvPr>
+          <p:cNvPr id="2" name="Title 1"/>
           <p:cNvSpPr>
             <a:spLocks noGrp="1"/>
           </p:cNvSpPr>
           <p:nvPr>
             <p:ph type="title"/>
+          </p:nvPr>
+        </p:nvSpPr>
+        <p:spPr/>
+        <p:txBody>
+          <a:bodyPr>
+            <a:normAutofit/>
+          </a:bodyPr>
+          <a:lstStyle>
+            <a:lvl1pPr>
+              <a:defRPr sz="3600"/>
+            </a:lvl1pPr>
+          </a:lstStyle>
+          <a:p>
+            <a:r>
+              <a:rPr lang="en-US"/>
+              <a:t>Click to edit Master title style</a:t>
+            </a:r>
+            <a:endParaRPr lang="en-US" dirty="0"/>
+          </a:p>
+        </p:txBody>
+      </p:sp>
+      <p:sp>
+        <p:nvSpPr>
+          <p:cNvPr id="3" name="Content Placeholder 2"/>
+          <p:cNvSpPr>
+            <a:spLocks noGrp="1"/>
+          </p:cNvSpPr>
+          <p:nvPr>
+            <p:ph idx="1"/>
           </p:nvPr>
         </p:nvSpPr>
         <p:spPr/>
@@ -784,34 +2928,6 @@
           <a:bodyPr/>
           <a:lstStyle/>
           <a:p>
-            <a:r>
-              <a:rPr lang="en-US"/>
-              <a:t>Click to edit Master title style</a:t>
-            </a:r>
-          </a:p>
-        </p:txBody>
-      </p:sp>
-      <p:sp>
-        <p:nvSpPr>
-          <p:cNvPr id="3" name="Content Placeholder 2">
-            <a:extLst>
-              <a:ext uri="{FF2B5EF4-FFF2-40B4-BE49-F238E27FC236}">
-                <a16:creationId xmlns:a16="http://schemas.microsoft.com/office/drawing/2014/main" id="{572AA8BF-4A43-77DD-AFCC-F277B30DD4DE}"/>
-              </a:ext>
-            </a:extLst>
-          </p:cNvPr>
-          <p:cNvSpPr>
-            <a:spLocks noGrp="1"/>
-          </p:cNvSpPr>
-          <p:nvPr>
-            <p:ph idx="1"/>
-          </p:nvPr>
-        </p:nvSpPr>
-        <p:spPr/>
-        <p:txBody>
-          <a:bodyPr/>
-          <a:lstStyle/>
-          <a:p>
             <a:pPr lvl="0"/>
             <a:r>
               <a:rPr lang="en-US"/>
@@ -845,18 +2961,13 @@
               <a:rPr lang="en-US"/>
               <a:t>Fifth level</a:t>
             </a:r>
-          </a:p>
-        </p:txBody>
-      </p:sp>
-      <p:sp>
-        <p:nvSpPr>
-          <p:cNvPr id="4" name="Date Placeholder 3">
-            <a:extLst>
-              <a:ext uri="{FF2B5EF4-FFF2-40B4-BE49-F238E27FC236}">
-                <a16:creationId xmlns:a16="http://schemas.microsoft.com/office/drawing/2014/main" id="{11DDE99F-69AD-0C38-7AA2-58047FD3922D}"/>
-              </a:ext>
-            </a:extLst>
-          </p:cNvPr>
+            <a:endParaRPr lang="en-US" dirty="0"/>
+          </a:p>
+        </p:txBody>
+      </p:sp>
+      <p:sp>
+        <p:nvSpPr>
+          <p:cNvPr id="4" name="Date Placeholder 3"/>
           <p:cNvSpPr>
             <a:spLocks noGrp="1"/>
           </p:cNvSpPr>
@@ -879,13 +2990,7 @@
       </p:sp>
       <p:sp>
         <p:nvSpPr>
-          <p:cNvPr id="5" name="Footer Placeholder 4">
-            <a:extLst>
-              <a:ext uri="{FF2B5EF4-FFF2-40B4-BE49-F238E27FC236}">
-                <a16:creationId xmlns:a16="http://schemas.microsoft.com/office/drawing/2014/main" id="{C2F7A1CB-5EE2-848B-56D4-34F9DF025DBF}"/>
-              </a:ext>
-            </a:extLst>
-          </p:cNvPr>
+          <p:cNvPr id="5" name="Footer Placeholder 4"/>
           <p:cNvSpPr>
             <a:spLocks noGrp="1"/>
           </p:cNvSpPr>
@@ -904,13 +3009,7 @@
       </p:sp>
       <p:sp>
         <p:nvSpPr>
-          <p:cNvPr id="6" name="Slide Number Placeholder 5">
-            <a:extLst>
-              <a:ext uri="{FF2B5EF4-FFF2-40B4-BE49-F238E27FC236}">
-                <a16:creationId xmlns:a16="http://schemas.microsoft.com/office/drawing/2014/main" id="{DBE71AE8-4571-D42A-A784-A4A5E4F3C478}"/>
-              </a:ext>
-            </a:extLst>
-          </p:cNvPr>
+          <p:cNvPr id="6" name="Slide Number Placeholder 5"/>
           <p:cNvSpPr>
             <a:spLocks noGrp="1"/>
           </p:cNvSpPr>
@@ -934,7 +3033,7 @@
     </p:spTree>
     <p:extLst>
       <p:ext uri="{BB962C8B-B14F-4D97-AF65-F5344CB8AC3E}">
-        <p14:creationId xmlns:p14="http://schemas.microsoft.com/office/powerpoint/2010/main" val="1873339003"/>
+        <p14:creationId xmlns:p14="http://schemas.microsoft.com/office/powerpoint/2010/main" val="699209820"/>
       </p:ext>
     </p:extLst>
   </p:cSld>
@@ -963,13 +3062,7 @@
       </p:grpSpPr>
       <p:sp>
         <p:nvSpPr>
-          <p:cNvPr id="2" name="Title 1">
-            <a:extLst>
-              <a:ext uri="{FF2B5EF4-FFF2-40B4-BE49-F238E27FC236}">
-                <a16:creationId xmlns:a16="http://schemas.microsoft.com/office/drawing/2014/main" id="{F88CB7E7-F30A-D294-7FC4-F29F4157A511}"/>
-              </a:ext>
-            </a:extLst>
-          </p:cNvPr>
+          <p:cNvPr id="2" name="Title 1"/>
           <p:cNvSpPr>
             <a:spLocks noGrp="1"/>
           </p:cNvSpPr>
@@ -979,15 +3072,15 @@
         </p:nvSpPr>
         <p:spPr>
           <a:xfrm>
-            <a:off x="831850" y="1709738"/>
-            <a:ext cx="10515600" cy="2852737"/>
+            <a:off x="677335" y="2700867"/>
+            <a:ext cx="8596668" cy="1826581"/>
           </a:xfrm>
         </p:spPr>
         <p:txBody>
           <a:bodyPr anchor="b"/>
           <a:lstStyle>
-            <a:lvl1pPr>
-              <a:defRPr sz="6000"/>
+            <a:lvl1pPr algn="l">
+              <a:defRPr sz="4000" b="0" cap="none"/>
             </a:lvl1pPr>
           </a:lstStyle>
           <a:p>
@@ -995,18 +3088,13 @@
               <a:rPr lang="en-US"/>
               <a:t>Click to edit Master title style</a:t>
             </a:r>
-          </a:p>
-        </p:txBody>
-      </p:sp>
-      <p:sp>
-        <p:nvSpPr>
-          <p:cNvPr id="3" name="Text Placeholder 2">
-            <a:extLst>
-              <a:ext uri="{FF2B5EF4-FFF2-40B4-BE49-F238E27FC236}">
-                <a16:creationId xmlns:a16="http://schemas.microsoft.com/office/drawing/2014/main" id="{3DF77A60-F52B-0179-47AD-B7BFDEE0ABA2}"/>
-              </a:ext>
-            </a:extLst>
-          </p:cNvPr>
+            <a:endParaRPr lang="en-US" dirty="0"/>
+          </a:p>
+        </p:txBody>
+      </p:sp>
+      <p:sp>
+        <p:nvSpPr>
+          <p:cNvPr id="3" name="Text Placeholder 2"/>
           <p:cNvSpPr>
             <a:spLocks noGrp="1"/>
           </p:cNvSpPr>
@@ -1016,99 +3104,100 @@
         </p:nvSpPr>
         <p:spPr>
           <a:xfrm>
-            <a:off x="831850" y="4589463"/>
-            <a:ext cx="10515600" cy="1500187"/>
+            <a:off x="677335" y="4527448"/>
+            <a:ext cx="8596668" cy="860400"/>
           </a:xfrm>
         </p:spPr>
         <p:txBody>
-          <a:bodyPr/>
+          <a:bodyPr anchor="t"/>
           <a:lstStyle>
-            <a:lvl1pPr marL="0" indent="0">
-              <a:buNone/>
-              <a:defRPr sz="2400">
+            <a:lvl1pPr marL="0" indent="0" algn="l">
+              <a:buNone/>
+              <a:defRPr sz="2000">
                 <a:solidFill>
                   <a:schemeClr val="tx1">
-                    <a:tint val="82000"/>
+                    <a:lumMod val="50000"/>
+                    <a:lumOff val="50000"/>
                   </a:schemeClr>
                 </a:solidFill>
               </a:defRPr>
             </a:lvl1pPr>
             <a:lvl2pPr marL="457200" indent="0">
               <a:buNone/>
-              <a:defRPr sz="2000">
+              <a:defRPr sz="1800">
                 <a:solidFill>
                   <a:schemeClr val="tx1">
-                    <a:tint val="82000"/>
+                    <a:tint val="75000"/>
                   </a:schemeClr>
                 </a:solidFill>
               </a:defRPr>
             </a:lvl2pPr>
             <a:lvl3pPr marL="914400" indent="0">
               <a:buNone/>
-              <a:defRPr sz="1800">
+              <a:defRPr sz="1600">
                 <a:solidFill>
                   <a:schemeClr val="tx1">
-                    <a:tint val="82000"/>
+                    <a:tint val="75000"/>
                   </a:schemeClr>
                 </a:solidFill>
               </a:defRPr>
             </a:lvl3pPr>
             <a:lvl4pPr marL="1371600" indent="0">
               <a:buNone/>
-              <a:defRPr sz="1600">
+              <a:defRPr sz="1400">
                 <a:solidFill>
                   <a:schemeClr val="tx1">
-                    <a:tint val="82000"/>
+                    <a:tint val="75000"/>
                   </a:schemeClr>
                 </a:solidFill>
               </a:defRPr>
             </a:lvl4pPr>
             <a:lvl5pPr marL="1828800" indent="0">
               <a:buNone/>
-              <a:defRPr sz="1600">
+              <a:defRPr sz="1400">
                 <a:solidFill>
                   <a:schemeClr val="tx1">
-                    <a:tint val="82000"/>
+                    <a:tint val="75000"/>
                   </a:schemeClr>
                 </a:solidFill>
               </a:defRPr>
             </a:lvl5pPr>
             <a:lvl6pPr marL="2286000" indent="0">
               <a:buNone/>
-              <a:defRPr sz="1600">
+              <a:defRPr sz="1400">
                 <a:solidFill>
                   <a:schemeClr val="tx1">
-                    <a:tint val="82000"/>
+                    <a:tint val="75000"/>
                   </a:schemeClr>
                 </a:solidFill>
               </a:defRPr>
             </a:lvl6pPr>
             <a:lvl7pPr marL="2743200" indent="0">
               <a:buNone/>
-              <a:defRPr sz="1600">
+              <a:defRPr sz="1400">
                 <a:solidFill>
                   <a:schemeClr val="tx1">
-                    <a:tint val="82000"/>
+                    <a:tint val="75000"/>
                   </a:schemeClr>
                 </a:solidFill>
               </a:defRPr>
             </a:lvl7pPr>
             <a:lvl8pPr marL="3200400" indent="0">
               <a:buNone/>
-              <a:defRPr sz="1600">
+              <a:defRPr sz="1400">
                 <a:solidFill>
                   <a:schemeClr val="tx1">
-                    <a:tint val="82000"/>
+                    <a:tint val="75000"/>
                   </a:schemeClr>
                 </a:solidFill>
               </a:defRPr>
             </a:lvl8pPr>
             <a:lvl9pPr marL="3657600" indent="0">
               <a:buNone/>
-              <a:defRPr sz="1600">
+              <a:defRPr sz="1400">
                 <a:solidFill>
                   <a:schemeClr val="tx1">
-                    <a:tint val="82000"/>
+                    <a:tint val="75000"/>
                   </a:schemeClr>
                 </a:solidFill>
               </a:defRPr>
@@ -1125,13 +3214,7 @@
       </p:sp>
       <p:sp>
         <p:nvSpPr>
-          <p:cNvPr id="4" name="Date Placeholder 3">
-            <a:extLst>
-              <a:ext uri="{FF2B5EF4-FFF2-40B4-BE49-F238E27FC236}">
-                <a16:creationId xmlns:a16="http://schemas.microsoft.com/office/drawing/2014/main" id="{B917B00C-59B3-CCCA-E9A2-5AD9EC734313}"/>
-              </a:ext>
-            </a:extLst>
-          </p:cNvPr>
+          <p:cNvPr id="4" name="Date Placeholder 3"/>
           <p:cNvSpPr>
             <a:spLocks noGrp="1"/>
           </p:cNvSpPr>
@@ -1154,13 +3237,7 @@
       </p:sp>
       <p:sp>
         <p:nvSpPr>
-          <p:cNvPr id="5" name="Footer Placeholder 4">
-            <a:extLst>
-              <a:ext uri="{FF2B5EF4-FFF2-40B4-BE49-F238E27FC236}">
-                <a16:creationId xmlns:a16="http://schemas.microsoft.com/office/drawing/2014/main" id="{7F4FD5D2-1BB3-99B1-BB15-845717A8B7A2}"/>
-              </a:ext>
-            </a:extLst>
-          </p:cNvPr>
+          <p:cNvPr id="5" name="Footer Placeholder 4"/>
           <p:cNvSpPr>
             <a:spLocks noGrp="1"/>
           </p:cNvSpPr>
@@ -1179,13 +3256,7 @@
       </p:sp>
       <p:sp>
         <p:nvSpPr>
-          <p:cNvPr id="6" name="Slide Number Placeholder 5">
-            <a:extLst>
-              <a:ext uri="{FF2B5EF4-FFF2-40B4-BE49-F238E27FC236}">
-                <a16:creationId xmlns:a16="http://schemas.microsoft.com/office/drawing/2014/main" id="{BB4B838F-EFE7-AE28-6A8E-1E78CA9A5B03}"/>
-              </a:ext>
-            </a:extLst>
-          </p:cNvPr>
+          <p:cNvPr id="6" name="Slide Number Placeholder 5"/>
           <p:cNvSpPr>
             <a:spLocks noGrp="1"/>
           </p:cNvSpPr>
@@ -1209,7 +3280,7 @@
     </p:spTree>
     <p:extLst>
       <p:ext uri="{BB962C8B-B14F-4D97-AF65-F5344CB8AC3E}">
-        <p14:creationId xmlns:p14="http://schemas.microsoft.com/office/powerpoint/2010/main" val="4080572452"/>
+        <p14:creationId xmlns:p14="http://schemas.microsoft.com/office/powerpoint/2010/main" val="848932143"/>
       </p:ext>
     </p:extLst>
   </p:cSld>
@@ -1238,13 +3309,7 @@
       </p:grpSpPr>
       <p:sp>
         <p:nvSpPr>
-          <p:cNvPr id="2" name="Title 1">
-            <a:extLst>
-              <a:ext uri="{FF2B5EF4-FFF2-40B4-BE49-F238E27FC236}">
-                <a16:creationId xmlns:a16="http://schemas.microsoft.com/office/drawing/2014/main" id="{6EB23230-A71C-560F-4FCE-0364EBECA83F}"/>
-              </a:ext>
-            </a:extLst>
-          </p:cNvPr>
+          <p:cNvPr id="2" name="Title 1"/>
           <p:cNvSpPr>
             <a:spLocks noGrp="1"/>
           </p:cNvSpPr>
@@ -1261,18 +3326,13 @@
               <a:rPr lang="en-US"/>
               <a:t>Click to edit Master title style</a:t>
             </a:r>
-          </a:p>
-        </p:txBody>
-      </p:sp>
-      <p:sp>
-        <p:nvSpPr>
-          <p:cNvPr id="3" name="Content Placeholder 2">
-            <a:extLst>
-              <a:ext uri="{FF2B5EF4-FFF2-40B4-BE49-F238E27FC236}">
-                <a16:creationId xmlns:a16="http://schemas.microsoft.com/office/drawing/2014/main" id="{5169DC76-B264-D8EF-406F-D26906261A26}"/>
-              </a:ext>
-            </a:extLst>
-          </p:cNvPr>
+            <a:endParaRPr lang="en-US" dirty="0"/>
+          </a:p>
+        </p:txBody>
+      </p:sp>
+      <p:sp>
+        <p:nvSpPr>
+          <p:cNvPr id="3" name="Content Placeholder 2"/>
           <p:cNvSpPr>
             <a:spLocks noGrp="1"/>
           </p:cNvSpPr>
@@ -1282,8 +3342,8 @@
         </p:nvSpPr>
         <p:spPr>
           <a:xfrm>
-            <a:off x="838200" y="1825625"/>
-            <a:ext cx="5181600" cy="4351338"/>
+            <a:off x="677334" y="2160589"/>
+            <a:ext cx="4184035" cy="3880772"/>
           </a:xfrm>
         </p:spPr>
         <p:txBody>
@@ -1323,18 +3383,13 @@
               <a:rPr lang="en-US"/>
               <a:t>Fifth level</a:t>
             </a:r>
-          </a:p>
-        </p:txBody>
-      </p:sp>
-      <p:sp>
-        <p:nvSpPr>
-          <p:cNvPr id="4" name="Content Placeholder 3">
-            <a:extLst>
-              <a:ext uri="{FF2B5EF4-FFF2-40B4-BE49-F238E27FC236}">
-                <a16:creationId xmlns:a16="http://schemas.microsoft.com/office/drawing/2014/main" id="{B158BA89-6338-F492-DC90-6EB15C8C8D7B}"/>
-              </a:ext>
-            </a:extLst>
-          </p:cNvPr>
+            <a:endParaRPr lang="en-US" dirty="0"/>
+          </a:p>
+        </p:txBody>
+      </p:sp>
+      <p:sp>
+        <p:nvSpPr>
+          <p:cNvPr id="4" name="Content Placeholder 3"/>
           <p:cNvSpPr>
             <a:spLocks noGrp="1"/>
           </p:cNvSpPr>
@@ -1344,8 +3399,8 @@
         </p:nvSpPr>
         <p:spPr>
           <a:xfrm>
-            <a:off x="6172200" y="1825625"/>
-            <a:ext cx="5181600" cy="4351338"/>
+            <a:off x="5089970" y="2160589"/>
+            <a:ext cx="4184034" cy="3880773"/>
           </a:xfrm>
         </p:spPr>
         <p:txBody>
@@ -1385,18 +3440,13 @@
               <a:rPr lang="en-US"/>
               <a:t>Fifth level</a:t>
             </a:r>
-          </a:p>
-        </p:txBody>
-      </p:sp>
-      <p:sp>
-        <p:nvSpPr>
-          <p:cNvPr id="5" name="Date Placeholder 4">
-            <a:extLst>
-              <a:ext uri="{FF2B5EF4-FFF2-40B4-BE49-F238E27FC236}">
-                <a16:creationId xmlns:a16="http://schemas.microsoft.com/office/drawing/2014/main" id="{CE0CE4D0-250D-7801-888F-9A83CDFB6D30}"/>
-              </a:ext>
-            </a:extLst>
-          </p:cNvPr>
+            <a:endParaRPr lang="en-US" dirty="0"/>
+          </a:p>
+        </p:txBody>
+      </p:sp>
+      <p:sp>
+        <p:nvSpPr>
+          <p:cNvPr id="5" name="Date Placeholder 4"/>
           <p:cNvSpPr>
             <a:spLocks noGrp="1"/>
           </p:cNvSpPr>
@@ -1419,13 +3469,7 @@
       </p:sp>
       <p:sp>
         <p:nvSpPr>
-          <p:cNvPr id="6" name="Footer Placeholder 5">
-            <a:extLst>
-              <a:ext uri="{FF2B5EF4-FFF2-40B4-BE49-F238E27FC236}">
-                <a16:creationId xmlns:a16="http://schemas.microsoft.com/office/drawing/2014/main" id="{F63C8633-CBDD-33E9-0787-E4CA5EF62C4C}"/>
-              </a:ext>
-            </a:extLst>
-          </p:cNvPr>
+          <p:cNvPr id="6" name="Footer Placeholder 5"/>
           <p:cNvSpPr>
             <a:spLocks noGrp="1"/>
           </p:cNvSpPr>
@@ -1444,13 +3488,7 @@
       </p:sp>
       <p:sp>
         <p:nvSpPr>
-          <p:cNvPr id="7" name="Slide Number Placeholder 6">
-            <a:extLst>
-              <a:ext uri="{FF2B5EF4-FFF2-40B4-BE49-F238E27FC236}">
-                <a16:creationId xmlns:a16="http://schemas.microsoft.com/office/drawing/2014/main" id="{9EA62F6E-3B02-D296-1059-846F4E5A03BE}"/>
-              </a:ext>
-            </a:extLst>
-          </p:cNvPr>
+          <p:cNvPr id="7" name="Slide Number Placeholder 6"/>
           <p:cNvSpPr>
             <a:spLocks noGrp="1"/>
           </p:cNvSpPr>
@@ -1474,7 +3512,7 @@
     </p:spTree>
     <p:extLst>
       <p:ext uri="{BB962C8B-B14F-4D97-AF65-F5344CB8AC3E}">
-        <p14:creationId xmlns:p14="http://schemas.microsoft.com/office/powerpoint/2010/main" val="2794029666"/>
+        <p14:creationId xmlns:p14="http://schemas.microsoft.com/office/powerpoint/2010/main" val="3319062357"/>
       </p:ext>
     </p:extLst>
   </p:cSld>
@@ -1503,65 +3541,55 @@
       </p:grpSpPr>
       <p:sp>
         <p:nvSpPr>
-          <p:cNvPr id="2" name="Title 1">
-            <a:extLst>
-              <a:ext uri="{FF2B5EF4-FFF2-40B4-BE49-F238E27FC236}">
-                <a16:creationId xmlns:a16="http://schemas.microsoft.com/office/drawing/2014/main" id="{69E0FB15-5392-4EE1-52CD-46DD4A04C2E0}"/>
-              </a:ext>
-            </a:extLst>
-          </p:cNvPr>
+          <p:cNvPr id="2" name="Title 1"/>
           <p:cNvSpPr>
             <a:spLocks noGrp="1"/>
           </p:cNvSpPr>
           <p:nvPr>
             <p:ph type="title"/>
+          </p:nvPr>
+        </p:nvSpPr>
+        <p:spPr/>
+        <p:txBody>
+          <a:bodyPr/>
+          <a:lstStyle>
+            <a:lvl1pPr>
+              <a:defRPr/>
+            </a:lvl1pPr>
+          </a:lstStyle>
+          <a:p>
+            <a:r>
+              <a:rPr lang="en-US"/>
+              <a:t>Click to edit Master title style</a:t>
+            </a:r>
+            <a:endParaRPr lang="en-US" dirty="0"/>
+          </a:p>
+        </p:txBody>
+      </p:sp>
+      <p:sp>
+        <p:nvSpPr>
+          <p:cNvPr id="3" name="Text Placeholder 2"/>
+          <p:cNvSpPr>
+            <a:spLocks noGrp="1"/>
+          </p:cNvSpPr>
+          <p:nvPr>
+            <p:ph type="body" idx="1"/>
           </p:nvPr>
         </p:nvSpPr>
         <p:spPr>
           <a:xfrm>
-            <a:off x="839788" y="365125"/>
-            <a:ext cx="10515600" cy="1325563"/>
+            <a:off x="675745" y="2160983"/>
+            <a:ext cx="4185623" cy="576262"/>
           </a:xfrm>
         </p:spPr>
         <p:txBody>
-          <a:bodyPr/>
-          <a:lstStyle/>
-          <a:p>
-            <a:r>
-              <a:rPr lang="en-US"/>
-              <a:t>Click to edit Master title style</a:t>
-            </a:r>
-          </a:p>
-        </p:txBody>
-      </p:sp>
-      <p:sp>
-        <p:nvSpPr>
-          <p:cNvPr id="3" name="Text Placeholder 2">
-            <a:extLst>
-              <a:ext uri="{FF2B5EF4-FFF2-40B4-BE49-F238E27FC236}">
-                <a16:creationId xmlns:a16="http://schemas.microsoft.com/office/drawing/2014/main" id="{B4247569-011C-665B-6F5D-D1A53D93468E}"/>
-              </a:ext>
-            </a:extLst>
-          </p:cNvPr>
-          <p:cNvSpPr>
-            <a:spLocks noGrp="1"/>
-          </p:cNvSpPr>
-          <p:nvPr>
-            <p:ph type="body" idx="1"/>
-          </p:nvPr>
-        </p:nvSpPr>
-        <p:spPr>
-          <a:xfrm>
-            <a:off x="839788" y="1681163"/>
-            <a:ext cx="5157787" cy="823912"/>
-          </a:xfrm>
-        </p:spPr>
-        <p:txBody>
-          <a:bodyPr anchor="b"/>
+          <a:bodyPr anchor="b">
+            <a:noAutofit/>
+          </a:bodyPr>
           <a:lstStyle>
             <a:lvl1pPr marL="0" indent="0">
               <a:buNone/>
-              <a:defRPr sz="2400" b="1"/>
+              <a:defRPr sz="2400" b="0"/>
             </a:lvl1pPr>
             <a:lvl2pPr marL="457200" indent="0">
               <a:buNone/>
@@ -1607,13 +3635,7 @@
       </p:sp>
       <p:sp>
         <p:nvSpPr>
-          <p:cNvPr id="4" name="Content Placeholder 3">
-            <a:extLst>
-              <a:ext uri="{FF2B5EF4-FFF2-40B4-BE49-F238E27FC236}">
-                <a16:creationId xmlns:a16="http://schemas.microsoft.com/office/drawing/2014/main" id="{A0518D1F-6F9F-1B89-9C98-6C38AE2019A2}"/>
-              </a:ext>
-            </a:extLst>
-          </p:cNvPr>
+          <p:cNvPr id="4" name="Content Placeholder 3"/>
           <p:cNvSpPr>
             <a:spLocks noGrp="1"/>
           </p:cNvSpPr>
@@ -1623,12 +3645,14 @@
         </p:nvSpPr>
         <p:spPr>
           <a:xfrm>
-            <a:off x="839788" y="2505075"/>
-            <a:ext cx="5157787" cy="3684588"/>
+            <a:off x="675745" y="2737245"/>
+            <a:ext cx="4185623" cy="3304117"/>
           </a:xfrm>
         </p:spPr>
         <p:txBody>
-          <a:bodyPr/>
+          <a:bodyPr>
+            <a:normAutofit/>
+          </a:bodyPr>
           <a:lstStyle/>
           <a:p>
             <a:pPr lvl="0"/>
@@ -1664,18 +3688,13 @@
               <a:rPr lang="en-US"/>
               <a:t>Fifth level</a:t>
             </a:r>
-          </a:p>
-        </p:txBody>
-      </p:sp>
-      <p:sp>
-        <p:nvSpPr>
-          <p:cNvPr id="5" name="Text Placeholder 4">
-            <a:extLst>
-              <a:ext uri="{FF2B5EF4-FFF2-40B4-BE49-F238E27FC236}">
-                <a16:creationId xmlns:a16="http://schemas.microsoft.com/office/drawing/2014/main" id="{A57C875E-6808-B4E0-DF0C-06DCF3A2BEBD}"/>
-              </a:ext>
-            </a:extLst>
-          </p:cNvPr>
+            <a:endParaRPr lang="en-US" dirty="0"/>
+          </a:p>
+        </p:txBody>
+      </p:sp>
+      <p:sp>
+        <p:nvSpPr>
+          <p:cNvPr id="5" name="Text Placeholder 4"/>
           <p:cNvSpPr>
             <a:spLocks noGrp="1"/>
           </p:cNvSpPr>
@@ -1685,16 +3704,18 @@
         </p:nvSpPr>
         <p:spPr>
           <a:xfrm>
-            <a:off x="6172200" y="1681163"/>
-            <a:ext cx="5183188" cy="823912"/>
+            <a:off x="5088383" y="2160983"/>
+            <a:ext cx="4185618" cy="576262"/>
           </a:xfrm>
         </p:spPr>
         <p:txBody>
-          <a:bodyPr anchor="b"/>
+          <a:bodyPr anchor="b">
+            <a:noAutofit/>
+          </a:bodyPr>
           <a:lstStyle>
             <a:lvl1pPr marL="0" indent="0">
               <a:buNone/>
-              <a:defRPr sz="2400" b="1"/>
+              <a:defRPr sz="2400" b="0"/>
             </a:lvl1pPr>
             <a:lvl2pPr marL="457200" indent="0">
               <a:buNone/>
@@ -1740,13 +3761,7 @@
       </p:sp>
       <p:sp>
         <p:nvSpPr>
-          <p:cNvPr id="6" name="Content Placeholder 5">
-            <a:extLst>
-              <a:ext uri="{FF2B5EF4-FFF2-40B4-BE49-F238E27FC236}">
-                <a16:creationId xmlns:a16="http://schemas.microsoft.com/office/drawing/2014/main" id="{0BFFC423-C601-E9AE-4FA6-461661475BEB}"/>
-              </a:ext>
-            </a:extLst>
-          </p:cNvPr>
+          <p:cNvPr id="6" name="Content Placeholder 5"/>
           <p:cNvSpPr>
             <a:spLocks noGrp="1"/>
           </p:cNvSpPr>
@@ -1756,12 +3771,14 @@
         </p:nvSpPr>
         <p:spPr>
           <a:xfrm>
-            <a:off x="6172200" y="2505075"/>
-            <a:ext cx="5183188" cy="3684588"/>
+            <a:off x="5088384" y="2737245"/>
+            <a:ext cx="4185617" cy="3304117"/>
           </a:xfrm>
         </p:spPr>
         <p:txBody>
-          <a:bodyPr/>
+          <a:bodyPr>
+            <a:normAutofit/>
+          </a:bodyPr>
           <a:lstStyle/>
           <a:p>
             <a:pPr lvl="0"/>
@@ -1797,18 +3814,13 @@
               <a:rPr lang="en-US"/>
               <a:t>Fifth level</a:t>
             </a:r>
-          </a:p>
-        </p:txBody>
-      </p:sp>
-      <p:sp>
-        <p:nvSpPr>
-          <p:cNvPr id="7" name="Date Placeholder 6">
-            <a:extLst>
-              <a:ext uri="{FF2B5EF4-FFF2-40B4-BE49-F238E27FC236}">
-                <a16:creationId xmlns:a16="http://schemas.microsoft.com/office/drawing/2014/main" id="{9706C479-1F8D-4D1E-0DBB-D1A0AD22D20E}"/>
-              </a:ext>
-            </a:extLst>
-          </p:cNvPr>
+            <a:endParaRPr lang="en-US" dirty="0"/>
+          </a:p>
+        </p:txBody>
+      </p:sp>
+      <p:sp>
+        <p:nvSpPr>
+          <p:cNvPr id="7" name="Date Placeholder 6"/>
           <p:cNvSpPr>
             <a:spLocks noGrp="1"/>
           </p:cNvSpPr>
@@ -1831,13 +3843,7 @@
       </p:sp>
       <p:sp>
         <p:nvSpPr>
-          <p:cNvPr id="8" name="Footer Placeholder 7">
-            <a:extLst>
-              <a:ext uri="{FF2B5EF4-FFF2-40B4-BE49-F238E27FC236}">
-                <a16:creationId xmlns:a16="http://schemas.microsoft.com/office/drawing/2014/main" id="{BE27009D-8BC5-B256-6854-3F4CD5BD718B}"/>
-              </a:ext>
-            </a:extLst>
-          </p:cNvPr>
+          <p:cNvPr id="8" name="Footer Placeholder 7"/>
           <p:cNvSpPr>
             <a:spLocks noGrp="1"/>
           </p:cNvSpPr>
@@ -1856,13 +3862,7 @@
       </p:sp>
       <p:sp>
         <p:nvSpPr>
-          <p:cNvPr id="9" name="Slide Number Placeholder 8">
-            <a:extLst>
-              <a:ext uri="{FF2B5EF4-FFF2-40B4-BE49-F238E27FC236}">
-                <a16:creationId xmlns:a16="http://schemas.microsoft.com/office/drawing/2014/main" id="{BC2C9D07-F454-ED75-72FF-C6C872E3A28A}"/>
-              </a:ext>
-            </a:extLst>
-          </p:cNvPr>
+          <p:cNvPr id="9" name="Slide Number Placeholder 8"/>
           <p:cNvSpPr>
             <a:spLocks noGrp="1"/>
           </p:cNvSpPr>
@@ -1886,7 +3886,7 @@
     </p:spTree>
     <p:extLst>
       <p:ext uri="{BB962C8B-B14F-4D97-AF65-F5344CB8AC3E}">
-        <p14:creationId xmlns:p14="http://schemas.microsoft.com/office/powerpoint/2010/main" val="1526229553"/>
+        <p14:creationId xmlns:p14="http://schemas.microsoft.com/office/powerpoint/2010/main" val="2698001403"/>
       </p:ext>
     </p:extLst>
   </p:cSld>
@@ -1915,13 +3915,7 @@
       </p:grpSpPr>
       <p:sp>
         <p:nvSpPr>
-          <p:cNvPr id="2" name="Title 1">
-            <a:extLst>
-              <a:ext uri="{FF2B5EF4-FFF2-40B4-BE49-F238E27FC236}">
-                <a16:creationId xmlns:a16="http://schemas.microsoft.com/office/drawing/2014/main" id="{9147F3A3-B175-6213-0BB3-B535F08FE27C}"/>
-              </a:ext>
-            </a:extLst>
-          </p:cNvPr>
+          <p:cNvPr id="2" name="Title 1"/>
           <p:cNvSpPr>
             <a:spLocks noGrp="1"/>
           </p:cNvSpPr>
@@ -1929,7 +3923,12 @@
             <p:ph type="title"/>
           </p:nvPr>
         </p:nvSpPr>
-        <p:spPr/>
+        <p:spPr>
+          <a:xfrm>
+            <a:off x="677334" y="609600"/>
+            <a:ext cx="8596668" cy="1320800"/>
+          </a:xfrm>
+        </p:spPr>
         <p:txBody>
           <a:bodyPr/>
           <a:lstStyle/>
@@ -1938,18 +3937,13 @@
               <a:rPr lang="en-US"/>
               <a:t>Click to edit Master title style</a:t>
             </a:r>
-          </a:p>
-        </p:txBody>
-      </p:sp>
-      <p:sp>
-        <p:nvSpPr>
-          <p:cNvPr id="3" name="Date Placeholder 2">
-            <a:extLst>
-              <a:ext uri="{FF2B5EF4-FFF2-40B4-BE49-F238E27FC236}">
-                <a16:creationId xmlns:a16="http://schemas.microsoft.com/office/drawing/2014/main" id="{5DF38706-5F5E-D4EC-01F7-76E6A898FAE2}"/>
-              </a:ext>
-            </a:extLst>
-          </p:cNvPr>
+            <a:endParaRPr lang="en-US" dirty="0"/>
+          </a:p>
+        </p:txBody>
+      </p:sp>
+      <p:sp>
+        <p:nvSpPr>
+          <p:cNvPr id="3" name="Date Placeholder 2"/>
           <p:cNvSpPr>
             <a:spLocks noGrp="1"/>
           </p:cNvSpPr>
@@ -1972,13 +3966,7 @@
       </p:sp>
       <p:sp>
         <p:nvSpPr>
-          <p:cNvPr id="4" name="Footer Placeholder 3">
-            <a:extLst>
-              <a:ext uri="{FF2B5EF4-FFF2-40B4-BE49-F238E27FC236}">
-                <a16:creationId xmlns:a16="http://schemas.microsoft.com/office/drawing/2014/main" id="{16D6F875-012F-3D31-3728-C14BAC27EAC2}"/>
-              </a:ext>
-            </a:extLst>
-          </p:cNvPr>
+          <p:cNvPr id="4" name="Footer Placeholder 3"/>
           <p:cNvSpPr>
             <a:spLocks noGrp="1"/>
           </p:cNvSpPr>
@@ -1997,13 +3985,7 @@
       </p:sp>
       <p:sp>
         <p:nvSpPr>
-          <p:cNvPr id="5" name="Slide Number Placeholder 4">
-            <a:extLst>
-              <a:ext uri="{FF2B5EF4-FFF2-40B4-BE49-F238E27FC236}">
-                <a16:creationId xmlns:a16="http://schemas.microsoft.com/office/drawing/2014/main" id="{AC665AEF-37E0-1693-7DA1-F93AFFD0DBC1}"/>
-              </a:ext>
-            </a:extLst>
-          </p:cNvPr>
+          <p:cNvPr id="5" name="Slide Number Placeholder 4"/>
           <p:cNvSpPr>
             <a:spLocks noGrp="1"/>
           </p:cNvSpPr>
@@ -2027,7 +4009,7 @@
     </p:spTree>
     <p:extLst>
       <p:ext uri="{BB962C8B-B14F-4D97-AF65-F5344CB8AC3E}">
-        <p14:creationId xmlns:p14="http://schemas.microsoft.com/office/powerpoint/2010/main" val="4065597857"/>
+        <p14:creationId xmlns:p14="http://schemas.microsoft.com/office/powerpoint/2010/main" val="744943296"/>
       </p:ext>
     </p:extLst>
   </p:cSld>
@@ -2056,13 +4038,7 @@
       </p:grpSpPr>
       <p:sp>
         <p:nvSpPr>
-          <p:cNvPr id="2" name="Date Placeholder 1">
-            <a:extLst>
-              <a:ext uri="{FF2B5EF4-FFF2-40B4-BE49-F238E27FC236}">
-                <a16:creationId xmlns:a16="http://schemas.microsoft.com/office/drawing/2014/main" id="{724BF736-6E9B-A9FF-DCD0-E1F0D21C628F}"/>
-              </a:ext>
-            </a:extLst>
-          </p:cNvPr>
+          <p:cNvPr id="2" name="Date Placeholder 1"/>
           <p:cNvSpPr>
             <a:spLocks noGrp="1"/>
           </p:cNvSpPr>
@@ -2085,13 +4061,7 @@
       </p:sp>
       <p:sp>
         <p:nvSpPr>
-          <p:cNvPr id="3" name="Footer Placeholder 2">
-            <a:extLst>
-              <a:ext uri="{FF2B5EF4-FFF2-40B4-BE49-F238E27FC236}">
-                <a16:creationId xmlns:a16="http://schemas.microsoft.com/office/drawing/2014/main" id="{43AD49CD-C207-7FC8-9CCD-415D22CD85EF}"/>
-              </a:ext>
-            </a:extLst>
-          </p:cNvPr>
+          <p:cNvPr id="3" name="Footer Placeholder 2"/>
           <p:cNvSpPr>
             <a:spLocks noGrp="1"/>
           </p:cNvSpPr>
@@ -2110,13 +4080,7 @@
       </p:sp>
       <p:sp>
         <p:nvSpPr>
-          <p:cNvPr id="4" name="Slide Number Placeholder 3">
-            <a:extLst>
-              <a:ext uri="{FF2B5EF4-FFF2-40B4-BE49-F238E27FC236}">
-                <a16:creationId xmlns:a16="http://schemas.microsoft.com/office/drawing/2014/main" id="{A12C5600-6E63-B6D7-8A66-D389B253C527}"/>
-              </a:ext>
-            </a:extLst>
-          </p:cNvPr>
+          <p:cNvPr id="4" name="Slide Number Placeholder 3"/>
           <p:cNvSpPr>
             <a:spLocks noGrp="1"/>
           </p:cNvSpPr>
@@ -2140,7 +4104,7 @@
     </p:spTree>
     <p:extLst>
       <p:ext uri="{BB962C8B-B14F-4D97-AF65-F5344CB8AC3E}">
-        <p14:creationId xmlns:p14="http://schemas.microsoft.com/office/powerpoint/2010/main" val="1574569967"/>
+        <p14:creationId xmlns:p14="http://schemas.microsoft.com/office/powerpoint/2010/main" val="344565562"/>
       </p:ext>
     </p:extLst>
   </p:cSld>
@@ -2169,13 +4133,7 @@
       </p:grpSpPr>
       <p:sp>
         <p:nvSpPr>
-          <p:cNvPr id="2" name="Title 1">
-            <a:extLst>
-              <a:ext uri="{FF2B5EF4-FFF2-40B4-BE49-F238E27FC236}">
-                <a16:creationId xmlns:a16="http://schemas.microsoft.com/office/drawing/2014/main" id="{B1B61CB5-39C7-875E-3D39-26215FD0EB1F}"/>
-              </a:ext>
-            </a:extLst>
-          </p:cNvPr>
+          <p:cNvPr id="2" name="Title 1"/>
           <p:cNvSpPr>
             <a:spLocks noGrp="1"/>
           </p:cNvSpPr>
@@ -2185,15 +4143,17 @@
         </p:nvSpPr>
         <p:spPr>
           <a:xfrm>
-            <a:off x="839788" y="457200"/>
-            <a:ext cx="3932237" cy="1600200"/>
+            <a:off x="677334" y="1498604"/>
+            <a:ext cx="3854528" cy="1278466"/>
           </a:xfrm>
         </p:spPr>
         <p:txBody>
-          <a:bodyPr anchor="b"/>
+          <a:bodyPr anchor="b">
+            <a:normAutofit/>
+          </a:bodyPr>
           <a:lstStyle>
             <a:lvl1pPr>
-              <a:defRPr sz="3200"/>
+              <a:defRPr sz="2000"/>
             </a:lvl1pPr>
           </a:lstStyle>
           <a:p>
@@ -2201,18 +4161,13 @@
               <a:rPr lang="en-US"/>
               <a:t>Click to edit Master title style</a:t>
             </a:r>
-          </a:p>
-        </p:txBody>
-      </p:sp>
-      <p:sp>
-        <p:nvSpPr>
-          <p:cNvPr id="3" name="Content Placeholder 2">
-            <a:extLst>
-              <a:ext uri="{FF2B5EF4-FFF2-40B4-BE49-F238E27FC236}">
-                <a16:creationId xmlns:a16="http://schemas.microsoft.com/office/drawing/2014/main" id="{37902A96-B2B7-795F-3862-2B9D9E9596CD}"/>
-              </a:ext>
-            </a:extLst>
-          </p:cNvPr>
+            <a:endParaRPr lang="en-US" dirty="0"/>
+          </a:p>
+        </p:txBody>
+      </p:sp>
+      <p:sp>
+        <p:nvSpPr>
+          <p:cNvPr id="3" name="Content Placeholder 2"/>
           <p:cNvSpPr>
             <a:spLocks noGrp="1"/>
           </p:cNvSpPr>
@@ -2222,41 +4177,15 @@
         </p:nvSpPr>
         <p:spPr>
           <a:xfrm>
-            <a:off x="5183188" y="987425"/>
-            <a:ext cx="6172200" cy="4873625"/>
+            <a:off x="4760461" y="514924"/>
+            <a:ext cx="4513541" cy="5526437"/>
           </a:xfrm>
         </p:spPr>
         <p:txBody>
-          <a:bodyPr/>
-          <a:lstStyle>
-            <a:lvl1pPr>
-              <a:defRPr sz="3200"/>
-            </a:lvl1pPr>
-            <a:lvl2pPr>
-              <a:defRPr sz="2800"/>
-            </a:lvl2pPr>
-            <a:lvl3pPr>
-              <a:defRPr sz="2400"/>
-            </a:lvl3pPr>
-            <a:lvl4pPr>
-              <a:defRPr sz="2000"/>
-            </a:lvl4pPr>
-            <a:lvl5pPr>
-              <a:defRPr sz="2000"/>
-            </a:lvl5pPr>
-            <a:lvl6pPr>
-              <a:defRPr sz="2000"/>
-            </a:lvl6pPr>
-            <a:lvl7pPr>
-              <a:defRPr sz="2000"/>
-            </a:lvl7pPr>
-            <a:lvl8pPr>
-              <a:defRPr sz="2000"/>
-            </a:lvl8pPr>
-            <a:lvl9pPr>
-              <a:defRPr sz="2000"/>
-            </a:lvl9pPr>
-          </a:lstStyle>
+          <a:bodyPr>
+            <a:normAutofit/>
+          </a:bodyPr>
+          <a:lstStyle/>
           <a:p>
             <a:pPr lvl="0"/>
             <a:r>
@@ -2291,18 +4220,13 @@
               <a:rPr lang="en-US"/>
               <a:t>Fifth level</a:t>
             </a:r>
-          </a:p>
-        </p:txBody>
-      </p:sp>
-      <p:sp>
-        <p:nvSpPr>
-          <p:cNvPr id="4" name="Text Placeholder 3">
-            <a:extLst>
-              <a:ext uri="{FF2B5EF4-FFF2-40B4-BE49-F238E27FC236}">
-                <a16:creationId xmlns:a16="http://schemas.microsoft.com/office/drawing/2014/main" id="{16595095-A55E-3109-9DFF-6F646BDFC67A}"/>
-              </a:ext>
-            </a:extLst>
-          </p:cNvPr>
+            <a:endParaRPr lang="en-US" dirty="0"/>
+          </a:p>
+        </p:txBody>
+      </p:sp>
+      <p:sp>
+        <p:nvSpPr>
+          <p:cNvPr id="4" name="Text Placeholder 3"/>
           <p:cNvSpPr>
             <a:spLocks noGrp="1"/>
           </p:cNvSpPr>
@@ -2312,46 +4236,48 @@
         </p:nvSpPr>
         <p:spPr>
           <a:xfrm>
-            <a:off x="839788" y="2057400"/>
-            <a:ext cx="3932237" cy="3811588"/>
+            <a:off x="677334" y="2777069"/>
+            <a:ext cx="3854528" cy="2584449"/>
           </a:xfrm>
         </p:spPr>
         <p:txBody>
-          <a:bodyPr/>
+          <a:bodyPr>
+            <a:normAutofit/>
+          </a:bodyPr>
           <a:lstStyle>
             <a:lvl1pPr marL="0" indent="0">
               <a:buNone/>
-              <a:defRPr sz="1600"/>
+              <a:defRPr sz="1400"/>
             </a:lvl1pPr>
-            <a:lvl2pPr marL="457200" indent="0">
+            <a:lvl2pPr marL="457063" indent="0">
               <a:buNone/>
               <a:defRPr sz="1400"/>
             </a:lvl2pPr>
-            <a:lvl3pPr marL="914400" indent="0">
+            <a:lvl3pPr marL="914126" indent="0">
               <a:buNone/>
               <a:defRPr sz="1200"/>
             </a:lvl3pPr>
-            <a:lvl4pPr marL="1371600" indent="0">
+            <a:lvl4pPr marL="1371189" indent="0">
               <a:buNone/>
               <a:defRPr sz="1000"/>
             </a:lvl4pPr>
-            <a:lvl5pPr marL="1828800" indent="0">
+            <a:lvl5pPr marL="1828251" indent="0">
               <a:buNone/>
               <a:defRPr sz="1000"/>
             </a:lvl5pPr>
-            <a:lvl6pPr marL="2286000" indent="0">
+            <a:lvl6pPr marL="2285314" indent="0">
               <a:buNone/>
               <a:defRPr sz="1000"/>
             </a:lvl6pPr>
-            <a:lvl7pPr marL="2743200" indent="0">
+            <a:lvl7pPr marL="2742377" indent="0">
               <a:buNone/>
               <a:defRPr sz="1000"/>
             </a:lvl7pPr>
-            <a:lvl8pPr marL="3200400" indent="0">
+            <a:lvl8pPr marL="3199440" indent="0">
               <a:buNone/>
               <a:defRPr sz="1000"/>
             </a:lvl8pPr>
-            <a:lvl9pPr marL="3657600" indent="0">
+            <a:lvl9pPr marL="3656503" indent="0">
               <a:buNone/>
               <a:defRPr sz="1000"/>
             </a:lvl9pPr>
@@ -2367,13 +4293,7 @@
       </p:sp>
       <p:sp>
         <p:nvSpPr>
-          <p:cNvPr id="5" name="Date Placeholder 4">
-            <a:extLst>
-              <a:ext uri="{FF2B5EF4-FFF2-40B4-BE49-F238E27FC236}">
-                <a16:creationId xmlns:a16="http://schemas.microsoft.com/office/drawing/2014/main" id="{9AB1C4E2-594E-7287-25E3-06FF615429CC}"/>
-              </a:ext>
-            </a:extLst>
-          </p:cNvPr>
+          <p:cNvPr id="5" name="Date Placeholder 4"/>
           <p:cNvSpPr>
             <a:spLocks noGrp="1"/>
           </p:cNvSpPr>
@@ -2396,13 +4316,7 @@
       </p:sp>
       <p:sp>
         <p:nvSpPr>
-          <p:cNvPr id="6" name="Footer Placeholder 5">
-            <a:extLst>
-              <a:ext uri="{FF2B5EF4-FFF2-40B4-BE49-F238E27FC236}">
-                <a16:creationId xmlns:a16="http://schemas.microsoft.com/office/drawing/2014/main" id="{2E66B6EB-B7A9-9AC6-7402-B1C8D4E98CFD}"/>
-              </a:ext>
-            </a:extLst>
-          </p:cNvPr>
+          <p:cNvPr id="6" name="Footer Placeholder 5"/>
           <p:cNvSpPr>
             <a:spLocks noGrp="1"/>
           </p:cNvSpPr>
@@ -2421,13 +4335,7 @@
       </p:sp>
       <p:sp>
         <p:nvSpPr>
-          <p:cNvPr id="7" name="Slide Number Placeholder 6">
-            <a:extLst>
-              <a:ext uri="{FF2B5EF4-FFF2-40B4-BE49-F238E27FC236}">
-                <a16:creationId xmlns:a16="http://schemas.microsoft.com/office/drawing/2014/main" id="{E3F66A85-38EA-112E-593B-0C0CF010B740}"/>
-              </a:ext>
-            </a:extLst>
-          </p:cNvPr>
+          <p:cNvPr id="7" name="Slide Number Placeholder 6"/>
           <p:cNvSpPr>
             <a:spLocks noGrp="1"/>
           </p:cNvSpPr>
@@ -2451,7 +4359,7 @@
     </p:spTree>
     <p:extLst>
       <p:ext uri="{BB962C8B-B14F-4D97-AF65-F5344CB8AC3E}">
-        <p14:creationId xmlns:p14="http://schemas.microsoft.com/office/powerpoint/2010/main" val="4256904209"/>
+        <p14:creationId xmlns:p14="http://schemas.microsoft.com/office/powerpoint/2010/main" val="2476529318"/>
       </p:ext>
     </p:extLst>
   </p:cSld>
@@ -2480,13 +4388,7 @@
       </p:grpSpPr>
       <p:sp>
         <p:nvSpPr>
-          <p:cNvPr id="2" name="Title 1">
-            <a:extLst>
-              <a:ext uri="{FF2B5EF4-FFF2-40B4-BE49-F238E27FC236}">
-                <a16:creationId xmlns:a16="http://schemas.microsoft.com/office/drawing/2014/main" id="{78CC4467-7DAB-7D3A-A388-80AE1C9C6AED}"/>
-              </a:ext>
-            </a:extLst>
-          </p:cNvPr>
+          <p:cNvPr id="2" name="Title 1"/>
           <p:cNvSpPr>
             <a:spLocks noGrp="1"/>
           </p:cNvSpPr>
@@ -2496,15 +4398,17 @@
         </p:nvSpPr>
         <p:spPr>
           <a:xfrm>
-            <a:off x="839788" y="457200"/>
-            <a:ext cx="3932237" cy="1600200"/>
+            <a:off x="677334" y="4800600"/>
+            <a:ext cx="8596667" cy="566738"/>
           </a:xfrm>
         </p:spPr>
         <p:txBody>
-          <a:bodyPr anchor="b"/>
+          <a:bodyPr anchor="b">
+            <a:normAutofit/>
+          </a:bodyPr>
           <a:lstStyle>
-            <a:lvl1pPr>
-              <a:defRPr sz="3200"/>
+            <a:lvl1pPr algn="l">
+              <a:defRPr sz="2400" b="0"/>
             </a:lvl1pPr>
           </a:lstStyle>
           <a:p>
@@ -2512,20 +4416,15 @@
               <a:rPr lang="en-US"/>
               <a:t>Click to edit Master title style</a:t>
             </a:r>
-          </a:p>
-        </p:txBody>
-      </p:sp>
-      <p:sp>
-        <p:nvSpPr>
-          <p:cNvPr id="3" name="Picture Placeholder 2">
-            <a:extLst>
-              <a:ext uri="{FF2B5EF4-FFF2-40B4-BE49-F238E27FC236}">
-                <a16:creationId xmlns:a16="http://schemas.microsoft.com/office/drawing/2014/main" id="{B0143BB3-D4FB-11ED-5104-5C4CC8D6DA50}"/>
-              </a:ext>
-            </a:extLst>
-          </p:cNvPr>
-          <p:cNvSpPr>
-            <a:spLocks noGrp="1"/>
+            <a:endParaRPr lang="en-US" dirty="0"/>
+          </a:p>
+        </p:txBody>
+      </p:sp>
+      <p:sp>
+        <p:nvSpPr>
+          <p:cNvPr id="3" name="Picture Placeholder 2"/>
+          <p:cNvSpPr>
+            <a:spLocks noGrp="1" noChangeAspect="1"/>
           </p:cNvSpPr>
           <p:nvPr>
             <p:ph type="pic" idx="1"/>
@@ -2533,118 +4432,120 @@
         </p:nvSpPr>
         <p:spPr>
           <a:xfrm>
-            <a:off x="5183188" y="987425"/>
-            <a:ext cx="6172200" cy="4873625"/>
+            <a:off x="677334" y="609600"/>
+            <a:ext cx="8596668" cy="3845718"/>
           </a:xfrm>
         </p:spPr>
         <p:txBody>
-          <a:bodyPr/>
+          <a:bodyPr anchor="t">
+            <a:normAutofit/>
+          </a:bodyPr>
           <a:lstStyle>
-            <a:lvl1pPr marL="0" indent="0">
-              <a:buNone/>
-              <a:defRPr sz="3200"/>
-            </a:lvl1pPr>
-            <a:lvl2pPr marL="457200" indent="0">
-              <a:buNone/>
-              <a:defRPr sz="2800"/>
-            </a:lvl2pPr>
-            <a:lvl3pPr marL="914400" indent="0">
-              <a:buNone/>
-              <a:defRPr sz="2400"/>
-            </a:lvl3pPr>
-            <a:lvl4pPr marL="1371600" indent="0">
-              <a:buNone/>
-              <a:defRPr sz="2000"/>
-            </a:lvl4pPr>
-            <a:lvl5pPr marL="1828800" indent="0">
-              <a:buNone/>
-              <a:defRPr sz="2000"/>
-            </a:lvl5pPr>
-            <a:lvl6pPr marL="2286000" indent="0">
-              <a:buNone/>
-              <a:defRPr sz="2000"/>
-            </a:lvl6pPr>
-            <a:lvl7pPr marL="2743200" indent="0">
-              <a:buNone/>
-              <a:defRPr sz="2000"/>
-            </a:lvl7pPr>
-            <a:lvl8pPr marL="3200400" indent="0">
-              <a:buNone/>
-              <a:defRPr sz="2000"/>
-            </a:lvl8pPr>
-            <a:lvl9pPr marL="3657600" indent="0">
-              <a:buNone/>
-              <a:defRPr sz="2000"/>
-            </a:lvl9pPr>
-          </a:lstStyle>
-          <a:p>
-            <a:endParaRPr lang="en-US"/>
-          </a:p>
-        </p:txBody>
-      </p:sp>
-      <p:sp>
-        <p:nvSpPr>
-          <p:cNvPr id="4" name="Text Placeholder 3">
-            <a:extLst>
-              <a:ext uri="{FF2B5EF4-FFF2-40B4-BE49-F238E27FC236}">
-                <a16:creationId xmlns:a16="http://schemas.microsoft.com/office/drawing/2014/main" id="{FA31F4BA-43CC-A879-B5D3-D2F441053F3E}"/>
-              </a:ext>
-            </a:extLst>
-          </p:cNvPr>
-          <p:cNvSpPr>
-            <a:spLocks noGrp="1"/>
-          </p:cNvSpPr>
-          <p:nvPr>
-            <p:ph type="body" sz="half" idx="2"/>
-          </p:nvPr>
-        </p:nvSpPr>
-        <p:spPr>
-          <a:xfrm>
-            <a:off x="839788" y="2057400"/>
-            <a:ext cx="3932237" cy="3811588"/>
-          </a:xfrm>
-        </p:spPr>
-        <p:txBody>
-          <a:bodyPr/>
-          <a:lstStyle>
-            <a:lvl1pPr marL="0" indent="0">
+            <a:lvl1pPr marL="0" indent="0" algn="ctr">
               <a:buNone/>
               <a:defRPr sz="1600"/>
             </a:lvl1pPr>
             <a:lvl2pPr marL="457200" indent="0">
               <a:buNone/>
-              <a:defRPr sz="1400"/>
+              <a:defRPr sz="1600"/>
             </a:lvl2pPr>
             <a:lvl3pPr marL="914400" indent="0">
               <a:buNone/>
-              <a:defRPr sz="1200"/>
+              <a:defRPr sz="1600"/>
             </a:lvl3pPr>
             <a:lvl4pPr marL="1371600" indent="0">
               <a:buNone/>
-              <a:defRPr sz="1000"/>
+              <a:defRPr sz="1600"/>
             </a:lvl4pPr>
             <a:lvl5pPr marL="1828800" indent="0">
               <a:buNone/>
-              <a:defRPr sz="1000"/>
+              <a:defRPr sz="1600"/>
             </a:lvl5pPr>
             <a:lvl6pPr marL="2286000" indent="0">
               <a:buNone/>
-              <a:defRPr sz="1000"/>
+              <a:defRPr sz="1600"/>
             </a:lvl6pPr>
             <a:lvl7pPr marL="2743200" indent="0">
               <a:buNone/>
-              <a:defRPr sz="1000"/>
+              <a:defRPr sz="1600"/>
             </a:lvl7pPr>
             <a:lvl8pPr marL="3200400" indent="0">
               <a:buNone/>
-              <a:defRPr sz="1000"/>
+              <a:defRPr sz="1600"/>
             </a:lvl8pPr>
             <a:lvl9pPr marL="3657600" indent="0">
               <a:buNone/>
-              <a:defRPr sz="1000"/>
+              <a:defRPr sz="1600"/>
             </a:lvl9pPr>
           </a:lstStyle>
           <a:p>
+            <a:r>
+              <a:rPr lang="en-US"/>
+              <a:t>Click icon to add picture</a:t>
+            </a:r>
+            <a:endParaRPr lang="en-US" dirty="0"/>
+          </a:p>
+        </p:txBody>
+      </p:sp>
+      <p:sp>
+        <p:nvSpPr>
+          <p:cNvPr id="4" name="Text Placeholder 3"/>
+          <p:cNvSpPr>
+            <a:spLocks noGrp="1"/>
+          </p:cNvSpPr>
+          <p:nvPr>
+            <p:ph type="body" sz="half" idx="2"/>
+          </p:nvPr>
+        </p:nvSpPr>
+        <p:spPr>
+          <a:xfrm>
+            <a:off x="677334" y="5367338"/>
+            <a:ext cx="8596667" cy="674024"/>
+          </a:xfrm>
+        </p:spPr>
+        <p:txBody>
+          <a:bodyPr>
+            <a:normAutofit/>
+          </a:bodyPr>
+          <a:lstStyle>
+            <a:lvl1pPr marL="0" indent="0">
+              <a:buNone/>
+              <a:defRPr sz="1200"/>
+            </a:lvl1pPr>
+            <a:lvl2pPr marL="457200" indent="0">
+              <a:buNone/>
+              <a:defRPr sz="1200"/>
+            </a:lvl2pPr>
+            <a:lvl3pPr marL="914400" indent="0">
+              <a:buNone/>
+              <a:defRPr sz="1000"/>
+            </a:lvl3pPr>
+            <a:lvl4pPr marL="1371600" indent="0">
+              <a:buNone/>
+              <a:defRPr sz="900"/>
+            </a:lvl4pPr>
+            <a:lvl5pPr marL="1828800" indent="0">
+              <a:buNone/>
+              <a:defRPr sz="900"/>
+            </a:lvl5pPr>
+            <a:lvl6pPr marL="2286000" indent="0">
+              <a:buNone/>
+              <a:defRPr sz="900"/>
+            </a:lvl6pPr>
+            <a:lvl7pPr marL="2743200" indent="0">
+              <a:buNone/>
+              <a:defRPr sz="900"/>
+            </a:lvl7pPr>
+            <a:lvl8pPr marL="3200400" indent="0">
+              <a:buNone/>
+              <a:defRPr sz="900"/>
+            </a:lvl8pPr>
+            <a:lvl9pPr marL="3657600" indent="0">
+              <a:buNone/>
+              <a:defRPr sz="900"/>
+            </a:lvl9pPr>
+          </a:lstStyle>
+          <a:p>
             <a:pPr lvl="0"/>
             <a:r>
               <a:rPr lang="en-US"/>
@@ -2655,13 +4556,7 @@
       </p:sp>
       <p:sp>
         <p:nvSpPr>
-          <p:cNvPr id="5" name="Date Placeholder 4">
-            <a:extLst>
-              <a:ext uri="{FF2B5EF4-FFF2-40B4-BE49-F238E27FC236}">
-                <a16:creationId xmlns:a16="http://schemas.microsoft.com/office/drawing/2014/main" id="{F55F228E-4161-0007-DF48-96D103E74967}"/>
-              </a:ext>
-            </a:extLst>
-          </p:cNvPr>
+          <p:cNvPr id="5" name="Date Placeholder 4"/>
           <p:cNvSpPr>
             <a:spLocks noGrp="1"/>
           </p:cNvSpPr>
@@ -2684,13 +4579,7 @@
       </p:sp>
       <p:sp>
         <p:nvSpPr>
-          <p:cNvPr id="6" name="Footer Placeholder 5">
-            <a:extLst>
-              <a:ext uri="{FF2B5EF4-FFF2-40B4-BE49-F238E27FC236}">
-                <a16:creationId xmlns:a16="http://schemas.microsoft.com/office/drawing/2014/main" id="{ABB64899-E3EC-9176-B23E-5572ADB73BA7}"/>
-              </a:ext>
-            </a:extLst>
-          </p:cNvPr>
+          <p:cNvPr id="6" name="Footer Placeholder 5"/>
           <p:cNvSpPr>
             <a:spLocks noGrp="1"/>
           </p:cNvSpPr>
@@ -2709,13 +4598,7 @@
       </p:sp>
       <p:sp>
         <p:nvSpPr>
-          <p:cNvPr id="7" name="Slide Number Placeholder 6">
-            <a:extLst>
-              <a:ext uri="{FF2B5EF4-FFF2-40B4-BE49-F238E27FC236}">
-                <a16:creationId xmlns:a16="http://schemas.microsoft.com/office/drawing/2014/main" id="{33FF6E88-518A-DD2E-E4F3-1DF5DCA38572}"/>
-              </a:ext>
-            </a:extLst>
-          </p:cNvPr>
+          <p:cNvPr id="7" name="Slide Number Placeholder 6"/>
           <p:cNvSpPr>
             <a:spLocks noGrp="1"/>
           </p:cNvSpPr>
@@ -2739,7 +4622,7 @@
     </p:spTree>
     <p:extLst>
       <p:ext uri="{BB962C8B-B14F-4D97-AF65-F5344CB8AC3E}">
-        <p14:creationId xmlns:p14="http://schemas.microsoft.com/office/powerpoint/2010/main" val="1340592574"/>
+        <p14:creationId xmlns:p14="http://schemas.microsoft.com/office/powerpoint/2010/main" val="3150691714"/>
       </p:ext>
     </p:extLst>
   </p:cSld>
@@ -2771,15 +4654,539 @@
           <a:chExt cx="0" cy="0"/>
         </a:xfrm>
       </p:grpSpPr>
-      <p:sp>
-        <p:nvSpPr>
-          <p:cNvPr id="2" name="Title Placeholder 1">
-            <a:extLst>
-              <a:ext uri="{FF2B5EF4-FFF2-40B4-BE49-F238E27FC236}">
-                <a16:creationId xmlns:a16="http://schemas.microsoft.com/office/drawing/2014/main" id="{5480E7C0-A0A6-C1D2-EABB-B36AEC007055}"/>
-              </a:ext>
-            </a:extLst>
-          </p:cNvPr>
+      <p:grpSp>
+        <p:nvGrpSpPr>
+          <p:cNvPr id="7" name="Group 6"/>
+          <p:cNvGrpSpPr/>
+          <p:nvPr/>
+        </p:nvGrpSpPr>
+        <p:grpSpPr>
+          <a:xfrm>
+            <a:off x="0" y="-8467"/>
+            <a:ext cx="12192000" cy="6866467"/>
+            <a:chOff x="0" y="-8467"/>
+            <a:chExt cx="12192000" cy="6866467"/>
+          </a:xfrm>
+        </p:grpSpPr>
+        <p:cxnSp>
+          <p:nvCxnSpPr>
+            <p:cNvPr id="20" name="Straight Connector 19"/>
+            <p:cNvCxnSpPr/>
+            <p:nvPr/>
+          </p:nvCxnSpPr>
+          <p:spPr>
+            <a:xfrm>
+              <a:off x="9371012" y="0"/>
+              <a:ext cx="1219200" cy="6858000"/>
+            </a:xfrm>
+            <a:prstGeom prst="line">
+              <a:avLst/>
+            </a:prstGeom>
+            <a:ln w="9525">
+              <a:solidFill>
+                <a:schemeClr val="bg1">
+                  <a:lumMod val="75000"/>
+                </a:schemeClr>
+              </a:solidFill>
+            </a:ln>
+          </p:spPr>
+          <p:style>
+            <a:lnRef idx="2">
+              <a:schemeClr val="accent1"/>
+            </a:lnRef>
+            <a:fillRef idx="0">
+              <a:schemeClr val="accent1"/>
+            </a:fillRef>
+            <a:effectRef idx="1">
+              <a:schemeClr val="accent1"/>
+            </a:effectRef>
+            <a:fontRef idx="minor">
+              <a:schemeClr val="tx1"/>
+            </a:fontRef>
+          </p:style>
+        </p:cxnSp>
+        <p:cxnSp>
+          <p:nvCxnSpPr>
+            <p:cNvPr id="21" name="Straight Connector 20"/>
+            <p:cNvCxnSpPr/>
+            <p:nvPr/>
+          </p:nvCxnSpPr>
+          <p:spPr>
+            <a:xfrm flipH="1">
+              <a:off x="7425267" y="3681413"/>
+              <a:ext cx="4763558" cy="3176587"/>
+            </a:xfrm>
+            <a:prstGeom prst="line">
+              <a:avLst/>
+            </a:prstGeom>
+            <a:ln w="9525">
+              <a:solidFill>
+                <a:schemeClr val="bg1">
+                  <a:lumMod val="85000"/>
+                </a:schemeClr>
+              </a:solidFill>
+            </a:ln>
+          </p:spPr>
+          <p:style>
+            <a:lnRef idx="2">
+              <a:schemeClr val="accent1"/>
+            </a:lnRef>
+            <a:fillRef idx="0">
+              <a:schemeClr val="accent1"/>
+            </a:fillRef>
+            <a:effectRef idx="1">
+              <a:schemeClr val="accent1"/>
+            </a:effectRef>
+            <a:fontRef idx="minor">
+              <a:schemeClr val="tx1"/>
+            </a:fontRef>
+          </p:style>
+        </p:cxnSp>
+        <p:sp>
+          <p:nvSpPr>
+            <p:cNvPr id="22" name="Rectangle 23"/>
+            <p:cNvSpPr/>
+            <p:nvPr/>
+          </p:nvSpPr>
+          <p:spPr>
+            <a:xfrm>
+              <a:off x="9181476" y="-8467"/>
+              <a:ext cx="3007349" cy="6866467"/>
+            </a:xfrm>
+            <a:custGeom>
+              <a:avLst/>
+              <a:gdLst/>
+              <a:ahLst/>
+              <a:cxnLst/>
+              <a:rect l="l" t="t" r="r" b="b"/>
+              <a:pathLst>
+                <a:path w="3007349" h="6866467">
+                  <a:moveTo>
+                    <a:pt x="2045532" y="0"/>
+                  </a:moveTo>
+                  <a:lnTo>
+                    <a:pt x="3007349" y="0"/>
+                  </a:lnTo>
+                  <a:lnTo>
+                    <a:pt x="3007349" y="6866467"/>
+                  </a:lnTo>
+                  <a:lnTo>
+                    <a:pt x="0" y="6866467"/>
+                  </a:lnTo>
+                  <a:lnTo>
+                    <a:pt x="2045532" y="0"/>
+                  </a:lnTo>
+                  <a:close/>
+                </a:path>
+              </a:pathLst>
+            </a:custGeom>
+            <a:solidFill>
+              <a:schemeClr val="accent1">
+                <a:alpha val="30000"/>
+              </a:schemeClr>
+            </a:solidFill>
+            <a:ln>
+              <a:noFill/>
+            </a:ln>
+            <a:effectLst/>
+          </p:spPr>
+          <p:style>
+            <a:lnRef idx="1">
+              <a:schemeClr val="accent1"/>
+            </a:lnRef>
+            <a:fillRef idx="3">
+              <a:schemeClr val="accent1"/>
+            </a:fillRef>
+            <a:effectRef idx="2">
+              <a:schemeClr val="accent1"/>
+            </a:effectRef>
+            <a:fontRef idx="minor">
+              <a:schemeClr val="lt1"/>
+            </a:fontRef>
+          </p:style>
+        </p:sp>
+        <p:sp>
+          <p:nvSpPr>
+            <p:cNvPr id="23" name="Rectangle 25"/>
+            <p:cNvSpPr/>
+            <p:nvPr/>
+          </p:nvSpPr>
+          <p:spPr>
+            <a:xfrm>
+              <a:off x="9603442" y="-8467"/>
+              <a:ext cx="2588558" cy="6866467"/>
+            </a:xfrm>
+            <a:custGeom>
+              <a:avLst/>
+              <a:gdLst/>
+              <a:ahLst/>
+              <a:cxnLst/>
+              <a:rect l="l" t="t" r="r" b="b"/>
+              <a:pathLst>
+                <a:path w="2573311" h="6866467">
+                  <a:moveTo>
+                    <a:pt x="0" y="0"/>
+                  </a:moveTo>
+                  <a:lnTo>
+                    <a:pt x="2573311" y="0"/>
+                  </a:lnTo>
+                  <a:lnTo>
+                    <a:pt x="2573311" y="6866467"/>
+                  </a:lnTo>
+                  <a:lnTo>
+                    <a:pt x="1202336" y="6866467"/>
+                  </a:lnTo>
+                  <a:lnTo>
+                    <a:pt x="0" y="0"/>
+                  </a:lnTo>
+                  <a:close/>
+                </a:path>
+              </a:pathLst>
+            </a:custGeom>
+            <a:solidFill>
+              <a:schemeClr val="accent1">
+                <a:alpha val="20000"/>
+              </a:schemeClr>
+            </a:solidFill>
+            <a:ln>
+              <a:noFill/>
+            </a:ln>
+            <a:effectLst/>
+          </p:spPr>
+          <p:style>
+            <a:lnRef idx="1">
+              <a:schemeClr val="accent1"/>
+            </a:lnRef>
+            <a:fillRef idx="3">
+              <a:schemeClr val="accent1"/>
+            </a:fillRef>
+            <a:effectRef idx="2">
+              <a:schemeClr val="accent1"/>
+            </a:effectRef>
+            <a:fontRef idx="minor">
+              <a:schemeClr val="lt1"/>
+            </a:fontRef>
+          </p:style>
+        </p:sp>
+        <p:sp>
+          <p:nvSpPr>
+            <p:cNvPr id="24" name="Isosceles Triangle 23"/>
+            <p:cNvSpPr/>
+            <p:nvPr/>
+          </p:nvSpPr>
+          <p:spPr>
+            <a:xfrm>
+              <a:off x="8932333" y="3048000"/>
+              <a:ext cx="3259667" cy="3810000"/>
+            </a:xfrm>
+            <a:prstGeom prst="triangle">
+              <a:avLst>
+                <a:gd name="adj" fmla="val 100000"/>
+              </a:avLst>
+            </a:prstGeom>
+            <a:solidFill>
+              <a:schemeClr val="accent2">
+                <a:alpha val="72000"/>
+              </a:schemeClr>
+            </a:solidFill>
+            <a:ln>
+              <a:noFill/>
+            </a:ln>
+            <a:effectLst/>
+          </p:spPr>
+          <p:style>
+            <a:lnRef idx="1">
+              <a:schemeClr val="accent1"/>
+            </a:lnRef>
+            <a:fillRef idx="3">
+              <a:schemeClr val="accent1"/>
+            </a:fillRef>
+            <a:effectRef idx="2">
+              <a:schemeClr val="accent1"/>
+            </a:effectRef>
+            <a:fontRef idx="minor">
+              <a:schemeClr val="lt1"/>
+            </a:fontRef>
+          </p:style>
+        </p:sp>
+        <p:sp>
+          <p:nvSpPr>
+            <p:cNvPr id="25" name="Rectangle 27"/>
+            <p:cNvSpPr/>
+            <p:nvPr/>
+          </p:nvSpPr>
+          <p:spPr>
+            <a:xfrm>
+              <a:off x="9334500" y="-8467"/>
+              <a:ext cx="2854326" cy="6866467"/>
+            </a:xfrm>
+            <a:custGeom>
+              <a:avLst/>
+              <a:gdLst/>
+              <a:ahLst/>
+              <a:cxnLst/>
+              <a:rect l="l" t="t" r="r" b="b"/>
+              <a:pathLst>
+                <a:path w="2858013" h="6866467">
+                  <a:moveTo>
+                    <a:pt x="0" y="0"/>
+                  </a:moveTo>
+                  <a:lnTo>
+                    <a:pt x="2858013" y="0"/>
+                  </a:lnTo>
+                  <a:lnTo>
+                    <a:pt x="2858013" y="6866467"/>
+                  </a:lnTo>
+                  <a:lnTo>
+                    <a:pt x="2473942" y="6866467"/>
+                  </a:lnTo>
+                  <a:lnTo>
+                    <a:pt x="0" y="0"/>
+                  </a:lnTo>
+                  <a:close/>
+                </a:path>
+              </a:pathLst>
+            </a:custGeom>
+            <a:solidFill>
+              <a:schemeClr val="accent2">
+                <a:lumMod val="75000"/>
+                <a:alpha val="70000"/>
+              </a:schemeClr>
+            </a:solidFill>
+            <a:ln>
+              <a:noFill/>
+            </a:ln>
+            <a:effectLst/>
+          </p:spPr>
+          <p:style>
+            <a:lnRef idx="1">
+              <a:schemeClr val="accent1"/>
+            </a:lnRef>
+            <a:fillRef idx="3">
+              <a:schemeClr val="accent1"/>
+            </a:fillRef>
+            <a:effectRef idx="2">
+              <a:schemeClr val="accent1"/>
+            </a:effectRef>
+            <a:fontRef idx="minor">
+              <a:schemeClr val="lt1"/>
+            </a:fontRef>
+          </p:style>
+        </p:sp>
+        <p:sp>
+          <p:nvSpPr>
+            <p:cNvPr id="26" name="Rectangle 28"/>
+            <p:cNvSpPr/>
+            <p:nvPr/>
+          </p:nvSpPr>
+          <p:spPr>
+            <a:xfrm>
+              <a:off x="10898730" y="-8467"/>
+              <a:ext cx="1290094" cy="6866467"/>
+            </a:xfrm>
+            <a:custGeom>
+              <a:avLst/>
+              <a:gdLst/>
+              <a:ahLst/>
+              <a:cxnLst/>
+              <a:rect l="l" t="t" r="r" b="b"/>
+              <a:pathLst>
+                <a:path w="1290094" h="6858000">
+                  <a:moveTo>
+                    <a:pt x="1019735" y="0"/>
+                  </a:moveTo>
+                  <a:lnTo>
+                    <a:pt x="1290094" y="0"/>
+                  </a:lnTo>
+                  <a:lnTo>
+                    <a:pt x="1290094" y="6858000"/>
+                  </a:lnTo>
+                  <a:lnTo>
+                    <a:pt x="0" y="6858000"/>
+                  </a:lnTo>
+                  <a:lnTo>
+                    <a:pt x="1019735" y="0"/>
+                  </a:lnTo>
+                  <a:close/>
+                </a:path>
+              </a:pathLst>
+            </a:custGeom>
+            <a:solidFill>
+              <a:schemeClr val="accent1">
+                <a:lumMod val="60000"/>
+                <a:lumOff val="40000"/>
+                <a:alpha val="70000"/>
+              </a:schemeClr>
+            </a:solidFill>
+            <a:ln>
+              <a:noFill/>
+            </a:ln>
+            <a:effectLst/>
+          </p:spPr>
+          <p:style>
+            <a:lnRef idx="1">
+              <a:schemeClr val="accent1"/>
+            </a:lnRef>
+            <a:fillRef idx="3">
+              <a:schemeClr val="accent1"/>
+            </a:fillRef>
+            <a:effectRef idx="2">
+              <a:schemeClr val="accent1"/>
+            </a:effectRef>
+            <a:fontRef idx="minor">
+              <a:schemeClr val="lt1"/>
+            </a:fontRef>
+          </p:style>
+        </p:sp>
+        <p:sp>
+          <p:nvSpPr>
+            <p:cNvPr id="27" name="Rectangle 29"/>
+            <p:cNvSpPr/>
+            <p:nvPr/>
+          </p:nvSpPr>
+          <p:spPr>
+            <a:xfrm>
+              <a:off x="10938999" y="-8467"/>
+              <a:ext cx="1249825" cy="6866467"/>
+            </a:xfrm>
+            <a:custGeom>
+              <a:avLst/>
+              <a:gdLst/>
+              <a:ahLst/>
+              <a:cxnLst/>
+              <a:rect l="l" t="t" r="r" b="b"/>
+              <a:pathLst>
+                <a:path w="1249825" h="6858000">
+                  <a:moveTo>
+                    <a:pt x="0" y="0"/>
+                  </a:moveTo>
+                  <a:lnTo>
+                    <a:pt x="1249825" y="0"/>
+                  </a:lnTo>
+                  <a:lnTo>
+                    <a:pt x="1249825" y="6858000"/>
+                  </a:lnTo>
+                  <a:lnTo>
+                    <a:pt x="1109382" y="6858000"/>
+                  </a:lnTo>
+                  <a:lnTo>
+                    <a:pt x="0" y="0"/>
+                  </a:lnTo>
+                  <a:close/>
+                </a:path>
+              </a:pathLst>
+            </a:custGeom>
+            <a:solidFill>
+              <a:schemeClr val="accent1">
+                <a:alpha val="65000"/>
+              </a:schemeClr>
+            </a:solidFill>
+            <a:ln>
+              <a:noFill/>
+            </a:ln>
+            <a:effectLst/>
+          </p:spPr>
+          <p:style>
+            <a:lnRef idx="1">
+              <a:schemeClr val="accent1"/>
+            </a:lnRef>
+            <a:fillRef idx="3">
+              <a:schemeClr val="accent1"/>
+            </a:fillRef>
+            <a:effectRef idx="2">
+              <a:schemeClr val="accent1"/>
+            </a:effectRef>
+            <a:fontRef idx="minor">
+              <a:schemeClr val="lt1"/>
+            </a:fontRef>
+          </p:style>
+        </p:sp>
+        <p:sp>
+          <p:nvSpPr>
+            <p:cNvPr id="28" name="Isosceles Triangle 27"/>
+            <p:cNvSpPr/>
+            <p:nvPr/>
+          </p:nvSpPr>
+          <p:spPr>
+            <a:xfrm>
+              <a:off x="10371666" y="3589867"/>
+              <a:ext cx="1817159" cy="3268133"/>
+            </a:xfrm>
+            <a:prstGeom prst="triangle">
+              <a:avLst>
+                <a:gd name="adj" fmla="val 100000"/>
+              </a:avLst>
+            </a:prstGeom>
+            <a:solidFill>
+              <a:schemeClr val="accent1">
+                <a:alpha val="80000"/>
+              </a:schemeClr>
+            </a:solidFill>
+            <a:ln>
+              <a:noFill/>
+            </a:ln>
+            <a:effectLst/>
+          </p:spPr>
+          <p:style>
+            <a:lnRef idx="1">
+              <a:schemeClr val="accent1"/>
+            </a:lnRef>
+            <a:fillRef idx="3">
+              <a:schemeClr val="accent1"/>
+            </a:fillRef>
+            <a:effectRef idx="2">
+              <a:schemeClr val="accent1"/>
+            </a:effectRef>
+            <a:fontRef idx="minor">
+              <a:schemeClr val="lt1"/>
+            </a:fontRef>
+          </p:style>
+        </p:sp>
+        <p:sp>
+          <p:nvSpPr>
+            <p:cNvPr id="29" name="Isosceles Triangle 28"/>
+            <p:cNvSpPr/>
+            <p:nvPr/>
+          </p:nvSpPr>
+          <p:spPr>
+            <a:xfrm>
+              <a:off x="0" y="4013200"/>
+              <a:ext cx="448733" cy="2844800"/>
+            </a:xfrm>
+            <a:prstGeom prst="triangle">
+              <a:avLst>
+                <a:gd name="adj" fmla="val 0"/>
+              </a:avLst>
+            </a:prstGeom>
+            <a:solidFill>
+              <a:schemeClr val="accent1">
+                <a:alpha val="85000"/>
+              </a:schemeClr>
+            </a:solidFill>
+            <a:ln>
+              <a:noFill/>
+            </a:ln>
+            <a:effectLst/>
+          </p:spPr>
+          <p:style>
+            <a:lnRef idx="1">
+              <a:schemeClr val="accent1"/>
+            </a:lnRef>
+            <a:fillRef idx="3">
+              <a:schemeClr val="accent1"/>
+            </a:fillRef>
+            <a:effectRef idx="2">
+              <a:schemeClr val="accent1"/>
+            </a:effectRef>
+            <a:fontRef idx="minor">
+              <a:schemeClr val="lt1"/>
+            </a:fontRef>
+          </p:style>
+        </p:sp>
+      </p:grpSp>
+      <p:sp>
+        <p:nvSpPr>
+          <p:cNvPr id="2" name="Title Placeholder 1"/>
           <p:cNvSpPr>
             <a:spLocks noGrp="1"/>
           </p:cNvSpPr>
@@ -2789,15 +5196,15 @@
         </p:nvSpPr>
         <p:spPr>
           <a:xfrm>
-            <a:off x="838200" y="365125"/>
-            <a:ext cx="10515600" cy="1325563"/>
+            <a:off x="677334" y="609600"/>
+            <a:ext cx="8596668" cy="1320800"/>
           </a:xfrm>
           <a:prstGeom prst="rect">
             <a:avLst/>
           </a:prstGeom>
         </p:spPr>
         <p:txBody>
-          <a:bodyPr vert="horz" lIns="91440" tIns="45720" rIns="91440" bIns="45720" rtlCol="0" anchor="ctr">
+          <a:bodyPr vert="horz" lIns="91440" tIns="45720" rIns="91440" bIns="45720" rtlCol="0" anchor="t">
             <a:normAutofit/>
           </a:bodyPr>
           <a:lstStyle/>
@@ -2806,18 +5213,13 @@
               <a:rPr lang="en-US"/>
               <a:t>Click to edit Master title style</a:t>
             </a:r>
-          </a:p>
-        </p:txBody>
-      </p:sp>
-      <p:sp>
-        <p:nvSpPr>
-          <p:cNvPr id="3" name="Text Placeholder 2">
-            <a:extLst>
-              <a:ext uri="{FF2B5EF4-FFF2-40B4-BE49-F238E27FC236}">
-                <a16:creationId xmlns:a16="http://schemas.microsoft.com/office/drawing/2014/main" id="{365344FC-444D-5C55-D699-6F00680EFE03}"/>
-              </a:ext>
-            </a:extLst>
-          </p:cNvPr>
+            <a:endParaRPr lang="en-US" dirty="0"/>
+          </a:p>
+        </p:txBody>
+      </p:sp>
+      <p:sp>
+        <p:nvSpPr>
+          <p:cNvPr id="3" name="Text Placeholder 2"/>
           <p:cNvSpPr>
             <a:spLocks noGrp="1"/>
           </p:cNvSpPr>
@@ -2827,8 +5229,8 @@
         </p:nvSpPr>
         <p:spPr>
           <a:xfrm>
-            <a:off x="838200" y="1825625"/>
-            <a:ext cx="10515600" cy="4351338"/>
+            <a:off x="677334" y="2160589"/>
+            <a:ext cx="8596668" cy="3880773"/>
           </a:xfrm>
           <a:prstGeom prst="rect">
             <a:avLst/>
@@ -2873,18 +5275,13 @@
               <a:rPr lang="en-US"/>
               <a:t>Fifth level</a:t>
             </a:r>
-          </a:p>
-        </p:txBody>
-      </p:sp>
-      <p:sp>
-        <p:nvSpPr>
-          <p:cNvPr id="4" name="Date Placeholder 3">
-            <a:extLst>
-              <a:ext uri="{FF2B5EF4-FFF2-40B4-BE49-F238E27FC236}">
-                <a16:creationId xmlns:a16="http://schemas.microsoft.com/office/drawing/2014/main" id="{EBA57445-6A3A-9033-A395-C4B7B613B3D1}"/>
-              </a:ext>
-            </a:extLst>
-          </p:cNvPr>
+            <a:endParaRPr lang="en-US" dirty="0"/>
+          </a:p>
+        </p:txBody>
+      </p:sp>
+      <p:sp>
+        <p:nvSpPr>
+          <p:cNvPr id="4" name="Date Placeholder 3"/>
           <p:cNvSpPr>
             <a:spLocks noGrp="1"/>
           </p:cNvSpPr>
@@ -2894,8 +5291,8 @@
         </p:nvSpPr>
         <p:spPr>
           <a:xfrm>
-            <a:off x="838200" y="6356350"/>
-            <a:ext cx="2743200" cy="365125"/>
+            <a:off x="7205133" y="6041362"/>
+            <a:ext cx="911939" cy="365125"/>
           </a:xfrm>
           <a:prstGeom prst="rect">
             <a:avLst/>
@@ -2904,11 +5301,11 @@
         <p:txBody>
           <a:bodyPr vert="horz" lIns="91440" tIns="45720" rIns="91440" bIns="45720" rtlCol="0" anchor="ctr"/>
           <a:lstStyle>
-            <a:lvl1pPr algn="l">
-              <a:defRPr sz="1200">
+            <a:lvl1pPr algn="r">
+              <a:defRPr sz="900">
                 <a:solidFill>
                   <a:schemeClr val="tx1">
-                    <a:tint val="82000"/>
+                    <a:tint val="75000"/>
                   </a:schemeClr>
                 </a:solidFill>
               </a:defRPr>
@@ -2925,13 +5322,7 @@
       </p:sp>
       <p:sp>
         <p:nvSpPr>
-          <p:cNvPr id="5" name="Footer Placeholder 4">
-            <a:extLst>
-              <a:ext uri="{FF2B5EF4-FFF2-40B4-BE49-F238E27FC236}">
-                <a16:creationId xmlns:a16="http://schemas.microsoft.com/office/drawing/2014/main" id="{F33F8889-C200-CBBB-F13C-4079161576AF}"/>
-              </a:ext>
-            </a:extLst>
-          </p:cNvPr>
+          <p:cNvPr id="5" name="Footer Placeholder 4"/>
           <p:cNvSpPr>
             <a:spLocks noGrp="1"/>
           </p:cNvSpPr>
@@ -2941,8 +5332,8 @@
         </p:nvSpPr>
         <p:spPr>
           <a:xfrm>
-            <a:off x="4038600" y="6356350"/>
-            <a:ext cx="4114800" cy="365125"/>
+            <a:off x="677334" y="6041362"/>
+            <a:ext cx="6297612" cy="365125"/>
           </a:xfrm>
           <a:prstGeom prst="rect">
             <a:avLst/>
@@ -2951,11 +5342,11 @@
         <p:txBody>
           <a:bodyPr vert="horz" lIns="91440" tIns="45720" rIns="91440" bIns="45720" rtlCol="0" anchor="ctr"/>
           <a:lstStyle>
-            <a:lvl1pPr algn="ctr">
-              <a:defRPr sz="1200">
+            <a:lvl1pPr algn="l">
+              <a:defRPr sz="900">
                 <a:solidFill>
                   <a:schemeClr val="tx1">
-                    <a:tint val="82000"/>
+                    <a:tint val="75000"/>
                   </a:schemeClr>
                 </a:solidFill>
               </a:defRPr>
@@ -2968,13 +5359,7 @@
       </p:sp>
       <p:sp>
         <p:nvSpPr>
-          <p:cNvPr id="6" name="Slide Number Placeholder 5">
-            <a:extLst>
-              <a:ext uri="{FF2B5EF4-FFF2-40B4-BE49-F238E27FC236}">
-                <a16:creationId xmlns:a16="http://schemas.microsoft.com/office/drawing/2014/main" id="{2363D2C9-D1DB-6A27-323F-F5A4F2FD49AF}"/>
-              </a:ext>
-            </a:extLst>
-          </p:cNvPr>
+          <p:cNvPr id="6" name="Slide Number Placeholder 5"/>
           <p:cNvSpPr>
             <a:spLocks noGrp="1"/>
           </p:cNvSpPr>
@@ -2984,8 +5369,8 @@
         </p:nvSpPr>
         <p:spPr>
           <a:xfrm>
-            <a:off x="8610600" y="6356350"/>
-            <a:ext cx="2743200" cy="365125"/>
+            <a:off x="8590663" y="6041362"/>
+            <a:ext cx="683339" cy="365125"/>
           </a:xfrm>
           <a:prstGeom prst="rect">
             <a:avLst/>
@@ -2995,11 +5380,9 @@
           <a:bodyPr vert="horz" lIns="91440" tIns="45720" rIns="91440" bIns="45720" rtlCol="0" anchor="ctr"/>
           <a:lstStyle>
             <a:lvl1pPr algn="r">
-              <a:defRPr sz="1200">
+              <a:defRPr sz="900">
                 <a:solidFill>
-                  <a:schemeClr val="tx1">
-                    <a:tint val="82000"/>
-                  </a:schemeClr>
+                  <a:schemeClr val="accent1"/>
                 </a:solidFill>
               </a:defRPr>
             </a:lvl1pPr>
@@ -3016,201 +5399,322 @@
     </p:spTree>
     <p:extLst>
       <p:ext uri="{BB962C8B-B14F-4D97-AF65-F5344CB8AC3E}">
-        <p14:creationId xmlns:p14="http://schemas.microsoft.com/office/powerpoint/2010/main" val="3119894539"/>
+        <p14:creationId xmlns:p14="http://schemas.microsoft.com/office/powerpoint/2010/main" val="627714047"/>
       </p:ext>
     </p:extLst>
   </p:cSld>
   <p:clrMap bg1="lt1" tx1="dk1" bg2="lt2" tx2="dk2" accent1="accent1" accent2="accent2" accent3="accent3" accent4="accent4" accent5="accent5" accent6="accent6" hlink="hlink" folHlink="folHlink"/>
   <p:sldLayoutIdLst>
-    <p:sldLayoutId id="2147483649" r:id="rId1"/>
-    <p:sldLayoutId id="2147483650" r:id="rId2"/>
-    <p:sldLayoutId id="2147483651" r:id="rId3"/>
-    <p:sldLayoutId id="2147483652" r:id="rId4"/>
-    <p:sldLayoutId id="2147483653" r:id="rId5"/>
-    <p:sldLayoutId id="2147483654" r:id="rId6"/>
-    <p:sldLayoutId id="2147483655" r:id="rId7"/>
-    <p:sldLayoutId id="2147483656" r:id="rId8"/>
-    <p:sldLayoutId id="2147483657" r:id="rId9"/>
-    <p:sldLayoutId id="2147483658" r:id="rId10"/>
-    <p:sldLayoutId id="2147483659" r:id="rId11"/>
+    <p:sldLayoutId id="2147483661" r:id="rId1"/>
+    <p:sldLayoutId id="2147483662" r:id="rId2"/>
+    <p:sldLayoutId id="2147483663" r:id="rId3"/>
+    <p:sldLayoutId id="2147483664" r:id="rId4"/>
+    <p:sldLayoutId id="2147483665" r:id="rId5"/>
+    <p:sldLayoutId id="2147483666" r:id="rId6"/>
+    <p:sldLayoutId id="2147483667" r:id="rId7"/>
+    <p:sldLayoutId id="2147483668" r:id="rId8"/>
+    <p:sldLayoutId id="2147483669" r:id="rId9"/>
+    <p:sldLayoutId id="2147483670" r:id="rId10"/>
+    <p:sldLayoutId id="2147483671" r:id="rId11"/>
+    <p:sldLayoutId id="2147483672" r:id="rId12"/>
+    <p:sldLayoutId id="2147483673" r:id="rId13"/>
+    <p:sldLayoutId id="2147483674" r:id="rId14"/>
+    <p:sldLayoutId id="2147483675" r:id="rId15"/>
+    <p:sldLayoutId id="2147483676" r:id="rId16"/>
   </p:sldLayoutIdLst>
   <p:txStyles>
     <p:titleStyle>
-      <a:lvl1pPr algn="l" defTabSz="914400" rtl="0" eaLnBrk="1" latinLnBrk="0" hangingPunct="1">
-        <a:lnSpc>
-          <a:spcPct val="90000"/>
-        </a:lnSpc>
+      <a:lvl1pPr algn="l" defTabSz="457200" rtl="0" eaLnBrk="1" latinLnBrk="0" hangingPunct="1">
         <a:spcBef>
           <a:spcPct val="0"/>
         </a:spcBef>
         <a:buNone/>
-        <a:defRPr sz="4400" kern="1200">
+        <a:defRPr sz="3600" kern="1200">
           <a:solidFill>
-            <a:schemeClr val="tx1"/>
+            <a:schemeClr val="accent1"/>
           </a:solidFill>
           <a:latin typeface="+mj-lt"/>
           <a:ea typeface="+mj-ea"/>
           <a:cs typeface="+mj-cs"/>
         </a:defRPr>
       </a:lvl1pPr>
+      <a:lvl2pPr eaLnBrk="1" hangingPunct="1">
+        <a:defRPr>
+          <a:solidFill>
+            <a:schemeClr val="tx2"/>
+          </a:solidFill>
+        </a:defRPr>
+      </a:lvl2pPr>
+      <a:lvl3pPr eaLnBrk="1" hangingPunct="1">
+        <a:defRPr>
+          <a:solidFill>
+            <a:schemeClr val="tx2"/>
+          </a:solidFill>
+        </a:defRPr>
+      </a:lvl3pPr>
+      <a:lvl4pPr eaLnBrk="1" hangingPunct="1">
+        <a:defRPr>
+          <a:solidFill>
+            <a:schemeClr val="tx2"/>
+          </a:solidFill>
+        </a:defRPr>
+      </a:lvl4pPr>
+      <a:lvl5pPr eaLnBrk="1" hangingPunct="1">
+        <a:defRPr>
+          <a:solidFill>
+            <a:schemeClr val="tx2"/>
+          </a:solidFill>
+        </a:defRPr>
+      </a:lvl5pPr>
+      <a:lvl6pPr eaLnBrk="1" hangingPunct="1">
+        <a:defRPr>
+          <a:solidFill>
+            <a:schemeClr val="tx2"/>
+          </a:solidFill>
+        </a:defRPr>
+      </a:lvl6pPr>
+      <a:lvl7pPr eaLnBrk="1" hangingPunct="1">
+        <a:defRPr>
+          <a:solidFill>
+            <a:schemeClr val="tx2"/>
+          </a:solidFill>
+        </a:defRPr>
+      </a:lvl7pPr>
+      <a:lvl8pPr eaLnBrk="1" hangingPunct="1">
+        <a:defRPr>
+          <a:solidFill>
+            <a:schemeClr val="tx2"/>
+          </a:solidFill>
+        </a:defRPr>
+      </a:lvl8pPr>
+      <a:lvl9pPr eaLnBrk="1" hangingPunct="1">
+        <a:defRPr>
+          <a:solidFill>
+            <a:schemeClr val="tx2"/>
+          </a:solidFill>
+        </a:defRPr>
+      </a:lvl9pPr>
     </p:titleStyle>
     <p:bodyStyle>
-      <a:lvl1pPr marL="228600" indent="-228600" algn="l" defTabSz="914400" rtl="0" eaLnBrk="1" latinLnBrk="0" hangingPunct="1">
-        <a:lnSpc>
-          <a:spcPct val="90000"/>
-        </a:lnSpc>
+      <a:lvl1pPr marL="342900" indent="-342900" algn="l" defTabSz="457200" rtl="0" eaLnBrk="1" latinLnBrk="0" hangingPunct="1">
         <a:spcBef>
           <a:spcPts val="1000"/>
         </a:spcBef>
-        <a:buFont typeface="Arial" panose="020B0604020202020204" pitchFamily="34" charset="0"/>
-        <a:buChar char="•"/>
-        <a:defRPr sz="2800" kern="1200">
+        <a:spcAft>
+          <a:spcPts val="0"/>
+        </a:spcAft>
+        <a:buClr>
+          <a:schemeClr val="accent1"/>
+        </a:buClr>
+        <a:buSzPct val="80000"/>
+        <a:buFont typeface="Wingdings 3" charset="2"/>
+        <a:buChar char=""/>
+        <a:defRPr sz="1800" kern="1200">
           <a:solidFill>
-            <a:schemeClr val="tx1"/>
+            <a:schemeClr val="tx1">
+              <a:lumMod val="75000"/>
+              <a:lumOff val="25000"/>
+            </a:schemeClr>
           </a:solidFill>
           <a:latin typeface="+mn-lt"/>
           <a:ea typeface="+mn-ea"/>
           <a:cs typeface="+mn-cs"/>
         </a:defRPr>
       </a:lvl1pPr>
-      <a:lvl2pPr marL="685800" indent="-228600" algn="l" defTabSz="914400" rtl="0" eaLnBrk="1" latinLnBrk="0" hangingPunct="1">
-        <a:lnSpc>
-          <a:spcPct val="90000"/>
-        </a:lnSpc>
+      <a:lvl2pPr marL="742950" indent="-285750" algn="l" defTabSz="457200" rtl="0" eaLnBrk="1" latinLnBrk="0" hangingPunct="1">
         <a:spcBef>
-          <a:spcPts val="500"/>
+          <a:spcPts val="1000"/>
         </a:spcBef>
-        <a:buFont typeface="Arial" panose="020B0604020202020204" pitchFamily="34" charset="0"/>
-        <a:buChar char="•"/>
-        <a:defRPr sz="2400" kern="1200">
+        <a:spcAft>
+          <a:spcPts val="0"/>
+        </a:spcAft>
+        <a:buClr>
+          <a:schemeClr val="accent1"/>
+        </a:buClr>
+        <a:buSzPct val="80000"/>
+        <a:buFont typeface="Wingdings 3" charset="2"/>
+        <a:buChar char=""/>
+        <a:defRPr sz="1600" kern="1200">
           <a:solidFill>
-            <a:schemeClr val="tx1"/>
+            <a:schemeClr val="tx1">
+              <a:lumMod val="75000"/>
+              <a:lumOff val="25000"/>
+            </a:schemeClr>
           </a:solidFill>
           <a:latin typeface="+mn-lt"/>
           <a:ea typeface="+mn-ea"/>
           <a:cs typeface="+mn-cs"/>
         </a:defRPr>
       </a:lvl2pPr>
-      <a:lvl3pPr marL="1143000" indent="-228600" algn="l" defTabSz="914400" rtl="0" eaLnBrk="1" latinLnBrk="0" hangingPunct="1">
-        <a:lnSpc>
-          <a:spcPct val="90000"/>
-        </a:lnSpc>
+      <a:lvl3pPr marL="1143000" indent="-228600" algn="l" defTabSz="457200" rtl="0" eaLnBrk="1" latinLnBrk="0" hangingPunct="1">
         <a:spcBef>
-          <a:spcPts val="500"/>
+          <a:spcPts val="1000"/>
         </a:spcBef>
-        <a:buFont typeface="Arial" panose="020B0604020202020204" pitchFamily="34" charset="0"/>
-        <a:buChar char="•"/>
-        <a:defRPr sz="2000" kern="1200">
+        <a:spcAft>
+          <a:spcPts val="0"/>
+        </a:spcAft>
+        <a:buClr>
+          <a:schemeClr val="accent1"/>
+        </a:buClr>
+        <a:buSzPct val="80000"/>
+        <a:buFont typeface="Wingdings 3" charset="2"/>
+        <a:buChar char=""/>
+        <a:defRPr sz="1400" kern="1200">
           <a:solidFill>
-            <a:schemeClr val="tx1"/>
+            <a:schemeClr val="tx1">
+              <a:lumMod val="75000"/>
+              <a:lumOff val="25000"/>
+            </a:schemeClr>
           </a:solidFill>
           <a:latin typeface="+mn-lt"/>
           <a:ea typeface="+mn-ea"/>
           <a:cs typeface="+mn-cs"/>
         </a:defRPr>
       </a:lvl3pPr>
-      <a:lvl4pPr marL="1600200" indent="-228600" algn="l" defTabSz="914400" rtl="0" eaLnBrk="1" latinLnBrk="0" hangingPunct="1">
-        <a:lnSpc>
-          <a:spcPct val="90000"/>
-        </a:lnSpc>
+      <a:lvl4pPr marL="1600200" indent="-228600" algn="l" defTabSz="457200" rtl="0" eaLnBrk="1" latinLnBrk="0" hangingPunct="1">
         <a:spcBef>
-          <a:spcPts val="500"/>
+          <a:spcPts val="1000"/>
         </a:spcBef>
-        <a:buFont typeface="Arial" panose="020B0604020202020204" pitchFamily="34" charset="0"/>
-        <a:buChar char="•"/>
-        <a:defRPr sz="1800" kern="1200">
+        <a:spcAft>
+          <a:spcPts val="0"/>
+        </a:spcAft>
+        <a:buClr>
+          <a:schemeClr val="accent1"/>
+        </a:buClr>
+        <a:buSzPct val="80000"/>
+        <a:buFont typeface="Wingdings 3" charset="2"/>
+        <a:buChar char=""/>
+        <a:defRPr sz="1200" kern="1200">
           <a:solidFill>
-            <a:schemeClr val="tx1"/>
+            <a:schemeClr val="tx1">
+              <a:lumMod val="75000"/>
+              <a:lumOff val="25000"/>
+            </a:schemeClr>
           </a:solidFill>
           <a:latin typeface="+mn-lt"/>
           <a:ea typeface="+mn-ea"/>
           <a:cs typeface="+mn-cs"/>
         </a:defRPr>
       </a:lvl4pPr>
-      <a:lvl5pPr marL="2057400" indent="-228600" algn="l" defTabSz="914400" rtl="0" eaLnBrk="1" latinLnBrk="0" hangingPunct="1">
-        <a:lnSpc>
-          <a:spcPct val="90000"/>
-        </a:lnSpc>
+      <a:lvl5pPr marL="2057400" indent="-228600" algn="l" defTabSz="457200" rtl="0" eaLnBrk="1" latinLnBrk="0" hangingPunct="1">
         <a:spcBef>
-          <a:spcPts val="500"/>
+          <a:spcPts val="1000"/>
         </a:spcBef>
-        <a:buFont typeface="Arial" panose="020B0604020202020204" pitchFamily="34" charset="0"/>
-        <a:buChar char="•"/>
-        <a:defRPr sz="1800" kern="1200">
+        <a:spcAft>
+          <a:spcPts val="0"/>
+        </a:spcAft>
+        <a:buClr>
+          <a:schemeClr val="accent1"/>
+        </a:buClr>
+        <a:buSzPct val="80000"/>
+        <a:buFont typeface="Wingdings 3" charset="2"/>
+        <a:buChar char=""/>
+        <a:defRPr sz="1200" kern="1200">
           <a:solidFill>
-            <a:schemeClr val="tx1"/>
+            <a:schemeClr val="tx1">
+              <a:lumMod val="75000"/>
+              <a:lumOff val="25000"/>
+            </a:schemeClr>
           </a:solidFill>
           <a:latin typeface="+mn-lt"/>
           <a:ea typeface="+mn-ea"/>
           <a:cs typeface="+mn-cs"/>
         </a:defRPr>
       </a:lvl5pPr>
-      <a:lvl6pPr marL="2514600" indent="-228600" algn="l" defTabSz="914400" rtl="0" eaLnBrk="1" latinLnBrk="0" hangingPunct="1">
-        <a:lnSpc>
-          <a:spcPct val="90000"/>
-        </a:lnSpc>
+      <a:lvl6pPr marL="2514600" indent="-228600" algn="l" defTabSz="457200" rtl="0" eaLnBrk="1" latinLnBrk="0" hangingPunct="1">
         <a:spcBef>
-          <a:spcPts val="500"/>
+          <a:spcPts val="1000"/>
         </a:spcBef>
-        <a:buFont typeface="Arial" panose="020B0604020202020204" pitchFamily="34" charset="0"/>
-        <a:buChar char="•"/>
-        <a:defRPr sz="1800" kern="1200">
+        <a:spcAft>
+          <a:spcPts val="0"/>
+        </a:spcAft>
+        <a:buClr>
+          <a:schemeClr val="accent1"/>
+        </a:buClr>
+        <a:buSzPct val="80000"/>
+        <a:buFont typeface="Wingdings 3" charset="2"/>
+        <a:buChar char=""/>
+        <a:defRPr sz="1200" kern="1200">
           <a:solidFill>
-            <a:schemeClr val="tx1"/>
+            <a:schemeClr val="tx1">
+              <a:lumMod val="75000"/>
+              <a:lumOff val="25000"/>
+            </a:schemeClr>
           </a:solidFill>
           <a:latin typeface="+mn-lt"/>
           <a:ea typeface="+mn-ea"/>
           <a:cs typeface="+mn-cs"/>
         </a:defRPr>
       </a:lvl6pPr>
-      <a:lvl7pPr marL="2971800" indent="-228600" algn="l" defTabSz="914400" rtl="0" eaLnBrk="1" latinLnBrk="0" hangingPunct="1">
-        <a:lnSpc>
-          <a:spcPct val="90000"/>
-        </a:lnSpc>
+      <a:lvl7pPr marL="2971800" indent="-228600" algn="l" defTabSz="457200" rtl="0" eaLnBrk="1" latinLnBrk="0" hangingPunct="1">
         <a:spcBef>
-          <a:spcPts val="500"/>
+          <a:spcPts val="1000"/>
         </a:spcBef>
-        <a:buFont typeface="Arial" panose="020B0604020202020204" pitchFamily="34" charset="0"/>
-        <a:buChar char="•"/>
-        <a:defRPr sz="1800" kern="1200">
+        <a:spcAft>
+          <a:spcPts val="0"/>
+        </a:spcAft>
+        <a:buClr>
+          <a:schemeClr val="accent1"/>
+        </a:buClr>
+        <a:buSzPct val="80000"/>
+        <a:buFont typeface="Wingdings 3" charset="2"/>
+        <a:buChar char=""/>
+        <a:defRPr sz="1200" kern="1200">
           <a:solidFill>
-            <a:schemeClr val="tx1"/>
+            <a:schemeClr val="tx1">
+              <a:lumMod val="75000"/>
+              <a:lumOff val="25000"/>
+            </a:schemeClr>
           </a:solidFill>
           <a:latin typeface="+mn-lt"/>
           <a:ea typeface="+mn-ea"/>
           <a:cs typeface="+mn-cs"/>
         </a:defRPr>
       </a:lvl7pPr>
-      <a:lvl8pPr marL="3429000" indent="-228600" algn="l" defTabSz="914400" rtl="0" eaLnBrk="1" latinLnBrk="0" hangingPunct="1">
-        <a:lnSpc>
-          <a:spcPct val="90000"/>
-        </a:lnSpc>
+      <a:lvl8pPr marL="3429000" indent="-228600" algn="l" defTabSz="457200" rtl="0" eaLnBrk="1" latinLnBrk="0" hangingPunct="1">
         <a:spcBef>
-          <a:spcPts val="500"/>
+          <a:spcPts val="1000"/>
         </a:spcBef>
-        <a:buFont typeface="Arial" panose="020B0604020202020204" pitchFamily="34" charset="0"/>
-        <a:buChar char="•"/>
-        <a:defRPr sz="1800" kern="1200">
+        <a:spcAft>
+          <a:spcPts val="0"/>
+        </a:spcAft>
+        <a:buClr>
+          <a:schemeClr val="accent1"/>
+        </a:buClr>
+        <a:buSzPct val="80000"/>
+        <a:buFont typeface="Wingdings 3" charset="2"/>
+        <a:buChar char=""/>
+        <a:defRPr sz="1200" kern="1200">
           <a:solidFill>
-            <a:schemeClr val="tx1"/>
+            <a:schemeClr val="tx1">
+              <a:lumMod val="75000"/>
+              <a:lumOff val="25000"/>
+            </a:schemeClr>
           </a:solidFill>
           <a:latin typeface="+mn-lt"/>
           <a:ea typeface="+mn-ea"/>
           <a:cs typeface="+mn-cs"/>
         </a:defRPr>
       </a:lvl8pPr>
-      <a:lvl9pPr marL="3886200" indent="-228600" algn="l" defTabSz="914400" rtl="0" eaLnBrk="1" latinLnBrk="0" hangingPunct="1">
-        <a:lnSpc>
-          <a:spcPct val="90000"/>
-        </a:lnSpc>
+      <a:lvl9pPr marL="3886200" indent="-228600" algn="l" defTabSz="457200" rtl="0" eaLnBrk="1" latinLnBrk="0" hangingPunct="1">
         <a:spcBef>
-          <a:spcPts val="500"/>
+          <a:spcPts val="1000"/>
         </a:spcBef>
-        <a:buFont typeface="Arial" panose="020B0604020202020204" pitchFamily="34" charset="0"/>
-        <a:buChar char="•"/>
-        <a:defRPr sz="1800" kern="1200">
+        <a:spcAft>
+          <a:spcPts val="0"/>
+        </a:spcAft>
+        <a:buClr>
+          <a:schemeClr val="accent1"/>
+        </a:buClr>
+        <a:buSzPct val="80000"/>
+        <a:buFont typeface="Wingdings 3" charset="2"/>
+        <a:buChar char=""/>
+        <a:defRPr sz="1200" kern="1200">
           <a:solidFill>
-            <a:schemeClr val="tx1"/>
+            <a:schemeClr val="tx1">
+              <a:lumMod val="75000"/>
+              <a:lumOff val="25000"/>
+            </a:schemeClr>
           </a:solidFill>
           <a:latin typeface="+mn-lt"/>
           <a:ea typeface="+mn-ea"/>
@@ -3222,7 +5726,7 @@
       <a:defPPr>
         <a:defRPr lang="en-US"/>
       </a:defPPr>
-      <a:lvl1pPr marL="0" algn="l" defTabSz="914400" rtl="0" eaLnBrk="1" latinLnBrk="0" hangingPunct="1">
+      <a:lvl1pPr marL="0" algn="l" defTabSz="457200" rtl="0" eaLnBrk="1" latinLnBrk="0" hangingPunct="1">
         <a:defRPr sz="1800" kern="1200">
           <a:solidFill>
             <a:schemeClr val="tx1"/>
@@ -3232,7 +5736,7 @@
           <a:cs typeface="+mn-cs"/>
         </a:defRPr>
       </a:lvl1pPr>
-      <a:lvl2pPr marL="457200" algn="l" defTabSz="914400" rtl="0" eaLnBrk="1" latinLnBrk="0" hangingPunct="1">
+      <a:lvl2pPr marL="457200" algn="l" defTabSz="457200" rtl="0" eaLnBrk="1" latinLnBrk="0" hangingPunct="1">
         <a:defRPr sz="1800" kern="1200">
           <a:solidFill>
             <a:schemeClr val="tx1"/>
@@ -3242,7 +5746,7 @@
           <a:cs typeface="+mn-cs"/>
         </a:defRPr>
       </a:lvl2pPr>
-      <a:lvl3pPr marL="914400" algn="l" defTabSz="914400" rtl="0" eaLnBrk="1" latinLnBrk="0" hangingPunct="1">
+      <a:lvl3pPr marL="914400" algn="l" defTabSz="457200" rtl="0" eaLnBrk="1" latinLnBrk="0" hangingPunct="1">
         <a:defRPr sz="1800" kern="1200">
           <a:solidFill>
             <a:schemeClr val="tx1"/>
@@ -3252,7 +5756,7 @@
           <a:cs typeface="+mn-cs"/>
         </a:defRPr>
       </a:lvl3pPr>
-      <a:lvl4pPr marL="1371600" algn="l" defTabSz="914400" rtl="0" eaLnBrk="1" latinLnBrk="0" hangingPunct="1">
+      <a:lvl4pPr marL="1371600" algn="l" defTabSz="457200" rtl="0" eaLnBrk="1" latinLnBrk="0" hangingPunct="1">
         <a:defRPr sz="1800" kern="1200">
           <a:solidFill>
             <a:schemeClr val="tx1"/>
@@ -3262,7 +5766,7 @@
           <a:cs typeface="+mn-cs"/>
         </a:defRPr>
       </a:lvl4pPr>
-      <a:lvl5pPr marL="1828800" algn="l" defTabSz="914400" rtl="0" eaLnBrk="1" latinLnBrk="0" hangingPunct="1">
+      <a:lvl5pPr marL="1828800" algn="l" defTabSz="457200" rtl="0" eaLnBrk="1" latinLnBrk="0" hangingPunct="1">
         <a:defRPr sz="1800" kern="1200">
           <a:solidFill>
             <a:schemeClr val="tx1"/>
@@ -3272,7 +5776,7 @@
           <a:cs typeface="+mn-cs"/>
         </a:defRPr>
       </a:lvl5pPr>
-      <a:lvl6pPr marL="2286000" algn="l" defTabSz="914400" rtl="0" eaLnBrk="1" latinLnBrk="0" hangingPunct="1">
+      <a:lvl6pPr marL="2286000" algn="l" defTabSz="457200" rtl="0" eaLnBrk="1" latinLnBrk="0" hangingPunct="1">
         <a:defRPr sz="1800" kern="1200">
           <a:solidFill>
             <a:schemeClr val="tx1"/>
@@ -3282,7 +5786,7 @@
           <a:cs typeface="+mn-cs"/>
         </a:defRPr>
       </a:lvl6pPr>
-      <a:lvl7pPr marL="2743200" algn="l" defTabSz="914400" rtl="0" eaLnBrk="1" latinLnBrk="0" hangingPunct="1">
+      <a:lvl7pPr marL="2743200" algn="l" defTabSz="457200" rtl="0" eaLnBrk="1" latinLnBrk="0" hangingPunct="1">
         <a:defRPr sz="1800" kern="1200">
           <a:solidFill>
             <a:schemeClr val="tx1"/>
@@ -3292,7 +5796,7 @@
           <a:cs typeface="+mn-cs"/>
         </a:defRPr>
       </a:lvl7pPr>
-      <a:lvl8pPr marL="3200400" algn="l" defTabSz="914400" rtl="0" eaLnBrk="1" latinLnBrk="0" hangingPunct="1">
+      <a:lvl8pPr marL="3200400" algn="l" defTabSz="457200" rtl="0" eaLnBrk="1" latinLnBrk="0" hangingPunct="1">
         <a:defRPr sz="1800" kern="1200">
           <a:solidFill>
             <a:schemeClr val="tx1"/>
@@ -3302,7 +5806,7 @@
           <a:cs typeface="+mn-cs"/>
         </a:defRPr>
       </a:lvl8pPr>
-      <a:lvl9pPr marL="3657600" algn="l" defTabSz="914400" rtl="0" eaLnBrk="1" latinLnBrk="0" hangingPunct="1">
+      <a:lvl9pPr marL="3657600" algn="l" defTabSz="457200" rtl="0" eaLnBrk="1" latinLnBrk="0" hangingPunct="1">
         <a:defRPr sz="1800" kern="1200">
           <a:solidFill>
             <a:schemeClr val="tx1"/>
@@ -3396,7 +5900,9 @@
         </p:nvSpPr>
         <p:spPr/>
         <p:txBody>
-          <a:bodyPr/>
+          <a:bodyPr>
+            <a:normAutofit lnSpcReduction="10000"/>
+          </a:bodyPr>
           <a:lstStyle/>
           <a:p>
             <a:r>
@@ -3431,505 +5937,7 @@
 </p:sld>
 </file>
 
-<file path=ppt/slides/slide2.xml><?xml version="1.0" encoding="utf-8"?>
-<p:sld xmlns:a="http://schemas.openxmlformats.org/drawingml/2006/main" xmlns:r="http://schemas.openxmlformats.org/officeDocument/2006/relationships" xmlns:p="http://schemas.openxmlformats.org/presentationml/2006/main">
-  <p:cSld>
-    <p:spTree>
-      <p:nvGrpSpPr>
-        <p:cNvPr id="1" name=""/>
-        <p:cNvGrpSpPr/>
-        <p:nvPr/>
-      </p:nvGrpSpPr>
-      <p:grpSpPr>
-        <a:xfrm>
-          <a:off x="0" y="0"/>
-          <a:ext cx="0" cy="0"/>
-          <a:chOff x="0" y="0"/>
-          <a:chExt cx="0" cy="0"/>
-        </a:xfrm>
-      </p:grpSpPr>
-      <p:sp>
-        <p:nvSpPr>
-          <p:cNvPr id="2" name="Title 1">
-            <a:extLst>
-              <a:ext uri="{FF2B5EF4-FFF2-40B4-BE49-F238E27FC236}">
-                <a16:creationId xmlns:a16="http://schemas.microsoft.com/office/drawing/2014/main" id="{3AEDEBAA-AC42-661D-6A58-CA4D71AF8780}"/>
-              </a:ext>
-            </a:extLst>
-          </p:cNvPr>
-          <p:cNvSpPr>
-            <a:spLocks noGrp="1"/>
-          </p:cNvSpPr>
-          <p:nvPr>
-            <p:ph type="title"/>
-          </p:nvPr>
-        </p:nvSpPr>
-        <p:spPr/>
-        <p:txBody>
-          <a:bodyPr/>
-          <a:lstStyle/>
-          <a:p>
-            <a:r>
-              <a:rPr lang="en-US" dirty="0"/>
-              <a:t>Model</a:t>
-            </a:r>
-          </a:p>
-        </p:txBody>
-      </p:sp>
-      <p:sp>
-        <p:nvSpPr>
-          <p:cNvPr id="3" name="Content Placeholder 2">
-            <a:extLst>
-              <a:ext uri="{FF2B5EF4-FFF2-40B4-BE49-F238E27FC236}">
-                <a16:creationId xmlns:a16="http://schemas.microsoft.com/office/drawing/2014/main" id="{4428222D-1D20-FDDD-7AB8-66B976DD9A78}"/>
-              </a:ext>
-            </a:extLst>
-          </p:cNvPr>
-          <p:cNvSpPr>
-            <a:spLocks noGrp="1"/>
-          </p:cNvSpPr>
-          <p:nvPr>
-            <p:ph idx="1"/>
-          </p:nvPr>
-        </p:nvSpPr>
-        <p:spPr/>
-        <p:txBody>
-          <a:bodyPr/>
-          <a:lstStyle/>
-          <a:p>
-            <a:endParaRPr lang="en-US"/>
-          </a:p>
-        </p:txBody>
-      </p:sp>
-    </p:spTree>
-    <p:extLst>
-      <p:ext uri="{BB962C8B-B14F-4D97-AF65-F5344CB8AC3E}">
-        <p14:creationId xmlns:p14="http://schemas.microsoft.com/office/powerpoint/2010/main" val="378131549"/>
-      </p:ext>
-    </p:extLst>
-  </p:cSld>
-  <p:clrMapOvr>
-    <a:masterClrMapping/>
-  </p:clrMapOvr>
-</p:sld>
-</file>
-
-<file path=ppt/slides/slide3.xml><?xml version="1.0" encoding="utf-8"?>
-<p:sld xmlns:a="http://schemas.openxmlformats.org/drawingml/2006/main" xmlns:r="http://schemas.openxmlformats.org/officeDocument/2006/relationships" xmlns:p="http://schemas.openxmlformats.org/presentationml/2006/main">
-  <p:cSld>
-    <p:spTree>
-      <p:nvGrpSpPr>
-        <p:cNvPr id="1" name=""/>
-        <p:cNvGrpSpPr/>
-        <p:nvPr/>
-      </p:nvGrpSpPr>
-      <p:grpSpPr>
-        <a:xfrm>
-          <a:off x="0" y="0"/>
-          <a:ext cx="0" cy="0"/>
-          <a:chOff x="0" y="0"/>
-          <a:chExt cx="0" cy="0"/>
-        </a:xfrm>
-      </p:grpSpPr>
-      <p:sp>
-        <p:nvSpPr>
-          <p:cNvPr id="2" name="Title 1">
-            <a:extLst>
-              <a:ext uri="{FF2B5EF4-FFF2-40B4-BE49-F238E27FC236}">
-                <a16:creationId xmlns:a16="http://schemas.microsoft.com/office/drawing/2014/main" id="{A8B4E9E2-26A4-6FD0-A2B2-458F8CB9E3A8}"/>
-              </a:ext>
-            </a:extLst>
-          </p:cNvPr>
-          <p:cNvSpPr>
-            <a:spLocks noGrp="1"/>
-          </p:cNvSpPr>
-          <p:nvPr>
-            <p:ph type="title"/>
-          </p:nvPr>
-        </p:nvSpPr>
-        <p:spPr/>
-        <p:txBody>
-          <a:bodyPr/>
-          <a:lstStyle/>
-          <a:p>
-            <a:r>
-              <a:rPr lang="en-US" dirty="0"/>
-              <a:t>Analysis of Stability</a:t>
-            </a:r>
-          </a:p>
-        </p:txBody>
-      </p:sp>
-      <p:sp>
-        <p:nvSpPr>
-          <p:cNvPr id="3" name="Content Placeholder 2">
-            <a:extLst>
-              <a:ext uri="{FF2B5EF4-FFF2-40B4-BE49-F238E27FC236}">
-                <a16:creationId xmlns:a16="http://schemas.microsoft.com/office/drawing/2014/main" id="{EB4624A6-6312-CB4B-4024-C3E0C69E0988}"/>
-              </a:ext>
-            </a:extLst>
-          </p:cNvPr>
-          <p:cNvSpPr>
-            <a:spLocks noGrp="1"/>
-          </p:cNvSpPr>
-          <p:nvPr>
-            <p:ph idx="1"/>
-          </p:nvPr>
-        </p:nvSpPr>
-        <p:spPr/>
-        <p:txBody>
-          <a:bodyPr/>
-          <a:lstStyle/>
-          <a:p>
-            <a:endParaRPr lang="en-US"/>
-          </a:p>
-        </p:txBody>
-      </p:sp>
-    </p:spTree>
-    <p:extLst>
-      <p:ext uri="{BB962C8B-B14F-4D97-AF65-F5344CB8AC3E}">
-        <p14:creationId xmlns:p14="http://schemas.microsoft.com/office/powerpoint/2010/main" val="1251050230"/>
-      </p:ext>
-    </p:extLst>
-  </p:cSld>
-  <p:clrMapOvr>
-    <a:masterClrMapping/>
-  </p:clrMapOvr>
-</p:sld>
-</file>
-
-<file path=ppt/slides/slide4.xml><?xml version="1.0" encoding="utf-8"?>
-<p:sld xmlns:a="http://schemas.openxmlformats.org/drawingml/2006/main" xmlns:r="http://schemas.openxmlformats.org/officeDocument/2006/relationships" xmlns:p="http://schemas.openxmlformats.org/presentationml/2006/main">
-  <p:cSld>
-    <p:spTree>
-      <p:nvGrpSpPr>
-        <p:cNvPr id="1" name=""/>
-        <p:cNvGrpSpPr/>
-        <p:nvPr/>
-      </p:nvGrpSpPr>
-      <p:grpSpPr>
-        <a:xfrm>
-          <a:off x="0" y="0"/>
-          <a:ext cx="0" cy="0"/>
-          <a:chOff x="0" y="0"/>
-          <a:chExt cx="0" cy="0"/>
-        </a:xfrm>
-      </p:grpSpPr>
-      <p:sp>
-        <p:nvSpPr>
-          <p:cNvPr id="2" name="Title 1">
-            <a:extLst>
-              <a:ext uri="{FF2B5EF4-FFF2-40B4-BE49-F238E27FC236}">
-                <a16:creationId xmlns:a16="http://schemas.microsoft.com/office/drawing/2014/main" id="{96BECC64-46B7-17BB-6B9B-FAA1DF52C6AB}"/>
-              </a:ext>
-            </a:extLst>
-          </p:cNvPr>
-          <p:cNvSpPr>
-            <a:spLocks noGrp="1"/>
-          </p:cNvSpPr>
-          <p:nvPr>
-            <p:ph type="title"/>
-          </p:nvPr>
-        </p:nvSpPr>
-        <p:spPr/>
-        <p:txBody>
-          <a:bodyPr/>
-          <a:lstStyle/>
-          <a:p>
-            <a:r>
-              <a:rPr lang="en-US" dirty="0"/>
-              <a:t>Controllability</a:t>
-            </a:r>
-          </a:p>
-        </p:txBody>
-      </p:sp>
-      <p:sp>
-        <p:nvSpPr>
-          <p:cNvPr id="3" name="Content Placeholder 2">
-            <a:extLst>
-              <a:ext uri="{FF2B5EF4-FFF2-40B4-BE49-F238E27FC236}">
-                <a16:creationId xmlns:a16="http://schemas.microsoft.com/office/drawing/2014/main" id="{2DE9B27D-10B6-C5A9-9F93-E0904E364ADB}"/>
-              </a:ext>
-            </a:extLst>
-          </p:cNvPr>
-          <p:cNvSpPr>
-            <a:spLocks noGrp="1"/>
-          </p:cNvSpPr>
-          <p:nvPr>
-            <p:ph idx="1"/>
-          </p:nvPr>
-        </p:nvSpPr>
-        <p:spPr/>
-        <p:txBody>
-          <a:bodyPr/>
-          <a:lstStyle/>
-          <a:p>
-            <a:endParaRPr lang="en-US"/>
-          </a:p>
-        </p:txBody>
-      </p:sp>
-    </p:spTree>
-    <p:extLst>
-      <p:ext uri="{BB962C8B-B14F-4D97-AF65-F5344CB8AC3E}">
-        <p14:creationId xmlns:p14="http://schemas.microsoft.com/office/powerpoint/2010/main" val="938644393"/>
-      </p:ext>
-    </p:extLst>
-  </p:cSld>
-  <p:clrMapOvr>
-    <a:masterClrMapping/>
-  </p:clrMapOvr>
-</p:sld>
-</file>
-
-<file path=ppt/slides/slide5.xml><?xml version="1.0" encoding="utf-8"?>
-<p:sld xmlns:a="http://schemas.openxmlformats.org/drawingml/2006/main" xmlns:r="http://schemas.openxmlformats.org/officeDocument/2006/relationships" xmlns:p="http://schemas.openxmlformats.org/presentationml/2006/main">
-  <p:cSld>
-    <p:spTree>
-      <p:nvGrpSpPr>
-        <p:cNvPr id="1" name=""/>
-        <p:cNvGrpSpPr/>
-        <p:nvPr/>
-      </p:nvGrpSpPr>
-      <p:grpSpPr>
-        <a:xfrm>
-          <a:off x="0" y="0"/>
-          <a:ext cx="0" cy="0"/>
-          <a:chOff x="0" y="0"/>
-          <a:chExt cx="0" cy="0"/>
-        </a:xfrm>
-      </p:grpSpPr>
-      <p:sp>
-        <p:nvSpPr>
-          <p:cNvPr id="2" name="Title 1">
-            <a:extLst>
-              <a:ext uri="{FF2B5EF4-FFF2-40B4-BE49-F238E27FC236}">
-                <a16:creationId xmlns:a16="http://schemas.microsoft.com/office/drawing/2014/main" id="{01880C9C-082F-3121-D7A0-C40883EB9D4A}"/>
-              </a:ext>
-            </a:extLst>
-          </p:cNvPr>
-          <p:cNvSpPr>
-            <a:spLocks noGrp="1"/>
-          </p:cNvSpPr>
-          <p:nvPr>
-            <p:ph type="title"/>
-          </p:nvPr>
-        </p:nvSpPr>
-        <p:spPr/>
-        <p:txBody>
-          <a:bodyPr/>
-          <a:lstStyle/>
-          <a:p>
-            <a:r>
-              <a:rPr lang="en-US" dirty="0"/>
-              <a:t>Observability</a:t>
-            </a:r>
-          </a:p>
-        </p:txBody>
-      </p:sp>
-      <p:sp>
-        <p:nvSpPr>
-          <p:cNvPr id="3" name="Content Placeholder 2">
-            <a:extLst>
-              <a:ext uri="{FF2B5EF4-FFF2-40B4-BE49-F238E27FC236}">
-                <a16:creationId xmlns:a16="http://schemas.microsoft.com/office/drawing/2014/main" id="{1F9549BC-673D-B66B-CBB2-E60ECE9AFE7D}"/>
-              </a:ext>
-            </a:extLst>
-          </p:cNvPr>
-          <p:cNvSpPr>
-            <a:spLocks noGrp="1"/>
-          </p:cNvSpPr>
-          <p:nvPr>
-            <p:ph idx="1"/>
-          </p:nvPr>
-        </p:nvSpPr>
-        <p:spPr/>
-        <p:txBody>
-          <a:bodyPr/>
-          <a:lstStyle/>
-          <a:p>
-            <a:endParaRPr lang="en-US"/>
-          </a:p>
-        </p:txBody>
-      </p:sp>
-    </p:spTree>
-    <p:extLst>
-      <p:ext uri="{BB962C8B-B14F-4D97-AF65-F5344CB8AC3E}">
-        <p14:creationId xmlns:p14="http://schemas.microsoft.com/office/powerpoint/2010/main" val="3632498355"/>
-      </p:ext>
-    </p:extLst>
-  </p:cSld>
-  <p:clrMapOvr>
-    <a:masterClrMapping/>
-  </p:clrMapOvr>
-</p:sld>
-</file>
-
-<file path=ppt/slides/slide6.xml><?xml version="1.0" encoding="utf-8"?>
-<p:sld xmlns:a="http://schemas.openxmlformats.org/drawingml/2006/main" xmlns:r="http://schemas.openxmlformats.org/officeDocument/2006/relationships" xmlns:p="http://schemas.openxmlformats.org/presentationml/2006/main">
-  <p:cSld>
-    <p:spTree>
-      <p:nvGrpSpPr>
-        <p:cNvPr id="1" name=""/>
-        <p:cNvGrpSpPr/>
-        <p:nvPr/>
-      </p:nvGrpSpPr>
-      <p:grpSpPr>
-        <a:xfrm>
-          <a:off x="0" y="0"/>
-          <a:ext cx="0" cy="0"/>
-          <a:chOff x="0" y="0"/>
-          <a:chExt cx="0" cy="0"/>
-        </a:xfrm>
-      </p:grpSpPr>
-      <p:sp>
-        <p:nvSpPr>
-          <p:cNvPr id="2" name="Title 1">
-            <a:extLst>
-              <a:ext uri="{FF2B5EF4-FFF2-40B4-BE49-F238E27FC236}">
-                <a16:creationId xmlns:a16="http://schemas.microsoft.com/office/drawing/2014/main" id="{70177705-EBFD-1344-F6BB-5D0EA9129E77}"/>
-              </a:ext>
-            </a:extLst>
-          </p:cNvPr>
-          <p:cNvSpPr>
-            <a:spLocks noGrp="1"/>
-          </p:cNvSpPr>
-          <p:nvPr>
-            <p:ph type="title"/>
-          </p:nvPr>
-        </p:nvSpPr>
-        <p:spPr/>
-        <p:txBody>
-          <a:bodyPr/>
-          <a:lstStyle/>
-          <a:p>
-            <a:r>
-              <a:rPr lang="en-US" dirty="0"/>
-              <a:t>Controller and Estimator</a:t>
-            </a:r>
-          </a:p>
-        </p:txBody>
-      </p:sp>
-      <p:sp>
-        <p:nvSpPr>
-          <p:cNvPr id="3" name="Content Placeholder 2">
-            <a:extLst>
-              <a:ext uri="{FF2B5EF4-FFF2-40B4-BE49-F238E27FC236}">
-                <a16:creationId xmlns:a16="http://schemas.microsoft.com/office/drawing/2014/main" id="{06F4CFE0-C68C-0C39-DAF0-5047D069741B}"/>
-              </a:ext>
-            </a:extLst>
-          </p:cNvPr>
-          <p:cNvSpPr>
-            <a:spLocks noGrp="1"/>
-          </p:cNvSpPr>
-          <p:nvPr>
-            <p:ph idx="1"/>
-          </p:nvPr>
-        </p:nvSpPr>
-        <p:spPr/>
-        <p:txBody>
-          <a:bodyPr/>
-          <a:lstStyle/>
-          <a:p>
-            <a:endParaRPr lang="en-US"/>
-          </a:p>
-        </p:txBody>
-      </p:sp>
-    </p:spTree>
-    <p:extLst>
-      <p:ext uri="{BB962C8B-B14F-4D97-AF65-F5344CB8AC3E}">
-        <p14:creationId xmlns:p14="http://schemas.microsoft.com/office/powerpoint/2010/main" val="3754638543"/>
-      </p:ext>
-    </p:extLst>
-  </p:cSld>
-  <p:clrMapOvr>
-    <a:masterClrMapping/>
-  </p:clrMapOvr>
-</p:sld>
-</file>
-
-<file path=ppt/slides/slide7.xml><?xml version="1.0" encoding="utf-8"?>
-<p:sld xmlns:a="http://schemas.openxmlformats.org/drawingml/2006/main" xmlns:r="http://schemas.openxmlformats.org/officeDocument/2006/relationships" xmlns:p="http://schemas.openxmlformats.org/presentationml/2006/main">
-  <p:cSld>
-    <p:spTree>
-      <p:nvGrpSpPr>
-        <p:cNvPr id="1" name=""/>
-        <p:cNvGrpSpPr/>
-        <p:nvPr/>
-      </p:nvGrpSpPr>
-      <p:grpSpPr>
-        <a:xfrm>
-          <a:off x="0" y="0"/>
-          <a:ext cx="0" cy="0"/>
-          <a:chOff x="0" y="0"/>
-          <a:chExt cx="0" cy="0"/>
-        </a:xfrm>
-      </p:grpSpPr>
-      <p:sp>
-        <p:nvSpPr>
-          <p:cNvPr id="2" name="Title 1">
-            <a:extLst>
-              <a:ext uri="{FF2B5EF4-FFF2-40B4-BE49-F238E27FC236}">
-                <a16:creationId xmlns:a16="http://schemas.microsoft.com/office/drawing/2014/main" id="{8C9BC453-1CA5-0CF7-55D7-7A8B64E6201C}"/>
-              </a:ext>
-            </a:extLst>
-          </p:cNvPr>
-          <p:cNvSpPr>
-            <a:spLocks noGrp="1"/>
-          </p:cNvSpPr>
-          <p:nvPr>
-            <p:ph type="title"/>
-          </p:nvPr>
-        </p:nvSpPr>
-        <p:spPr/>
-        <p:txBody>
-          <a:bodyPr/>
-          <a:lstStyle/>
-          <a:p>
-            <a:r>
-              <a:rPr lang="en-US" dirty="0"/>
-              <a:t>Video proof?</a:t>
-            </a:r>
-          </a:p>
-        </p:txBody>
-      </p:sp>
-      <p:sp>
-        <p:nvSpPr>
-          <p:cNvPr id="3" name="Content Placeholder 2">
-            <a:extLst>
-              <a:ext uri="{FF2B5EF4-FFF2-40B4-BE49-F238E27FC236}">
-                <a16:creationId xmlns:a16="http://schemas.microsoft.com/office/drawing/2014/main" id="{629D843D-7607-E263-6BDB-A1C665543108}"/>
-              </a:ext>
-            </a:extLst>
-          </p:cNvPr>
-          <p:cNvSpPr>
-            <a:spLocks noGrp="1"/>
-          </p:cNvSpPr>
-          <p:nvPr>
-            <p:ph idx="1"/>
-          </p:nvPr>
-        </p:nvSpPr>
-        <p:spPr/>
-        <p:txBody>
-          <a:bodyPr/>
-          <a:lstStyle/>
-          <a:p>
-            <a:endParaRPr lang="en-US"/>
-          </a:p>
-        </p:txBody>
-      </p:sp>
-    </p:spTree>
-    <p:extLst>
-      <p:ext uri="{BB962C8B-B14F-4D97-AF65-F5344CB8AC3E}">
-        <p14:creationId xmlns:p14="http://schemas.microsoft.com/office/powerpoint/2010/main" val="2859439878"/>
-      </p:ext>
-    </p:extLst>
-  </p:cSld>
-  <p:clrMapOvr>
-    <a:masterClrMapping/>
-  </p:clrMapOvr>
-</p:sld>
-</file>
-
-<file path=ppt/slides/slide8.xml><?xml version="1.0" encoding="utf-8"?>
+<file path=ppt/slides/slide10.xml><?xml version="1.0" encoding="utf-8"?>
 <p:sld xmlns:a="http://schemas.openxmlformats.org/drawingml/2006/main" xmlns:r="http://schemas.openxmlformats.org/officeDocument/2006/relationships" xmlns:p="http://schemas.openxmlformats.org/presentationml/2006/main">
   <p:cSld>
     <p:bg>
@@ -3954,21 +5962,21 @@
           <a:chExt cx="0" cy="0"/>
         </a:xfrm>
       </p:grpSpPr>
-      <p:sp>
-        <p:nvSpPr>
-          <p:cNvPr id="21" name="Down Arrow 7">
+      <p:grpSp>
+        <p:nvGrpSpPr>
+          <p:cNvPr id="12" name="Group 11">
             <a:extLst>
               <a:ext uri="{FF2B5EF4-FFF2-40B4-BE49-F238E27FC236}">
-                <a16:creationId xmlns:a16="http://schemas.microsoft.com/office/drawing/2014/main" id="{D4771268-CB57-404A-9271-370EB28F6090}"/>
+                <a16:creationId xmlns:a16="http://schemas.microsoft.com/office/drawing/2014/main" id="{B4DE830A-B531-4A3B-96F6-0ECE88B08555}"/>
               </a:ext>
               <a:ext uri="{C183D7F6-B498-43B3-948B-1728B52AA6E4}">
                 <adec:decorative xmlns:adec="http://schemas.microsoft.com/office/drawing/2017/decorative" val="1"/>
               </a:ext>
             </a:extLst>
           </p:cNvPr>
-          <p:cNvSpPr>
-            <a:spLocks noGrp="1" noRot="1" noChangeAspect="1" noMove="1" noResize="1" noEditPoints="1" noAdjustHandles="1" noChangeArrowheads="1" noChangeShapeType="1" noTextEdit="1"/>
-          </p:cNvSpPr>
+          <p:cNvGrpSpPr>
+            <a:grpSpLocks noGrp="1" noUngrp="1" noRot="1" noChangeAspect="1" noMove="1" noResize="1"/>
+          </p:cNvGrpSpPr>
           <p:nvPr>
             <p:extLst>
               <p:ext uri="{386F3935-93C4-4BCD-93E2-E3B085C9AB24}">
@@ -3976,261 +5984,737 @@
               </p:ext>
             </p:extLst>
           </p:nvPr>
-        </p:nvSpPr>
-        <p:spPr>
-          <a:xfrm rot="16200000">
-            <a:off x="800100" y="1491343"/>
-            <a:ext cx="3333749" cy="3499103"/>
+        </p:nvGrpSpPr>
+        <p:grpSpPr>
+          <a:xfrm>
+            <a:off x="0" y="-8467"/>
+            <a:ext cx="12192000" cy="6866467"/>
+            <a:chOff x="0" y="-8467"/>
+            <a:chExt cx="12192000" cy="6866467"/>
           </a:xfrm>
-          <a:prstGeom prst="downArrow">
-            <a:avLst>
-              <a:gd name="adj1" fmla="val 100000"/>
-              <a:gd name="adj2" fmla="val 15788"/>
-            </a:avLst>
-          </a:prstGeom>
-          <a:solidFill>
-            <a:srgbClr val="404040"/>
-          </a:solidFill>
-          <a:ln w="53975">
-            <a:noFill/>
-          </a:ln>
-        </p:spPr>
-        <p:style>
-          <a:lnRef idx="2">
-            <a:schemeClr val="accent1">
-              <a:shade val="50000"/>
-            </a:schemeClr>
-          </a:lnRef>
-          <a:fillRef idx="1">
-            <a:schemeClr val="accent1"/>
-          </a:fillRef>
-          <a:effectRef idx="0">
-            <a:schemeClr val="accent1"/>
-          </a:effectRef>
-          <a:fontRef idx="minor">
-            <a:schemeClr val="lt1"/>
-          </a:fontRef>
-        </p:style>
-        <p:txBody>
-          <a:bodyPr rtlCol="0" anchor="ctr"/>
-          <a:lstStyle/>
-          <a:p>
-            <a:pPr algn="ctr"/>
-            <a:endParaRPr lang="en-US"/>
-          </a:p>
-        </p:txBody>
-      </p:sp>
-      <p:sp>
-        <p:nvSpPr>
-          <p:cNvPr id="2" name="Title 1">
-            <a:extLst>
-              <a:ext uri="{FF2B5EF4-FFF2-40B4-BE49-F238E27FC236}">
-                <a16:creationId xmlns:a16="http://schemas.microsoft.com/office/drawing/2014/main" id="{E3282A0D-DB5D-6095-DAD7-BC9E1C61973B}"/>
-              </a:ext>
-            </a:extLst>
-          </p:cNvPr>
-          <p:cNvSpPr>
-            <a:spLocks noGrp="1"/>
-          </p:cNvSpPr>
-          <p:nvPr>
-            <p:ph type="title"/>
-          </p:nvPr>
-        </p:nvSpPr>
-        <p:spPr>
-          <a:xfrm>
-            <a:off x="1028700" y="1967266"/>
-            <a:ext cx="2628900" cy="2547257"/>
-          </a:xfrm>
-          <a:noFill/>
-        </p:spPr>
-        <p:txBody>
-          <a:bodyPr vert="horz" lIns="91440" tIns="45720" rIns="91440" bIns="45720" rtlCol="0" anchor="ctr">
-            <a:normAutofit/>
-          </a:bodyPr>
-          <a:lstStyle/>
-          <a:p>
-            <a:pPr algn="ctr"/>
-            <a:r>
-              <a:rPr lang="en-US" sz="3600" kern="1200" dirty="0">
-                <a:solidFill>
-                  <a:srgbClr val="FFFFFF"/>
-                </a:solidFill>
-                <a:latin typeface="+mj-lt"/>
-                <a:ea typeface="+mj-ea"/>
-                <a:cs typeface="+mj-cs"/>
-              </a:rPr>
-              <a:t>Challenge:</a:t>
-            </a:r>
-            <a:br>
-              <a:rPr lang="en-US" sz="3600" kern="1200" dirty="0">
-                <a:solidFill>
-                  <a:srgbClr val="FFFFFF"/>
-                </a:solidFill>
-                <a:latin typeface="+mj-lt"/>
-                <a:ea typeface="+mj-ea"/>
-                <a:cs typeface="+mj-cs"/>
-              </a:rPr>
-            </a:br>
-            <a:br>
-              <a:rPr lang="en-US" sz="3600" kern="1200" dirty="0">
-                <a:solidFill>
-                  <a:srgbClr val="FFFFFF"/>
-                </a:solidFill>
-                <a:latin typeface="+mj-lt"/>
-                <a:ea typeface="+mj-ea"/>
-                <a:cs typeface="+mj-cs"/>
-              </a:rPr>
-            </a:br>
-            <a:r>
-              <a:rPr lang="en-US" sz="3600" kern="1200" dirty="0">
-                <a:solidFill>
-                  <a:srgbClr val="FFFFFF"/>
-                </a:solidFill>
-                <a:latin typeface="+mj-lt"/>
-                <a:ea typeface="+mj-ea"/>
-                <a:cs typeface="+mj-cs"/>
-              </a:rPr>
-              <a:t>Small typo</a:t>
-            </a:r>
-          </a:p>
-        </p:txBody>
-      </p:sp>
-      <p:pic>
-        <p:nvPicPr>
-          <p:cNvPr id="16" name="Content Placeholder 15">
-            <a:extLst>
-              <a:ext uri="{FF2B5EF4-FFF2-40B4-BE49-F238E27FC236}">
-                <a16:creationId xmlns:a16="http://schemas.microsoft.com/office/drawing/2014/main" id="{359FB152-8816-C547-BE73-C084969C18AE}"/>
-              </a:ext>
-            </a:extLst>
-          </p:cNvPr>
-          <p:cNvPicPr>
-            <a:picLocks noGrp="1" noChangeAspect="1"/>
-          </p:cNvPicPr>
-          <p:nvPr>
-            <p:ph idx="1"/>
-          </p:nvPr>
-        </p:nvPicPr>
-        <p:blipFill>
-          <a:blip r:embed="rId2"/>
-          <a:stretch>
-            <a:fillRect/>
-          </a:stretch>
-        </p:blipFill>
-        <p:spPr>
-          <a:xfrm>
-            <a:off x="4777316" y="1613998"/>
-            <a:ext cx="6780700" cy="3627675"/>
-          </a:xfrm>
-          <a:prstGeom prst="rect">
-            <a:avLst/>
-          </a:prstGeom>
-        </p:spPr>
-      </p:pic>
-    </p:spTree>
-    <p:extLst>
-      <p:ext uri="{BB962C8B-B14F-4D97-AF65-F5344CB8AC3E}">
-        <p14:creationId xmlns:p14="http://schemas.microsoft.com/office/powerpoint/2010/main" val="3847261020"/>
-      </p:ext>
-    </p:extLst>
-  </p:cSld>
-  <p:clrMapOvr>
-    <a:masterClrMapping/>
-  </p:clrMapOvr>
-</p:sld>
-</file>
-
-<file path=ppt/slides/slide9.xml><?xml version="1.0" encoding="utf-8"?>
-<p:sld xmlns:a="http://schemas.openxmlformats.org/drawingml/2006/main" xmlns:r="http://schemas.openxmlformats.org/officeDocument/2006/relationships" xmlns:p="http://schemas.openxmlformats.org/presentationml/2006/main">
-  <p:cSld>
-    <p:bg>
-      <p:bgPr>
-        <a:solidFill>
-          <a:schemeClr val="bg1"/>
-        </a:solidFill>
-        <a:effectLst/>
-      </p:bgPr>
-    </p:bg>
-    <p:spTree>
-      <p:nvGrpSpPr>
-        <p:cNvPr id="1" name=""/>
-        <p:cNvGrpSpPr/>
-        <p:nvPr/>
-      </p:nvGrpSpPr>
-      <p:grpSpPr>
-        <a:xfrm>
-          <a:off x="0" y="0"/>
-          <a:ext cx="0" cy="0"/>
-          <a:chOff x="0" y="0"/>
-          <a:chExt cx="0" cy="0"/>
-        </a:xfrm>
-      </p:grpSpPr>
-      <p:sp>
-        <p:nvSpPr>
-          <p:cNvPr id="10" name="Down Arrow 7">
-            <a:extLst>
-              <a:ext uri="{FF2B5EF4-FFF2-40B4-BE49-F238E27FC236}">
-                <a16:creationId xmlns:a16="http://schemas.microsoft.com/office/drawing/2014/main" id="{D4771268-CB57-404A-9271-370EB28F6090}"/>
-              </a:ext>
-              <a:ext uri="{C183D7F6-B498-43B3-948B-1728B52AA6E4}">
-                <adec:decorative xmlns:adec="http://schemas.microsoft.com/office/drawing/2017/decorative" val="1"/>
-              </a:ext>
-            </a:extLst>
-          </p:cNvPr>
-          <p:cNvSpPr>
-            <a:spLocks noGrp="1" noRot="1" noChangeAspect="1" noMove="1" noResize="1" noEditPoints="1" noAdjustHandles="1" noChangeArrowheads="1" noChangeShapeType="1" noTextEdit="1"/>
-          </p:cNvSpPr>
-          <p:nvPr>
-            <p:extLst>
-              <p:ext uri="{386F3935-93C4-4BCD-93E2-E3B085C9AB24}">
-                <p16:designElem xmlns:p16="http://schemas.microsoft.com/office/powerpoint/2015/main" val="1"/>
-              </p:ext>
-            </p:extLst>
-          </p:nvPr>
-        </p:nvSpPr>
-        <p:spPr>
-          <a:xfrm rot="16200000">
-            <a:off x="800100" y="1491343"/>
-            <a:ext cx="3333749" cy="3499103"/>
-          </a:xfrm>
-          <a:prstGeom prst="downArrow">
-            <a:avLst>
-              <a:gd name="adj1" fmla="val 100000"/>
-              <a:gd name="adj2" fmla="val 15788"/>
-            </a:avLst>
-          </a:prstGeom>
-          <a:solidFill>
-            <a:srgbClr val="404040"/>
-          </a:solidFill>
-          <a:ln w="53975">
-            <a:noFill/>
-          </a:ln>
-        </p:spPr>
-        <p:style>
-          <a:lnRef idx="2">
-            <a:schemeClr val="accent1">
-              <a:shade val="50000"/>
-            </a:schemeClr>
-          </a:lnRef>
-          <a:fillRef idx="1">
-            <a:schemeClr val="accent1"/>
-          </a:fillRef>
-          <a:effectRef idx="0">
-            <a:schemeClr val="accent1"/>
-          </a:effectRef>
-          <a:fontRef idx="minor">
-            <a:schemeClr val="lt1"/>
-          </a:fontRef>
-        </p:style>
-        <p:txBody>
-          <a:bodyPr rtlCol="0" anchor="ctr"/>
-          <a:lstStyle/>
-          <a:p>
-            <a:pPr algn="ctr"/>
-            <a:endParaRPr lang="en-US"/>
-          </a:p>
-        </p:txBody>
-      </p:sp>
+        </p:grpSpPr>
+        <p:cxnSp>
+          <p:nvCxnSpPr>
+            <p:cNvPr id="13" name="Straight Connector 12">
+              <a:extLst>
+                <a:ext uri="{FF2B5EF4-FFF2-40B4-BE49-F238E27FC236}">
+                  <a16:creationId xmlns:a16="http://schemas.microsoft.com/office/drawing/2014/main" id="{2813DF2C-461A-4A8F-9679-A172790D1F3A}"/>
+                </a:ext>
+                <a:ext uri="{C183D7F6-B498-43B3-948B-1728B52AA6E4}">
+                  <adec:decorative xmlns:adec="http://schemas.microsoft.com/office/drawing/2017/decorative" val="1"/>
+                </a:ext>
+              </a:extLst>
+            </p:cNvPr>
+            <p:cNvCxnSpPr/>
+            <p:nvPr>
+              <p:extLst>
+                <p:ext uri="{386F3935-93C4-4BCD-93E2-E3B085C9AB24}">
+                  <p16:designElem xmlns:p16="http://schemas.microsoft.com/office/powerpoint/2015/main" val="1"/>
+                </p:ext>
+              </p:extLst>
+            </p:nvPr>
+          </p:nvCxnSpPr>
+          <p:spPr>
+            <a:xfrm>
+              <a:off x="9371012" y="0"/>
+              <a:ext cx="1219200" cy="6858000"/>
+            </a:xfrm>
+            <a:prstGeom prst="line">
+              <a:avLst/>
+            </a:prstGeom>
+            <a:ln w="9525">
+              <a:solidFill>
+                <a:schemeClr val="bg1">
+                  <a:lumMod val="75000"/>
+                </a:schemeClr>
+              </a:solidFill>
+            </a:ln>
+          </p:spPr>
+          <p:style>
+            <a:lnRef idx="2">
+              <a:schemeClr val="accent1"/>
+            </a:lnRef>
+            <a:fillRef idx="0">
+              <a:schemeClr val="accent1"/>
+            </a:fillRef>
+            <a:effectRef idx="1">
+              <a:schemeClr val="accent1"/>
+            </a:effectRef>
+            <a:fontRef idx="minor">
+              <a:schemeClr val="tx1"/>
+            </a:fontRef>
+          </p:style>
+        </p:cxnSp>
+        <p:cxnSp>
+          <p:nvCxnSpPr>
+            <p:cNvPr id="14" name="Straight Connector 13">
+              <a:extLst>
+                <a:ext uri="{FF2B5EF4-FFF2-40B4-BE49-F238E27FC236}">
+                  <a16:creationId xmlns:a16="http://schemas.microsoft.com/office/drawing/2014/main" id="{54CD3A85-C039-4249-86E4-1EB9318B5495}"/>
+                </a:ext>
+                <a:ext uri="{C183D7F6-B498-43B3-948B-1728B52AA6E4}">
+                  <adec:decorative xmlns:adec="http://schemas.microsoft.com/office/drawing/2017/decorative" val="1"/>
+                </a:ext>
+              </a:extLst>
+            </p:cNvPr>
+            <p:cNvCxnSpPr/>
+            <p:nvPr>
+              <p:extLst>
+                <p:ext uri="{386F3935-93C4-4BCD-93E2-E3B085C9AB24}">
+                  <p16:designElem xmlns:p16="http://schemas.microsoft.com/office/powerpoint/2015/main" val="1"/>
+                </p:ext>
+              </p:extLst>
+            </p:nvPr>
+          </p:nvCxnSpPr>
+          <p:spPr>
+            <a:xfrm flipH="1">
+              <a:off x="7425267" y="3681413"/>
+              <a:ext cx="4763558" cy="3176587"/>
+            </a:xfrm>
+            <a:prstGeom prst="line">
+              <a:avLst/>
+            </a:prstGeom>
+            <a:ln w="9525">
+              <a:solidFill>
+                <a:schemeClr val="bg1">
+                  <a:lumMod val="85000"/>
+                </a:schemeClr>
+              </a:solidFill>
+            </a:ln>
+          </p:spPr>
+          <p:style>
+            <a:lnRef idx="2">
+              <a:schemeClr val="accent1"/>
+            </a:lnRef>
+            <a:fillRef idx="0">
+              <a:schemeClr val="accent1"/>
+            </a:fillRef>
+            <a:effectRef idx="1">
+              <a:schemeClr val="accent1"/>
+            </a:effectRef>
+            <a:fontRef idx="minor">
+              <a:schemeClr val="tx1"/>
+            </a:fontRef>
+          </p:style>
+        </p:cxnSp>
+        <p:sp>
+          <p:nvSpPr>
+            <p:cNvPr id="15" name="Rectangle 23">
+              <a:extLst>
+                <a:ext uri="{FF2B5EF4-FFF2-40B4-BE49-F238E27FC236}">
+                  <a16:creationId xmlns:a16="http://schemas.microsoft.com/office/drawing/2014/main" id="{887EA6D2-2883-42C2-993D-094CA6D65DA3}"/>
+                </a:ext>
+                <a:ext uri="{C183D7F6-B498-43B3-948B-1728B52AA6E4}">
+                  <adec:decorative xmlns:adec="http://schemas.microsoft.com/office/drawing/2017/decorative" val="1"/>
+                </a:ext>
+              </a:extLst>
+            </p:cNvPr>
+            <p:cNvSpPr/>
+            <p:nvPr>
+              <p:extLst>
+                <p:ext uri="{386F3935-93C4-4BCD-93E2-E3B085C9AB24}">
+                  <p16:designElem xmlns:p16="http://schemas.microsoft.com/office/powerpoint/2015/main" val="1"/>
+                </p:ext>
+              </p:extLst>
+            </p:nvPr>
+          </p:nvSpPr>
+          <p:spPr>
+            <a:xfrm>
+              <a:off x="9181476" y="-8467"/>
+              <a:ext cx="3007349" cy="6866467"/>
+            </a:xfrm>
+            <a:custGeom>
+              <a:avLst/>
+              <a:gdLst/>
+              <a:ahLst/>
+              <a:cxnLst/>
+              <a:rect l="l" t="t" r="r" b="b"/>
+              <a:pathLst>
+                <a:path w="3007349" h="6866467">
+                  <a:moveTo>
+                    <a:pt x="2045532" y="0"/>
+                  </a:moveTo>
+                  <a:lnTo>
+                    <a:pt x="3007349" y="0"/>
+                  </a:lnTo>
+                  <a:lnTo>
+                    <a:pt x="3007349" y="6866467"/>
+                  </a:lnTo>
+                  <a:lnTo>
+                    <a:pt x="0" y="6866467"/>
+                  </a:lnTo>
+                  <a:lnTo>
+                    <a:pt x="2045532" y="0"/>
+                  </a:lnTo>
+                  <a:close/>
+                </a:path>
+              </a:pathLst>
+            </a:custGeom>
+            <a:solidFill>
+              <a:schemeClr val="accent1">
+                <a:alpha val="30000"/>
+              </a:schemeClr>
+            </a:solidFill>
+            <a:ln>
+              <a:noFill/>
+            </a:ln>
+            <a:effectLst/>
+          </p:spPr>
+          <p:style>
+            <a:lnRef idx="1">
+              <a:schemeClr val="accent1"/>
+            </a:lnRef>
+            <a:fillRef idx="3">
+              <a:schemeClr val="accent1"/>
+            </a:fillRef>
+            <a:effectRef idx="2">
+              <a:schemeClr val="accent1"/>
+            </a:effectRef>
+            <a:fontRef idx="minor">
+              <a:schemeClr val="lt1"/>
+            </a:fontRef>
+          </p:style>
+          <p:txBody>
+            <a:bodyPr/>
+            <a:lstStyle/>
+            <a:p>
+              <a:endParaRPr lang="en-US"/>
+            </a:p>
+          </p:txBody>
+        </p:sp>
+        <p:sp>
+          <p:nvSpPr>
+            <p:cNvPr id="16" name="Rectangle 25">
+              <a:extLst>
+                <a:ext uri="{FF2B5EF4-FFF2-40B4-BE49-F238E27FC236}">
+                  <a16:creationId xmlns:a16="http://schemas.microsoft.com/office/drawing/2014/main" id="{3B895046-636F-4D1B-ACA4-29AA0CB3329F}"/>
+                </a:ext>
+                <a:ext uri="{C183D7F6-B498-43B3-948B-1728B52AA6E4}">
+                  <adec:decorative xmlns:adec="http://schemas.microsoft.com/office/drawing/2017/decorative" val="1"/>
+                </a:ext>
+              </a:extLst>
+            </p:cNvPr>
+            <p:cNvSpPr/>
+            <p:nvPr>
+              <p:extLst>
+                <p:ext uri="{386F3935-93C4-4BCD-93E2-E3B085C9AB24}">
+                  <p16:designElem xmlns:p16="http://schemas.microsoft.com/office/powerpoint/2015/main" val="1"/>
+                </p:ext>
+              </p:extLst>
+            </p:nvPr>
+          </p:nvSpPr>
+          <p:spPr>
+            <a:xfrm>
+              <a:off x="9603442" y="-8467"/>
+              <a:ext cx="2588558" cy="6866467"/>
+            </a:xfrm>
+            <a:custGeom>
+              <a:avLst/>
+              <a:gdLst/>
+              <a:ahLst/>
+              <a:cxnLst/>
+              <a:rect l="l" t="t" r="r" b="b"/>
+              <a:pathLst>
+                <a:path w="2573311" h="6866467">
+                  <a:moveTo>
+                    <a:pt x="0" y="0"/>
+                  </a:moveTo>
+                  <a:lnTo>
+                    <a:pt x="2573311" y="0"/>
+                  </a:lnTo>
+                  <a:lnTo>
+                    <a:pt x="2573311" y="6866467"/>
+                  </a:lnTo>
+                  <a:lnTo>
+                    <a:pt x="1202336" y="6866467"/>
+                  </a:lnTo>
+                  <a:lnTo>
+                    <a:pt x="0" y="0"/>
+                  </a:lnTo>
+                  <a:close/>
+                </a:path>
+              </a:pathLst>
+            </a:custGeom>
+            <a:solidFill>
+              <a:schemeClr val="accent1">
+                <a:alpha val="20000"/>
+              </a:schemeClr>
+            </a:solidFill>
+            <a:ln>
+              <a:noFill/>
+            </a:ln>
+            <a:effectLst/>
+          </p:spPr>
+          <p:style>
+            <a:lnRef idx="1">
+              <a:schemeClr val="accent1"/>
+            </a:lnRef>
+            <a:fillRef idx="3">
+              <a:schemeClr val="accent1"/>
+            </a:fillRef>
+            <a:effectRef idx="2">
+              <a:schemeClr val="accent1"/>
+            </a:effectRef>
+            <a:fontRef idx="minor">
+              <a:schemeClr val="lt1"/>
+            </a:fontRef>
+          </p:style>
+          <p:txBody>
+            <a:bodyPr/>
+            <a:lstStyle/>
+            <a:p>
+              <a:endParaRPr lang="en-US"/>
+            </a:p>
+          </p:txBody>
+        </p:sp>
+        <p:sp>
+          <p:nvSpPr>
+            <p:cNvPr id="17" name="Isosceles Triangle 16">
+              <a:extLst>
+                <a:ext uri="{FF2B5EF4-FFF2-40B4-BE49-F238E27FC236}">
+                  <a16:creationId xmlns:a16="http://schemas.microsoft.com/office/drawing/2014/main" id="{C6B0CDE3-E054-4EDD-A43B-F96843D8BF51}"/>
+                </a:ext>
+                <a:ext uri="{C183D7F6-B498-43B3-948B-1728B52AA6E4}">
+                  <adec:decorative xmlns:adec="http://schemas.microsoft.com/office/drawing/2017/decorative" val="1"/>
+                </a:ext>
+              </a:extLst>
+            </p:cNvPr>
+            <p:cNvSpPr/>
+            <p:nvPr>
+              <p:extLst>
+                <p:ext uri="{386F3935-93C4-4BCD-93E2-E3B085C9AB24}">
+                  <p16:designElem xmlns:p16="http://schemas.microsoft.com/office/powerpoint/2015/main" val="1"/>
+                </p:ext>
+              </p:extLst>
+            </p:nvPr>
+          </p:nvSpPr>
+          <p:spPr>
+            <a:xfrm>
+              <a:off x="8932333" y="3048000"/>
+              <a:ext cx="3259667" cy="3810000"/>
+            </a:xfrm>
+            <a:prstGeom prst="triangle">
+              <a:avLst>
+                <a:gd name="adj" fmla="val 100000"/>
+              </a:avLst>
+            </a:prstGeom>
+            <a:solidFill>
+              <a:schemeClr val="accent2">
+                <a:alpha val="72000"/>
+              </a:schemeClr>
+            </a:solidFill>
+            <a:ln>
+              <a:noFill/>
+            </a:ln>
+            <a:effectLst/>
+          </p:spPr>
+          <p:style>
+            <a:lnRef idx="1">
+              <a:schemeClr val="accent1"/>
+            </a:lnRef>
+            <a:fillRef idx="3">
+              <a:schemeClr val="accent1"/>
+            </a:fillRef>
+            <a:effectRef idx="2">
+              <a:schemeClr val="accent1"/>
+            </a:effectRef>
+            <a:fontRef idx="minor">
+              <a:schemeClr val="lt1"/>
+            </a:fontRef>
+          </p:style>
+          <p:txBody>
+            <a:bodyPr/>
+            <a:lstStyle/>
+            <a:p>
+              <a:endParaRPr lang="en-US"/>
+            </a:p>
+          </p:txBody>
+        </p:sp>
+        <p:sp>
+          <p:nvSpPr>
+            <p:cNvPr id="18" name="Rectangle 27">
+              <a:extLst>
+                <a:ext uri="{FF2B5EF4-FFF2-40B4-BE49-F238E27FC236}">
+                  <a16:creationId xmlns:a16="http://schemas.microsoft.com/office/drawing/2014/main" id="{3B66B1A2-F145-4C9B-85CC-4BF30D58CBC5}"/>
+                </a:ext>
+                <a:ext uri="{C183D7F6-B498-43B3-948B-1728B52AA6E4}">
+                  <adec:decorative xmlns:adec="http://schemas.microsoft.com/office/drawing/2017/decorative" val="1"/>
+                </a:ext>
+              </a:extLst>
+            </p:cNvPr>
+            <p:cNvSpPr/>
+            <p:nvPr>
+              <p:extLst>
+                <p:ext uri="{386F3935-93C4-4BCD-93E2-E3B085C9AB24}">
+                  <p16:designElem xmlns:p16="http://schemas.microsoft.com/office/powerpoint/2015/main" val="1"/>
+                </p:ext>
+              </p:extLst>
+            </p:nvPr>
+          </p:nvSpPr>
+          <p:spPr>
+            <a:xfrm>
+              <a:off x="9334500" y="-8467"/>
+              <a:ext cx="2854326" cy="6866467"/>
+            </a:xfrm>
+            <a:custGeom>
+              <a:avLst/>
+              <a:gdLst/>
+              <a:ahLst/>
+              <a:cxnLst/>
+              <a:rect l="l" t="t" r="r" b="b"/>
+              <a:pathLst>
+                <a:path w="2858013" h="6866467">
+                  <a:moveTo>
+                    <a:pt x="0" y="0"/>
+                  </a:moveTo>
+                  <a:lnTo>
+                    <a:pt x="2858013" y="0"/>
+                  </a:lnTo>
+                  <a:lnTo>
+                    <a:pt x="2858013" y="6866467"/>
+                  </a:lnTo>
+                  <a:lnTo>
+                    <a:pt x="2473942" y="6866467"/>
+                  </a:lnTo>
+                  <a:lnTo>
+                    <a:pt x="0" y="0"/>
+                  </a:lnTo>
+                  <a:close/>
+                </a:path>
+              </a:pathLst>
+            </a:custGeom>
+            <a:solidFill>
+              <a:schemeClr val="accent2">
+                <a:lumMod val="75000"/>
+                <a:alpha val="70000"/>
+              </a:schemeClr>
+            </a:solidFill>
+            <a:ln>
+              <a:noFill/>
+            </a:ln>
+            <a:effectLst/>
+          </p:spPr>
+          <p:style>
+            <a:lnRef idx="1">
+              <a:schemeClr val="accent1"/>
+            </a:lnRef>
+            <a:fillRef idx="3">
+              <a:schemeClr val="accent1"/>
+            </a:fillRef>
+            <a:effectRef idx="2">
+              <a:schemeClr val="accent1"/>
+            </a:effectRef>
+            <a:fontRef idx="minor">
+              <a:schemeClr val="lt1"/>
+            </a:fontRef>
+          </p:style>
+          <p:txBody>
+            <a:bodyPr/>
+            <a:lstStyle/>
+            <a:p>
+              <a:endParaRPr lang="en-US"/>
+            </a:p>
+          </p:txBody>
+        </p:sp>
+        <p:sp>
+          <p:nvSpPr>
+            <p:cNvPr id="19" name="Rectangle 28">
+              <a:extLst>
+                <a:ext uri="{FF2B5EF4-FFF2-40B4-BE49-F238E27FC236}">
+                  <a16:creationId xmlns:a16="http://schemas.microsoft.com/office/drawing/2014/main" id="{5D4FC972-94B3-4035-8D31-E668C132B411}"/>
+                </a:ext>
+                <a:ext uri="{C183D7F6-B498-43B3-948B-1728B52AA6E4}">
+                  <adec:decorative xmlns:adec="http://schemas.microsoft.com/office/drawing/2017/decorative" val="1"/>
+                </a:ext>
+              </a:extLst>
+            </p:cNvPr>
+            <p:cNvSpPr/>
+            <p:nvPr>
+              <p:extLst>
+                <p:ext uri="{386F3935-93C4-4BCD-93E2-E3B085C9AB24}">
+                  <p16:designElem xmlns:p16="http://schemas.microsoft.com/office/powerpoint/2015/main" val="1"/>
+                </p:ext>
+              </p:extLst>
+            </p:nvPr>
+          </p:nvSpPr>
+          <p:spPr>
+            <a:xfrm>
+              <a:off x="10898730" y="-8467"/>
+              <a:ext cx="1290094" cy="6866467"/>
+            </a:xfrm>
+            <a:custGeom>
+              <a:avLst/>
+              <a:gdLst/>
+              <a:ahLst/>
+              <a:cxnLst/>
+              <a:rect l="l" t="t" r="r" b="b"/>
+              <a:pathLst>
+                <a:path w="1290094" h="6858000">
+                  <a:moveTo>
+                    <a:pt x="1019735" y="0"/>
+                  </a:moveTo>
+                  <a:lnTo>
+                    <a:pt x="1290094" y="0"/>
+                  </a:lnTo>
+                  <a:lnTo>
+                    <a:pt x="1290094" y="6858000"/>
+                  </a:lnTo>
+                  <a:lnTo>
+                    <a:pt x="0" y="6858000"/>
+                  </a:lnTo>
+                  <a:lnTo>
+                    <a:pt x="1019735" y="0"/>
+                  </a:lnTo>
+                  <a:close/>
+                </a:path>
+              </a:pathLst>
+            </a:custGeom>
+            <a:solidFill>
+              <a:schemeClr val="accent1">
+                <a:lumMod val="60000"/>
+                <a:lumOff val="40000"/>
+                <a:alpha val="70000"/>
+              </a:schemeClr>
+            </a:solidFill>
+            <a:ln>
+              <a:noFill/>
+            </a:ln>
+            <a:effectLst/>
+          </p:spPr>
+          <p:style>
+            <a:lnRef idx="1">
+              <a:schemeClr val="accent1"/>
+            </a:lnRef>
+            <a:fillRef idx="3">
+              <a:schemeClr val="accent1"/>
+            </a:fillRef>
+            <a:effectRef idx="2">
+              <a:schemeClr val="accent1"/>
+            </a:effectRef>
+            <a:fontRef idx="minor">
+              <a:schemeClr val="lt1"/>
+            </a:fontRef>
+          </p:style>
+          <p:txBody>
+            <a:bodyPr/>
+            <a:lstStyle/>
+            <a:p>
+              <a:endParaRPr lang="en-US"/>
+            </a:p>
+          </p:txBody>
+        </p:sp>
+        <p:sp>
+          <p:nvSpPr>
+            <p:cNvPr id="20" name="Rectangle 29">
+              <a:extLst>
+                <a:ext uri="{FF2B5EF4-FFF2-40B4-BE49-F238E27FC236}">
+                  <a16:creationId xmlns:a16="http://schemas.microsoft.com/office/drawing/2014/main" id="{374B9941-AFBE-4A77-A50E-B6EA04A746AE}"/>
+                </a:ext>
+                <a:ext uri="{C183D7F6-B498-43B3-948B-1728B52AA6E4}">
+                  <adec:decorative xmlns:adec="http://schemas.microsoft.com/office/drawing/2017/decorative" val="1"/>
+                </a:ext>
+              </a:extLst>
+            </p:cNvPr>
+            <p:cNvSpPr/>
+            <p:nvPr>
+              <p:extLst>
+                <p:ext uri="{386F3935-93C4-4BCD-93E2-E3B085C9AB24}">
+                  <p16:designElem xmlns:p16="http://schemas.microsoft.com/office/powerpoint/2015/main" val="1"/>
+                </p:ext>
+              </p:extLst>
+            </p:nvPr>
+          </p:nvSpPr>
+          <p:spPr>
+            <a:xfrm>
+              <a:off x="10938999" y="-8467"/>
+              <a:ext cx="1249825" cy="6866467"/>
+            </a:xfrm>
+            <a:custGeom>
+              <a:avLst/>
+              <a:gdLst/>
+              <a:ahLst/>
+              <a:cxnLst/>
+              <a:rect l="l" t="t" r="r" b="b"/>
+              <a:pathLst>
+                <a:path w="1249825" h="6858000">
+                  <a:moveTo>
+                    <a:pt x="0" y="0"/>
+                  </a:moveTo>
+                  <a:lnTo>
+                    <a:pt x="1249825" y="0"/>
+                  </a:lnTo>
+                  <a:lnTo>
+                    <a:pt x="1249825" y="6858000"/>
+                  </a:lnTo>
+                  <a:lnTo>
+                    <a:pt x="1109382" y="6858000"/>
+                  </a:lnTo>
+                  <a:lnTo>
+                    <a:pt x="0" y="0"/>
+                  </a:lnTo>
+                  <a:close/>
+                </a:path>
+              </a:pathLst>
+            </a:custGeom>
+            <a:solidFill>
+              <a:schemeClr val="accent1">
+                <a:alpha val="65000"/>
+              </a:schemeClr>
+            </a:solidFill>
+            <a:ln>
+              <a:noFill/>
+            </a:ln>
+            <a:effectLst/>
+          </p:spPr>
+          <p:style>
+            <a:lnRef idx="1">
+              <a:schemeClr val="accent1"/>
+            </a:lnRef>
+            <a:fillRef idx="3">
+              <a:schemeClr val="accent1"/>
+            </a:fillRef>
+            <a:effectRef idx="2">
+              <a:schemeClr val="accent1"/>
+            </a:effectRef>
+            <a:fontRef idx="minor">
+              <a:schemeClr val="lt1"/>
+            </a:fontRef>
+          </p:style>
+          <p:txBody>
+            <a:bodyPr/>
+            <a:lstStyle/>
+            <a:p>
+              <a:endParaRPr lang="en-US"/>
+            </a:p>
+          </p:txBody>
+        </p:sp>
+        <p:sp>
+          <p:nvSpPr>
+            <p:cNvPr id="21" name="Isosceles Triangle 20">
+              <a:extLst>
+                <a:ext uri="{FF2B5EF4-FFF2-40B4-BE49-F238E27FC236}">
+                  <a16:creationId xmlns:a16="http://schemas.microsoft.com/office/drawing/2014/main" id="{27A982C5-2C38-4CE9-BC18-94697AD657FB}"/>
+                </a:ext>
+                <a:ext uri="{C183D7F6-B498-43B3-948B-1728B52AA6E4}">
+                  <adec:decorative xmlns:adec="http://schemas.microsoft.com/office/drawing/2017/decorative" val="1"/>
+                </a:ext>
+              </a:extLst>
+            </p:cNvPr>
+            <p:cNvSpPr/>
+            <p:nvPr>
+              <p:extLst>
+                <p:ext uri="{386F3935-93C4-4BCD-93E2-E3B085C9AB24}">
+                  <p16:designElem xmlns:p16="http://schemas.microsoft.com/office/powerpoint/2015/main" val="1"/>
+                </p:ext>
+              </p:extLst>
+            </p:nvPr>
+          </p:nvSpPr>
+          <p:spPr>
+            <a:xfrm>
+              <a:off x="10371666" y="3589867"/>
+              <a:ext cx="1817159" cy="3268133"/>
+            </a:xfrm>
+            <a:prstGeom prst="triangle">
+              <a:avLst>
+                <a:gd name="adj" fmla="val 100000"/>
+              </a:avLst>
+            </a:prstGeom>
+            <a:solidFill>
+              <a:schemeClr val="accent1">
+                <a:alpha val="80000"/>
+              </a:schemeClr>
+            </a:solidFill>
+            <a:ln>
+              <a:noFill/>
+            </a:ln>
+            <a:effectLst/>
+          </p:spPr>
+          <p:style>
+            <a:lnRef idx="1">
+              <a:schemeClr val="accent1"/>
+            </a:lnRef>
+            <a:fillRef idx="3">
+              <a:schemeClr val="accent1"/>
+            </a:fillRef>
+            <a:effectRef idx="2">
+              <a:schemeClr val="accent1"/>
+            </a:effectRef>
+            <a:fontRef idx="minor">
+              <a:schemeClr val="lt1"/>
+            </a:fontRef>
+          </p:style>
+          <p:txBody>
+            <a:bodyPr/>
+            <a:lstStyle/>
+            <a:p>
+              <a:endParaRPr lang="en-US"/>
+            </a:p>
+          </p:txBody>
+        </p:sp>
+        <p:sp>
+          <p:nvSpPr>
+            <p:cNvPr id="22" name="Isosceles Triangle 21">
+              <a:extLst>
+                <a:ext uri="{FF2B5EF4-FFF2-40B4-BE49-F238E27FC236}">
+                  <a16:creationId xmlns:a16="http://schemas.microsoft.com/office/drawing/2014/main" id="{0060D8D1-7BB1-498F-AFBB-ADAC130A9E90}"/>
+                </a:ext>
+                <a:ext uri="{C183D7F6-B498-43B3-948B-1728B52AA6E4}">
+                  <adec:decorative xmlns:adec="http://schemas.microsoft.com/office/drawing/2017/decorative" val="1"/>
+                </a:ext>
+              </a:extLst>
+            </p:cNvPr>
+            <p:cNvSpPr/>
+            <p:nvPr>
+              <p:extLst>
+                <p:ext uri="{386F3935-93C4-4BCD-93E2-E3B085C9AB24}">
+                  <p16:designElem xmlns:p16="http://schemas.microsoft.com/office/powerpoint/2015/main" val="1"/>
+                </p:ext>
+              </p:extLst>
+            </p:nvPr>
+          </p:nvSpPr>
+          <p:spPr>
+            <a:xfrm rot="10800000">
+              <a:off x="0" y="0"/>
+              <a:ext cx="842596" cy="5666154"/>
+            </a:xfrm>
+            <a:prstGeom prst="triangle">
+              <a:avLst>
+                <a:gd name="adj" fmla="val 100000"/>
+              </a:avLst>
+            </a:prstGeom>
+            <a:solidFill>
+              <a:schemeClr val="accent1">
+                <a:alpha val="85000"/>
+              </a:schemeClr>
+            </a:solidFill>
+            <a:ln>
+              <a:noFill/>
+            </a:ln>
+            <a:effectLst/>
+          </p:spPr>
+          <p:style>
+            <a:lnRef idx="1">
+              <a:schemeClr val="accent1"/>
+            </a:lnRef>
+            <a:fillRef idx="3">
+              <a:schemeClr val="accent1"/>
+            </a:fillRef>
+            <a:effectRef idx="2">
+              <a:schemeClr val="accent1"/>
+            </a:effectRef>
+            <a:fontRef idx="minor">
+              <a:schemeClr val="lt1"/>
+            </a:fontRef>
+          </p:style>
+          <p:txBody>
+            <a:bodyPr/>
+            <a:lstStyle/>
+            <a:p>
+              <a:endParaRPr lang="en-US"/>
+            </a:p>
+          </p:txBody>
+        </p:sp>
+      </p:grpSp>
       <p:sp>
         <p:nvSpPr>
           <p:cNvPr id="2" name="Title 1">
@@ -4249,22 +6733,20 @@
         </p:nvSpPr>
         <p:spPr>
           <a:xfrm>
-            <a:off x="1028700" y="1967266"/>
-            <a:ext cx="2628900" cy="2547257"/>
+            <a:off x="4974337" y="1265314"/>
+            <a:ext cx="4299666" cy="3249131"/>
           </a:xfrm>
-          <a:noFill/>
         </p:spPr>
         <p:txBody>
-          <a:bodyPr vert="horz" lIns="91440" tIns="45720" rIns="91440" bIns="45720" rtlCol="0" anchor="ctr">
+          <a:bodyPr vert="horz" lIns="91440" tIns="45720" rIns="91440" bIns="45720" rtlCol="0" anchor="b">
             <a:normAutofit/>
           </a:bodyPr>
           <a:lstStyle/>
           <a:p>
-            <a:pPr algn="ctr"/>
-            <a:r>
-              <a:rPr lang="en-US" sz="3600" kern="1200">
+            <a:r>
+              <a:rPr lang="en-US" sz="5400" kern="1200" dirty="0">
                 <a:solidFill>
-                  <a:srgbClr val="FFFFFF"/>
+                  <a:schemeClr val="accent1"/>
                 </a:solidFill>
                 <a:latin typeface="+mj-lt"/>
                 <a:ea typeface="+mj-ea"/>
@@ -4272,6 +6754,71 @@
               </a:rPr>
               <a:t>Thank you</a:t>
             </a:r>
+          </a:p>
+        </p:txBody>
+      </p:sp>
+      <p:sp>
+        <p:nvSpPr>
+          <p:cNvPr id="24" name="Isosceles Triangle 23">
+            <a:extLst>
+              <a:ext uri="{FF2B5EF4-FFF2-40B4-BE49-F238E27FC236}">
+                <a16:creationId xmlns:a16="http://schemas.microsoft.com/office/drawing/2014/main" id="{5A7802B6-FF37-40CF-A7E2-6F2A0D9A91EF}"/>
+              </a:ext>
+              <a:ext uri="{C183D7F6-B498-43B3-948B-1728B52AA6E4}">
+                <adec:decorative xmlns:adec="http://schemas.microsoft.com/office/drawing/2017/decorative" val="1"/>
+              </a:ext>
+            </a:extLst>
+          </p:cNvPr>
+          <p:cNvSpPr>
+            <a:spLocks noGrp="1" noRot="1" noChangeAspect="1" noMove="1" noResize="1" noEditPoints="1" noAdjustHandles="1" noChangeArrowheads="1" noChangeShapeType="1" noTextEdit="1"/>
+          </p:cNvSpPr>
+          <p:nvPr>
+            <p:extLst>
+              <p:ext uri="{386F3935-93C4-4BCD-93E2-E3B085C9AB24}">
+                <p16:designElem xmlns:p16="http://schemas.microsoft.com/office/powerpoint/2015/main" val="1"/>
+              </p:ext>
+            </p:extLst>
+          </p:nvPr>
+        </p:nvSpPr>
+        <p:spPr>
+          <a:xfrm rot="10800000">
+            <a:off x="3174" y="12700"/>
+            <a:ext cx="842596" cy="5666154"/>
+          </a:xfrm>
+          <a:prstGeom prst="triangle">
+            <a:avLst>
+              <a:gd name="adj" fmla="val 100000"/>
+            </a:avLst>
+          </a:prstGeom>
+          <a:solidFill>
+            <a:schemeClr val="accent1">
+              <a:alpha val="85000"/>
+            </a:schemeClr>
+          </a:solidFill>
+          <a:ln>
+            <a:noFill/>
+          </a:ln>
+          <a:effectLst/>
+        </p:spPr>
+        <p:style>
+          <a:lnRef idx="1">
+            <a:schemeClr val="accent1"/>
+          </a:lnRef>
+          <a:fillRef idx="3">
+            <a:schemeClr val="accent1"/>
+          </a:fillRef>
+          <a:effectRef idx="2">
+            <a:schemeClr val="accent1"/>
+          </a:effectRef>
+          <a:fontRef idx="minor">
+            <a:schemeClr val="lt1"/>
+          </a:fontRef>
+        </p:style>
+        <p:txBody>
+          <a:bodyPr/>
+          <a:lstStyle/>
+          <a:p>
+            <a:endParaRPr lang="en-US"/>
           </a:p>
         </p:txBody>
       </p:sp>
@@ -4306,8 +6853,8 @@
         </p:blipFill>
         <p:spPr>
           <a:xfrm>
-            <a:off x="5383296" y="643466"/>
-            <a:ext cx="5568739" cy="5568739"/>
+            <a:off x="888604" y="1550139"/>
+            <a:ext cx="3765692" cy="3765692"/>
           </a:xfrm>
           <a:prstGeom prst="rect">
             <a:avLst/>
@@ -4327,10 +6874,1789 @@
 </p:sld>
 </file>
 
+<file path=ppt/slides/slide2.xml><?xml version="1.0" encoding="utf-8"?>
+<p:sld xmlns:a="http://schemas.openxmlformats.org/drawingml/2006/main" xmlns:r="http://schemas.openxmlformats.org/officeDocument/2006/relationships" xmlns:p="http://schemas.openxmlformats.org/presentationml/2006/main">
+  <p:cSld>
+    <p:spTree>
+      <p:nvGrpSpPr>
+        <p:cNvPr id="1" name=""/>
+        <p:cNvGrpSpPr/>
+        <p:nvPr/>
+      </p:nvGrpSpPr>
+      <p:grpSpPr>
+        <a:xfrm>
+          <a:off x="0" y="0"/>
+          <a:ext cx="0" cy="0"/>
+          <a:chOff x="0" y="0"/>
+          <a:chExt cx="0" cy="0"/>
+        </a:xfrm>
+      </p:grpSpPr>
+      <p:sp>
+        <p:nvSpPr>
+          <p:cNvPr id="2" name="Title 1">
+            <a:extLst>
+              <a:ext uri="{FF2B5EF4-FFF2-40B4-BE49-F238E27FC236}">
+                <a16:creationId xmlns:a16="http://schemas.microsoft.com/office/drawing/2014/main" id="{3AEDEBAA-AC42-661D-6A58-CA4D71AF8780}"/>
+              </a:ext>
+            </a:extLst>
+          </p:cNvPr>
+          <p:cNvSpPr>
+            <a:spLocks noGrp="1"/>
+          </p:cNvSpPr>
+          <p:nvPr>
+            <p:ph type="title"/>
+          </p:nvPr>
+        </p:nvSpPr>
+        <p:spPr/>
+        <p:txBody>
+          <a:bodyPr/>
+          <a:lstStyle/>
+          <a:p>
+            <a:r>
+              <a:rPr lang="en-US" dirty="0"/>
+              <a:t>Model</a:t>
+            </a:r>
+          </a:p>
+        </p:txBody>
+      </p:sp>
+      <p:sp>
+        <p:nvSpPr>
+          <p:cNvPr id="3" name="Content Placeholder 2">
+            <a:extLst>
+              <a:ext uri="{FF2B5EF4-FFF2-40B4-BE49-F238E27FC236}">
+                <a16:creationId xmlns:a16="http://schemas.microsoft.com/office/drawing/2014/main" id="{4428222D-1D20-FDDD-7AB8-66B976DD9A78}"/>
+              </a:ext>
+            </a:extLst>
+          </p:cNvPr>
+          <p:cNvSpPr>
+            <a:spLocks noGrp="1"/>
+          </p:cNvSpPr>
+          <p:nvPr>
+            <p:ph idx="1"/>
+          </p:nvPr>
+        </p:nvSpPr>
+        <p:spPr/>
+        <p:txBody>
+          <a:bodyPr/>
+          <a:lstStyle/>
+          <a:p>
+            <a:r>
+              <a:rPr lang="en-US" dirty="0"/>
+              <a:t>?</a:t>
+            </a:r>
+          </a:p>
+        </p:txBody>
+      </p:sp>
+    </p:spTree>
+    <p:extLst>
+      <p:ext uri="{BB962C8B-B14F-4D97-AF65-F5344CB8AC3E}">
+        <p14:creationId xmlns:p14="http://schemas.microsoft.com/office/powerpoint/2010/main" val="378131549"/>
+      </p:ext>
+    </p:extLst>
+  </p:cSld>
+  <p:clrMapOvr>
+    <a:masterClrMapping/>
+  </p:clrMapOvr>
+</p:sld>
+</file>
+
+<file path=ppt/slides/slide3.xml><?xml version="1.0" encoding="utf-8"?>
+<p:sld xmlns:a="http://schemas.openxmlformats.org/drawingml/2006/main" xmlns:r="http://schemas.openxmlformats.org/officeDocument/2006/relationships" xmlns:p="http://schemas.openxmlformats.org/presentationml/2006/main">
+  <p:cSld>
+    <p:spTree>
+      <p:nvGrpSpPr>
+        <p:cNvPr id="1" name=""/>
+        <p:cNvGrpSpPr/>
+        <p:nvPr/>
+      </p:nvGrpSpPr>
+      <p:grpSpPr>
+        <a:xfrm>
+          <a:off x="0" y="0"/>
+          <a:ext cx="0" cy="0"/>
+          <a:chOff x="0" y="0"/>
+          <a:chExt cx="0" cy="0"/>
+        </a:xfrm>
+      </p:grpSpPr>
+      <p:sp>
+        <p:nvSpPr>
+          <p:cNvPr id="2" name="Title 1">
+            <a:extLst>
+              <a:ext uri="{FF2B5EF4-FFF2-40B4-BE49-F238E27FC236}">
+                <a16:creationId xmlns:a16="http://schemas.microsoft.com/office/drawing/2014/main" id="{A8B4E9E2-26A4-6FD0-A2B2-458F8CB9E3A8}"/>
+              </a:ext>
+            </a:extLst>
+          </p:cNvPr>
+          <p:cNvSpPr>
+            <a:spLocks noGrp="1"/>
+          </p:cNvSpPr>
+          <p:nvPr>
+            <p:ph type="title"/>
+          </p:nvPr>
+        </p:nvSpPr>
+        <p:spPr/>
+        <p:txBody>
+          <a:bodyPr/>
+          <a:lstStyle/>
+          <a:p>
+            <a:r>
+              <a:rPr lang="en-US"/>
+              <a:t>Analysis of Stability</a:t>
+            </a:r>
+            <a:endParaRPr lang="en-US" dirty="0"/>
+          </a:p>
+        </p:txBody>
+      </p:sp>
+      <p:sp>
+        <p:nvSpPr>
+          <p:cNvPr id="3" name="Content Placeholder 2">
+            <a:extLst>
+              <a:ext uri="{FF2B5EF4-FFF2-40B4-BE49-F238E27FC236}">
+                <a16:creationId xmlns:a16="http://schemas.microsoft.com/office/drawing/2014/main" id="{EB4624A6-6312-CB4B-4024-C3E0C69E0988}"/>
+              </a:ext>
+            </a:extLst>
+          </p:cNvPr>
+          <p:cNvSpPr>
+            <a:spLocks noGrp="1"/>
+          </p:cNvSpPr>
+          <p:nvPr>
+            <p:ph idx="1"/>
+          </p:nvPr>
+        </p:nvSpPr>
+        <p:spPr>
+          <a:xfrm>
+            <a:off x="677334" y="1930401"/>
+            <a:ext cx="8596668" cy="4110962"/>
+          </a:xfrm>
+        </p:spPr>
+        <p:txBody>
+          <a:bodyPr>
+            <a:normAutofit/>
+          </a:bodyPr>
+          <a:lstStyle/>
+          <a:p>
+            <a:r>
+              <a:rPr lang="en-US" dirty="0"/>
+              <a:t>A = </a:t>
+            </a:r>
+          </a:p>
+          <a:p>
+            <a:endParaRPr lang="en-US" dirty="0"/>
+          </a:p>
+          <a:p>
+            <a:endParaRPr lang="en-US" dirty="0"/>
+          </a:p>
+          <a:p>
+            <a:endParaRPr lang="en-US" dirty="0"/>
+          </a:p>
+          <a:p>
+            <a:pPr fontAlgn="base"/>
+            <a:r>
+              <a:rPr lang="nl-NL" dirty="0"/>
+              <a:t>Eigenvalues: 0, -578.8, 6.3332, -6.2592</a:t>
+            </a:r>
+          </a:p>
+          <a:p>
+            <a:r>
+              <a:rPr lang="en-US" dirty="0"/>
+              <a:t>Roots: </a:t>
+            </a:r>
+            <a:r>
+              <a:rPr lang="nl-NL" dirty="0"/>
+              <a:t>0, -578.8, 6.3332, -6.2592</a:t>
+            </a:r>
+          </a:p>
+          <a:p>
+            <a:endParaRPr lang="nl-NL" dirty="0"/>
+          </a:p>
+          <a:p>
+            <a:r>
+              <a:rPr lang="nl-NL" dirty="0"/>
+              <a:t>No stability</a:t>
+            </a:r>
+          </a:p>
+          <a:p>
+            <a:pPr lvl="1"/>
+            <a:r>
+              <a:rPr lang="en-US" dirty="0"/>
+              <a:t>Asymptotically stable? – positive eigenvalue</a:t>
+            </a:r>
+            <a:endParaRPr lang="nl-NL" dirty="0"/>
+          </a:p>
+          <a:p>
+            <a:pPr lvl="1"/>
+            <a:r>
+              <a:rPr lang="nl-NL" dirty="0"/>
+              <a:t>BIBO stable? – positive root</a:t>
+            </a:r>
+          </a:p>
+          <a:p>
+            <a:endParaRPr lang="nl-NL" dirty="0"/>
+          </a:p>
+          <a:p>
+            <a:endParaRPr lang="en-US" dirty="0"/>
+          </a:p>
+          <a:p>
+            <a:endParaRPr lang="en-US" dirty="0"/>
+          </a:p>
+          <a:p>
+            <a:endParaRPr lang="en-US" dirty="0"/>
+          </a:p>
+          <a:p>
+            <a:endParaRPr lang="en-US" dirty="0"/>
+          </a:p>
+        </p:txBody>
+      </p:sp>
+      <p:graphicFrame>
+        <p:nvGraphicFramePr>
+          <p:cNvPr id="4" name="Table 3">
+            <a:extLst>
+              <a:ext uri="{FF2B5EF4-FFF2-40B4-BE49-F238E27FC236}">
+                <a16:creationId xmlns:a16="http://schemas.microsoft.com/office/drawing/2014/main" id="{B1F27007-E935-7BA4-29ED-3C3094F81CF9}"/>
+              </a:ext>
+            </a:extLst>
+          </p:cNvPr>
+          <p:cNvGraphicFramePr>
+            <a:graphicFrameLocks noGrp="1"/>
+          </p:cNvGraphicFramePr>
+          <p:nvPr>
+            <p:extLst>
+              <p:ext uri="{D42A27DB-BD31-4B8C-83A1-F6EECF244321}">
+                <p14:modId xmlns:p14="http://schemas.microsoft.com/office/powerpoint/2010/main" val="2377718383"/>
+              </p:ext>
+            </p:extLst>
+          </p:nvPr>
+        </p:nvGraphicFramePr>
+        <p:xfrm>
+          <a:off x="1464734" y="1860126"/>
+          <a:ext cx="8128000" cy="1483360"/>
+        </p:xfrm>
+        <a:graphic>
+          <a:graphicData uri="http://schemas.openxmlformats.org/drawingml/2006/table">
+            <a:tbl>
+              <a:tblPr bandRow="1">
+                <a:tableStyleId>{5C22544A-7EE6-4342-B048-85BDC9FD1C3A}</a:tableStyleId>
+              </a:tblPr>
+              <a:tblGrid>
+                <a:gridCol w="2032000">
+                  <a:extLst>
+                    <a:ext uri="{9D8B030D-6E8A-4147-A177-3AD203B41FA5}">
+                      <a16:colId xmlns:a16="http://schemas.microsoft.com/office/drawing/2014/main" val="2944151527"/>
+                    </a:ext>
+                  </a:extLst>
+                </a:gridCol>
+                <a:gridCol w="2032000">
+                  <a:extLst>
+                    <a:ext uri="{9D8B030D-6E8A-4147-A177-3AD203B41FA5}">
+                      <a16:colId xmlns:a16="http://schemas.microsoft.com/office/drawing/2014/main" val="1867312659"/>
+                    </a:ext>
+                  </a:extLst>
+                </a:gridCol>
+                <a:gridCol w="2032000">
+                  <a:extLst>
+                    <a:ext uri="{9D8B030D-6E8A-4147-A177-3AD203B41FA5}">
+                      <a16:colId xmlns:a16="http://schemas.microsoft.com/office/drawing/2014/main" val="3349758419"/>
+                    </a:ext>
+                  </a:extLst>
+                </a:gridCol>
+                <a:gridCol w="2032000">
+                  <a:extLst>
+                    <a:ext uri="{9D8B030D-6E8A-4147-A177-3AD203B41FA5}">
+                      <a16:colId xmlns:a16="http://schemas.microsoft.com/office/drawing/2014/main" val="670795208"/>
+                    </a:ext>
+                  </a:extLst>
+                </a:gridCol>
+              </a:tblGrid>
+              <a:tr h="370840">
+                <a:tc>
+                  <a:txBody>
+                    <a:bodyPr/>
+                    <a:lstStyle/>
+                    <a:p>
+                      <a:r>
+                        <a:rPr lang="en-US" dirty="0"/>
+                        <a:t>0</a:t>
+                      </a:r>
+                    </a:p>
+                  </a:txBody>
+                  <a:tcPr/>
+                </a:tc>
+                <a:tc>
+                  <a:txBody>
+                    <a:bodyPr/>
+                    <a:lstStyle/>
+                    <a:p>
+                      <a:r>
+                        <a:rPr lang="en-US" dirty="0"/>
+                        <a:t>1</a:t>
+                      </a:r>
+                    </a:p>
+                  </a:txBody>
+                  <a:tcPr/>
+                </a:tc>
+                <a:tc>
+                  <a:txBody>
+                    <a:bodyPr/>
+                    <a:lstStyle/>
+                    <a:p>
+                      <a:r>
+                        <a:rPr lang="en-US" dirty="0"/>
+                        <a:t>0</a:t>
+                      </a:r>
+                    </a:p>
+                  </a:txBody>
+                  <a:tcPr/>
+                </a:tc>
+                <a:tc>
+                  <a:txBody>
+                    <a:bodyPr/>
+                    <a:lstStyle/>
+                    <a:p>
+                      <a:r>
+                        <a:rPr lang="en-US" dirty="0"/>
+                        <a:t>0</a:t>
+                      </a:r>
+                    </a:p>
+                  </a:txBody>
+                  <a:tcPr/>
+                </a:tc>
+                <a:extLst>
+                  <a:ext uri="{0D108BD9-81ED-4DB2-BD59-A6C34878D82A}">
+                    <a16:rowId xmlns:a16="http://schemas.microsoft.com/office/drawing/2014/main" val="1800932353"/>
+                  </a:ext>
+                </a:extLst>
+              </a:tr>
+              <a:tr h="370840">
+                <a:tc>
+                  <a:txBody>
+                    <a:bodyPr/>
+                    <a:lstStyle/>
+                    <a:p>
+                      <a:pPr marL="0" marR="0" lvl="0" indent="0" algn="l" defTabSz="914400" rtl="0" eaLnBrk="1" fontAlgn="auto" latinLnBrk="0" hangingPunct="1">
+                        <a:lnSpc>
+                          <a:spcPct val="100000"/>
+                        </a:lnSpc>
+                        <a:spcBef>
+                          <a:spcPts val="0"/>
+                        </a:spcBef>
+                        <a:spcAft>
+                          <a:spcPts val="0"/>
+                        </a:spcAft>
+                        <a:buClrTx/>
+                        <a:buSzTx/>
+                        <a:buFontTx/>
+                        <a:buNone/>
+                        <a:tabLst/>
+                        <a:defRPr/>
+                      </a:pPr>
+                      <a:r>
+                        <a:rPr lang="en-US" sz="1800" b="0" i="0" kern="1200" dirty="0">
+                          <a:solidFill>
+                            <a:schemeClr val="dk1"/>
+                          </a:solidFill>
+                          <a:effectLst/>
+                          <a:latin typeface="+mn-lt"/>
+                          <a:ea typeface="+mn-ea"/>
+                          <a:cs typeface="+mn-cs"/>
+                        </a:rPr>
+                        <a:t>82.5</a:t>
+                      </a:r>
+                      <a:endParaRPr lang="en-US" dirty="0"/>
+                    </a:p>
+                  </a:txBody>
+                  <a:tcPr/>
+                </a:tc>
+                <a:tc>
+                  <a:txBody>
+                    <a:bodyPr/>
+                    <a:lstStyle/>
+                    <a:p>
+                      <a:r>
+                        <a:rPr lang="en-US" sz="1800" b="0" i="0" kern="1200" dirty="0">
+                          <a:solidFill>
+                            <a:schemeClr val="dk1"/>
+                          </a:solidFill>
+                          <a:effectLst/>
+                          <a:latin typeface="+mn-lt"/>
+                          <a:ea typeface="+mn-ea"/>
+                          <a:cs typeface="+mn-cs"/>
+                        </a:rPr>
+                        <a:t>-61.8 </a:t>
+                      </a:r>
+                      <a:endParaRPr lang="en-US" dirty="0"/>
+                    </a:p>
+                  </a:txBody>
+                  <a:tcPr/>
+                </a:tc>
+                <a:tc>
+                  <a:txBody>
+                    <a:bodyPr/>
+                    <a:lstStyle/>
+                    <a:p>
+                      <a:r>
+                        <a:rPr lang="en-US" dirty="0"/>
+                        <a:t>0</a:t>
+                      </a:r>
+                    </a:p>
+                  </a:txBody>
+                  <a:tcPr/>
+                </a:tc>
+                <a:tc>
+                  <a:txBody>
+                    <a:bodyPr/>
+                    <a:lstStyle/>
+                    <a:p>
+                      <a:pPr marL="0" marR="0" lvl="0" indent="0" algn="l" defTabSz="914400" rtl="0" eaLnBrk="1" fontAlgn="auto" latinLnBrk="0" hangingPunct="1">
+                        <a:lnSpc>
+                          <a:spcPct val="100000"/>
+                        </a:lnSpc>
+                        <a:spcBef>
+                          <a:spcPts val="0"/>
+                        </a:spcBef>
+                        <a:spcAft>
+                          <a:spcPts val="0"/>
+                        </a:spcAft>
+                        <a:buClrTx/>
+                        <a:buSzTx/>
+                        <a:buFontTx/>
+                        <a:buNone/>
+                        <a:tabLst/>
+                        <a:defRPr/>
+                      </a:pPr>
+                      <a:r>
+                        <a:rPr lang="en-US" sz="1800" b="0" i="0" kern="1200" dirty="0">
+                          <a:solidFill>
+                            <a:schemeClr val="dk1"/>
+                          </a:solidFill>
+                          <a:effectLst/>
+                          <a:latin typeface="+mn-lt"/>
+                          <a:ea typeface="+mn-ea"/>
+                          <a:cs typeface="+mn-cs"/>
+                        </a:rPr>
+                        <a:t>-2945.1</a:t>
+                      </a:r>
+                    </a:p>
+                  </a:txBody>
+                  <a:tcPr/>
+                </a:tc>
+                <a:extLst>
+                  <a:ext uri="{0D108BD9-81ED-4DB2-BD59-A6C34878D82A}">
+                    <a16:rowId xmlns:a16="http://schemas.microsoft.com/office/drawing/2014/main" val="1703423480"/>
+                  </a:ext>
+                </a:extLst>
+              </a:tr>
+              <a:tr h="370840">
+                <a:tc>
+                  <a:txBody>
+                    <a:bodyPr/>
+                    <a:lstStyle/>
+                    <a:p>
+                      <a:r>
+                        <a:rPr lang="en-US" dirty="0"/>
+                        <a:t>0</a:t>
+                      </a:r>
+                    </a:p>
+                  </a:txBody>
+                  <a:tcPr/>
+                </a:tc>
+                <a:tc>
+                  <a:txBody>
+                    <a:bodyPr/>
+                    <a:lstStyle/>
+                    <a:p>
+                      <a:r>
+                        <a:rPr lang="en-US" dirty="0"/>
+                        <a:t>0</a:t>
+                      </a:r>
+                    </a:p>
+                  </a:txBody>
+                  <a:tcPr/>
+                </a:tc>
+                <a:tc>
+                  <a:txBody>
+                    <a:bodyPr/>
+                    <a:lstStyle/>
+                    <a:p>
+                      <a:r>
+                        <a:rPr lang="en-US" dirty="0"/>
+                        <a:t>0</a:t>
+                      </a:r>
+                    </a:p>
+                  </a:txBody>
+                  <a:tcPr/>
+                </a:tc>
+                <a:tc>
+                  <a:txBody>
+                    <a:bodyPr/>
+                    <a:lstStyle/>
+                    <a:p>
+                      <a:r>
+                        <a:rPr lang="en-US" dirty="0"/>
+                        <a:t>1</a:t>
+                      </a:r>
+                    </a:p>
+                  </a:txBody>
+                  <a:tcPr/>
+                </a:tc>
+                <a:extLst>
+                  <a:ext uri="{0D108BD9-81ED-4DB2-BD59-A6C34878D82A}">
+                    <a16:rowId xmlns:a16="http://schemas.microsoft.com/office/drawing/2014/main" val="3786076680"/>
+                  </a:ext>
+                </a:extLst>
+              </a:tr>
+              <a:tr h="370840">
+                <a:tc>
+                  <a:txBody>
+                    <a:bodyPr/>
+                    <a:lstStyle/>
+                    <a:p>
+                      <a:r>
+                        <a:rPr lang="en-US" dirty="0"/>
+                        <a:t>6.7</a:t>
+                      </a:r>
+                    </a:p>
+                  </a:txBody>
+                  <a:tcPr/>
+                </a:tc>
+                <a:tc>
+                  <a:txBody>
+                    <a:bodyPr/>
+                    <a:lstStyle/>
+                    <a:p>
+                      <a:r>
+                        <a:rPr lang="en-US" dirty="0"/>
+                        <a:t>-10.9</a:t>
+                      </a:r>
+                    </a:p>
+                  </a:txBody>
+                  <a:tcPr/>
+                </a:tc>
+                <a:tc>
+                  <a:txBody>
+                    <a:bodyPr/>
+                    <a:lstStyle/>
+                    <a:p>
+                      <a:r>
+                        <a:rPr lang="en-US" dirty="0"/>
+                        <a:t>0</a:t>
+                      </a:r>
+                    </a:p>
+                  </a:txBody>
+                  <a:tcPr/>
+                </a:tc>
+                <a:tc>
+                  <a:txBody>
+                    <a:bodyPr/>
+                    <a:lstStyle/>
+                    <a:p>
+                      <a:r>
+                        <a:rPr lang="en-US" dirty="0"/>
+                        <a:t>-516.9</a:t>
+                      </a:r>
+                    </a:p>
+                  </a:txBody>
+                  <a:tcPr/>
+                </a:tc>
+                <a:extLst>
+                  <a:ext uri="{0D108BD9-81ED-4DB2-BD59-A6C34878D82A}">
+                    <a16:rowId xmlns:a16="http://schemas.microsoft.com/office/drawing/2014/main" val="488209564"/>
+                  </a:ext>
+                </a:extLst>
+              </a:tr>
+            </a:tbl>
+          </a:graphicData>
+        </a:graphic>
+      </p:graphicFrame>
+      <p:sp>
+        <p:nvSpPr>
+          <p:cNvPr id="6" name="Oval 5">
+            <a:extLst>
+              <a:ext uri="{FF2B5EF4-FFF2-40B4-BE49-F238E27FC236}">
+                <a16:creationId xmlns:a16="http://schemas.microsoft.com/office/drawing/2014/main" id="{DF77B2BB-7350-A609-A2C6-C98A4E64BDAC}"/>
+              </a:ext>
+            </a:extLst>
+          </p:cNvPr>
+          <p:cNvSpPr>
+            <a:spLocks/>
+          </p:cNvSpPr>
+          <p:nvPr/>
+        </p:nvSpPr>
+        <p:spPr>
+          <a:xfrm>
+            <a:off x="3395133" y="3527832"/>
+            <a:ext cx="972164" cy="529168"/>
+          </a:xfrm>
+          <a:prstGeom prst="ellipse">
+            <a:avLst/>
+          </a:prstGeom>
+          <a:noFill/>
+          <a:ln>
+            <a:solidFill>
+              <a:srgbClr val="FF0000"/>
+            </a:solidFill>
+          </a:ln>
+        </p:spPr>
+        <p:style>
+          <a:lnRef idx="2">
+            <a:schemeClr val="accent1">
+              <a:shade val="15000"/>
+            </a:schemeClr>
+          </a:lnRef>
+          <a:fillRef idx="1">
+            <a:schemeClr val="accent1"/>
+          </a:fillRef>
+          <a:effectRef idx="0">
+            <a:schemeClr val="accent1"/>
+          </a:effectRef>
+          <a:fontRef idx="minor">
+            <a:schemeClr val="lt1"/>
+          </a:fontRef>
+        </p:style>
+        <p:txBody>
+          <a:bodyPr rtlCol="0" anchor="ctr"/>
+          <a:lstStyle/>
+          <a:p>
+            <a:pPr algn="ctr"/>
+            <a:endParaRPr lang="en-US"/>
+          </a:p>
+        </p:txBody>
+      </p:sp>
+      <p:sp>
+        <p:nvSpPr>
+          <p:cNvPr id="7" name="Oval 6">
+            <a:extLst>
+              <a:ext uri="{FF2B5EF4-FFF2-40B4-BE49-F238E27FC236}">
+                <a16:creationId xmlns:a16="http://schemas.microsoft.com/office/drawing/2014/main" id="{3071C168-9B41-168F-66C5-8371583F49CB}"/>
+              </a:ext>
+            </a:extLst>
+          </p:cNvPr>
+          <p:cNvSpPr>
+            <a:spLocks/>
+          </p:cNvSpPr>
+          <p:nvPr/>
+        </p:nvSpPr>
+        <p:spPr>
+          <a:xfrm>
+            <a:off x="2743200" y="3898672"/>
+            <a:ext cx="1041397" cy="529168"/>
+          </a:xfrm>
+          <a:prstGeom prst="ellipse">
+            <a:avLst/>
+          </a:prstGeom>
+          <a:noFill/>
+          <a:ln>
+            <a:solidFill>
+              <a:srgbClr val="FF0000"/>
+            </a:solidFill>
+          </a:ln>
+        </p:spPr>
+        <p:style>
+          <a:lnRef idx="2">
+            <a:schemeClr val="accent1">
+              <a:shade val="15000"/>
+            </a:schemeClr>
+          </a:lnRef>
+          <a:fillRef idx="1">
+            <a:schemeClr val="accent1"/>
+          </a:fillRef>
+          <a:effectRef idx="0">
+            <a:schemeClr val="accent1"/>
+          </a:effectRef>
+          <a:fontRef idx="minor">
+            <a:schemeClr val="lt1"/>
+          </a:fontRef>
+        </p:style>
+        <p:txBody>
+          <a:bodyPr rtlCol="0" anchor="ctr"/>
+          <a:lstStyle/>
+          <a:p>
+            <a:pPr algn="ctr"/>
+            <a:endParaRPr lang="en-US"/>
+          </a:p>
+        </p:txBody>
+      </p:sp>
+    </p:spTree>
+    <p:extLst>
+      <p:ext uri="{BB962C8B-B14F-4D97-AF65-F5344CB8AC3E}">
+        <p14:creationId xmlns:p14="http://schemas.microsoft.com/office/powerpoint/2010/main" val="1251050230"/>
+      </p:ext>
+    </p:extLst>
+  </p:cSld>
+  <p:clrMapOvr>
+    <a:masterClrMapping/>
+  </p:clrMapOvr>
+</p:sld>
+</file>
+
+<file path=ppt/slides/slide4.xml><?xml version="1.0" encoding="utf-8"?>
+<p:sld xmlns:a="http://schemas.openxmlformats.org/drawingml/2006/main" xmlns:r="http://schemas.openxmlformats.org/officeDocument/2006/relationships" xmlns:p="http://schemas.openxmlformats.org/presentationml/2006/main">
+  <p:cSld>
+    <p:spTree>
+      <p:nvGrpSpPr>
+        <p:cNvPr id="1" name=""/>
+        <p:cNvGrpSpPr/>
+        <p:nvPr/>
+      </p:nvGrpSpPr>
+      <p:grpSpPr>
+        <a:xfrm>
+          <a:off x="0" y="0"/>
+          <a:ext cx="0" cy="0"/>
+          <a:chOff x="0" y="0"/>
+          <a:chExt cx="0" cy="0"/>
+        </a:xfrm>
+      </p:grpSpPr>
+      <p:sp>
+        <p:nvSpPr>
+          <p:cNvPr id="2" name="Title 1">
+            <a:extLst>
+              <a:ext uri="{FF2B5EF4-FFF2-40B4-BE49-F238E27FC236}">
+                <a16:creationId xmlns:a16="http://schemas.microsoft.com/office/drawing/2014/main" id="{96BECC64-46B7-17BB-6B9B-FAA1DF52C6AB}"/>
+              </a:ext>
+            </a:extLst>
+          </p:cNvPr>
+          <p:cNvSpPr>
+            <a:spLocks noGrp="1"/>
+          </p:cNvSpPr>
+          <p:nvPr>
+            <p:ph type="title"/>
+          </p:nvPr>
+        </p:nvSpPr>
+        <p:spPr/>
+        <p:txBody>
+          <a:bodyPr/>
+          <a:lstStyle/>
+          <a:p>
+            <a:r>
+              <a:rPr lang="en-US" dirty="0"/>
+              <a:t>Controllability</a:t>
+            </a:r>
+          </a:p>
+        </p:txBody>
+      </p:sp>
+      <p:sp>
+        <p:nvSpPr>
+          <p:cNvPr id="3" name="Content Placeholder 2">
+            <a:extLst>
+              <a:ext uri="{FF2B5EF4-FFF2-40B4-BE49-F238E27FC236}">
+                <a16:creationId xmlns:a16="http://schemas.microsoft.com/office/drawing/2014/main" id="{2DE9B27D-10B6-C5A9-9F93-E0904E364ADB}"/>
+              </a:ext>
+            </a:extLst>
+          </p:cNvPr>
+          <p:cNvSpPr>
+            <a:spLocks noGrp="1"/>
+          </p:cNvSpPr>
+          <p:nvPr>
+            <p:ph idx="1"/>
+          </p:nvPr>
+        </p:nvSpPr>
+        <p:spPr/>
+        <p:txBody>
+          <a:bodyPr/>
+          <a:lstStyle/>
+          <a:p>
+            <a:pPr marL="0" indent="0">
+              <a:buNone/>
+            </a:pPr>
+            <a:endParaRPr lang="en-US" dirty="0"/>
+          </a:p>
+          <a:p>
+            <a:r>
+              <a:rPr lang="en-US" dirty="0"/>
+              <a:t>Length(A) = 4</a:t>
+            </a:r>
+          </a:p>
+          <a:p>
+            <a:endParaRPr lang="en-US" dirty="0"/>
+          </a:p>
+          <a:p>
+            <a:r>
+              <a:rPr lang="en-US" dirty="0" err="1"/>
+              <a:t>ctrbRank</a:t>
+            </a:r>
+            <a:r>
+              <a:rPr lang="en-US" dirty="0"/>
+              <a:t> = 4</a:t>
+            </a:r>
+          </a:p>
+          <a:p>
+            <a:endParaRPr lang="en-US" dirty="0"/>
+          </a:p>
+          <a:p>
+            <a:r>
+              <a:rPr lang="en-US" dirty="0"/>
+              <a:t>Controllable – able to reach any new state with controlled input</a:t>
+            </a:r>
+          </a:p>
+        </p:txBody>
+      </p:sp>
+      <p:pic>
+        <p:nvPicPr>
+          <p:cNvPr id="7" name="Picture 6">
+            <a:extLst>
+              <a:ext uri="{FF2B5EF4-FFF2-40B4-BE49-F238E27FC236}">
+                <a16:creationId xmlns:a16="http://schemas.microsoft.com/office/drawing/2014/main" id="{1C8FA99A-7787-0953-3ACD-B9AFD9103895}"/>
+              </a:ext>
+            </a:extLst>
+          </p:cNvPr>
+          <p:cNvPicPr>
+            <a:picLocks noChangeAspect="1"/>
+          </p:cNvPicPr>
+          <p:nvPr/>
+        </p:nvPicPr>
+        <p:blipFill>
+          <a:blip r:embed="rId2"/>
+          <a:stretch>
+            <a:fillRect/>
+          </a:stretch>
+        </p:blipFill>
+        <p:spPr>
+          <a:xfrm>
+            <a:off x="2588904" y="1930400"/>
+            <a:ext cx="6080969" cy="680108"/>
+          </a:xfrm>
+          <a:prstGeom prst="rect">
+            <a:avLst/>
+          </a:prstGeom>
+        </p:spPr>
+      </p:pic>
+    </p:spTree>
+    <p:extLst>
+      <p:ext uri="{BB962C8B-B14F-4D97-AF65-F5344CB8AC3E}">
+        <p14:creationId xmlns:p14="http://schemas.microsoft.com/office/powerpoint/2010/main" val="938644393"/>
+      </p:ext>
+    </p:extLst>
+  </p:cSld>
+  <p:clrMapOvr>
+    <a:masterClrMapping/>
+  </p:clrMapOvr>
+</p:sld>
+</file>
+
+<file path=ppt/slides/slide5.xml><?xml version="1.0" encoding="utf-8"?>
+<p:sld xmlns:a="http://schemas.openxmlformats.org/drawingml/2006/main" xmlns:r="http://schemas.openxmlformats.org/officeDocument/2006/relationships" xmlns:p="http://schemas.openxmlformats.org/presentationml/2006/main">
+  <p:cSld>
+    <p:spTree>
+      <p:nvGrpSpPr>
+        <p:cNvPr id="1" name=""/>
+        <p:cNvGrpSpPr/>
+        <p:nvPr/>
+      </p:nvGrpSpPr>
+      <p:grpSpPr>
+        <a:xfrm>
+          <a:off x="0" y="0"/>
+          <a:ext cx="0" cy="0"/>
+          <a:chOff x="0" y="0"/>
+          <a:chExt cx="0" cy="0"/>
+        </a:xfrm>
+      </p:grpSpPr>
+      <p:sp>
+        <p:nvSpPr>
+          <p:cNvPr id="2" name="Title 1">
+            <a:extLst>
+              <a:ext uri="{FF2B5EF4-FFF2-40B4-BE49-F238E27FC236}">
+                <a16:creationId xmlns:a16="http://schemas.microsoft.com/office/drawing/2014/main" id="{01880C9C-082F-3121-D7A0-C40883EB9D4A}"/>
+              </a:ext>
+            </a:extLst>
+          </p:cNvPr>
+          <p:cNvSpPr>
+            <a:spLocks noGrp="1"/>
+          </p:cNvSpPr>
+          <p:nvPr>
+            <p:ph type="title"/>
+          </p:nvPr>
+        </p:nvSpPr>
+        <p:spPr/>
+        <p:txBody>
+          <a:bodyPr/>
+          <a:lstStyle/>
+          <a:p>
+            <a:r>
+              <a:rPr lang="en-US" dirty="0"/>
+              <a:t>Observability</a:t>
+            </a:r>
+          </a:p>
+        </p:txBody>
+      </p:sp>
+      <p:sp>
+        <p:nvSpPr>
+          <p:cNvPr id="3" name="Content Placeholder 2">
+            <a:extLst>
+              <a:ext uri="{FF2B5EF4-FFF2-40B4-BE49-F238E27FC236}">
+                <a16:creationId xmlns:a16="http://schemas.microsoft.com/office/drawing/2014/main" id="{1F9549BC-673D-B66B-CBB2-E60ECE9AFE7D}"/>
+              </a:ext>
+            </a:extLst>
+          </p:cNvPr>
+          <p:cNvSpPr>
+            <a:spLocks noGrp="1"/>
+          </p:cNvSpPr>
+          <p:nvPr>
+            <p:ph idx="1"/>
+          </p:nvPr>
+        </p:nvSpPr>
+        <p:spPr/>
+        <p:txBody>
+          <a:bodyPr/>
+          <a:lstStyle/>
+          <a:p>
+            <a:pPr marL="0" indent="0">
+              <a:buNone/>
+            </a:pPr>
+            <a:endParaRPr lang="en-US" dirty="0"/>
+          </a:p>
+          <a:p>
+            <a:r>
+              <a:rPr lang="en-US" dirty="0"/>
+              <a:t>Length(A) = 4</a:t>
+            </a:r>
+          </a:p>
+          <a:p>
+            <a:endParaRPr lang="en-US" dirty="0"/>
+          </a:p>
+          <a:p>
+            <a:r>
+              <a:rPr lang="en-US" dirty="0" err="1"/>
+              <a:t>obsvRank</a:t>
+            </a:r>
+            <a:r>
+              <a:rPr lang="en-US" dirty="0"/>
+              <a:t> = 4</a:t>
+            </a:r>
+          </a:p>
+          <a:p>
+            <a:endParaRPr lang="en-US" dirty="0"/>
+          </a:p>
+          <a:p>
+            <a:r>
+              <a:rPr lang="en-US" dirty="0"/>
+              <a:t>Observable – all states can be known from the output</a:t>
+            </a:r>
+          </a:p>
+        </p:txBody>
+      </p:sp>
+      <p:pic>
+        <p:nvPicPr>
+          <p:cNvPr id="5" name="Picture 4">
+            <a:extLst>
+              <a:ext uri="{FF2B5EF4-FFF2-40B4-BE49-F238E27FC236}">
+                <a16:creationId xmlns:a16="http://schemas.microsoft.com/office/drawing/2014/main" id="{FE064765-E2D9-5D18-D201-A9ACD277737D}"/>
+              </a:ext>
+            </a:extLst>
+          </p:cNvPr>
+          <p:cNvPicPr>
+            <a:picLocks noChangeAspect="1"/>
+          </p:cNvPicPr>
+          <p:nvPr/>
+        </p:nvPicPr>
+        <p:blipFill>
+          <a:blip r:embed="rId2"/>
+          <a:stretch>
+            <a:fillRect/>
+          </a:stretch>
+        </p:blipFill>
+        <p:spPr>
+          <a:xfrm>
+            <a:off x="2345915" y="1994958"/>
+            <a:ext cx="6672791" cy="495950"/>
+          </a:xfrm>
+          <a:prstGeom prst="rect">
+            <a:avLst/>
+          </a:prstGeom>
+        </p:spPr>
+      </p:pic>
+    </p:spTree>
+    <p:extLst>
+      <p:ext uri="{BB962C8B-B14F-4D97-AF65-F5344CB8AC3E}">
+        <p14:creationId xmlns:p14="http://schemas.microsoft.com/office/powerpoint/2010/main" val="3632498355"/>
+      </p:ext>
+    </p:extLst>
+  </p:cSld>
+  <p:clrMapOvr>
+    <a:masterClrMapping/>
+  </p:clrMapOvr>
+</p:sld>
+</file>
+
+<file path=ppt/slides/slide6.xml><?xml version="1.0" encoding="utf-8"?>
+<p:sld xmlns:a="http://schemas.openxmlformats.org/drawingml/2006/main" xmlns:r="http://schemas.openxmlformats.org/officeDocument/2006/relationships" xmlns:p="http://schemas.openxmlformats.org/presentationml/2006/main">
+  <p:cSld>
+    <p:spTree>
+      <p:nvGrpSpPr>
+        <p:cNvPr id="1" name=""/>
+        <p:cNvGrpSpPr/>
+        <p:nvPr/>
+      </p:nvGrpSpPr>
+      <p:grpSpPr>
+        <a:xfrm>
+          <a:off x="0" y="0"/>
+          <a:ext cx="0" cy="0"/>
+          <a:chOff x="0" y="0"/>
+          <a:chExt cx="0" cy="0"/>
+        </a:xfrm>
+      </p:grpSpPr>
+      <p:sp>
+        <p:nvSpPr>
+          <p:cNvPr id="2" name="Title 1">
+            <a:extLst>
+              <a:ext uri="{FF2B5EF4-FFF2-40B4-BE49-F238E27FC236}">
+                <a16:creationId xmlns:a16="http://schemas.microsoft.com/office/drawing/2014/main" id="{70177705-EBFD-1344-F6BB-5D0EA9129E77}"/>
+              </a:ext>
+            </a:extLst>
+          </p:cNvPr>
+          <p:cNvSpPr>
+            <a:spLocks noGrp="1"/>
+          </p:cNvSpPr>
+          <p:nvPr>
+            <p:ph type="title"/>
+          </p:nvPr>
+        </p:nvSpPr>
+        <p:spPr/>
+        <p:txBody>
+          <a:bodyPr/>
+          <a:lstStyle/>
+          <a:p>
+            <a:r>
+              <a:rPr lang="en-US" dirty="0"/>
+              <a:t>Controller and Estimator</a:t>
+            </a:r>
+          </a:p>
+        </p:txBody>
+      </p:sp>
+      <p:sp>
+        <p:nvSpPr>
+          <p:cNvPr id="3" name="Content Placeholder 2">
+            <a:extLst>
+              <a:ext uri="{FF2B5EF4-FFF2-40B4-BE49-F238E27FC236}">
+                <a16:creationId xmlns:a16="http://schemas.microsoft.com/office/drawing/2014/main" id="{06F4CFE0-C68C-0C39-DAF0-5047D069741B}"/>
+              </a:ext>
+            </a:extLst>
+          </p:cNvPr>
+          <p:cNvSpPr>
+            <a:spLocks noGrp="1"/>
+          </p:cNvSpPr>
+          <p:nvPr>
+            <p:ph idx="1"/>
+          </p:nvPr>
+        </p:nvSpPr>
+        <p:spPr/>
+        <p:txBody>
+          <a:bodyPr/>
+          <a:lstStyle/>
+          <a:p>
+            <a:r>
+              <a:rPr lang="en-US" dirty="0"/>
+              <a:t>?</a:t>
+            </a:r>
+          </a:p>
+        </p:txBody>
+      </p:sp>
+    </p:spTree>
+    <p:extLst>
+      <p:ext uri="{BB962C8B-B14F-4D97-AF65-F5344CB8AC3E}">
+        <p14:creationId xmlns:p14="http://schemas.microsoft.com/office/powerpoint/2010/main" val="3754638543"/>
+      </p:ext>
+    </p:extLst>
+  </p:cSld>
+  <p:clrMapOvr>
+    <a:masterClrMapping/>
+  </p:clrMapOvr>
+</p:sld>
+</file>
+
+<file path=ppt/slides/slide7.xml><?xml version="1.0" encoding="utf-8"?>
+<p:sld xmlns:a="http://schemas.openxmlformats.org/drawingml/2006/main" xmlns:r="http://schemas.openxmlformats.org/officeDocument/2006/relationships" xmlns:p="http://schemas.openxmlformats.org/presentationml/2006/main">
+  <p:cSld>
+    <p:spTree>
+      <p:nvGrpSpPr>
+        <p:cNvPr id="1" name="">
+          <a:extLst>
+            <a:ext uri="{FF2B5EF4-FFF2-40B4-BE49-F238E27FC236}">
+              <a16:creationId xmlns:a16="http://schemas.microsoft.com/office/drawing/2014/main" id="{46347146-D15A-DE84-5B35-0B90D1EA1DEA}"/>
+            </a:ext>
+          </a:extLst>
+        </p:cNvPr>
+        <p:cNvGrpSpPr/>
+        <p:nvPr/>
+      </p:nvGrpSpPr>
+      <p:grpSpPr>
+        <a:xfrm>
+          <a:off x="0" y="0"/>
+          <a:ext cx="0" cy="0"/>
+          <a:chOff x="0" y="0"/>
+          <a:chExt cx="0" cy="0"/>
+        </a:xfrm>
+      </p:grpSpPr>
+      <p:sp>
+        <p:nvSpPr>
+          <p:cNvPr id="2" name="Title 1">
+            <a:extLst>
+              <a:ext uri="{FF2B5EF4-FFF2-40B4-BE49-F238E27FC236}">
+                <a16:creationId xmlns:a16="http://schemas.microsoft.com/office/drawing/2014/main" id="{784B7D19-4C11-61E8-63EF-9A56FADC74DB}"/>
+              </a:ext>
+            </a:extLst>
+          </p:cNvPr>
+          <p:cNvSpPr>
+            <a:spLocks noGrp="1"/>
+          </p:cNvSpPr>
+          <p:nvPr>
+            <p:ph type="title"/>
+          </p:nvPr>
+        </p:nvSpPr>
+        <p:spPr/>
+        <p:txBody>
+          <a:bodyPr/>
+          <a:lstStyle/>
+          <a:p>
+            <a:r>
+              <a:rPr lang="en-US" dirty="0"/>
+              <a:t>Analysis of Stability – New poles</a:t>
+            </a:r>
+          </a:p>
+        </p:txBody>
+      </p:sp>
+      <p:sp>
+        <p:nvSpPr>
+          <p:cNvPr id="3" name="Content Placeholder 2">
+            <a:extLst>
+              <a:ext uri="{FF2B5EF4-FFF2-40B4-BE49-F238E27FC236}">
+                <a16:creationId xmlns:a16="http://schemas.microsoft.com/office/drawing/2014/main" id="{2FE52E24-12B3-C614-C204-880B569209DC}"/>
+              </a:ext>
+            </a:extLst>
+          </p:cNvPr>
+          <p:cNvSpPr>
+            <a:spLocks noGrp="1"/>
+          </p:cNvSpPr>
+          <p:nvPr>
+            <p:ph idx="1"/>
+          </p:nvPr>
+        </p:nvSpPr>
+        <p:spPr/>
+        <p:txBody>
+          <a:bodyPr/>
+          <a:lstStyle/>
+          <a:p>
+            <a:r>
+              <a:rPr lang="en-US" dirty="0" err="1"/>
+              <a:t>desiredPropGainPoles</a:t>
+            </a:r>
+            <a:r>
+              <a:rPr lang="en-US" dirty="0"/>
+              <a:t> = [-24, -18, -16, -12];</a:t>
+            </a:r>
+          </a:p>
+          <a:p>
+            <a:endParaRPr lang="en-US" dirty="0"/>
+          </a:p>
+          <a:p>
+            <a:r>
+              <a:rPr lang="en-US" dirty="0" err="1"/>
+              <a:t>A_cl</a:t>
+            </a:r>
+            <a:r>
+              <a:rPr lang="en-US" dirty="0"/>
+              <a:t> = A-BK = </a:t>
+            </a:r>
+          </a:p>
+          <a:p>
+            <a:endParaRPr lang="en-US" dirty="0"/>
+          </a:p>
+          <a:p>
+            <a:endParaRPr lang="en-US" dirty="0"/>
+          </a:p>
+          <a:p>
+            <a:endParaRPr lang="en-US" dirty="0"/>
+          </a:p>
+          <a:p>
+            <a:r>
+              <a:rPr lang="en-US" dirty="0"/>
+              <a:t>Closed-loop eigenvalues = [-24, -18, -16, -12];</a:t>
+            </a:r>
+          </a:p>
+          <a:p>
+            <a:endParaRPr lang="en-US" dirty="0"/>
+          </a:p>
+          <a:p>
+            <a:r>
+              <a:rPr lang="en-US" dirty="0"/>
+              <a:t>System Stable~!</a:t>
+            </a:r>
+          </a:p>
+          <a:p>
+            <a:endParaRPr lang="en-US" dirty="0"/>
+          </a:p>
+        </p:txBody>
+      </p:sp>
+      <p:graphicFrame>
+        <p:nvGraphicFramePr>
+          <p:cNvPr id="4" name="Table 3">
+            <a:extLst>
+              <a:ext uri="{FF2B5EF4-FFF2-40B4-BE49-F238E27FC236}">
+                <a16:creationId xmlns:a16="http://schemas.microsoft.com/office/drawing/2014/main" id="{E0A51490-E095-838D-7D00-63D049F899FF}"/>
+              </a:ext>
+            </a:extLst>
+          </p:cNvPr>
+          <p:cNvGraphicFramePr>
+            <a:graphicFrameLocks noGrp="1"/>
+          </p:cNvGraphicFramePr>
+          <p:nvPr>
+            <p:extLst>
+              <p:ext uri="{D42A27DB-BD31-4B8C-83A1-F6EECF244321}">
+                <p14:modId xmlns:p14="http://schemas.microsoft.com/office/powerpoint/2010/main" val="1714517693"/>
+              </p:ext>
+            </p:extLst>
+          </p:nvPr>
+        </p:nvGraphicFramePr>
+        <p:xfrm>
+          <a:off x="2603038" y="2973388"/>
+          <a:ext cx="6469844" cy="1483360"/>
+        </p:xfrm>
+        <a:graphic>
+          <a:graphicData uri="http://schemas.openxmlformats.org/drawingml/2006/table">
+            <a:tbl>
+              <a:tblPr bandRow="1">
+                <a:tableStyleId>{5C22544A-7EE6-4342-B048-85BDC9FD1C3A}</a:tableStyleId>
+              </a:tblPr>
+              <a:tblGrid>
+                <a:gridCol w="1617461">
+                  <a:extLst>
+                    <a:ext uri="{9D8B030D-6E8A-4147-A177-3AD203B41FA5}">
+                      <a16:colId xmlns:a16="http://schemas.microsoft.com/office/drawing/2014/main" val="2411788890"/>
+                    </a:ext>
+                  </a:extLst>
+                </a:gridCol>
+                <a:gridCol w="1617461">
+                  <a:extLst>
+                    <a:ext uri="{9D8B030D-6E8A-4147-A177-3AD203B41FA5}">
+                      <a16:colId xmlns:a16="http://schemas.microsoft.com/office/drawing/2014/main" val="4138382107"/>
+                    </a:ext>
+                  </a:extLst>
+                </a:gridCol>
+                <a:gridCol w="1617461">
+                  <a:extLst>
+                    <a:ext uri="{9D8B030D-6E8A-4147-A177-3AD203B41FA5}">
+                      <a16:colId xmlns:a16="http://schemas.microsoft.com/office/drawing/2014/main" val="3185096910"/>
+                    </a:ext>
+                  </a:extLst>
+                </a:gridCol>
+                <a:gridCol w="1617461">
+                  <a:extLst>
+                    <a:ext uri="{9D8B030D-6E8A-4147-A177-3AD203B41FA5}">
+                      <a16:colId xmlns:a16="http://schemas.microsoft.com/office/drawing/2014/main" val="3980053745"/>
+                    </a:ext>
+                  </a:extLst>
+                </a:gridCol>
+              </a:tblGrid>
+              <a:tr h="370840">
+                <a:tc>
+                  <a:txBody>
+                    <a:bodyPr/>
+                    <a:lstStyle/>
+                    <a:p>
+                      <a:r>
+                        <a:rPr lang="en-US" dirty="0"/>
+                        <a:t>0</a:t>
+                      </a:r>
+                    </a:p>
+                  </a:txBody>
+                  <a:tcPr/>
+                </a:tc>
+                <a:tc>
+                  <a:txBody>
+                    <a:bodyPr/>
+                    <a:lstStyle/>
+                    <a:p>
+                      <a:r>
+                        <a:rPr lang="en-US" dirty="0"/>
+                        <a:t>1</a:t>
+                      </a:r>
+                    </a:p>
+                  </a:txBody>
+                  <a:tcPr/>
+                </a:tc>
+                <a:tc>
+                  <a:txBody>
+                    <a:bodyPr/>
+                    <a:lstStyle/>
+                    <a:p>
+                      <a:r>
+                        <a:rPr lang="en-US" dirty="0"/>
+                        <a:t>0</a:t>
+                      </a:r>
+                    </a:p>
+                  </a:txBody>
+                  <a:tcPr/>
+                </a:tc>
+                <a:tc>
+                  <a:txBody>
+                    <a:bodyPr/>
+                    <a:lstStyle/>
+                    <a:p>
+                      <a:r>
+                        <a:rPr lang="en-US" dirty="0"/>
+                        <a:t>0</a:t>
+                      </a:r>
+                    </a:p>
+                  </a:txBody>
+                  <a:tcPr/>
+                </a:tc>
+                <a:extLst>
+                  <a:ext uri="{0D108BD9-81ED-4DB2-BD59-A6C34878D82A}">
+                    <a16:rowId xmlns:a16="http://schemas.microsoft.com/office/drawing/2014/main" val="3723798000"/>
+                  </a:ext>
+                </a:extLst>
+              </a:tr>
+              <a:tr h="370840">
+                <a:tc>
+                  <a:txBody>
+                    <a:bodyPr/>
+                    <a:lstStyle/>
+                    <a:p>
+                      <a:pPr marL="0" marR="0" lvl="0" indent="0" algn="l" defTabSz="914400" rtl="0" eaLnBrk="1" fontAlgn="auto" latinLnBrk="0" hangingPunct="1">
+                        <a:lnSpc>
+                          <a:spcPct val="100000"/>
+                        </a:lnSpc>
+                        <a:spcBef>
+                          <a:spcPts val="0"/>
+                        </a:spcBef>
+                        <a:spcAft>
+                          <a:spcPts val="0"/>
+                        </a:spcAft>
+                        <a:buClrTx/>
+                        <a:buSzTx/>
+                        <a:buFontTx/>
+                        <a:buNone/>
+                        <a:tabLst/>
+                        <a:defRPr/>
+                      </a:pPr>
+                      <a:r>
+                        <a:rPr lang="en-US" sz="1800" b="0" i="0" kern="1200" dirty="0">
+                          <a:solidFill>
+                            <a:schemeClr val="dk1"/>
+                          </a:solidFill>
+                          <a:effectLst/>
+                          <a:latin typeface="+mn-lt"/>
+                          <a:ea typeface="+mn-ea"/>
+                          <a:cs typeface="+mn-cs"/>
+                        </a:rPr>
+                        <a:t>-13425</a:t>
+                      </a:r>
+                      <a:endParaRPr lang="en-US" dirty="0"/>
+                    </a:p>
+                  </a:txBody>
+                  <a:tcPr/>
+                </a:tc>
+                <a:tc>
+                  <a:txBody>
+                    <a:bodyPr/>
+                    <a:lstStyle/>
+                    <a:p>
+                      <a:r>
+                        <a:rPr lang="en-US" sz="1800" b="0" i="0" kern="1200" dirty="0">
+                          <a:solidFill>
+                            <a:schemeClr val="dk1"/>
+                          </a:solidFill>
+                          <a:effectLst/>
+                          <a:latin typeface="+mn-lt"/>
+                          <a:ea typeface="+mn-ea"/>
+                          <a:cs typeface="+mn-cs"/>
+                        </a:rPr>
+                        <a:t>-2167</a:t>
+                      </a:r>
+                      <a:endParaRPr lang="en-US" dirty="0"/>
+                    </a:p>
+                  </a:txBody>
+                  <a:tcPr/>
+                </a:tc>
+                <a:tc>
+                  <a:txBody>
+                    <a:bodyPr/>
+                    <a:lstStyle/>
+                    <a:p>
+                      <a:r>
+                        <a:rPr lang="en-US" dirty="0"/>
+                        <a:t>8830</a:t>
+                      </a:r>
+                    </a:p>
+                  </a:txBody>
+                  <a:tcPr/>
+                </a:tc>
+                <a:tc>
+                  <a:txBody>
+                    <a:bodyPr/>
+                    <a:lstStyle/>
+                    <a:p>
+                      <a:pPr marL="0" marR="0" lvl="0" indent="0" algn="l" defTabSz="914400" rtl="0" eaLnBrk="1" fontAlgn="auto" latinLnBrk="0" hangingPunct="1">
+                        <a:lnSpc>
+                          <a:spcPct val="100000"/>
+                        </a:lnSpc>
+                        <a:spcBef>
+                          <a:spcPts val="0"/>
+                        </a:spcBef>
+                        <a:spcAft>
+                          <a:spcPts val="0"/>
+                        </a:spcAft>
+                        <a:buClrTx/>
+                        <a:buSzTx/>
+                        <a:buFontTx/>
+                        <a:buNone/>
+                        <a:tabLst/>
+                        <a:defRPr/>
+                      </a:pPr>
+                      <a:r>
+                        <a:rPr lang="en-US" sz="1800" b="0" i="0" kern="1200" dirty="0">
+                          <a:solidFill>
+                            <a:schemeClr val="dk1"/>
+                          </a:solidFill>
+                          <a:effectLst/>
+                          <a:latin typeface="+mn-lt"/>
+                          <a:ea typeface="+mn-ea"/>
+                          <a:cs typeface="+mn-cs"/>
+                        </a:rPr>
+                        <a:t>6259</a:t>
+                      </a:r>
+                    </a:p>
+                  </a:txBody>
+                  <a:tcPr/>
+                </a:tc>
+                <a:extLst>
+                  <a:ext uri="{0D108BD9-81ED-4DB2-BD59-A6C34878D82A}">
+                    <a16:rowId xmlns:a16="http://schemas.microsoft.com/office/drawing/2014/main" val="1365900513"/>
+                  </a:ext>
+                </a:extLst>
+              </a:tr>
+              <a:tr h="370840">
+                <a:tc>
+                  <a:txBody>
+                    <a:bodyPr/>
+                    <a:lstStyle/>
+                    <a:p>
+                      <a:r>
+                        <a:rPr lang="en-US" dirty="0"/>
+                        <a:t>0</a:t>
+                      </a:r>
+                    </a:p>
+                  </a:txBody>
+                  <a:tcPr/>
+                </a:tc>
+                <a:tc>
+                  <a:txBody>
+                    <a:bodyPr/>
+                    <a:lstStyle/>
+                    <a:p>
+                      <a:r>
+                        <a:rPr lang="en-US" dirty="0"/>
+                        <a:t>0</a:t>
+                      </a:r>
+                    </a:p>
+                  </a:txBody>
+                  <a:tcPr/>
+                </a:tc>
+                <a:tc>
+                  <a:txBody>
+                    <a:bodyPr/>
+                    <a:lstStyle/>
+                    <a:p>
+                      <a:r>
+                        <a:rPr lang="en-US" dirty="0"/>
+                        <a:t>0</a:t>
+                      </a:r>
+                    </a:p>
+                  </a:txBody>
+                  <a:tcPr/>
+                </a:tc>
+                <a:tc>
+                  <a:txBody>
+                    <a:bodyPr/>
+                    <a:lstStyle/>
+                    <a:p>
+                      <a:r>
+                        <a:rPr lang="en-US" dirty="0"/>
+                        <a:t>1</a:t>
+                      </a:r>
+                    </a:p>
+                  </a:txBody>
+                  <a:tcPr/>
+                </a:tc>
+                <a:extLst>
+                  <a:ext uri="{0D108BD9-81ED-4DB2-BD59-A6C34878D82A}">
+                    <a16:rowId xmlns:a16="http://schemas.microsoft.com/office/drawing/2014/main" val="2351039580"/>
+                  </a:ext>
+                </a:extLst>
+              </a:tr>
+              <a:tr h="370840">
+                <a:tc>
+                  <a:txBody>
+                    <a:bodyPr/>
+                    <a:lstStyle/>
+                    <a:p>
+                      <a:r>
+                        <a:rPr lang="en-US" dirty="0"/>
+                        <a:t>-2364</a:t>
+                      </a:r>
+                    </a:p>
+                  </a:txBody>
+                  <a:tcPr/>
+                </a:tc>
+                <a:tc>
+                  <a:txBody>
+                    <a:bodyPr/>
+                    <a:lstStyle/>
+                    <a:p>
+                      <a:r>
+                        <a:rPr lang="en-US" dirty="0"/>
+                        <a:t>-380</a:t>
+                      </a:r>
+                    </a:p>
+                  </a:txBody>
+                  <a:tcPr/>
+                </a:tc>
+                <a:tc>
+                  <a:txBody>
+                    <a:bodyPr/>
+                    <a:lstStyle/>
+                    <a:p>
+                      <a:r>
+                        <a:rPr lang="en-US" dirty="0"/>
+                        <a:t>1550</a:t>
+                      </a:r>
+                    </a:p>
+                  </a:txBody>
+                  <a:tcPr/>
+                </a:tc>
+                <a:tc>
+                  <a:txBody>
+                    <a:bodyPr/>
+                    <a:lstStyle/>
+                    <a:p>
+                      <a:r>
+                        <a:rPr lang="en-US" dirty="0"/>
+                        <a:t>1099</a:t>
+                      </a:r>
+                    </a:p>
+                  </a:txBody>
+                  <a:tcPr/>
+                </a:tc>
+                <a:extLst>
+                  <a:ext uri="{0D108BD9-81ED-4DB2-BD59-A6C34878D82A}">
+                    <a16:rowId xmlns:a16="http://schemas.microsoft.com/office/drawing/2014/main" val="564341635"/>
+                  </a:ext>
+                </a:extLst>
+              </a:tr>
+            </a:tbl>
+          </a:graphicData>
+        </a:graphic>
+      </p:graphicFrame>
+    </p:spTree>
+    <p:extLst>
+      <p:ext uri="{BB962C8B-B14F-4D97-AF65-F5344CB8AC3E}">
+        <p14:creationId xmlns:p14="http://schemas.microsoft.com/office/powerpoint/2010/main" val="2547890908"/>
+      </p:ext>
+    </p:extLst>
+  </p:cSld>
+  <p:clrMapOvr>
+    <a:masterClrMapping/>
+  </p:clrMapOvr>
+</p:sld>
+</file>
+
+<file path=ppt/slides/slide8.xml><?xml version="1.0" encoding="utf-8"?>
+<p:sld xmlns:a="http://schemas.openxmlformats.org/drawingml/2006/main" xmlns:r="http://schemas.openxmlformats.org/officeDocument/2006/relationships" xmlns:p="http://schemas.openxmlformats.org/presentationml/2006/main">
+  <p:cSld>
+    <p:spTree>
+      <p:nvGrpSpPr>
+        <p:cNvPr id="1" name=""/>
+        <p:cNvGrpSpPr/>
+        <p:nvPr/>
+      </p:nvGrpSpPr>
+      <p:grpSpPr>
+        <a:xfrm>
+          <a:off x="0" y="0"/>
+          <a:ext cx="0" cy="0"/>
+          <a:chOff x="0" y="0"/>
+          <a:chExt cx="0" cy="0"/>
+        </a:xfrm>
+      </p:grpSpPr>
+      <p:sp>
+        <p:nvSpPr>
+          <p:cNvPr id="2" name="Title 1">
+            <a:extLst>
+              <a:ext uri="{FF2B5EF4-FFF2-40B4-BE49-F238E27FC236}">
+                <a16:creationId xmlns:a16="http://schemas.microsoft.com/office/drawing/2014/main" id="{8C9BC453-1CA5-0CF7-55D7-7A8B64E6201C}"/>
+              </a:ext>
+            </a:extLst>
+          </p:cNvPr>
+          <p:cNvSpPr>
+            <a:spLocks noGrp="1"/>
+          </p:cNvSpPr>
+          <p:nvPr>
+            <p:ph type="title"/>
+          </p:nvPr>
+        </p:nvSpPr>
+        <p:spPr/>
+        <p:txBody>
+          <a:bodyPr/>
+          <a:lstStyle/>
+          <a:p>
+            <a:r>
+              <a:rPr lang="en-US" dirty="0"/>
+              <a:t>Video proof?</a:t>
+            </a:r>
+          </a:p>
+        </p:txBody>
+      </p:sp>
+      <p:sp>
+        <p:nvSpPr>
+          <p:cNvPr id="3" name="Content Placeholder 2">
+            <a:extLst>
+              <a:ext uri="{FF2B5EF4-FFF2-40B4-BE49-F238E27FC236}">
+                <a16:creationId xmlns:a16="http://schemas.microsoft.com/office/drawing/2014/main" id="{629D843D-7607-E263-6BDB-A1C665543108}"/>
+              </a:ext>
+            </a:extLst>
+          </p:cNvPr>
+          <p:cNvSpPr>
+            <a:spLocks noGrp="1"/>
+          </p:cNvSpPr>
+          <p:nvPr>
+            <p:ph idx="1"/>
+          </p:nvPr>
+        </p:nvSpPr>
+        <p:spPr/>
+        <p:txBody>
+          <a:bodyPr/>
+          <a:lstStyle/>
+          <a:p>
+            <a:endParaRPr lang="en-US"/>
+          </a:p>
+        </p:txBody>
+      </p:sp>
+    </p:spTree>
+    <p:extLst>
+      <p:ext uri="{BB962C8B-B14F-4D97-AF65-F5344CB8AC3E}">
+        <p14:creationId xmlns:p14="http://schemas.microsoft.com/office/powerpoint/2010/main" val="2859439878"/>
+      </p:ext>
+    </p:extLst>
+  </p:cSld>
+  <p:clrMapOvr>
+    <a:masterClrMapping/>
+  </p:clrMapOvr>
+</p:sld>
+</file>
+
+<file path=ppt/slides/slide9.xml><?xml version="1.0" encoding="utf-8"?>
+<p:sld xmlns:a="http://schemas.openxmlformats.org/drawingml/2006/main" xmlns:r="http://schemas.openxmlformats.org/officeDocument/2006/relationships" xmlns:p="http://schemas.openxmlformats.org/presentationml/2006/main">
+  <p:cSld>
+    <p:spTree>
+      <p:nvGrpSpPr>
+        <p:cNvPr id="1" name=""/>
+        <p:cNvGrpSpPr/>
+        <p:nvPr/>
+      </p:nvGrpSpPr>
+      <p:grpSpPr>
+        <a:xfrm>
+          <a:off x="0" y="0"/>
+          <a:ext cx="0" cy="0"/>
+          <a:chOff x="0" y="0"/>
+          <a:chExt cx="0" cy="0"/>
+        </a:xfrm>
+      </p:grpSpPr>
+      <p:sp>
+        <p:nvSpPr>
+          <p:cNvPr id="2" name="Title 1">
+            <a:extLst>
+              <a:ext uri="{FF2B5EF4-FFF2-40B4-BE49-F238E27FC236}">
+                <a16:creationId xmlns:a16="http://schemas.microsoft.com/office/drawing/2014/main" id="{AE2D5CF1-196F-37FD-687F-F38B90C67E3B}"/>
+              </a:ext>
+            </a:extLst>
+          </p:cNvPr>
+          <p:cNvSpPr>
+            <a:spLocks noGrp="1"/>
+          </p:cNvSpPr>
+          <p:nvPr>
+            <p:ph type="title"/>
+          </p:nvPr>
+        </p:nvSpPr>
+        <p:spPr/>
+        <p:txBody>
+          <a:bodyPr/>
+          <a:lstStyle/>
+          <a:p>
+            <a:r>
+              <a:rPr lang="en-US" dirty="0"/>
+              <a:t>Challenges</a:t>
+            </a:r>
+          </a:p>
+        </p:txBody>
+      </p:sp>
+      <p:sp>
+        <p:nvSpPr>
+          <p:cNvPr id="3" name="Content Placeholder 2">
+            <a:extLst>
+              <a:ext uri="{FF2B5EF4-FFF2-40B4-BE49-F238E27FC236}">
+                <a16:creationId xmlns:a16="http://schemas.microsoft.com/office/drawing/2014/main" id="{C901FEEF-3BF4-8897-FDE1-84E776916968}"/>
+              </a:ext>
+            </a:extLst>
+          </p:cNvPr>
+          <p:cNvSpPr>
+            <a:spLocks noGrp="1"/>
+          </p:cNvSpPr>
+          <p:nvPr>
+            <p:ph idx="1"/>
+          </p:nvPr>
+        </p:nvSpPr>
+        <p:spPr/>
+        <p:txBody>
+          <a:bodyPr/>
+          <a:lstStyle/>
+          <a:p>
+            <a:endParaRPr lang="en-US"/>
+          </a:p>
+        </p:txBody>
+      </p:sp>
+      <p:pic>
+        <p:nvPicPr>
+          <p:cNvPr id="16" name="Content Placeholder 15">
+            <a:extLst>
+              <a:ext uri="{FF2B5EF4-FFF2-40B4-BE49-F238E27FC236}">
+                <a16:creationId xmlns:a16="http://schemas.microsoft.com/office/drawing/2014/main" id="{359FB152-8816-C547-BE73-C084969C18AE}"/>
+              </a:ext>
+            </a:extLst>
+          </p:cNvPr>
+          <p:cNvPicPr>
+            <a:picLocks noChangeAspect="1"/>
+          </p:cNvPicPr>
+          <p:nvPr/>
+        </p:nvPicPr>
+        <p:blipFill>
+          <a:blip r:embed="rId2"/>
+          <a:stretch>
+            <a:fillRect/>
+          </a:stretch>
+        </p:blipFill>
+        <p:spPr>
+          <a:xfrm>
+            <a:off x="2897716" y="1554731"/>
+            <a:ext cx="6780700" cy="3627675"/>
+          </a:xfrm>
+          <a:prstGeom prst="rect">
+            <a:avLst/>
+          </a:prstGeom>
+        </p:spPr>
+      </p:pic>
+    </p:spTree>
+    <p:extLst>
+      <p:ext uri="{BB962C8B-B14F-4D97-AF65-F5344CB8AC3E}">
+        <p14:creationId xmlns:p14="http://schemas.microsoft.com/office/powerpoint/2010/main" val="1523555182"/>
+      </p:ext>
+    </p:extLst>
+  </p:cSld>
+  <p:clrMapOvr>
+    <a:masterClrMapping/>
+  </p:clrMapOvr>
+</p:sld>
+</file>
+
 <file path=ppt/theme/theme1.xml><?xml version="1.0" encoding="utf-8"?>
-<a:theme xmlns:a="http://schemas.openxmlformats.org/drawingml/2006/main" name="Office Theme">
+<a:theme xmlns:a="http://schemas.openxmlformats.org/drawingml/2006/main" name="Facet">
   <a:themeElements>
-    <a:clrScheme name="Office">
+    <a:clrScheme name="Facet">
       <a:dk1>
         <a:sysClr val="windowText" lastClr="000000"/>
       </a:dk1>
@@ -4338,52 +8664,52 @@
         <a:sysClr val="window" lastClr="FFFFFF"/>
       </a:lt1>
       <a:dk2>
-        <a:srgbClr val="0E2841"/>
+        <a:srgbClr val="2C3C43"/>
       </a:dk2>
       <a:lt2>
-        <a:srgbClr val="E8E8E8"/>
+        <a:srgbClr val="EBEBEB"/>
       </a:lt2>
       <a:accent1>
-        <a:srgbClr val="156082"/>
+        <a:srgbClr val="90C226"/>
       </a:accent1>
       <a:accent2>
-        <a:srgbClr val="E97132"/>
+        <a:srgbClr val="54A021"/>
       </a:accent2>
       <a:accent3>
-        <a:srgbClr val="196B24"/>
+        <a:srgbClr val="E6B91E"/>
       </a:accent3>
       <a:accent4>
-        <a:srgbClr val="0F9ED5"/>
+        <a:srgbClr val="E76618"/>
       </a:accent4>
       <a:accent5>
-        <a:srgbClr val="A02B93"/>
+        <a:srgbClr val="C42F1A"/>
       </a:accent5>
       <a:accent6>
-        <a:srgbClr val="4EA72E"/>
+        <a:srgbClr val="918655"/>
       </a:accent6>
       <a:hlink>
-        <a:srgbClr val="467886"/>
+        <a:srgbClr val="99CA3C"/>
       </a:hlink>
       <a:folHlink>
-        <a:srgbClr val="96607D"/>
+        <a:srgbClr val="B9D181"/>
       </a:folHlink>
     </a:clrScheme>
-    <a:fontScheme name="Office">
+    <a:fontScheme name="Facet">
       <a:majorFont>
-        <a:latin typeface="Aptos Display" panose="02110004020202020204"/>
+        <a:latin typeface="Trebuchet MS" panose="020B0603020202020204"/>
         <a:ea typeface=""/>
         <a:cs typeface=""/>
-        <a:font script="Jpan" typeface="游ゴシック Light"/>
+        <a:font script="Jpan" typeface="メイリオ"/>
         <a:font script="Hang" typeface="맑은 고딕"/>
-        <a:font script="Hans" typeface="等线 Light"/>
-        <a:font script="Hant" typeface="新細明體"/>
-        <a:font script="Arab" typeface="Times New Roman"/>
-        <a:font script="Hebr" typeface="Times New Roman"/>
-        <a:font script="Thai" typeface="Angsana New"/>
+        <a:font script="Hans" typeface="方正姚体"/>
+        <a:font script="Hant" typeface="微軟正黑體"/>
+        <a:font script="Arab" typeface="Tahoma"/>
+        <a:font script="Hebr" typeface="Arial"/>
+        <a:font script="Thai" typeface="Cordia New"/>
         <a:font script="Ethi" typeface="Nyala"/>
         <a:font script="Beng" typeface="Vrinda"/>
         <a:font script="Gujr" typeface="Shruti"/>
-        <a:font script="Khmr" typeface="MoolBoran"/>
+        <a:font script="Khmr" typeface="DaunPenh"/>
         <a:font script="Knda" typeface="Tunga"/>
         <a:font script="Guru" typeface="Raavi"/>
         <a:font script="Cans" typeface="Euphemia"/>
@@ -4400,38 +8726,21 @@
         <a:font script="Laoo" typeface="DokChampa"/>
         <a:font script="Sinh" typeface="Iskoola Pota"/>
         <a:font script="Mong" typeface="Mongolian Baiti"/>
-        <a:font script="Viet" typeface="Times New Roman"/>
+        <a:font script="Viet" typeface="Tahoma"/>
         <a:font script="Uigh" typeface="Microsoft Uighur"/>
         <a:font script="Geor" typeface="Sylfaen"/>
-        <a:font script="Armn" typeface="Arial"/>
-        <a:font script="Bugi" typeface="Leelawadee UI"/>
-        <a:font script="Bopo" typeface="Microsoft JhengHei"/>
-        <a:font script="Java" typeface="Javanese Text"/>
-        <a:font script="Lisu" typeface="Segoe UI"/>
-        <a:font script="Mymr" typeface="Myanmar Text"/>
-        <a:font script="Nkoo" typeface="Ebrima"/>
-        <a:font script="Olck" typeface="Nirmala UI"/>
-        <a:font script="Osma" typeface="Ebrima"/>
-        <a:font script="Phag" typeface="Phagspa"/>
-        <a:font script="Syrn" typeface="Estrangelo Edessa"/>
-        <a:font script="Syrj" typeface="Estrangelo Edessa"/>
-        <a:font script="Syre" typeface="Estrangelo Edessa"/>
-        <a:font script="Sora" typeface="Nirmala UI"/>
-        <a:font script="Tale" typeface="Microsoft Tai Le"/>
-        <a:font script="Talu" typeface="Microsoft New Tai Lue"/>
-        <a:font script="Tfng" typeface="Ebrima"/>
       </a:majorFont>
       <a:minorFont>
-        <a:latin typeface="Aptos" panose="02110004020202020204"/>
+        <a:latin typeface="Trebuchet MS" panose="020B0603020202020204"/>
         <a:ea typeface=""/>
         <a:cs typeface=""/>
-        <a:font script="Jpan" typeface="游ゴシック"/>
-        <a:font script="Hang" typeface="맑은 고딕"/>
-        <a:font script="Hans" typeface="等线"/>
-        <a:font script="Hant" typeface="新細明體"/>
-        <a:font script="Arab" typeface="Arial"/>
-        <a:font script="Hebr" typeface="Arial"/>
-        <a:font script="Thai" typeface="Cordia New"/>
+        <a:font script="Jpan" typeface="メイリオ"/>
+        <a:font script="Hang" typeface="HY그래픽M"/>
+        <a:font script="Hans" typeface="华文新魏"/>
+        <a:font script="Hant" typeface="微軟正黑體"/>
+        <a:font script="Arab" typeface="Tahoma"/>
+        <a:font script="Hebr" typeface="Gisha"/>
+        <a:font script="Thai" typeface="IrisUPC"/>
         <a:font script="Ethi" typeface="Nyala"/>
         <a:font script="Beng" typeface="Vrinda"/>
         <a:font script="Gujr" typeface="Shruti"/>
@@ -4455,26 +8764,9 @@
         <a:font script="Viet" typeface="Arial"/>
         <a:font script="Uigh" typeface="Microsoft Uighur"/>
         <a:font script="Geor" typeface="Sylfaen"/>
-        <a:font script="Armn" typeface="Arial"/>
-        <a:font script="Bugi" typeface="Leelawadee UI"/>
-        <a:font script="Bopo" typeface="Microsoft JhengHei"/>
-        <a:font script="Java" typeface="Javanese Text"/>
-        <a:font script="Lisu" typeface="Segoe UI"/>
-        <a:font script="Mymr" typeface="Myanmar Text"/>
-        <a:font script="Nkoo" typeface="Ebrima"/>
-        <a:font script="Olck" typeface="Nirmala UI"/>
-        <a:font script="Osma" typeface="Ebrima"/>
-        <a:font script="Phag" typeface="Phagspa"/>
-        <a:font script="Syrn" typeface="Estrangelo Edessa"/>
-        <a:font script="Syrj" typeface="Estrangelo Edessa"/>
-        <a:font script="Syre" typeface="Estrangelo Edessa"/>
-        <a:font script="Sora" typeface="Nirmala UI"/>
-        <a:font script="Tale" typeface="Microsoft Tai Le"/>
-        <a:font script="Talu" typeface="Microsoft New Tai Lue"/>
-        <a:font script="Tfng" typeface="Ebrima"/>
       </a:minorFont>
     </a:fontScheme>
-    <a:fmtScheme name="Office">
+    <a:fmtScheme name="Facet">
       <a:fillStyleLst>
         <a:solidFill>
           <a:schemeClr val="phClr"/>
@@ -4483,23 +8775,13 @@
           <a:gsLst>
             <a:gs pos="0">
               <a:schemeClr val="phClr">
+                <a:tint val="65000"/>
                 <a:lumMod val="110000"/>
-                <a:satMod val="105000"/>
-                <a:tint val="67000"/>
               </a:schemeClr>
             </a:gs>
-            <a:gs pos="50000">
+            <a:gs pos="88000">
               <a:schemeClr val="phClr">
-                <a:lumMod val="105000"/>
-                <a:satMod val="103000"/>
-                <a:tint val="73000"/>
-              </a:schemeClr>
-            </a:gs>
-            <a:gs pos="100000">
-              <a:schemeClr val="phClr">
-                <a:lumMod val="105000"/>
-                <a:satMod val="109000"/>
-                <a:tint val="81000"/>
+                <a:tint val="90000"/>
               </a:schemeClr>
             </a:gs>
           </a:gsLst>
@@ -4509,23 +8791,14 @@
           <a:gsLst>
             <a:gs pos="0">
               <a:schemeClr val="phClr">
-                <a:satMod val="103000"/>
-                <a:lumMod val="102000"/>
-                <a:tint val="94000"/>
+                <a:tint val="96000"/>
+                <a:lumMod val="100000"/>
               </a:schemeClr>
             </a:gs>
-            <a:gs pos="50000">
+            <a:gs pos="78000">
               <a:schemeClr val="phClr">
-                <a:satMod val="110000"/>
-                <a:lumMod val="100000"/>
-                <a:shade val="100000"/>
-              </a:schemeClr>
-            </a:gs>
-            <a:gs pos="100000">
-              <a:schemeClr val="phClr">
-                <a:lumMod val="99000"/>
-                <a:satMod val="120000"/>
-                <a:shade val="78000"/>
+                <a:shade val="94000"/>
+                <a:lumMod val="94000"/>
               </a:schemeClr>
             </a:gs>
           </a:gsLst>
@@ -4533,26 +8806,23 @@
         </a:gradFill>
       </a:fillStyleLst>
       <a:lnStyleLst>
-        <a:ln w="12700" cap="flat" cmpd="sng" algn="ctr">
+        <a:ln w="12700" cap="rnd" cmpd="sng" algn="ctr">
           <a:solidFill>
             <a:schemeClr val="phClr"/>
           </a:solidFill>
           <a:prstDash val="solid"/>
-          <a:miter lim="800000"/>
         </a:ln>
-        <a:ln w="19050" cap="flat" cmpd="sng" algn="ctr">
+        <a:ln w="19050" cap="rnd" cmpd="sng" algn="ctr">
           <a:solidFill>
             <a:schemeClr val="phClr"/>
           </a:solidFill>
           <a:prstDash val="solid"/>
-          <a:miter lim="800000"/>
         </a:ln>
-        <a:ln w="25400" cap="flat" cmpd="sng" algn="ctr">
+        <a:ln w="25400" cap="rnd" cmpd="sng" algn="ctr">
           <a:solidFill>
             <a:schemeClr val="phClr"/>
           </a:solidFill>
           <a:prstDash val="solid"/>
-          <a:miter lim="800000"/>
         </a:ln>
       </a:lnStyleLst>
       <a:effectStyleLst>
@@ -4560,83 +8830,81 @@
           <a:effectLst/>
         </a:effectStyle>
         <a:effectStyle>
-          <a:effectLst/>
+          <a:effectLst>
+            <a:outerShdw blurRad="38100" dist="25400" dir="5400000" rotWithShape="0">
+              <a:srgbClr val="000000">
+                <a:alpha val="35000"/>
+              </a:srgbClr>
+            </a:outerShdw>
+          </a:effectLst>
         </a:effectStyle>
         <a:effectStyle>
           <a:effectLst>
-            <a:outerShdw blurRad="57150" dist="19050" dir="5400000" algn="ctr" rotWithShape="0">
+            <a:outerShdw blurRad="50800" dist="38100" dir="5400000" rotWithShape="0">
               <a:srgbClr val="000000">
-                <a:alpha val="63000"/>
+                <a:alpha val="35000"/>
               </a:srgbClr>
             </a:outerShdw>
           </a:effectLst>
+          <a:scene3d>
+            <a:camera prst="orthographicFront">
+              <a:rot lat="0" lon="0" rev="0"/>
+            </a:camera>
+            <a:lightRig rig="threePt" dir="tl"/>
+          </a:scene3d>
+          <a:sp3d prstMaterial="plastic">
+            <a:bevelT w="0" h="0"/>
+          </a:sp3d>
         </a:effectStyle>
       </a:effectStyleLst>
       <a:bgFillStyleLst>
         <a:solidFill>
           <a:schemeClr val="phClr"/>
         </a:solidFill>
-        <a:solidFill>
-          <a:schemeClr val="phClr">
-            <a:tint val="95000"/>
-            <a:satMod val="170000"/>
-          </a:schemeClr>
-        </a:solidFill>
         <a:gradFill rotWithShape="1">
           <a:gsLst>
             <a:gs pos="0">
               <a:schemeClr val="phClr">
-                <a:tint val="93000"/>
-                <a:satMod val="150000"/>
-                <a:shade val="98000"/>
-                <a:lumMod val="102000"/>
+                <a:tint val="90000"/>
+                <a:lumMod val="104000"/>
               </a:schemeClr>
             </a:gs>
-            <a:gs pos="50000">
+            <a:gs pos="94000">
               <a:schemeClr val="phClr">
-                <a:tint val="98000"/>
-                <a:satMod val="130000"/>
-                <a:shade val="90000"/>
-                <a:lumMod val="103000"/>
-              </a:schemeClr>
-            </a:gs>
-            <a:gs pos="100000">
-              <a:schemeClr val="phClr">
-                <a:shade val="63000"/>
-                <a:satMod val="120000"/>
+                <a:shade val="96000"/>
+                <a:lumMod val="82000"/>
               </a:schemeClr>
             </a:gs>
           </a:gsLst>
           <a:lin ang="5400000" scaled="0"/>
         </a:gradFill>
+        <a:gradFill rotWithShape="1">
+          <a:gsLst>
+            <a:gs pos="0">
+              <a:schemeClr val="phClr">
+                <a:tint val="90000"/>
+                <a:lumMod val="110000"/>
+              </a:schemeClr>
+            </a:gs>
+            <a:gs pos="100000">
+              <a:schemeClr val="phClr">
+                <a:shade val="94000"/>
+                <a:lumMod val="96000"/>
+              </a:schemeClr>
+            </a:gs>
+          </a:gsLst>
+          <a:path path="circle">
+            <a:fillToRect l="50000" t="50000" r="100000" b="100000"/>
+          </a:path>
+        </a:gradFill>
       </a:bgFillStyleLst>
     </a:fmtScheme>
   </a:themeElements>
-  <a:objectDefaults>
-    <a:lnDef>
-      <a:spPr/>
-      <a:bodyPr/>
-      <a:lstStyle/>
-      <a:style>
-        <a:lnRef idx="2">
-          <a:schemeClr val="accent1"/>
-        </a:lnRef>
-        <a:fillRef idx="0">
-          <a:schemeClr val="accent1"/>
-        </a:fillRef>
-        <a:effectRef idx="1">
-          <a:schemeClr val="accent1"/>
-        </a:effectRef>
-        <a:fontRef idx="minor">
-          <a:schemeClr val="tx1"/>
-        </a:fontRef>
-      </a:style>
-    </a:lnDef>
-  </a:objectDefaults>
+  <a:objectDefaults/>
   <a:extraClrSchemeLst/>
   <a:extLst>
     <a:ext uri="{05A4C25C-085E-4340-85A3-A5531E510DB2}">
-      <thm15:themeFamily xmlns:thm15="http://schemas.microsoft.com/office/thememl/2012/main" name="Office Theme" id="{2E142A2C-CD16-42D6-873A-C26D2A0506FA}" vid="{1BDDFF52-6CD6-40A5-AB3C-68EB2F1E4D0A}"/>
+      <thm15:themeFamily xmlns:thm15="http://schemas.microsoft.com/office/thememl/2012/main" name="Facet" id="{C0C680CD-088A-49FC-A102-D699147F32B2}" vid="{CFBC31BA-B70F-4F30-BCAA-4F3011E16C4D}"/>
     </a:ext>
   </a:extLst>
 </a:theme>

--- a/Russo_Gaddis_EEP547_project.pptx
+++ b/Russo_Gaddis_EEP547_project.pptx
@@ -13,8 +13,10 @@
     <p:sldId id="261" r:id="rId7"/>
     <p:sldId id="265" r:id="rId8"/>
     <p:sldId id="262" r:id="rId9"/>
-    <p:sldId id="266" r:id="rId10"/>
-    <p:sldId id="263" r:id="rId11"/>
+    <p:sldId id="267" r:id="rId10"/>
+    <p:sldId id="268" r:id="rId11"/>
+    <p:sldId id="266" r:id="rId12"/>
+    <p:sldId id="263" r:id="rId13"/>
   </p:sldIdLst>
   <p:sldSz cx="12192000" cy="6858000"/>
   <p:notesSz cx="6858000" cy="9144000"/>
@@ -288,6 +290,13 @@
               <a:schemeClr val="lt1"/>
             </a:fontRef>
           </p:style>
+          <p:txBody>
+            <a:bodyPr/>
+            <a:lstStyle/>
+            <a:p>
+              <a:endParaRPr lang="en-US"/>
+            </a:p>
+          </p:txBody>
         </p:sp>
         <p:sp>
           <p:nvSpPr>
@@ -351,6 +360,13 @@
               <a:schemeClr val="lt1"/>
             </a:fontRef>
           </p:style>
+          <p:txBody>
+            <a:bodyPr/>
+            <a:lstStyle/>
+            <a:p>
+              <a:endParaRPr lang="en-US"/>
+            </a:p>
+          </p:txBody>
         </p:sp>
         <p:sp>
           <p:nvSpPr>
@@ -392,6 +408,13 @@
               <a:schemeClr val="lt1"/>
             </a:fontRef>
           </p:style>
+          <p:txBody>
+            <a:bodyPr/>
+            <a:lstStyle/>
+            <a:p>
+              <a:endParaRPr lang="en-US"/>
+            </a:p>
+          </p:txBody>
         </p:sp>
         <p:sp>
           <p:nvSpPr>
@@ -456,6 +479,13 @@
               <a:schemeClr val="lt1"/>
             </a:fontRef>
           </p:style>
+          <p:txBody>
+            <a:bodyPr/>
+            <a:lstStyle/>
+            <a:p>
+              <a:endParaRPr lang="en-US"/>
+            </a:p>
+          </p:txBody>
         </p:sp>
         <p:sp>
           <p:nvSpPr>
@@ -521,6 +551,13 @@
               <a:schemeClr val="lt1"/>
             </a:fontRef>
           </p:style>
+          <p:txBody>
+            <a:bodyPr/>
+            <a:lstStyle/>
+            <a:p>
+              <a:endParaRPr lang="en-US"/>
+            </a:p>
+          </p:txBody>
         </p:sp>
         <p:sp>
           <p:nvSpPr>
@@ -584,6 +621,13 @@
               <a:schemeClr val="lt1"/>
             </a:fontRef>
           </p:style>
+          <p:txBody>
+            <a:bodyPr/>
+            <a:lstStyle/>
+            <a:p>
+              <a:endParaRPr lang="en-US"/>
+            </a:p>
+          </p:txBody>
         </p:sp>
         <p:sp>
           <p:nvSpPr>
@@ -625,6 +669,13 @@
               <a:schemeClr val="lt1"/>
             </a:fontRef>
           </p:style>
+          <p:txBody>
+            <a:bodyPr/>
+            <a:lstStyle/>
+            <a:p>
+              <a:endParaRPr lang="en-US"/>
+            </a:p>
+          </p:txBody>
         </p:sp>
         <p:sp>
           <p:nvSpPr>
@@ -666,6 +717,13 @@
               <a:schemeClr val="lt1"/>
             </a:fontRef>
           </p:style>
+          <p:txBody>
+            <a:bodyPr/>
+            <a:lstStyle/>
+            <a:p>
+              <a:endParaRPr lang="en-US"/>
+            </a:p>
+          </p:txBody>
         </p:sp>
       </p:grpSp>
       <p:sp>
@@ -4804,6 +4862,13 @@
               <a:schemeClr val="lt1"/>
             </a:fontRef>
           </p:style>
+          <p:txBody>
+            <a:bodyPr/>
+            <a:lstStyle/>
+            <a:p>
+              <a:endParaRPr lang="en-US"/>
+            </a:p>
+          </p:txBody>
         </p:sp>
         <p:sp>
           <p:nvSpPr>
@@ -4867,6 +4932,13 @@
               <a:schemeClr val="lt1"/>
             </a:fontRef>
           </p:style>
+          <p:txBody>
+            <a:bodyPr/>
+            <a:lstStyle/>
+            <a:p>
+              <a:endParaRPr lang="en-US"/>
+            </a:p>
+          </p:txBody>
         </p:sp>
         <p:sp>
           <p:nvSpPr>
@@ -4908,6 +4980,13 @@
               <a:schemeClr val="lt1"/>
             </a:fontRef>
           </p:style>
+          <p:txBody>
+            <a:bodyPr/>
+            <a:lstStyle/>
+            <a:p>
+              <a:endParaRPr lang="en-US"/>
+            </a:p>
+          </p:txBody>
         </p:sp>
         <p:sp>
           <p:nvSpPr>
@@ -4972,6 +5051,13 @@
               <a:schemeClr val="lt1"/>
             </a:fontRef>
           </p:style>
+          <p:txBody>
+            <a:bodyPr/>
+            <a:lstStyle/>
+            <a:p>
+              <a:endParaRPr lang="en-US"/>
+            </a:p>
+          </p:txBody>
         </p:sp>
         <p:sp>
           <p:nvSpPr>
@@ -5037,6 +5123,13 @@
               <a:schemeClr val="lt1"/>
             </a:fontRef>
           </p:style>
+          <p:txBody>
+            <a:bodyPr/>
+            <a:lstStyle/>
+            <a:p>
+              <a:endParaRPr lang="en-US"/>
+            </a:p>
+          </p:txBody>
         </p:sp>
         <p:sp>
           <p:nvSpPr>
@@ -5100,6 +5193,13 @@
               <a:schemeClr val="lt1"/>
             </a:fontRef>
           </p:style>
+          <p:txBody>
+            <a:bodyPr/>
+            <a:lstStyle/>
+            <a:p>
+              <a:endParaRPr lang="en-US"/>
+            </a:p>
+          </p:txBody>
         </p:sp>
         <p:sp>
           <p:nvSpPr>
@@ -5141,6 +5241,13 @@
               <a:schemeClr val="lt1"/>
             </a:fontRef>
           </p:style>
+          <p:txBody>
+            <a:bodyPr/>
+            <a:lstStyle/>
+            <a:p>
+              <a:endParaRPr lang="en-US"/>
+            </a:p>
+          </p:txBody>
         </p:sp>
         <p:sp>
           <p:nvSpPr>
@@ -5182,6 +5289,13 @@
               <a:schemeClr val="lt1"/>
             </a:fontRef>
           </p:style>
+          <p:txBody>
+            <a:bodyPr/>
+            <a:lstStyle/>
+            <a:p>
+              <a:endParaRPr lang="en-US"/>
+            </a:p>
+          </p:txBody>
         </p:sp>
       </p:grpSp>
       <p:sp>
@@ -5938,6 +6052,202 @@
 </file>
 
 <file path=ppt/slides/slide10.xml><?xml version="1.0" encoding="utf-8"?>
+<p:sld xmlns:a="http://schemas.openxmlformats.org/drawingml/2006/main" xmlns:r="http://schemas.openxmlformats.org/officeDocument/2006/relationships" xmlns:p="http://schemas.openxmlformats.org/presentationml/2006/main">
+  <p:cSld>
+    <p:spTree>
+      <p:nvGrpSpPr>
+        <p:cNvPr id="1" name=""/>
+        <p:cNvGrpSpPr/>
+        <p:nvPr/>
+      </p:nvGrpSpPr>
+      <p:grpSpPr>
+        <a:xfrm>
+          <a:off x="0" y="0"/>
+          <a:ext cx="0" cy="0"/>
+          <a:chOff x="0" y="0"/>
+          <a:chExt cx="0" cy="0"/>
+        </a:xfrm>
+      </p:grpSpPr>
+      <p:sp>
+        <p:nvSpPr>
+          <p:cNvPr id="2" name="Title 1">
+            <a:extLst>
+              <a:ext uri="{FF2B5EF4-FFF2-40B4-BE49-F238E27FC236}">
+                <a16:creationId xmlns:a16="http://schemas.microsoft.com/office/drawing/2014/main" id="{3152E9D1-8C7C-A7A1-8517-685016200CFB}"/>
+              </a:ext>
+            </a:extLst>
+          </p:cNvPr>
+          <p:cNvSpPr>
+            <a:spLocks noGrp="1"/>
+          </p:cNvSpPr>
+          <p:nvPr>
+            <p:ph type="title"/>
+          </p:nvPr>
+        </p:nvSpPr>
+        <p:spPr/>
+        <p:txBody>
+          <a:bodyPr/>
+          <a:lstStyle/>
+          <a:p>
+            <a:r>
+              <a:rPr lang="en-US" dirty="0"/>
+              <a:t>Video proof? – LQR Controller</a:t>
+            </a:r>
+          </a:p>
+        </p:txBody>
+      </p:sp>
+      <p:sp>
+        <p:nvSpPr>
+          <p:cNvPr id="3" name="Content Placeholder 2">
+            <a:extLst>
+              <a:ext uri="{FF2B5EF4-FFF2-40B4-BE49-F238E27FC236}">
+                <a16:creationId xmlns:a16="http://schemas.microsoft.com/office/drawing/2014/main" id="{A24399AF-BA4F-7F2A-861D-980ED1F86C41}"/>
+              </a:ext>
+            </a:extLst>
+          </p:cNvPr>
+          <p:cNvSpPr>
+            <a:spLocks noGrp="1"/>
+          </p:cNvSpPr>
+          <p:nvPr>
+            <p:ph idx="1"/>
+          </p:nvPr>
+        </p:nvSpPr>
+        <p:spPr/>
+        <p:txBody>
+          <a:bodyPr/>
+          <a:lstStyle/>
+          <a:p>
+            <a:endParaRPr lang="en-US"/>
+          </a:p>
+        </p:txBody>
+      </p:sp>
+    </p:spTree>
+    <p:extLst>
+      <p:ext uri="{BB962C8B-B14F-4D97-AF65-F5344CB8AC3E}">
+        <p14:creationId xmlns:p14="http://schemas.microsoft.com/office/powerpoint/2010/main" val="4149289812"/>
+      </p:ext>
+    </p:extLst>
+  </p:cSld>
+  <p:clrMapOvr>
+    <a:masterClrMapping/>
+  </p:clrMapOvr>
+</p:sld>
+</file>
+
+<file path=ppt/slides/slide11.xml><?xml version="1.0" encoding="utf-8"?>
+<p:sld xmlns:a="http://schemas.openxmlformats.org/drawingml/2006/main" xmlns:r="http://schemas.openxmlformats.org/officeDocument/2006/relationships" xmlns:p="http://schemas.openxmlformats.org/presentationml/2006/main">
+  <p:cSld>
+    <p:spTree>
+      <p:nvGrpSpPr>
+        <p:cNvPr id="1" name=""/>
+        <p:cNvGrpSpPr/>
+        <p:nvPr/>
+      </p:nvGrpSpPr>
+      <p:grpSpPr>
+        <a:xfrm>
+          <a:off x="0" y="0"/>
+          <a:ext cx="0" cy="0"/>
+          <a:chOff x="0" y="0"/>
+          <a:chExt cx="0" cy="0"/>
+        </a:xfrm>
+      </p:grpSpPr>
+      <p:sp>
+        <p:nvSpPr>
+          <p:cNvPr id="2" name="Title 1">
+            <a:extLst>
+              <a:ext uri="{FF2B5EF4-FFF2-40B4-BE49-F238E27FC236}">
+                <a16:creationId xmlns:a16="http://schemas.microsoft.com/office/drawing/2014/main" id="{AE2D5CF1-196F-37FD-687F-F38B90C67E3B}"/>
+              </a:ext>
+            </a:extLst>
+          </p:cNvPr>
+          <p:cNvSpPr>
+            <a:spLocks noGrp="1"/>
+          </p:cNvSpPr>
+          <p:nvPr>
+            <p:ph type="title"/>
+          </p:nvPr>
+        </p:nvSpPr>
+        <p:spPr/>
+        <p:txBody>
+          <a:bodyPr/>
+          <a:lstStyle/>
+          <a:p>
+            <a:r>
+              <a:rPr lang="en-US" dirty="0"/>
+              <a:t>Challenges</a:t>
+            </a:r>
+          </a:p>
+        </p:txBody>
+      </p:sp>
+      <p:sp>
+        <p:nvSpPr>
+          <p:cNvPr id="3" name="Content Placeholder 2">
+            <a:extLst>
+              <a:ext uri="{FF2B5EF4-FFF2-40B4-BE49-F238E27FC236}">
+                <a16:creationId xmlns:a16="http://schemas.microsoft.com/office/drawing/2014/main" id="{C901FEEF-3BF4-8897-FDE1-84E776916968}"/>
+              </a:ext>
+            </a:extLst>
+          </p:cNvPr>
+          <p:cNvSpPr>
+            <a:spLocks noGrp="1"/>
+          </p:cNvSpPr>
+          <p:nvPr>
+            <p:ph idx="1"/>
+          </p:nvPr>
+        </p:nvSpPr>
+        <p:spPr/>
+        <p:txBody>
+          <a:bodyPr/>
+          <a:lstStyle/>
+          <a:p>
+            <a:endParaRPr lang="en-US"/>
+          </a:p>
+        </p:txBody>
+      </p:sp>
+      <p:pic>
+        <p:nvPicPr>
+          <p:cNvPr id="16" name="Content Placeholder 15">
+            <a:extLst>
+              <a:ext uri="{FF2B5EF4-FFF2-40B4-BE49-F238E27FC236}">
+                <a16:creationId xmlns:a16="http://schemas.microsoft.com/office/drawing/2014/main" id="{359FB152-8816-C547-BE73-C084969C18AE}"/>
+              </a:ext>
+            </a:extLst>
+          </p:cNvPr>
+          <p:cNvPicPr>
+            <a:picLocks noChangeAspect="1"/>
+          </p:cNvPicPr>
+          <p:nvPr/>
+        </p:nvPicPr>
+        <p:blipFill>
+          <a:blip r:embed="rId2"/>
+          <a:stretch>
+            <a:fillRect/>
+          </a:stretch>
+        </p:blipFill>
+        <p:spPr>
+          <a:xfrm>
+            <a:off x="2897716" y="1554731"/>
+            <a:ext cx="6780700" cy="3627675"/>
+          </a:xfrm>
+          <a:prstGeom prst="rect">
+            <a:avLst/>
+          </a:prstGeom>
+        </p:spPr>
+      </p:pic>
+    </p:spTree>
+    <p:extLst>
+      <p:ext uri="{BB962C8B-B14F-4D97-AF65-F5344CB8AC3E}">
+        <p14:creationId xmlns:p14="http://schemas.microsoft.com/office/powerpoint/2010/main" val="1523555182"/>
+      </p:ext>
+    </p:extLst>
+  </p:cSld>
+  <p:clrMapOvr>
+    <a:masterClrMapping/>
+  </p:clrMapOvr>
+</p:sld>
+</file>
+
+<file path=ppt/slides/slide12.xml><?xml version="1.0" encoding="utf-8"?>
 <p:sld xmlns:a="http://schemas.openxmlformats.org/drawingml/2006/main" xmlns:r="http://schemas.openxmlformats.org/officeDocument/2006/relationships" xmlns:p="http://schemas.openxmlformats.org/presentationml/2006/main">
   <p:cSld>
     <p:bg>
@@ -8497,7 +8807,7 @@
           <a:p>
             <a:r>
               <a:rPr lang="en-US" dirty="0"/>
-              <a:t>Video proof?</a:t>
+              <a:t>Video proof? Feedback with Estimator</a:t>
             </a:r>
           </a:p>
         </p:txBody>
@@ -8562,7 +8872,7 @@
           <p:cNvPr id="2" name="Title 1">
             <a:extLst>
               <a:ext uri="{FF2B5EF4-FFF2-40B4-BE49-F238E27FC236}">
-                <a16:creationId xmlns:a16="http://schemas.microsoft.com/office/drawing/2014/main" id="{AE2D5CF1-196F-37FD-687F-F38B90C67E3B}"/>
+                <a16:creationId xmlns:a16="http://schemas.microsoft.com/office/drawing/2014/main" id="{3AA63204-56BD-DF7B-FA80-16AE7AA4323B}"/>
               </a:ext>
             </a:extLst>
           </p:cNvPr>
@@ -8580,8 +8890,13 @@
           <a:p>
             <a:r>
               <a:rPr lang="en-US" dirty="0"/>
-              <a:t>Challenges</a:t>
-            </a:r>
+              <a:t>Video proof? – </a:t>
+            </a:r>
+            <a:r>
+              <a:rPr lang="en-US"/>
+              <a:t>PID Controller</a:t>
+            </a:r>
+            <a:endParaRPr lang="en-US" dirty="0"/>
           </a:p>
         </p:txBody>
       </p:sp>
@@ -8590,7 +8905,7 @@
           <p:cNvPr id="3" name="Content Placeholder 2">
             <a:extLst>
               <a:ext uri="{FF2B5EF4-FFF2-40B4-BE49-F238E27FC236}">
-                <a16:creationId xmlns:a16="http://schemas.microsoft.com/office/drawing/2014/main" id="{C901FEEF-3BF4-8897-FDE1-84E776916968}"/>
+                <a16:creationId xmlns:a16="http://schemas.microsoft.com/office/drawing/2014/main" id="{20591265-1AEA-E6A7-0B29-185C8DA619F9}"/>
               </a:ext>
             </a:extLst>
           </p:cNvPr>
@@ -8610,40 +8925,10 @@
           </a:p>
         </p:txBody>
       </p:sp>
-      <p:pic>
-        <p:nvPicPr>
-          <p:cNvPr id="16" name="Content Placeholder 15">
-            <a:extLst>
-              <a:ext uri="{FF2B5EF4-FFF2-40B4-BE49-F238E27FC236}">
-                <a16:creationId xmlns:a16="http://schemas.microsoft.com/office/drawing/2014/main" id="{359FB152-8816-C547-BE73-C084969C18AE}"/>
-              </a:ext>
-            </a:extLst>
-          </p:cNvPr>
-          <p:cNvPicPr>
-            <a:picLocks noChangeAspect="1"/>
-          </p:cNvPicPr>
-          <p:nvPr/>
-        </p:nvPicPr>
-        <p:blipFill>
-          <a:blip r:embed="rId2"/>
-          <a:stretch>
-            <a:fillRect/>
-          </a:stretch>
-        </p:blipFill>
-        <p:spPr>
-          <a:xfrm>
-            <a:off x="2897716" y="1554731"/>
-            <a:ext cx="6780700" cy="3627675"/>
-          </a:xfrm>
-          <a:prstGeom prst="rect">
-            <a:avLst/>
-          </a:prstGeom>
-        </p:spPr>
-      </p:pic>
     </p:spTree>
     <p:extLst>
       <p:ext uri="{BB962C8B-B14F-4D97-AF65-F5344CB8AC3E}">
-        <p14:creationId xmlns:p14="http://schemas.microsoft.com/office/powerpoint/2010/main" val="1523555182"/>
+        <p14:creationId xmlns:p14="http://schemas.microsoft.com/office/powerpoint/2010/main" val="428186377"/>
       </p:ext>
     </p:extLst>
   </p:cSld>

--- a/Russo_Gaddis_EEP547_project.pptx
+++ b/Russo_Gaddis_EEP547_project.pptx
@@ -15,8 +15,9 @@
     <p:sldId id="262" r:id="rId9"/>
     <p:sldId id="267" r:id="rId10"/>
     <p:sldId id="268" r:id="rId11"/>
-    <p:sldId id="266" r:id="rId12"/>
-    <p:sldId id="263" r:id="rId13"/>
+    <p:sldId id="269" r:id="rId12"/>
+    <p:sldId id="266" r:id="rId13"/>
+    <p:sldId id="263" r:id="rId14"/>
   </p:sldIdLst>
   <p:sldSz cx="12192000" cy="6858000"/>
   <p:notesSz cx="6858000" cy="9144000"/>
@@ -901,7 +902,7 @@
           <a:p>
             <a:fld id="{E5439DC8-76EB-4A8A-AFCB-02BC78CA92B0}" type="datetimeFigureOut">
               <a:rPr lang="en-US" smtClean="0"/>
-              <a:t>12/1/2025</a:t>
+              <a:t>12/2/2025</a:t>
             </a:fld>
             <a:endParaRPr lang="en-US"/>
           </a:p>
@@ -1152,7 +1153,7 @@
           <a:p>
             <a:fld id="{E5439DC8-76EB-4A8A-AFCB-02BC78CA92B0}" type="datetimeFigureOut">
               <a:rPr lang="en-US" smtClean="0"/>
-              <a:t>12/1/2025</a:t>
+              <a:t>12/2/2025</a:t>
             </a:fld>
             <a:endParaRPr lang="en-US"/>
           </a:p>
@@ -1466,7 +1467,7 @@
           <a:p>
             <a:fld id="{E5439DC8-76EB-4A8A-AFCB-02BC78CA92B0}" type="datetimeFigureOut">
               <a:rPr lang="en-US" smtClean="0"/>
-              <a:t>12/1/2025</a:t>
+              <a:t>12/2/2025</a:t>
             </a:fld>
             <a:endParaRPr lang="en-US"/>
           </a:p>
@@ -1807,7 +1808,7 @@
           <a:p>
             <a:fld id="{E5439DC8-76EB-4A8A-AFCB-02BC78CA92B0}" type="datetimeFigureOut">
               <a:rPr lang="en-US" smtClean="0"/>
-              <a:t>12/1/2025</a:t>
+              <a:t>12/2/2025</a:t>
             </a:fld>
             <a:endParaRPr lang="en-US"/>
           </a:p>
@@ -2121,7 +2122,7 @@
           <a:p>
             <a:fld id="{E5439DC8-76EB-4A8A-AFCB-02BC78CA92B0}" type="datetimeFigureOut">
               <a:rPr lang="en-US" smtClean="0"/>
-              <a:t>12/1/2025</a:t>
+              <a:t>12/2/2025</a:t>
             </a:fld>
             <a:endParaRPr lang="en-US"/>
           </a:p>
@@ -2514,7 +2515,7 @@
           <a:p>
             <a:fld id="{E5439DC8-76EB-4A8A-AFCB-02BC78CA92B0}" type="datetimeFigureOut">
               <a:rPr lang="en-US" smtClean="0"/>
-              <a:t>12/1/2025</a:t>
+              <a:t>12/2/2025</a:t>
             </a:fld>
             <a:endParaRPr lang="en-US"/>
           </a:p>
@@ -2684,7 +2685,7 @@
           <a:p>
             <a:fld id="{E5439DC8-76EB-4A8A-AFCB-02BC78CA92B0}" type="datetimeFigureOut">
               <a:rPr lang="en-US" smtClean="0"/>
-              <a:t>12/1/2025</a:t>
+              <a:t>12/2/2025</a:t>
             </a:fld>
             <a:endParaRPr lang="en-US"/>
           </a:p>
@@ -2864,7 +2865,7 @@
           <a:p>
             <a:fld id="{E5439DC8-76EB-4A8A-AFCB-02BC78CA92B0}" type="datetimeFigureOut">
               <a:rPr lang="en-US" smtClean="0"/>
-              <a:t>12/1/2025</a:t>
+              <a:t>12/2/2025</a:t>
             </a:fld>
             <a:endParaRPr lang="en-US"/>
           </a:p>
@@ -3040,7 +3041,7 @@
           <a:p>
             <a:fld id="{E5439DC8-76EB-4A8A-AFCB-02BC78CA92B0}" type="datetimeFigureOut">
               <a:rPr lang="en-US" smtClean="0"/>
-              <a:t>12/1/2025</a:t>
+              <a:t>12/2/2025</a:t>
             </a:fld>
             <a:endParaRPr lang="en-US"/>
           </a:p>
@@ -3287,7 +3288,7 @@
           <a:p>
             <a:fld id="{E5439DC8-76EB-4A8A-AFCB-02BC78CA92B0}" type="datetimeFigureOut">
               <a:rPr lang="en-US" smtClean="0"/>
-              <a:t>12/1/2025</a:t>
+              <a:t>12/2/2025</a:t>
             </a:fld>
             <a:endParaRPr lang="en-US"/>
           </a:p>
@@ -3519,7 +3520,7 @@
           <a:p>
             <a:fld id="{E5439DC8-76EB-4A8A-AFCB-02BC78CA92B0}" type="datetimeFigureOut">
               <a:rPr lang="en-US" smtClean="0"/>
-              <a:t>12/1/2025</a:t>
+              <a:t>12/2/2025</a:t>
             </a:fld>
             <a:endParaRPr lang="en-US"/>
           </a:p>
@@ -3893,7 +3894,7 @@
           <a:p>
             <a:fld id="{E5439DC8-76EB-4A8A-AFCB-02BC78CA92B0}" type="datetimeFigureOut">
               <a:rPr lang="en-US" smtClean="0"/>
-              <a:t>12/1/2025</a:t>
+              <a:t>12/2/2025</a:t>
             </a:fld>
             <a:endParaRPr lang="en-US"/>
           </a:p>
@@ -4016,7 +4017,7 @@
           <a:p>
             <a:fld id="{E5439DC8-76EB-4A8A-AFCB-02BC78CA92B0}" type="datetimeFigureOut">
               <a:rPr lang="en-US" smtClean="0"/>
-              <a:t>12/1/2025</a:t>
+              <a:t>12/2/2025</a:t>
             </a:fld>
             <a:endParaRPr lang="en-US"/>
           </a:p>
@@ -4111,7 +4112,7 @@
           <a:p>
             <a:fld id="{E5439DC8-76EB-4A8A-AFCB-02BC78CA92B0}" type="datetimeFigureOut">
               <a:rPr lang="en-US" smtClean="0"/>
-              <a:t>12/1/2025</a:t>
+              <a:t>12/2/2025</a:t>
             </a:fld>
             <a:endParaRPr lang="en-US"/>
           </a:p>
@@ -4366,7 +4367,7 @@
           <a:p>
             <a:fld id="{E5439DC8-76EB-4A8A-AFCB-02BC78CA92B0}" type="datetimeFigureOut">
               <a:rPr lang="en-US" smtClean="0"/>
-              <a:t>12/1/2025</a:t>
+              <a:t>12/2/2025</a:t>
             </a:fld>
             <a:endParaRPr lang="en-US"/>
           </a:p>
@@ -4629,7 +4630,7 @@
           <a:p>
             <a:fld id="{E5439DC8-76EB-4A8A-AFCB-02BC78CA92B0}" type="datetimeFigureOut">
               <a:rPr lang="en-US" smtClean="0"/>
-              <a:t>12/1/2025</a:t>
+              <a:t>12/2/2025</a:t>
             </a:fld>
             <a:endParaRPr lang="en-US"/>
           </a:p>
@@ -5428,7 +5429,7 @@
           <a:p>
             <a:fld id="{E5439DC8-76EB-4A8A-AFCB-02BC78CA92B0}" type="datetimeFigureOut">
               <a:rPr lang="en-US" smtClean="0"/>
-              <a:t>12/1/2025</a:t>
+              <a:t>12/2/2025</a:t>
             </a:fld>
             <a:endParaRPr lang="en-US"/>
           </a:p>
@@ -6156,6 +6157,89 @@
           <p:cNvPr id="2" name="Title 1">
             <a:extLst>
               <a:ext uri="{FF2B5EF4-FFF2-40B4-BE49-F238E27FC236}">
+                <a16:creationId xmlns:a16="http://schemas.microsoft.com/office/drawing/2014/main" id="{60F9D645-1544-4E27-33A1-B64E376D6C2F}"/>
+              </a:ext>
+            </a:extLst>
+          </p:cNvPr>
+          <p:cNvSpPr>
+            <a:spLocks noGrp="1"/>
+          </p:cNvSpPr>
+          <p:nvPr>
+            <p:ph type="title"/>
+          </p:nvPr>
+        </p:nvSpPr>
+        <p:spPr/>
+        <p:txBody>
+          <a:bodyPr/>
+          <a:lstStyle/>
+          <a:p>
+            <a:r>
+              <a:rPr lang="en-US" dirty="0"/>
+              <a:t>Sensor</a:t>
+            </a:r>
+          </a:p>
+        </p:txBody>
+      </p:sp>
+      <p:sp>
+        <p:nvSpPr>
+          <p:cNvPr id="3" name="Content Placeholder 2">
+            <a:extLst>
+              <a:ext uri="{FF2B5EF4-FFF2-40B4-BE49-F238E27FC236}">
+                <a16:creationId xmlns:a16="http://schemas.microsoft.com/office/drawing/2014/main" id="{612467D9-405B-E1D9-720B-84F9A35BC0DF}"/>
+              </a:ext>
+            </a:extLst>
+          </p:cNvPr>
+          <p:cNvSpPr>
+            <a:spLocks noGrp="1"/>
+          </p:cNvSpPr>
+          <p:nvPr>
+            <p:ph idx="1"/>
+          </p:nvPr>
+        </p:nvSpPr>
+        <p:spPr/>
+        <p:txBody>
+          <a:bodyPr/>
+          <a:lstStyle/>
+          <a:p>
+            <a:endParaRPr lang="en-US"/>
+          </a:p>
+        </p:txBody>
+      </p:sp>
+    </p:spTree>
+    <p:extLst>
+      <p:ext uri="{BB962C8B-B14F-4D97-AF65-F5344CB8AC3E}">
+        <p14:creationId xmlns:p14="http://schemas.microsoft.com/office/powerpoint/2010/main" val="256201707"/>
+      </p:ext>
+    </p:extLst>
+  </p:cSld>
+  <p:clrMapOvr>
+    <a:masterClrMapping/>
+  </p:clrMapOvr>
+</p:sld>
+</file>
+
+<file path=ppt/slides/slide12.xml><?xml version="1.0" encoding="utf-8"?>
+<p:sld xmlns:a="http://schemas.openxmlformats.org/drawingml/2006/main" xmlns:r="http://schemas.openxmlformats.org/officeDocument/2006/relationships" xmlns:p="http://schemas.openxmlformats.org/presentationml/2006/main">
+  <p:cSld>
+    <p:spTree>
+      <p:nvGrpSpPr>
+        <p:cNvPr id="1" name=""/>
+        <p:cNvGrpSpPr/>
+        <p:nvPr/>
+      </p:nvGrpSpPr>
+      <p:grpSpPr>
+        <a:xfrm>
+          <a:off x="0" y="0"/>
+          <a:ext cx="0" cy="0"/>
+          <a:chOff x="0" y="0"/>
+          <a:chExt cx="0" cy="0"/>
+        </a:xfrm>
+      </p:grpSpPr>
+      <p:sp>
+        <p:nvSpPr>
+          <p:cNvPr id="2" name="Title 1">
+            <a:extLst>
+              <a:ext uri="{FF2B5EF4-FFF2-40B4-BE49-F238E27FC236}">
                 <a16:creationId xmlns:a16="http://schemas.microsoft.com/office/drawing/2014/main" id="{AE2D5CF1-196F-37FD-687F-F38B90C67E3B}"/>
               </a:ext>
             </a:extLst>
@@ -6247,7 +6331,7 @@
 </p:sld>
 </file>
 
-<file path=ppt/slides/slide12.xml><?xml version="1.0" encoding="utf-8"?>
+<file path=ppt/slides/slide13.xml><?xml version="1.0" encoding="utf-8"?>
 <p:sld xmlns:a="http://schemas.openxmlformats.org/drawingml/2006/main" xmlns:r="http://schemas.openxmlformats.org/officeDocument/2006/relationships" xmlns:p="http://schemas.openxmlformats.org/presentationml/2006/main">
   <p:cSld>
     <p:bg>
@@ -7224,7 +7308,7 @@
           <a:p>
             <a:r>
               <a:rPr lang="en-US" dirty="0"/>
-              <a:t>Model</a:t>
+              <a:t>Models</a:t>
             </a:r>
           </a:p>
         </p:txBody>
@@ -7247,13 +7331,56 @@
         </p:nvSpPr>
         <p:spPr/>
         <p:txBody>
-          <a:bodyPr/>
+          <a:bodyPr>
+            <a:normAutofit/>
+          </a:bodyPr>
           <a:lstStyle/>
           <a:p>
             <a:r>
-              <a:rPr lang="en-US" dirty="0"/>
-              <a:t>?</a:t>
-            </a:r>
+              <a:rPr lang="en-US" sz="2400" dirty="0"/>
+              <a:t>3 different models to get the inverted pendulum</a:t>
+            </a:r>
+          </a:p>
+          <a:p>
+            <a:pPr lvl="1"/>
+            <a:r>
+              <a:rPr lang="en-US" sz="2000" dirty="0"/>
+              <a:t>Feedback controller with state estimator (closed-loop full-dimensional observer)</a:t>
+            </a:r>
+          </a:p>
+          <a:p>
+            <a:pPr lvl="1"/>
+            <a:r>
+              <a:rPr lang="en-US" sz="2000" dirty="0"/>
+              <a:t>PID controller</a:t>
+            </a:r>
+          </a:p>
+          <a:p>
+            <a:pPr lvl="1"/>
+            <a:r>
+              <a:rPr lang="en-US" sz="2000" dirty="0"/>
+              <a:t>LQR controller</a:t>
+            </a:r>
+          </a:p>
+          <a:p>
+            <a:pPr lvl="1"/>
+            <a:endParaRPr lang="en-US" sz="2000" dirty="0"/>
+          </a:p>
+          <a:p>
+            <a:r>
+              <a:rPr lang="en-US" sz="2400" dirty="0"/>
+              <a:t>All 3 where tested, but what was used?</a:t>
+            </a:r>
+          </a:p>
+          <a:p>
+            <a:pPr lvl="1"/>
+            <a:r>
+              <a:rPr lang="en-US" sz="2000" dirty="0"/>
+              <a:t>LQR controller~!</a:t>
+            </a:r>
+          </a:p>
+          <a:p>
+            <a:endParaRPr lang="en-US" sz="2000" dirty="0"/>
           </a:p>
         </p:txBody>
       </p:sp>
@@ -7334,8 +7461,8 @@
         </p:nvSpPr>
         <p:spPr>
           <a:xfrm>
-            <a:off x="677334" y="1930401"/>
-            <a:ext cx="8596668" cy="4110962"/>
+            <a:off x="677334" y="1930400"/>
+            <a:ext cx="8596668" cy="4317999"/>
           </a:xfrm>
         </p:spPr>
         <p:txBody>
@@ -7345,57 +7472,57 @@
           <a:lstStyle/>
           <a:p>
             <a:r>
-              <a:rPr lang="en-US" dirty="0"/>
+              <a:rPr lang="en-US" sz="2000" dirty="0"/>
               <a:t>A = </a:t>
             </a:r>
           </a:p>
           <a:p>
-            <a:endParaRPr lang="en-US" dirty="0"/>
-          </a:p>
-          <a:p>
-            <a:endParaRPr lang="en-US" dirty="0"/>
-          </a:p>
-          <a:p>
-            <a:endParaRPr lang="en-US" dirty="0"/>
+            <a:endParaRPr lang="en-US" sz="2000" dirty="0"/>
+          </a:p>
+          <a:p>
+            <a:endParaRPr lang="en-US" sz="2000" dirty="0"/>
+          </a:p>
+          <a:p>
+            <a:endParaRPr lang="en-US" sz="2000" dirty="0"/>
           </a:p>
           <a:p>
             <a:pPr fontAlgn="base"/>
             <a:r>
-              <a:rPr lang="nl-NL" dirty="0"/>
+              <a:rPr lang="nl-NL" sz="2000" dirty="0"/>
               <a:t>Eigenvalues: 0, -578.8, 6.3332, -6.2592</a:t>
             </a:r>
           </a:p>
           <a:p>
             <a:r>
-              <a:rPr lang="en-US" dirty="0"/>
+              <a:rPr lang="en-US" sz="2000" dirty="0"/>
               <a:t>Roots: </a:t>
             </a:r>
             <a:r>
-              <a:rPr lang="nl-NL" dirty="0"/>
+              <a:rPr lang="nl-NL" sz="2000" dirty="0"/>
               <a:t>0, -578.8, 6.3332, -6.2592</a:t>
             </a:r>
           </a:p>
           <a:p>
-            <a:endParaRPr lang="nl-NL" dirty="0"/>
-          </a:p>
-          <a:p>
-            <a:r>
-              <a:rPr lang="nl-NL" dirty="0"/>
+            <a:endParaRPr lang="nl-NL" sz="2000" dirty="0"/>
+          </a:p>
+          <a:p>
+            <a:r>
+              <a:rPr lang="nl-NL" sz="2000" dirty="0"/>
               <a:t>No stability</a:t>
             </a:r>
           </a:p>
           <a:p>
             <a:pPr lvl="1"/>
             <a:r>
-              <a:rPr lang="en-US" dirty="0"/>
+              <a:rPr lang="en-US" sz="1800" dirty="0"/>
               <a:t>Asymptotically stable? – positive eigenvalue</a:t>
             </a:r>
-            <a:endParaRPr lang="nl-NL" dirty="0"/>
+            <a:endParaRPr lang="nl-NL" sz="1800" dirty="0"/>
           </a:p>
           <a:p>
             <a:pPr lvl="1"/>
             <a:r>
-              <a:rPr lang="nl-NL" dirty="0"/>
+              <a:rPr lang="nl-NL" sz="1800" dirty="0"/>
               <a:t>BIBO stable? – positive root</a:t>
             </a:r>
           </a:p>
@@ -7792,7 +7919,7 @@
         </p:nvSpPr>
         <p:spPr>
           <a:xfrm>
-            <a:off x="3395133" y="3527832"/>
+            <a:off x="3784597" y="3598951"/>
             <a:ext cx="972164" cy="529168"/>
           </a:xfrm>
           <a:prstGeom prst="ellipse">
@@ -7846,7 +7973,7 @@
         </p:nvSpPr>
         <p:spPr>
           <a:xfrm>
-            <a:off x="2743200" y="3898672"/>
+            <a:off x="2945166" y="4026516"/>
             <a:ext cx="1041397" cy="529168"/>
           </a:xfrm>
           <a:prstGeom prst="ellipse">
@@ -7960,39 +8087,41 @@
         </p:nvSpPr>
         <p:spPr/>
         <p:txBody>
-          <a:bodyPr/>
+          <a:bodyPr>
+            <a:normAutofit/>
+          </a:bodyPr>
           <a:lstStyle/>
           <a:p>
             <a:pPr marL="0" indent="0">
               <a:buNone/>
             </a:pPr>
-            <a:endParaRPr lang="en-US" dirty="0"/>
-          </a:p>
-          <a:p>
-            <a:r>
-              <a:rPr lang="en-US" dirty="0"/>
+            <a:endParaRPr lang="en-US" sz="2400" dirty="0"/>
+          </a:p>
+          <a:p>
+            <a:r>
+              <a:rPr lang="en-US" sz="2400" dirty="0"/>
               <a:t>Length(A) = 4</a:t>
             </a:r>
           </a:p>
           <a:p>
-            <a:endParaRPr lang="en-US" dirty="0"/>
-          </a:p>
-          <a:p>
-            <a:r>
-              <a:rPr lang="en-US" dirty="0" err="1"/>
+            <a:endParaRPr lang="en-US" sz="2400" dirty="0"/>
+          </a:p>
+          <a:p>
+            <a:r>
+              <a:rPr lang="en-US" sz="2400" dirty="0" err="1"/>
               <a:t>ctrbRank</a:t>
             </a:r>
             <a:r>
-              <a:rPr lang="en-US" dirty="0"/>
+              <a:rPr lang="en-US" sz="2400" dirty="0"/>
               <a:t> = 4</a:t>
             </a:r>
           </a:p>
           <a:p>
-            <a:endParaRPr lang="en-US" dirty="0"/>
-          </a:p>
-          <a:p>
-            <a:r>
-              <a:rPr lang="en-US" dirty="0"/>
+            <a:endParaRPr lang="en-US" sz="2400" dirty="0"/>
+          </a:p>
+          <a:p>
+            <a:r>
+              <a:rPr lang="en-US" sz="2400" dirty="0"/>
               <a:t>Controllable – able to reach any new state with controlled input</a:t>
             </a:r>
           </a:p>
@@ -8104,39 +8233,41 @@
         </p:nvSpPr>
         <p:spPr/>
         <p:txBody>
-          <a:bodyPr/>
+          <a:bodyPr>
+            <a:normAutofit/>
+          </a:bodyPr>
           <a:lstStyle/>
           <a:p>
             <a:pPr marL="0" indent="0">
               <a:buNone/>
             </a:pPr>
-            <a:endParaRPr lang="en-US" dirty="0"/>
-          </a:p>
-          <a:p>
-            <a:r>
-              <a:rPr lang="en-US" dirty="0"/>
+            <a:endParaRPr lang="en-US" sz="2400" dirty="0"/>
+          </a:p>
+          <a:p>
+            <a:r>
+              <a:rPr lang="en-US" sz="2400" dirty="0"/>
               <a:t>Length(A) = 4</a:t>
             </a:r>
           </a:p>
           <a:p>
-            <a:endParaRPr lang="en-US" dirty="0"/>
-          </a:p>
-          <a:p>
-            <a:r>
-              <a:rPr lang="en-US" dirty="0" err="1"/>
+            <a:endParaRPr lang="en-US" sz="2400" dirty="0"/>
+          </a:p>
+          <a:p>
+            <a:r>
+              <a:rPr lang="en-US" sz="2400" dirty="0" err="1"/>
               <a:t>obsvRank</a:t>
             </a:r>
             <a:r>
-              <a:rPr lang="en-US" dirty="0"/>
+              <a:rPr lang="en-US" sz="2400" dirty="0"/>
               <a:t> = 4</a:t>
             </a:r>
           </a:p>
           <a:p>
-            <a:endParaRPr lang="en-US" dirty="0"/>
-          </a:p>
-          <a:p>
-            <a:r>
-              <a:rPr lang="en-US" dirty="0"/>
+            <a:endParaRPr lang="en-US" sz="2400" dirty="0"/>
+          </a:p>
+          <a:p>
+            <a:r>
+              <a:rPr lang="en-US" sz="2400" dirty="0"/>
               <a:t>Observable – all states can be known from the output</a:t>
             </a:r>
           </a:p>
@@ -8230,34 +8361,175 @@
           </a:p>
         </p:txBody>
       </p:sp>
-      <p:sp>
-        <p:nvSpPr>
-          <p:cNvPr id="3" name="Content Placeholder 2">
+      <mc:AlternateContent xmlns:mc="http://schemas.openxmlformats.org/markup-compatibility/2006">
+        <mc:Choice xmlns:a14="http://schemas.microsoft.com/office/drawing/2010/main" Requires="a14">
+          <p:sp>
+            <p:nvSpPr>
+              <p:cNvPr id="3" name="Content Placeholder 2">
+                <a:extLst>
+                  <a:ext uri="{FF2B5EF4-FFF2-40B4-BE49-F238E27FC236}">
+                    <a16:creationId xmlns:a16="http://schemas.microsoft.com/office/drawing/2014/main" id="{06F4CFE0-C68C-0C39-DAF0-5047D069741B}"/>
+                  </a:ext>
+                </a:extLst>
+              </p:cNvPr>
+              <p:cNvSpPr>
+                <a:spLocks noGrp="1"/>
+              </p:cNvSpPr>
+              <p:nvPr>
+                <p:ph idx="1"/>
+              </p:nvPr>
+            </p:nvSpPr>
+            <p:spPr>
+              <a:xfrm>
+                <a:off x="677334" y="2160589"/>
+                <a:ext cx="5071533" cy="3880773"/>
+              </a:xfrm>
+            </p:spPr>
+            <p:txBody>
+              <a:bodyPr>
+                <a:normAutofit/>
+              </a:bodyPr>
+              <a:lstStyle/>
+              <a:p>
+                <a:r>
+                  <a:rPr lang="en-US" sz="2000" dirty="0"/>
+                  <a:t>Using closed-loop full-dimensional observer</a:t>
+                </a:r>
+              </a:p>
+              <a:p>
+                <a:pPr lvl="1"/>
+                <a:r>
+                  <a:rPr lang="en-US" sz="1800" dirty="0"/>
+                  <a:t>Able to create model that quickly dampens to zero</a:t>
+                </a:r>
+              </a:p>
+              <a:p>
+                <a:pPr lvl="1"/>
+                <a:endParaRPr lang="en-US" sz="1800" dirty="0"/>
+              </a:p>
+              <a:p>
+                <a:r>
+                  <a:rPr lang="en-US" sz="2000" dirty="0"/>
+                  <a:t>Expected error for the observer is on the magnitude of </a:t>
+                </a:r>
+                <a14:m>
+                  <m:oMath xmlns:m="http://schemas.openxmlformats.org/officeDocument/2006/math">
+                    <m:sSup>
+                      <m:sSupPr>
+                        <m:ctrlPr>
+                          <a:rPr lang="en-US" sz="2000" i="1" smtClean="0">
+                            <a:latin typeface="Cambria Math" panose="02040503050406030204" pitchFamily="18" charset="0"/>
+                          </a:rPr>
+                        </m:ctrlPr>
+                      </m:sSupPr>
+                      <m:e>
+                        <m:r>
+                          <a:rPr lang="en-US" sz="2000" b="0" i="1" smtClean="0">
+                            <a:latin typeface="Cambria Math" panose="02040503050406030204" pitchFamily="18" charset="0"/>
+                          </a:rPr>
+                          <m:t>10</m:t>
+                        </m:r>
+                      </m:e>
+                      <m:sup>
+                        <m:r>
+                          <a:rPr lang="en-US" sz="2000" b="0" i="1" smtClean="0">
+                            <a:latin typeface="Cambria Math" panose="02040503050406030204" pitchFamily="18" charset="0"/>
+                          </a:rPr>
+                          <m:t>−7</m:t>
+                        </m:r>
+                      </m:sup>
+                    </m:sSup>
+                  </m:oMath>
+                </a14:m>
+                <a:r>
+                  <a:rPr lang="en-US" sz="2000" dirty="0"/>
+                  <a:t> </a:t>
+                </a:r>
+              </a:p>
+              <a:p>
+                <a:pPr lvl="1"/>
+                <a:r>
+                  <a:rPr lang="en-US" sz="1800" dirty="0"/>
+                  <a:t>Less than the micro scale for error!</a:t>
+                </a:r>
+              </a:p>
+            </p:txBody>
+          </p:sp>
+        </mc:Choice>
+        <mc:Fallback>
+          <p:sp>
+            <p:nvSpPr>
+              <p:cNvPr id="3" name="Content Placeholder 2">
+                <a:extLst>
+                  <a:ext uri="{FF2B5EF4-FFF2-40B4-BE49-F238E27FC236}">
+                    <a16:creationId xmlns:a16="http://schemas.microsoft.com/office/drawing/2014/main" id="{06F4CFE0-C68C-0C39-DAF0-5047D069741B}"/>
+                  </a:ext>
+                </a:extLst>
+              </p:cNvPr>
+              <p:cNvSpPr>
+                <a:spLocks noGrp="1" noRot="1" noChangeAspect="1" noMove="1" noResize="1" noEditPoints="1" noAdjustHandles="1" noChangeArrowheads="1" noChangeShapeType="1" noTextEdit="1"/>
+              </p:cNvSpPr>
+              <p:nvPr>
+                <p:ph idx="1"/>
+              </p:nvPr>
+            </p:nvSpPr>
+            <p:spPr>
+              <a:xfrm>
+                <a:off x="677334" y="2160589"/>
+                <a:ext cx="5071533" cy="3880773"/>
+              </a:xfrm>
+              <a:blipFill>
+                <a:blip r:embed="rId2"/>
+                <a:stretch>
+                  <a:fillRect l="-481" t="-942"/>
+                </a:stretch>
+              </a:blipFill>
+            </p:spPr>
+            <p:txBody>
+              <a:bodyPr/>
+              <a:lstStyle/>
+              <a:p>
+                <a:r>
+                  <a:rPr lang="en-US">
+                    <a:noFill/>
+                  </a:rPr>
+                  <a:t> </a:t>
+                </a:r>
+              </a:p>
+            </p:txBody>
+          </p:sp>
+        </mc:Fallback>
+      </mc:AlternateContent>
+      <p:pic>
+        <p:nvPicPr>
+          <p:cNvPr id="7" name="Picture 6">
             <a:extLst>
               <a:ext uri="{FF2B5EF4-FFF2-40B4-BE49-F238E27FC236}">
-                <a16:creationId xmlns:a16="http://schemas.microsoft.com/office/drawing/2014/main" id="{06F4CFE0-C68C-0C39-DAF0-5047D069741B}"/>
+                <a16:creationId xmlns:a16="http://schemas.microsoft.com/office/drawing/2014/main" id="{B3EEFD79-D963-A00A-13AF-2D96AEBCA367}"/>
               </a:ext>
             </a:extLst>
           </p:cNvPr>
-          <p:cNvSpPr>
-            <a:spLocks noGrp="1"/>
-          </p:cNvSpPr>
-          <p:nvPr>
-            <p:ph idx="1"/>
-          </p:nvPr>
-        </p:nvSpPr>
-        <p:spPr/>
-        <p:txBody>
-          <a:bodyPr/>
-          <a:lstStyle/>
-          <a:p>
-            <a:r>
-              <a:rPr lang="en-US" dirty="0"/>
-              <a:t>?</a:t>
-            </a:r>
-          </a:p>
-        </p:txBody>
-      </p:sp>
+          <p:cNvPicPr>
+            <a:picLocks noChangeAspect="1"/>
+          </p:cNvPicPr>
+          <p:nvPr/>
+        </p:nvPicPr>
+        <p:blipFill>
+          <a:blip r:embed="rId3"/>
+          <a:stretch>
+            <a:fillRect/>
+          </a:stretch>
+        </p:blipFill>
+        <p:spPr>
+          <a:xfrm>
+            <a:off x="5394676" y="1422400"/>
+            <a:ext cx="6510260" cy="4393624"/>
+          </a:xfrm>
+          <a:prstGeom prst="rect">
+            <a:avLst/>
+          </a:prstGeom>
+        </p:spPr>
+      </p:pic>
     </p:spTree>
     <p:extLst>
       <p:ext uri="{BB962C8B-B14F-4D97-AF65-F5344CB8AC3E}">
@@ -8340,57 +8612,59 @@
         </p:nvSpPr>
         <p:spPr/>
         <p:txBody>
-          <a:bodyPr/>
+          <a:bodyPr>
+            <a:normAutofit/>
+          </a:bodyPr>
           <a:lstStyle/>
           <a:p>
             <a:r>
-              <a:rPr lang="en-US" dirty="0" err="1"/>
+              <a:rPr lang="en-US" sz="2000" dirty="0" err="1"/>
               <a:t>desiredPropGainPoles</a:t>
             </a:r>
             <a:r>
-              <a:rPr lang="en-US" dirty="0"/>
+              <a:rPr lang="en-US" sz="2000" dirty="0"/>
               <a:t> = [-24, -18, -16, -12];</a:t>
             </a:r>
           </a:p>
           <a:p>
-            <a:endParaRPr lang="en-US" dirty="0"/>
-          </a:p>
-          <a:p>
-            <a:r>
-              <a:rPr lang="en-US" dirty="0" err="1"/>
+            <a:endParaRPr lang="en-US" sz="2000" dirty="0"/>
+          </a:p>
+          <a:p>
+            <a:r>
+              <a:rPr lang="en-US" sz="2000" dirty="0" err="1"/>
               <a:t>A_cl</a:t>
             </a:r>
             <a:r>
-              <a:rPr lang="en-US" dirty="0"/>
+              <a:rPr lang="en-US" sz="2000" dirty="0"/>
               <a:t> = A-BK = </a:t>
             </a:r>
           </a:p>
           <a:p>
-            <a:endParaRPr lang="en-US" dirty="0"/>
-          </a:p>
-          <a:p>
-            <a:endParaRPr lang="en-US" dirty="0"/>
-          </a:p>
-          <a:p>
-            <a:endParaRPr lang="en-US" dirty="0"/>
-          </a:p>
-          <a:p>
-            <a:r>
-              <a:rPr lang="en-US" dirty="0"/>
+            <a:endParaRPr lang="en-US" sz="2000" dirty="0"/>
+          </a:p>
+          <a:p>
+            <a:endParaRPr lang="en-US" sz="2000" dirty="0"/>
+          </a:p>
+          <a:p>
+            <a:endParaRPr lang="en-US" sz="2000" dirty="0"/>
+          </a:p>
+          <a:p>
+            <a:r>
+              <a:rPr lang="en-US" sz="2000" dirty="0"/>
               <a:t>Closed-loop eigenvalues = [-24, -18, -16, -12];</a:t>
             </a:r>
           </a:p>
           <a:p>
-            <a:endParaRPr lang="en-US" dirty="0"/>
-          </a:p>
-          <a:p>
-            <a:r>
-              <a:rPr lang="en-US" dirty="0"/>
+            <a:endParaRPr lang="en-US" sz="2000" dirty="0"/>
+          </a:p>
+          <a:p>
+            <a:r>
+              <a:rPr lang="en-US" sz="2000" dirty="0"/>
               <a:t>System Stable~!</a:t>
             </a:r>
           </a:p>
           <a:p>
-            <a:endParaRPr lang="en-US" dirty="0"/>
+            <a:endParaRPr lang="en-US" sz="2000" dirty="0"/>
           </a:p>
         </p:txBody>
       </p:sp>
@@ -8409,13 +8683,13 @@
           <p:nvPr>
             <p:extLst>
               <p:ext uri="{D42A27DB-BD31-4B8C-83A1-F6EECF244321}">
-                <p14:modId xmlns:p14="http://schemas.microsoft.com/office/powerpoint/2010/main" val="1714517693"/>
+                <p14:modId xmlns:p14="http://schemas.microsoft.com/office/powerpoint/2010/main" val="3772183378"/>
               </p:ext>
             </p:extLst>
           </p:nvPr>
         </p:nvGraphicFramePr>
         <p:xfrm>
-          <a:off x="2603038" y="2973388"/>
+          <a:off x="2713105" y="2964921"/>
           <a:ext cx="6469844" cy="1483360"/>
         </p:xfrm>
         <a:graphic>
